--- a/slides/00_b_DevEnv.pptx
+++ b/slides/00_b_DevEnv.pptx
@@ -5,24 +5,25 @@
     <p:sldMasterId id="2147483712" r:id="rId1"/>
   </p:sldMasterIdLst>
   <p:notesMasterIdLst>
-    <p:notesMasterId r:id="rId8"/>
+    <p:notesMasterId r:id="rId9"/>
   </p:notesMasterIdLst>
   <p:handoutMasterIdLst>
-    <p:handoutMasterId r:id="rId9"/>
+    <p:handoutMasterId r:id="rId10"/>
   </p:handoutMasterIdLst>
   <p:sldIdLst>
     <p:sldId id="257" r:id="rId2"/>
-    <p:sldId id="259" r:id="rId3"/>
-    <p:sldId id="261" r:id="rId4"/>
-    <p:sldId id="262" r:id="rId5"/>
-    <p:sldId id="263" r:id="rId6"/>
-    <p:sldId id="264" r:id="rId7"/>
+    <p:sldId id="265" r:id="rId3"/>
+    <p:sldId id="264" r:id="rId4"/>
+    <p:sldId id="259" r:id="rId5"/>
+    <p:sldId id="261" r:id="rId6"/>
+    <p:sldId id="263" r:id="rId7"/>
+    <p:sldId id="262" r:id="rId8"/>
   </p:sldIdLst>
   <p:sldSz cx="12192000" cy="6858000"/>
   <p:notesSz cx="6858000" cy="9144000"/>
   <p:defaultTextStyle>
     <a:defPPr rtl="0">
-      <a:defRPr lang="de-de"/>
+      <a:defRPr lang="de-DE"/>
     </a:defPPr>
     <a:lvl1pPr marL="0" algn="l" defTabSz="914400" rtl="0" eaLnBrk="1" latinLnBrk="0" hangingPunct="1">
       <a:defRPr sz="1800" kern="1200">
@@ -117,10 +118,10 @@
   </p:defaultTextStyle>
   <p:extLst>
     <p:ext uri="{EFAFB233-063F-42B5-8137-9DF3F51BA10A}">
-      <p15:sldGuideLst xmlns:p15="http://schemas.microsoft.com/office/powerpoint/2012/main"/>
+      <p15:sldGuideLst xmlns:p15="http://schemas.microsoft.com/office/powerpoint/2012/main" xmlns=""/>
     </p:ext>
     <p:ext uri="{2D200454-40CA-4A62-9FC3-DE9A4176ACB9}">
-      <p15:notesGuideLst xmlns:p15="http://schemas.microsoft.com/office/powerpoint/2012/main"/>
+      <p15:notesGuideLst xmlns:p15="http://schemas.microsoft.com/office/powerpoint/2012/main" xmlns=""/>
     </p:ext>
   </p:extLst>
 </p:presentation>
@@ -210,7 +211,8 @@
             <a:pPr rtl="0"/>
             <a:fld id="{764ED9EE-8F2A-4E06-87A2-36C0DD0993FD}" type="datetime1">
               <a:rPr lang="de-DE" smtClean="0"/>
-              <a:t>26.10.2020</a:t>
+              <a:pPr rtl="0"/>
+              <a:t>29.10.2020</a:t>
             </a:fld>
             <a:endParaRPr lang="en-US" dirty="0"/>
           </a:p>
@@ -278,6 +280,7 @@
             <a:pPr rtl="0"/>
             <a:fld id="{A975D426-A9DD-4244-A2CE-1FB6623742C7}" type="slidenum">
               <a:rPr lang="en-US" smtClean="0"/>
+              <a:pPr rtl="0"/>
               <a:t>‹Nr.›</a:t>
             </a:fld>
             <a:endParaRPr lang="en-US"/>
@@ -287,7 +290,7 @@
     </p:spTree>
     <p:extLst>
       <p:ext uri="{BB962C8B-B14F-4D97-AF65-F5344CB8AC3E}">
-        <p14:creationId xmlns:p14="http://schemas.microsoft.com/office/powerpoint/2010/main" val="882484457"/>
+        <p14:creationId xmlns:p14="http://schemas.microsoft.com/office/powerpoint/2010/main" xmlns="" val="882484457"/>
       </p:ext>
     </p:extLst>
   </p:cSld>
@@ -380,7 +383,8 @@
             <a:pPr rtl="0"/>
             <a:fld id="{A5A5ADE8-1FB8-43FD-A675-2B613EE00B6F}" type="datetime1">
               <a:rPr lang="de-DE" smtClean="0"/>
-              <a:t>26.10.2020</a:t>
+              <a:pPr rtl="0"/>
+              <a:t>29.10.2020</a:t>
             </a:fld>
             <a:endParaRPr lang="en-US"/>
           </a:p>
@@ -543,6 +547,7 @@
             <a:pPr rtl="0"/>
             <a:fld id="{01B41D33-19C8-4450-B3C5-BE83E9C8F0BC}" type="slidenum">
               <a:rPr lang="en-US" smtClean="0"/>
+              <a:pPr rtl="0"/>
               <a:t>‹Nr.›</a:t>
             </a:fld>
             <a:endParaRPr lang="en-US"/>
@@ -552,7 +557,7 @@
     </p:spTree>
     <p:extLst>
       <p:ext uri="{BB962C8B-B14F-4D97-AF65-F5344CB8AC3E}">
-        <p14:creationId xmlns:p14="http://schemas.microsoft.com/office/powerpoint/2010/main" val="3571455252"/>
+        <p14:creationId xmlns:p14="http://schemas.microsoft.com/office/powerpoint/2010/main" xmlns="" val="3571455252"/>
       </p:ext>
     </p:extLst>
   </p:cSld>
@@ -875,7 +880,7 @@
           <p:cNvPr id="8" name="Datumsplatzhalter 7">
             <a:extLst>
               <a:ext uri="{FF2B5EF4-FFF2-40B4-BE49-F238E27FC236}">
-                <a16:creationId xmlns:a16="http://schemas.microsoft.com/office/drawing/2014/main" id="{7FA0ACE7-29A8-47D3-A7D9-257B711D8023}"/>
+                <a16:creationId xmlns:a16="http://schemas.microsoft.com/office/drawing/2014/main" xmlns="" id="{7FA0ACE7-29A8-47D3-A7D9-257B711D8023}"/>
               </a:ext>
             </a:extLst>
           </p:cNvPr>
@@ -894,7 +899,8 @@
             <a:pPr rtl="0"/>
             <a:fld id="{81E9C95E-BEF0-4D2E-9127-B9099B238D2A}" type="datetime1">
               <a:rPr lang="de-DE" smtClean="0"/>
-              <a:t>26.10.2020</a:t>
+              <a:pPr rtl="0"/>
+              <a:t>29.10.2020</a:t>
             </a:fld>
             <a:endParaRPr lang="en-US" dirty="0"/>
           </a:p>
@@ -905,7 +911,7 @@
           <p:cNvPr id="9" name="Fußzeilenplatzhalter 8">
             <a:extLst>
               <a:ext uri="{FF2B5EF4-FFF2-40B4-BE49-F238E27FC236}">
-                <a16:creationId xmlns:a16="http://schemas.microsoft.com/office/drawing/2014/main" id="{DEC604B9-52E9-4810-8359-47206518D038}"/>
+                <a16:creationId xmlns:a16="http://schemas.microsoft.com/office/drawing/2014/main" xmlns="" id="{DEC604B9-52E9-4810-8359-47206518D038}"/>
               </a:ext>
             </a:extLst>
           </p:cNvPr>
@@ -931,7 +937,7 @@
           <p:cNvPr id="10" name="Foliennummernplatzhalter 9">
             <a:extLst>
               <a:ext uri="{FF2B5EF4-FFF2-40B4-BE49-F238E27FC236}">
-                <a16:creationId xmlns:a16="http://schemas.microsoft.com/office/drawing/2014/main" id="{5898A89F-CA25-400F-B05A-AECBF2517E4F}"/>
+                <a16:creationId xmlns:a16="http://schemas.microsoft.com/office/drawing/2014/main" xmlns="" id="{5898A89F-CA25-400F-B05A-AECBF2517E4F}"/>
               </a:ext>
             </a:extLst>
           </p:cNvPr>
@@ -950,6 +956,7 @@
             <a:pPr rtl="0"/>
             <a:fld id="{3A98EE3D-8CD1-4C3F-BD1C-C98C9596463C}" type="slidenum">
               <a:rPr lang="en-US" smtClean="0"/>
+              <a:pPr rtl="0"/>
               <a:t>‹Nr.›</a:t>
             </a:fld>
             <a:endParaRPr lang="en-US" dirty="0"/>
@@ -959,7 +966,7 @@
     </p:spTree>
     <p:extLst>
       <p:ext uri="{BB962C8B-B14F-4D97-AF65-F5344CB8AC3E}">
-        <p14:creationId xmlns:p14="http://schemas.microsoft.com/office/powerpoint/2010/main" val="490017585"/>
+        <p14:creationId xmlns:p14="http://schemas.microsoft.com/office/powerpoint/2010/main" xmlns="" val="490017585"/>
       </p:ext>
     </p:extLst>
   </p:cSld>
@@ -1101,7 +1108,8 @@
             <a:pPr rtl="0"/>
             <a:fld id="{FE771757-BB18-44C5-813E-435E78C98126}" type="datetime1">
               <a:rPr lang="de-DE" smtClean="0"/>
-              <a:t>26.10.2020</a:t>
+              <a:pPr rtl="0"/>
+              <a:t>29.10.2020</a:t>
             </a:fld>
             <a:endParaRPr lang="en-US" dirty="0"/>
           </a:p>
@@ -1145,6 +1153,7 @@
             <a:pPr rtl="0"/>
             <a:fld id="{3A98EE3D-8CD1-4C3F-BD1C-C98C9596463C}" type="slidenum">
               <a:rPr lang="en-US" smtClean="0"/>
+              <a:pPr rtl="0"/>
               <a:t>‹Nr.›</a:t>
             </a:fld>
             <a:endParaRPr lang="en-US" dirty="0"/>
@@ -1154,7 +1163,7 @@
     </p:spTree>
     <p:extLst>
       <p:ext uri="{BB962C8B-B14F-4D97-AF65-F5344CB8AC3E}">
-        <p14:creationId xmlns:p14="http://schemas.microsoft.com/office/powerpoint/2010/main" val="1283591147"/>
+        <p14:creationId xmlns:p14="http://schemas.microsoft.com/office/powerpoint/2010/main" xmlns="" val="1283591147"/>
       </p:ext>
     </p:extLst>
   </p:cSld>
@@ -1319,7 +1328,7 @@
           <p:cNvPr id="8" name="Rechteck 7">
             <a:extLst>
               <a:ext uri="{FF2B5EF4-FFF2-40B4-BE49-F238E27FC236}">
-                <a16:creationId xmlns:a16="http://schemas.microsoft.com/office/drawing/2014/main" id="{F6423B97-A5D4-47B9-8861-73B3707A04CF}"/>
+                <a16:creationId xmlns:a16="http://schemas.microsoft.com/office/drawing/2014/main" xmlns="" id="{F6423B97-A5D4-47B9-8861-73B3707A04CF}"/>
               </a:ext>
             </a:extLst>
           </p:cNvPr>
@@ -1362,7 +1371,7 @@
           <p:cNvPr id="9" name="Rechteck 8">
             <a:extLst>
               <a:ext uri="{FF2B5EF4-FFF2-40B4-BE49-F238E27FC236}">
-                <a16:creationId xmlns:a16="http://schemas.microsoft.com/office/drawing/2014/main" id="{1AEC0421-37B4-4481-A10D-69FDF5EC7909}"/>
+                <a16:creationId xmlns:a16="http://schemas.microsoft.com/office/drawing/2014/main" xmlns="" id="{1AEC0421-37B4-4481-A10D-69FDF5EC7909}"/>
               </a:ext>
             </a:extLst>
           </p:cNvPr>
@@ -1405,7 +1414,7 @@
           <p:cNvPr id="10" name="Rechteck 9">
             <a:extLst>
               <a:ext uri="{FF2B5EF4-FFF2-40B4-BE49-F238E27FC236}">
-                <a16:creationId xmlns:a16="http://schemas.microsoft.com/office/drawing/2014/main" id="{5F7265B5-9F97-4F1E-99E9-74F7B7E62337}"/>
+                <a16:creationId xmlns:a16="http://schemas.microsoft.com/office/drawing/2014/main" xmlns="" id="{5F7265B5-9F97-4F1E-99E9-74F7B7E62337}"/>
               </a:ext>
             </a:extLst>
           </p:cNvPr>
@@ -1448,7 +1457,7 @@
           <p:cNvPr id="11" name="Datumsplatzhalter 10">
             <a:extLst>
               <a:ext uri="{FF2B5EF4-FFF2-40B4-BE49-F238E27FC236}">
-                <a16:creationId xmlns:a16="http://schemas.microsoft.com/office/drawing/2014/main" id="{5C74A470-3BD3-4F33-80E5-67E6E87FCBE7}"/>
+                <a16:creationId xmlns:a16="http://schemas.microsoft.com/office/drawing/2014/main" xmlns="" id="{5C74A470-3BD3-4F33-80E5-67E6E87FCBE7}"/>
               </a:ext>
             </a:extLst>
           </p:cNvPr>
@@ -1467,7 +1476,8 @@
             <a:pPr rtl="0"/>
             <a:fld id="{B83FACD6-565C-4118-ACD0-32ACCA9AF940}" type="datetime1">
               <a:rPr lang="de-DE" smtClean="0"/>
-              <a:t>26.10.2020</a:t>
+              <a:pPr rtl="0"/>
+              <a:t>29.10.2020</a:t>
             </a:fld>
             <a:endParaRPr lang="en-US" dirty="0"/>
           </a:p>
@@ -1478,7 +1488,7 @@
           <p:cNvPr id="12" name="Fußzeilenplatzhalter 11">
             <a:extLst>
               <a:ext uri="{FF2B5EF4-FFF2-40B4-BE49-F238E27FC236}">
-                <a16:creationId xmlns:a16="http://schemas.microsoft.com/office/drawing/2014/main" id="{9A3A30BA-DB50-4D7D-BCDE-17D20FB354DF}"/>
+                <a16:creationId xmlns:a16="http://schemas.microsoft.com/office/drawing/2014/main" xmlns="" id="{9A3A30BA-DB50-4D7D-BCDE-17D20FB354DF}"/>
               </a:ext>
             </a:extLst>
           </p:cNvPr>
@@ -1504,7 +1514,7 @@
           <p:cNvPr id="13" name="Foliennummernplatzhalter 12">
             <a:extLst>
               <a:ext uri="{FF2B5EF4-FFF2-40B4-BE49-F238E27FC236}">
-                <a16:creationId xmlns:a16="http://schemas.microsoft.com/office/drawing/2014/main" id="{76FF9E58-C0B2-436B-A21C-DB45A00D6515}"/>
+                <a16:creationId xmlns:a16="http://schemas.microsoft.com/office/drawing/2014/main" xmlns="" id="{76FF9E58-C0B2-436B-A21C-DB45A00D6515}"/>
               </a:ext>
             </a:extLst>
           </p:cNvPr>
@@ -1523,6 +1533,7 @@
             <a:pPr rtl="0"/>
             <a:fld id="{3A98EE3D-8CD1-4C3F-BD1C-C98C9596463C}" type="slidenum">
               <a:rPr lang="en-US" smtClean="0"/>
+              <a:pPr rtl="0"/>
               <a:t>‹Nr.›</a:t>
             </a:fld>
             <a:endParaRPr lang="en-US" dirty="0"/>
@@ -1532,7 +1543,7 @@
     </p:spTree>
     <p:extLst>
       <p:ext uri="{BB962C8B-B14F-4D97-AF65-F5344CB8AC3E}">
-        <p14:creationId xmlns:p14="http://schemas.microsoft.com/office/powerpoint/2010/main" val="3388849626"/>
+        <p14:creationId xmlns:p14="http://schemas.microsoft.com/office/powerpoint/2010/main" xmlns="" val="3388849626"/>
       </p:ext>
     </p:extLst>
   </p:cSld>
@@ -1650,7 +1661,7 @@
           <p:cNvPr id="8" name="Datumsplatzhalter 7">
             <a:extLst>
               <a:ext uri="{FF2B5EF4-FFF2-40B4-BE49-F238E27FC236}">
-                <a16:creationId xmlns:a16="http://schemas.microsoft.com/office/drawing/2014/main" id="{770E6237-3456-439F-802D-3BA93FC7E3E5}"/>
+                <a16:creationId xmlns:a16="http://schemas.microsoft.com/office/drawing/2014/main" xmlns="" id="{770E6237-3456-439F-802D-3BA93FC7E3E5}"/>
               </a:ext>
             </a:extLst>
           </p:cNvPr>
@@ -1669,7 +1680,8 @@
             <a:pPr rtl="0"/>
             <a:fld id="{83627DD0-092D-4AD9-AAE0-0513E170352E}" type="datetime1">
               <a:rPr lang="de-DE" smtClean="0"/>
-              <a:t>26.10.2020</a:t>
+              <a:pPr rtl="0"/>
+              <a:t>29.10.2020</a:t>
             </a:fld>
             <a:endParaRPr lang="en-US" dirty="0"/>
           </a:p>
@@ -1680,7 +1692,7 @@
           <p:cNvPr id="9" name="Fußzeilenplatzhalter 8">
             <a:extLst>
               <a:ext uri="{FF2B5EF4-FFF2-40B4-BE49-F238E27FC236}">
-                <a16:creationId xmlns:a16="http://schemas.microsoft.com/office/drawing/2014/main" id="{1356D3B5-6063-4A89-B88F-9D3043916FF8}"/>
+                <a16:creationId xmlns:a16="http://schemas.microsoft.com/office/drawing/2014/main" xmlns="" id="{1356D3B5-6063-4A89-B88F-9D3043916FF8}"/>
               </a:ext>
             </a:extLst>
           </p:cNvPr>
@@ -1706,7 +1718,7 @@
           <p:cNvPr id="10" name="Foliennummernplatzhalter 9">
             <a:extLst>
               <a:ext uri="{FF2B5EF4-FFF2-40B4-BE49-F238E27FC236}">
-                <a16:creationId xmlns:a16="http://schemas.microsoft.com/office/drawing/2014/main" id="{02B78BF7-69D3-4CE0-A631-50EFD41EEEB8}"/>
+                <a16:creationId xmlns:a16="http://schemas.microsoft.com/office/drawing/2014/main" xmlns="" id="{02B78BF7-69D3-4CE0-A631-50EFD41EEEB8}"/>
               </a:ext>
             </a:extLst>
           </p:cNvPr>
@@ -1725,6 +1737,7 @@
             <a:pPr rtl="0"/>
             <a:fld id="{3A98EE3D-8CD1-4C3F-BD1C-C98C9596463C}" type="slidenum">
               <a:rPr lang="en-US" smtClean="0"/>
+              <a:pPr rtl="0"/>
               <a:t>‹Nr.›</a:t>
             </a:fld>
             <a:endParaRPr lang="en-US" dirty="0"/>
@@ -1734,7 +1747,7 @@
     </p:spTree>
     <p:extLst>
       <p:ext uri="{BB962C8B-B14F-4D97-AF65-F5344CB8AC3E}">
-        <p14:creationId xmlns:p14="http://schemas.microsoft.com/office/powerpoint/2010/main" val="852443411"/>
+        <p14:creationId xmlns:p14="http://schemas.microsoft.com/office/powerpoint/2010/main" xmlns="" val="852443411"/>
       </p:ext>
     </p:extLst>
   </p:cSld>
@@ -1966,7 +1979,7 @@
           <p:cNvPr id="7" name="Datumsplatzhalter 6">
             <a:extLst>
               <a:ext uri="{FF2B5EF4-FFF2-40B4-BE49-F238E27FC236}">
-                <a16:creationId xmlns:a16="http://schemas.microsoft.com/office/drawing/2014/main" id="{61582016-5696-4A93-887F-BBB3B9002FE5}"/>
+                <a16:creationId xmlns:a16="http://schemas.microsoft.com/office/drawing/2014/main" xmlns="" id="{61582016-5696-4A93-887F-BBB3B9002FE5}"/>
               </a:ext>
             </a:extLst>
           </p:cNvPr>
@@ -1985,7 +1998,8 @@
             <a:pPr rtl="0"/>
             <a:fld id="{F36CBEDB-B1DE-4F8C-AD4A-10AD3F77E1A9}" type="datetime1">
               <a:rPr lang="de-DE" smtClean="0"/>
-              <a:t>26.10.2020</a:t>
+              <a:pPr rtl="0"/>
+              <a:t>29.10.2020</a:t>
             </a:fld>
             <a:endParaRPr lang="en-US" dirty="0"/>
           </a:p>
@@ -1996,7 +2010,7 @@
           <p:cNvPr id="9" name="Fußzeilenplatzhalter 8">
             <a:extLst>
               <a:ext uri="{FF2B5EF4-FFF2-40B4-BE49-F238E27FC236}">
-                <a16:creationId xmlns:a16="http://schemas.microsoft.com/office/drawing/2014/main" id="{857CFCD5-1192-4E18-8A8F-29E153B44DA4}"/>
+                <a16:creationId xmlns:a16="http://schemas.microsoft.com/office/drawing/2014/main" xmlns="" id="{857CFCD5-1192-4E18-8A8F-29E153B44DA4}"/>
               </a:ext>
             </a:extLst>
           </p:cNvPr>
@@ -2022,7 +2036,7 @@
           <p:cNvPr id="10" name="Foliennummernplatzhalter 9">
             <a:extLst>
               <a:ext uri="{FF2B5EF4-FFF2-40B4-BE49-F238E27FC236}">
-                <a16:creationId xmlns:a16="http://schemas.microsoft.com/office/drawing/2014/main" id="{E39A109E-5018-4794-92B3-FD5E5BCD95E8}"/>
+                <a16:creationId xmlns:a16="http://schemas.microsoft.com/office/drawing/2014/main" xmlns="" id="{E39A109E-5018-4794-92B3-FD5E5BCD95E8}"/>
               </a:ext>
             </a:extLst>
           </p:cNvPr>
@@ -2041,6 +2055,7 @@
             <a:pPr rtl="0"/>
             <a:fld id="{3A98EE3D-8CD1-4C3F-BD1C-C98C9596463C}" type="slidenum">
               <a:rPr lang="en-US" smtClean="0"/>
+              <a:pPr rtl="0"/>
               <a:t>‹Nr.›</a:t>
             </a:fld>
             <a:endParaRPr lang="en-US" dirty="0"/>
@@ -2050,7 +2065,7 @@
     </p:spTree>
     <p:extLst>
       <p:ext uri="{BB962C8B-B14F-4D97-AF65-F5344CB8AC3E}">
-        <p14:creationId xmlns:p14="http://schemas.microsoft.com/office/powerpoint/2010/main" val="366680978"/>
+        <p14:creationId xmlns:p14="http://schemas.microsoft.com/office/powerpoint/2010/main" xmlns="" val="366680978"/>
       </p:ext>
     </p:extLst>
   </p:cSld>
@@ -2242,7 +2257,8 @@
             <a:pPr rtl="0"/>
             <a:fld id="{F95AE019-BB99-4C3A-AA2C-A36C39CE4DCB}" type="datetime1">
               <a:rPr lang="de-DE" smtClean="0"/>
-              <a:t>26.10.2020</a:t>
+              <a:pPr rtl="0"/>
+              <a:t>29.10.2020</a:t>
             </a:fld>
             <a:endParaRPr lang="en-US" dirty="0"/>
           </a:p>
@@ -2286,6 +2302,7 @@
             <a:pPr rtl="0"/>
             <a:fld id="{3A98EE3D-8CD1-4C3F-BD1C-C98C9596463C}" type="slidenum">
               <a:rPr lang="en-US" smtClean="0"/>
+              <a:pPr rtl="0"/>
               <a:t>‹Nr.›</a:t>
             </a:fld>
             <a:endParaRPr lang="en-US" dirty="0"/>
@@ -2295,7 +2312,7 @@
     </p:spTree>
     <p:extLst>
       <p:ext uri="{BB962C8B-B14F-4D97-AF65-F5344CB8AC3E}">
-        <p14:creationId xmlns:p14="http://schemas.microsoft.com/office/powerpoint/2010/main" val="2483323219"/>
+        <p14:creationId xmlns:p14="http://schemas.microsoft.com/office/powerpoint/2010/main" xmlns="" val="2483323219"/>
       </p:ext>
     </p:extLst>
   </p:cSld>
@@ -2668,7 +2685,8 @@
             <a:pPr rtl="0"/>
             <a:fld id="{117FAFC6-AD0C-4B5B-B8B0-E729C6D4C810}" type="datetime1">
               <a:rPr lang="de-DE" smtClean="0"/>
-              <a:t>26.10.2020</a:t>
+              <a:pPr rtl="0"/>
+              <a:t>29.10.2020</a:t>
             </a:fld>
             <a:endParaRPr lang="en-US" dirty="0"/>
           </a:p>
@@ -2712,6 +2730,7 @@
             <a:pPr rtl="0"/>
             <a:fld id="{3A98EE3D-8CD1-4C3F-BD1C-C98C9596463C}" type="slidenum">
               <a:rPr lang="en-US" smtClean="0"/>
+              <a:pPr rtl="0"/>
               <a:t>‹Nr.›</a:t>
             </a:fld>
             <a:endParaRPr lang="en-US" dirty="0"/>
@@ -2721,7 +2740,7 @@
     </p:spTree>
     <p:extLst>
       <p:ext uri="{BB962C8B-B14F-4D97-AF65-F5344CB8AC3E}">
-        <p14:creationId xmlns:p14="http://schemas.microsoft.com/office/powerpoint/2010/main" val="1748046589"/>
+        <p14:creationId xmlns:p14="http://schemas.microsoft.com/office/powerpoint/2010/main" xmlns="" val="1748046589"/>
       </p:ext>
     </p:extLst>
   </p:cSld>
@@ -2795,7 +2814,8 @@
             <a:pPr rtl="0"/>
             <a:fld id="{607DEF3C-A2B0-4F78-836D-1A1B1DEE5467}" type="datetime1">
               <a:rPr lang="de-DE" smtClean="0"/>
-              <a:t>26.10.2020</a:t>
+              <a:pPr rtl="0"/>
+              <a:t>29.10.2020</a:t>
             </a:fld>
             <a:endParaRPr lang="en-US" dirty="0"/>
           </a:p>
@@ -2839,6 +2859,7 @@
             <a:pPr rtl="0"/>
             <a:fld id="{3A98EE3D-8CD1-4C3F-BD1C-C98C9596463C}" type="slidenum">
               <a:rPr lang="en-US" smtClean="0"/>
+              <a:pPr rtl="0"/>
               <a:t>‹Nr.›</a:t>
             </a:fld>
             <a:endParaRPr lang="en-US" dirty="0"/>
@@ -2848,7 +2869,7 @@
     </p:spTree>
     <p:extLst>
       <p:ext uri="{BB962C8B-B14F-4D97-AF65-F5344CB8AC3E}">
-        <p14:creationId xmlns:p14="http://schemas.microsoft.com/office/powerpoint/2010/main" val="112936382"/>
+        <p14:creationId xmlns:p14="http://schemas.microsoft.com/office/powerpoint/2010/main" xmlns="" val="112936382"/>
       </p:ext>
     </p:extLst>
   </p:cSld>
@@ -2893,7 +2914,8 @@
             <a:pPr rtl="0"/>
             <a:fld id="{D971D44B-9C44-467E-B481-41466CDBD2A7}" type="datetime1">
               <a:rPr lang="de-DE" smtClean="0"/>
-              <a:t>26.10.2020</a:t>
+              <a:pPr rtl="0"/>
+              <a:t>29.10.2020</a:t>
             </a:fld>
             <a:endParaRPr lang="en-US" dirty="0"/>
           </a:p>
@@ -2937,6 +2959,7 @@
             <a:pPr rtl="0"/>
             <a:fld id="{3A98EE3D-8CD1-4C3F-BD1C-C98C9596463C}" type="slidenum">
               <a:rPr lang="en-US" smtClean="0"/>
+              <a:pPr rtl="0"/>
               <a:t>‹Nr.›</a:t>
             </a:fld>
             <a:endParaRPr lang="en-US" dirty="0"/>
@@ -2946,7 +2969,7 @@
     </p:spTree>
     <p:extLst>
       <p:ext uri="{BB962C8B-B14F-4D97-AF65-F5344CB8AC3E}">
-        <p14:creationId xmlns:p14="http://schemas.microsoft.com/office/powerpoint/2010/main" val="1129494974"/>
+        <p14:creationId xmlns:p14="http://schemas.microsoft.com/office/powerpoint/2010/main" xmlns="" val="1129494974"/>
       </p:ext>
     </p:extLst>
   </p:cSld>
@@ -3250,7 +3273,7 @@
           <p:cNvPr id="8" name="Datumsplatzhalter 7">
             <a:extLst>
               <a:ext uri="{FF2B5EF4-FFF2-40B4-BE49-F238E27FC236}">
-                <a16:creationId xmlns:a16="http://schemas.microsoft.com/office/drawing/2014/main" id="{0B919CC2-2A65-446F-B538-9E6249035445}"/>
+                <a16:creationId xmlns:a16="http://schemas.microsoft.com/office/drawing/2014/main" xmlns="" id="{0B919CC2-2A65-446F-B538-9E6249035445}"/>
               </a:ext>
             </a:extLst>
           </p:cNvPr>
@@ -3274,7 +3297,8 @@
             <a:pPr rtl="0"/>
             <a:fld id="{0354EEBD-0E7F-42E6-BE86-4864547D749E}" type="datetime1">
               <a:rPr lang="de-DE" smtClean="0"/>
-              <a:t>26.10.2020</a:t>
+              <a:pPr rtl="0"/>
+              <a:t>29.10.2020</a:t>
             </a:fld>
             <a:endParaRPr lang="en-US" dirty="0"/>
           </a:p>
@@ -3285,7 +3309,7 @@
           <p:cNvPr id="10" name="Fußzeilenplatzhalter 9">
             <a:extLst>
               <a:ext uri="{FF2B5EF4-FFF2-40B4-BE49-F238E27FC236}">
-                <a16:creationId xmlns:a16="http://schemas.microsoft.com/office/drawing/2014/main" id="{B72412AE-119E-4982-8B24-63365EFCA796}"/>
+                <a16:creationId xmlns:a16="http://schemas.microsoft.com/office/drawing/2014/main" xmlns="" id="{B72412AE-119E-4982-8B24-63365EFCA796}"/>
               </a:ext>
             </a:extLst>
           </p:cNvPr>
@@ -3316,7 +3340,7 @@
           <p:cNvPr id="11" name="Foliennummernplatzhalter 10">
             <a:extLst>
               <a:ext uri="{FF2B5EF4-FFF2-40B4-BE49-F238E27FC236}">
-                <a16:creationId xmlns:a16="http://schemas.microsoft.com/office/drawing/2014/main" id="{7FC4BB19-6AD1-45CF-9F99-00B109890FAB}"/>
+                <a16:creationId xmlns:a16="http://schemas.microsoft.com/office/drawing/2014/main" xmlns="" id="{7FC4BB19-6AD1-45CF-9F99-00B109890FAB}"/>
               </a:ext>
             </a:extLst>
           </p:cNvPr>
@@ -3340,7 +3364,7 @@
             <a:pPr rtl="0"/>
             <a:fld id="{3A98EE3D-8CD1-4C3F-BD1C-C98C9596463C}" type="slidenum">
               <a:rPr lang="en-US" smtClean="0"/>
-              <a:pPr/>
+              <a:pPr rtl="0"/>
               <a:t>‹Nr.›</a:t>
             </a:fld>
             <a:endParaRPr lang="en-US" dirty="0"/>
@@ -3350,7 +3374,7 @@
     </p:spTree>
     <p:extLst>
       <p:ext uri="{BB962C8B-B14F-4D97-AF65-F5344CB8AC3E}">
-        <p14:creationId xmlns:p14="http://schemas.microsoft.com/office/powerpoint/2010/main" val="1261766693"/>
+        <p14:creationId xmlns:p14="http://schemas.microsoft.com/office/powerpoint/2010/main" xmlns="" val="1261766693"/>
       </p:ext>
     </p:extLst>
   </p:cSld>
@@ -3572,7 +3596,8 @@
             <a:pPr rtl="0"/>
             <a:fld id="{8C7274EF-79A2-4EAD-98EF-7E5BB5EA068D}" type="datetime1">
               <a:rPr lang="de-DE" smtClean="0"/>
-              <a:t>26.10.2020</a:t>
+              <a:pPr rtl="0"/>
+              <a:t>29.10.2020</a:t>
             </a:fld>
             <a:endParaRPr lang="en-US" dirty="0"/>
           </a:p>
@@ -3616,6 +3641,7 @@
             <a:pPr rtl="0"/>
             <a:fld id="{3A98EE3D-8CD1-4C3F-BD1C-C98C9596463C}" type="slidenum">
               <a:rPr lang="en-US" smtClean="0"/>
+              <a:pPr rtl="0"/>
               <a:t>‹Nr.›</a:t>
             </a:fld>
             <a:endParaRPr lang="en-US" dirty="0"/>
@@ -3625,7 +3651,7 @@
     </p:spTree>
     <p:extLst>
       <p:ext uri="{BB962C8B-B14F-4D97-AF65-F5344CB8AC3E}">
-        <p14:creationId xmlns:p14="http://schemas.microsoft.com/office/powerpoint/2010/main" val="3573289553"/>
+        <p14:creationId xmlns:p14="http://schemas.microsoft.com/office/powerpoint/2010/main" xmlns="" val="3573289553"/>
       </p:ext>
     </p:extLst>
   </p:cSld>
@@ -3790,7 +3816,8 @@
             <a:pPr rtl="0"/>
             <a:fld id="{EDD379EC-906B-4CE5-98C2-3A156331FD9E}" type="datetime1">
               <a:rPr lang="de-DE" smtClean="0"/>
-              <a:t>26.10.2020</a:t>
+              <a:pPr rtl="0"/>
+              <a:t>29.10.2020</a:t>
             </a:fld>
             <a:endParaRPr lang="en-US" dirty="0"/>
           </a:p>
@@ -3872,6 +3899,7 @@
             <a:pPr rtl="0"/>
             <a:fld id="{3A98EE3D-8CD1-4C3F-BD1C-C98C9596463C}" type="slidenum">
               <a:rPr lang="en-US" smtClean="0"/>
+              <a:pPr rtl="0"/>
               <a:t>‹Nr.›</a:t>
             </a:fld>
             <a:endParaRPr lang="en-US" dirty="0"/>
@@ -3992,7 +4020,7 @@
     </p:spTree>
     <p:extLst>
       <p:ext uri="{BB962C8B-B14F-4D97-AF65-F5344CB8AC3E}">
-        <p14:creationId xmlns:p14="http://schemas.microsoft.com/office/powerpoint/2010/main" val="3000897896"/>
+        <p14:creationId xmlns:p14="http://schemas.microsoft.com/office/powerpoint/2010/main" xmlns="" val="3000897896"/>
       </p:ext>
     </p:extLst>
   </p:cSld>
@@ -4437,10 +4465,10 @@
           <p:cNvPr id="18" name="Rechteck 17">
             <a:extLst>
               <a:ext uri="{FF2B5EF4-FFF2-40B4-BE49-F238E27FC236}">
-                <a16:creationId xmlns:a16="http://schemas.microsoft.com/office/drawing/2014/main" id="{D6D7A0BC-0046-4CAA-8E7F-DCAFE511EA0E}"/>
+                <a16:creationId xmlns:a16="http://schemas.microsoft.com/office/drawing/2014/main" xmlns="" id="{D6D7A0BC-0046-4CAA-8E7F-DCAFE511EA0E}"/>
               </a:ext>
               <a:ext uri="{C183D7F6-B498-43B3-948B-1728B52AA6E4}">
-                <adec:decorative xmlns:adec="http://schemas.microsoft.com/office/drawing/2017/decorative" val="1"/>
+                <adec:decorative xmlns:adec="http://schemas.microsoft.com/office/drawing/2017/decorative" xmlns="" val="1"/>
               </a:ext>
             </a:extLst>
           </p:cNvPr>
@@ -4450,7 +4478,7 @@
           <p:nvPr>
             <p:extLst>
               <p:ext uri="{386F3935-93C4-4BCD-93E2-E3B085C9AB24}">
-                <p16:designElem xmlns:p16="http://schemas.microsoft.com/office/powerpoint/2015/main" val="1"/>
+                <p16:designElem xmlns:p16="http://schemas.microsoft.com/office/powerpoint/2015/main" xmlns="" val="1"/>
               </p:ext>
             </p:extLst>
           </p:nvPr>
@@ -4497,7 +4525,7 @@
           <p:cNvPr id="2" name="Titel 1">
             <a:extLst>
               <a:ext uri="{FF2B5EF4-FFF2-40B4-BE49-F238E27FC236}">
-                <a16:creationId xmlns:a16="http://schemas.microsoft.com/office/drawing/2014/main" id="{1C21E816-31F5-48BB-BD02-D15F2F18B48A}"/>
+                <a16:creationId xmlns:a16="http://schemas.microsoft.com/office/drawing/2014/main" xmlns="" id="{1C21E816-31F5-48BB-BD02-D15F2F18B48A}"/>
               </a:ext>
             </a:extLst>
           </p:cNvPr>
@@ -4533,7 +4561,7 @@
           <p:cNvPr id="3" name="Untertitel 2">
             <a:extLst>
               <a:ext uri="{FF2B5EF4-FFF2-40B4-BE49-F238E27FC236}">
-                <a16:creationId xmlns:a16="http://schemas.microsoft.com/office/drawing/2014/main" id="{835D6E6B-3353-491C-A3C6-F278D6CED8B3}"/>
+                <a16:creationId xmlns:a16="http://schemas.microsoft.com/office/drawing/2014/main" xmlns="" id="{835D6E6B-3353-491C-A3C6-F278D6CED8B3}"/>
               </a:ext>
             </a:extLst>
           </p:cNvPr>
@@ -4552,7 +4580,7 @@
         </p:spPr>
         <p:txBody>
           <a:bodyPr rtlCol="0">
-            <a:normAutofit fontScale="92500"/>
+            <a:normAutofit fontScale="92500" lnSpcReduction="10000"/>
           </a:bodyPr>
           <a:lstStyle/>
           <a:p>
@@ -4576,10 +4604,10 @@
           <p:cNvPr id="20" name="Rechteck 19">
             <a:extLst>
               <a:ext uri="{FF2B5EF4-FFF2-40B4-BE49-F238E27FC236}">
-                <a16:creationId xmlns:a16="http://schemas.microsoft.com/office/drawing/2014/main" id="{E7C6334F-6411-41EC-AD7D-179EDD8B58CB}"/>
+                <a16:creationId xmlns:a16="http://schemas.microsoft.com/office/drawing/2014/main" xmlns="" id="{E7C6334F-6411-41EC-AD7D-179EDD8B58CB}"/>
               </a:ext>
               <a:ext uri="{C183D7F6-B498-43B3-948B-1728B52AA6E4}">
-                <adec:decorative xmlns:adec="http://schemas.microsoft.com/office/drawing/2017/decorative" val="1"/>
+                <adec:decorative xmlns:adec="http://schemas.microsoft.com/office/drawing/2017/decorative" xmlns="" val="1"/>
               </a:ext>
             </a:extLst>
           </p:cNvPr>
@@ -4589,7 +4617,7 @@
           <p:nvPr>
             <p:extLst>
               <p:ext uri="{386F3935-93C4-4BCD-93E2-E3B085C9AB24}">
-                <p16:designElem xmlns:p16="http://schemas.microsoft.com/office/powerpoint/2015/main" val="1"/>
+                <p16:designElem xmlns:p16="http://schemas.microsoft.com/office/powerpoint/2015/main" xmlns="" val="1"/>
               </p:ext>
             </p:extLst>
           </p:nvPr>
@@ -4630,10 +4658,10 @@
           <p:cNvPr id="22" name="Rechteck 21">
             <a:extLst>
               <a:ext uri="{FF2B5EF4-FFF2-40B4-BE49-F238E27FC236}">
-                <a16:creationId xmlns:a16="http://schemas.microsoft.com/office/drawing/2014/main" id="{E6B02CEE-3AF8-4349-9B3E-8970E6DF62B3}"/>
+                <a16:creationId xmlns:a16="http://schemas.microsoft.com/office/drawing/2014/main" xmlns="" id="{E6B02CEE-3AF8-4349-9B3E-8970E6DF62B3}"/>
               </a:ext>
               <a:ext uri="{C183D7F6-B498-43B3-948B-1728B52AA6E4}">
-                <adec:decorative xmlns:adec="http://schemas.microsoft.com/office/drawing/2017/decorative" val="1"/>
+                <adec:decorative xmlns:adec="http://schemas.microsoft.com/office/drawing/2017/decorative" xmlns="" val="1"/>
               </a:ext>
             </a:extLst>
           </p:cNvPr>
@@ -4643,7 +4671,7 @@
           <p:nvPr>
             <p:extLst>
               <p:ext uri="{386F3935-93C4-4BCD-93E2-E3B085C9AB24}">
-                <p16:designElem xmlns:p16="http://schemas.microsoft.com/office/powerpoint/2015/main" val="1"/>
+                <p16:designElem xmlns:p16="http://schemas.microsoft.com/office/powerpoint/2015/main" xmlns="" val="1"/>
               </p:ext>
             </p:extLst>
           </p:nvPr>
@@ -4684,10 +4712,10 @@
           <p:cNvPr id="24" name="Rechteck 23">
             <a:extLst>
               <a:ext uri="{FF2B5EF4-FFF2-40B4-BE49-F238E27FC236}">
-                <a16:creationId xmlns:a16="http://schemas.microsoft.com/office/drawing/2014/main" id="{AAA01CF0-3FB5-44EB-B7DE-F2E86374C2FB}"/>
+                <a16:creationId xmlns:a16="http://schemas.microsoft.com/office/drawing/2014/main" xmlns="" id="{AAA01CF0-3FB5-44EB-B7DE-F2E86374C2FB}"/>
               </a:ext>
               <a:ext uri="{C183D7F6-B498-43B3-948B-1728B52AA6E4}">
-                <adec:decorative xmlns:adec="http://schemas.microsoft.com/office/drawing/2017/decorative" val="1"/>
+                <adec:decorative xmlns:adec="http://schemas.microsoft.com/office/drawing/2017/decorative" xmlns="" val="1"/>
               </a:ext>
             </a:extLst>
           </p:cNvPr>
@@ -4697,7 +4725,7 @@
           <p:nvPr>
             <p:extLst>
               <p:ext uri="{386F3935-93C4-4BCD-93E2-E3B085C9AB24}">
-                <p16:designElem xmlns:p16="http://schemas.microsoft.com/office/powerpoint/2015/main" val="1"/>
+                <p16:designElem xmlns:p16="http://schemas.microsoft.com/office/powerpoint/2015/main" xmlns="" val="1"/>
               </p:ext>
             </p:extLst>
           </p:nvPr>
@@ -4738,7 +4766,7 @@
           <p:cNvPr id="6" name="Bild 5" descr="Nahaufnahme eines Logos&#10;&#10;Beschreibung wird automatisch generiert">
             <a:extLst>
               <a:ext uri="{FF2B5EF4-FFF2-40B4-BE49-F238E27FC236}">
-                <a16:creationId xmlns:a16="http://schemas.microsoft.com/office/drawing/2014/main" id="{F1A8C364-94D4-4630-BAD0-78722F347055}"/>
+                <a16:creationId xmlns:a16="http://schemas.microsoft.com/office/drawing/2014/main" xmlns="" id="{F1A8C364-94D4-4630-BAD0-78722F347055}"/>
               </a:ext>
             </a:extLst>
           </p:cNvPr>
@@ -4748,10 +4776,10 @@
           <p:nvPr/>
         </p:nvPicPr>
         <p:blipFill rotWithShape="1">
-          <a:blip r:embed="rId2" cstate="hqprint">
+          <a:blip r:embed="rId2" cstate="print">
             <a:extLst>
               <a:ext uri="{28A0092B-C50C-407E-A947-70E740481C1C}">
-                <a14:useLocalDpi xmlns:a14="http://schemas.microsoft.com/office/drawing/2010/main" val="0"/>
+                <a14:useLocalDpi xmlns:a14="http://schemas.microsoft.com/office/drawing/2010/main" xmlns="" val="0"/>
               </a:ext>
             </a:extLst>
           </a:blip>
@@ -4771,7 +4799,7 @@
     </p:spTree>
     <p:extLst>
       <p:ext uri="{BB962C8B-B14F-4D97-AF65-F5344CB8AC3E}">
-        <p14:creationId xmlns:p14="http://schemas.microsoft.com/office/powerpoint/2010/main" val="2475805559"/>
+        <p14:creationId xmlns:p14="http://schemas.microsoft.com/office/powerpoint/2010/main" xmlns="" val="2475805559"/>
       </p:ext>
     </p:extLst>
   </p:cSld>
@@ -4800,13 +4828,7 @@
       </p:grpSpPr>
       <p:sp>
         <p:nvSpPr>
-          <p:cNvPr id="2" name="Titel 1">
-            <a:extLst>
-              <a:ext uri="{FF2B5EF4-FFF2-40B4-BE49-F238E27FC236}">
-                <a16:creationId xmlns:a16="http://schemas.microsoft.com/office/drawing/2014/main" id="{7B6C21E8-B43A-4042-A79C-36E263E62674}"/>
-              </a:ext>
-            </a:extLst>
-          </p:cNvPr>
+          <p:cNvPr id="2" name="Titel 1"/>
           <p:cNvSpPr>
             <a:spLocks noGrp="1"/>
           </p:cNvSpPr>
@@ -4820,21 +4842,16 @@
           <a:lstStyle/>
           <a:p>
             <a:r>
-              <a:rPr lang="de-DE" dirty="0"/>
-              <a:t>Mehrere Projekte in Python</a:t>
-            </a:r>
-          </a:p>
-        </p:txBody>
-      </p:sp>
-      <p:sp>
-        <p:nvSpPr>
-          <p:cNvPr id="3" name="Inhaltsplatzhalter 2">
-            <a:extLst>
-              <a:ext uri="{FF2B5EF4-FFF2-40B4-BE49-F238E27FC236}">
-                <a16:creationId xmlns:a16="http://schemas.microsoft.com/office/drawing/2014/main" id="{78B4D1DE-55FA-4327-8091-8B42406E748C}"/>
-              </a:ext>
-            </a:extLst>
-          </p:cNvPr>
+              <a:rPr lang="de-DE" dirty="0" smtClean="0"/>
+              <a:t>Was beinhaltet eine Entwicklungsumgebung</a:t>
+            </a:r>
+            <a:endParaRPr lang="de-DE" dirty="0"/>
+          </a:p>
+        </p:txBody>
+      </p:sp>
+      <p:sp>
+        <p:nvSpPr>
+          <p:cNvPr id="3" name="Inhaltsplatzhalter 2"/>
           <p:cNvSpPr>
             <a:spLocks noGrp="1"/>
           </p:cNvSpPr>
@@ -4842,66 +4859,72 @@
             <p:ph idx="1"/>
           </p:nvPr>
         </p:nvSpPr>
-        <p:spPr>
-          <a:xfrm>
-            <a:off x="581193" y="2340864"/>
-            <a:ext cx="6138390" cy="3634486"/>
-          </a:xfrm>
-        </p:spPr>
+        <p:spPr/>
         <p:txBody>
           <a:bodyPr/>
           <a:lstStyle/>
           <a:p>
             <a:r>
-              <a:rPr lang="de-DE" dirty="0"/>
-              <a:t>Python eignet sich hervorragend zur Anwendungsentwicklung</a:t>
-            </a:r>
-          </a:p>
-          <a:p>
-            <a:r>
-              <a:rPr lang="de-DE" dirty="0"/>
-              <a:t>Herausforderung: Management mehrerer Projekte auf Basis der selben Bibliotheken</a:t>
+              <a:rPr lang="de-DE" dirty="0" smtClean="0"/>
+              <a:t>IDE / Editor für die Arbeit mit Code</a:t>
             </a:r>
           </a:p>
           <a:p>
             <a:pPr lvl="1"/>
             <a:r>
-              <a:rPr lang="de-DE" dirty="0"/>
-              <a:t>Bibliothek: Eine in sich abgeschlossene Sammlung an bereits fertig entwickelten Funktionen</a:t>
-            </a:r>
-          </a:p>
-          <a:p>
-            <a:r>
-              <a:rPr lang="de-DE" dirty="0"/>
-              <a:t>Python bringt virtuelle Umgebungen (</a:t>
-            </a:r>
-            <a:r>
-              <a:rPr lang="de-DE" dirty="0" err="1"/>
-              <a:t>Environements</a:t>
-            </a:r>
-            <a:r>
-              <a:rPr lang="de-DE" dirty="0"/>
-              <a:t>) mit, um Bibliotheken oder Python Versionen zu trennen</a:t>
+              <a:rPr lang="de-DE" dirty="0" smtClean="0"/>
+              <a:t>Eine IDE verfügt in der Regel weiterhin über </a:t>
+            </a:r>
+            <a:r>
+              <a:rPr lang="de-DE" dirty="0" err="1" smtClean="0"/>
+              <a:t>Build</a:t>
+            </a:r>
+            <a:r>
+              <a:rPr lang="de-DE" dirty="0" smtClean="0"/>
+              <a:t>-und Versionsverwaltungstools sowie eine fortgeschrittene Code-Analyse</a:t>
             </a:r>
           </a:p>
           <a:p>
             <a:pPr lvl="1"/>
             <a:r>
-              <a:rPr lang="de-DE" dirty="0"/>
-              <a:t>Mehrere Python Versionen möglich, aber umständlich</a:t>
-            </a:r>
-          </a:p>
-        </p:txBody>
-      </p:sp>
-      <p:sp>
-        <p:nvSpPr>
-          <p:cNvPr id="4" name="Datumsplatzhalter 3">
-            <a:extLst>
-              <a:ext uri="{FF2B5EF4-FFF2-40B4-BE49-F238E27FC236}">
-                <a16:creationId xmlns:a16="http://schemas.microsoft.com/office/drawing/2014/main" id="{99AE37B3-1141-4854-BD8E-BC96A04D1BF1}"/>
-              </a:ext>
-            </a:extLst>
-          </p:cNvPr>
+              <a:rPr lang="de-DE" dirty="0" smtClean="0"/>
+              <a:t>Gute Editoren bieten mittlerweile wie IDEs Codevervollständigung und Syntax </a:t>
+            </a:r>
+            <a:r>
+              <a:rPr lang="de-DE" dirty="0" err="1" smtClean="0"/>
+              <a:t>Highlighting</a:t>
+            </a:r>
+            <a:endParaRPr lang="de-DE" dirty="0" smtClean="0"/>
+          </a:p>
+          <a:p>
+            <a:r>
+              <a:rPr lang="de-DE" dirty="0" smtClean="0"/>
+              <a:t>Umgebungs- und Paket-Manager</a:t>
+            </a:r>
+          </a:p>
+          <a:p>
+            <a:pPr lvl="1"/>
+            <a:r>
+              <a:rPr lang="de-DE" dirty="0" smtClean="0"/>
+              <a:t>Verwalten einzelner, abgeschotteter Umgebungen, um Interferenzen mit anderen Projekten zu vermeiden</a:t>
+            </a:r>
+          </a:p>
+          <a:p>
+            <a:pPr lvl="1"/>
+            <a:r>
+              <a:rPr lang="de-DE" dirty="0" smtClean="0"/>
+              <a:t>Installation von Paketen gemäß der geforderten Version</a:t>
+            </a:r>
+          </a:p>
+          <a:p>
+            <a:pPr lvl="1"/>
+            <a:endParaRPr lang="de-DE" dirty="0"/>
+          </a:p>
+        </p:txBody>
+      </p:sp>
+      <p:sp>
+        <p:nvSpPr>
+          <p:cNvPr id="4" name="Datumsplatzhalter 3"/>
           <p:cNvSpPr>
             <a:spLocks noGrp="1"/>
           </p:cNvSpPr>
@@ -4917,529 +4940,14 @@
             <a:pPr rtl="0"/>
             <a:fld id="{83627DD0-092D-4AD9-AAE0-0513E170352E}" type="datetime1">
               <a:rPr lang="de-DE" smtClean="0"/>
-              <a:t>26.10.2020</a:t>
+              <a:pPr rtl="0"/>
+              <a:t>29.10.2020</a:t>
             </a:fld>
             <a:endParaRPr lang="en-US" dirty="0"/>
           </a:p>
         </p:txBody>
       </p:sp>
-      <p:sp>
-        <p:nvSpPr>
-          <p:cNvPr id="9" name="Rechteck 8">
-            <a:extLst>
-              <a:ext uri="{FF2B5EF4-FFF2-40B4-BE49-F238E27FC236}">
-                <a16:creationId xmlns:a16="http://schemas.microsoft.com/office/drawing/2014/main" id="{97B42E60-03AB-4D7B-8425-9E675A72DD53}"/>
-              </a:ext>
-            </a:extLst>
-          </p:cNvPr>
-          <p:cNvSpPr/>
-          <p:nvPr/>
-        </p:nvSpPr>
-        <p:spPr>
-          <a:xfrm>
-            <a:off x="7273255" y="5338362"/>
-            <a:ext cx="4514676" cy="636988"/>
-          </a:xfrm>
-          <a:prstGeom prst="rect">
-            <a:avLst/>
-          </a:prstGeom>
-        </p:spPr>
-        <p:style>
-          <a:lnRef idx="2">
-            <a:schemeClr val="accent1">
-              <a:shade val="50000"/>
-            </a:schemeClr>
-          </a:lnRef>
-          <a:fillRef idx="1">
-            <a:schemeClr val="accent1"/>
-          </a:fillRef>
-          <a:effectRef idx="0">
-            <a:schemeClr val="accent1"/>
-          </a:effectRef>
-          <a:fontRef idx="minor">
-            <a:schemeClr val="lt1"/>
-          </a:fontRef>
-        </p:style>
-        <p:txBody>
-          <a:bodyPr rtlCol="0" anchor="ctr"/>
-          <a:lstStyle/>
-          <a:p>
-            <a:pPr algn="ctr"/>
-            <a:r>
-              <a:rPr lang="de-DE" dirty="0"/>
-              <a:t>Python 3.6</a:t>
-            </a:r>
-          </a:p>
-        </p:txBody>
-      </p:sp>
-      <p:sp>
-        <p:nvSpPr>
-          <p:cNvPr id="11" name="Rechteck 10">
-            <a:extLst>
-              <a:ext uri="{FF2B5EF4-FFF2-40B4-BE49-F238E27FC236}">
-                <a16:creationId xmlns:a16="http://schemas.microsoft.com/office/drawing/2014/main" id="{5BAC378D-FED3-4060-B23A-4CF75A0FCEAB}"/>
-              </a:ext>
-            </a:extLst>
-          </p:cNvPr>
-          <p:cNvSpPr/>
-          <p:nvPr/>
-        </p:nvSpPr>
-        <p:spPr>
-          <a:xfrm>
-            <a:off x="7273255" y="4571304"/>
-            <a:ext cx="2130804" cy="636988"/>
-          </a:xfrm>
-          <a:prstGeom prst="rect">
-            <a:avLst/>
-          </a:prstGeom>
-        </p:spPr>
-        <p:style>
-          <a:lnRef idx="2">
-            <a:schemeClr val="accent3">
-              <a:shade val="50000"/>
-            </a:schemeClr>
-          </a:lnRef>
-          <a:fillRef idx="1">
-            <a:schemeClr val="accent3"/>
-          </a:fillRef>
-          <a:effectRef idx="0">
-            <a:schemeClr val="accent3"/>
-          </a:effectRef>
-          <a:fontRef idx="minor">
-            <a:schemeClr val="lt1"/>
-          </a:fontRef>
-        </p:style>
-        <p:txBody>
-          <a:bodyPr rtlCol="0" anchor="ctr"/>
-          <a:lstStyle/>
-          <a:p>
-            <a:pPr algn="ctr"/>
-            <a:r>
-              <a:rPr lang="de-DE" dirty="0"/>
-              <a:t>Bibliothek 1</a:t>
-            </a:r>
-          </a:p>
-          <a:p>
-            <a:pPr algn="ctr"/>
-            <a:r>
-              <a:rPr lang="de-DE" dirty="0"/>
-              <a:t>(Version 1.1)</a:t>
-            </a:r>
-          </a:p>
-        </p:txBody>
-      </p:sp>
-      <p:sp>
-        <p:nvSpPr>
-          <p:cNvPr id="13" name="Rechteck 12">
-            <a:extLst>
-              <a:ext uri="{FF2B5EF4-FFF2-40B4-BE49-F238E27FC236}">
-                <a16:creationId xmlns:a16="http://schemas.microsoft.com/office/drawing/2014/main" id="{7E4CA8F1-F2DF-48E6-A8A3-209050D82A98}"/>
-              </a:ext>
-            </a:extLst>
-          </p:cNvPr>
-          <p:cNvSpPr/>
-          <p:nvPr/>
-        </p:nvSpPr>
-        <p:spPr>
-          <a:xfrm>
-            <a:off x="9657127" y="4571304"/>
-            <a:ext cx="2130804" cy="636988"/>
-          </a:xfrm>
-          <a:prstGeom prst="rect">
-            <a:avLst/>
-          </a:prstGeom>
-        </p:spPr>
-        <p:style>
-          <a:lnRef idx="2">
-            <a:schemeClr val="accent3">
-              <a:shade val="50000"/>
-            </a:schemeClr>
-          </a:lnRef>
-          <a:fillRef idx="1">
-            <a:schemeClr val="accent3"/>
-          </a:fillRef>
-          <a:effectRef idx="0">
-            <a:schemeClr val="accent3"/>
-          </a:effectRef>
-          <a:fontRef idx="minor">
-            <a:schemeClr val="lt1"/>
-          </a:fontRef>
-        </p:style>
-        <p:txBody>
-          <a:bodyPr rtlCol="0" anchor="ctr"/>
-          <a:lstStyle/>
-          <a:p>
-            <a:pPr algn="ctr"/>
-            <a:r>
-              <a:rPr lang="de-DE" dirty="0"/>
-              <a:t>Bibliothek 1</a:t>
-            </a:r>
-          </a:p>
-          <a:p>
-            <a:pPr algn="ctr"/>
-            <a:r>
-              <a:rPr lang="de-DE" dirty="0"/>
-              <a:t>(Version 1.1)</a:t>
-            </a:r>
-          </a:p>
-        </p:txBody>
-      </p:sp>
-      <p:sp>
-        <p:nvSpPr>
-          <p:cNvPr id="15" name="Rechteck 14">
-            <a:extLst>
-              <a:ext uri="{FF2B5EF4-FFF2-40B4-BE49-F238E27FC236}">
-                <a16:creationId xmlns:a16="http://schemas.microsoft.com/office/drawing/2014/main" id="{BDF474BA-448D-4224-B219-02A454C78E1D}"/>
-              </a:ext>
-            </a:extLst>
-          </p:cNvPr>
-          <p:cNvSpPr/>
-          <p:nvPr/>
-        </p:nvSpPr>
-        <p:spPr>
-          <a:xfrm>
-            <a:off x="7273255" y="3839613"/>
-            <a:ext cx="2130804" cy="636988"/>
-          </a:xfrm>
-          <a:prstGeom prst="rect">
-            <a:avLst/>
-          </a:prstGeom>
-        </p:spPr>
-        <p:style>
-          <a:lnRef idx="2">
-            <a:schemeClr val="accent5">
-              <a:shade val="50000"/>
-            </a:schemeClr>
-          </a:lnRef>
-          <a:fillRef idx="1">
-            <a:schemeClr val="accent5"/>
-          </a:fillRef>
-          <a:effectRef idx="0">
-            <a:schemeClr val="accent5"/>
-          </a:effectRef>
-          <a:fontRef idx="minor">
-            <a:schemeClr val="lt1"/>
-          </a:fontRef>
-        </p:style>
-        <p:txBody>
-          <a:bodyPr rtlCol="0" anchor="ctr"/>
-          <a:lstStyle/>
-          <a:p>
-            <a:pPr algn="ctr"/>
-            <a:r>
-              <a:rPr lang="de-DE" dirty="0"/>
-              <a:t>Bibliothek 2</a:t>
-            </a:r>
-          </a:p>
-          <a:p>
-            <a:pPr algn="ctr"/>
-            <a:r>
-              <a:rPr lang="de-DE" dirty="0"/>
-              <a:t>(Version 0.7)</a:t>
-            </a:r>
-          </a:p>
-        </p:txBody>
-      </p:sp>
-      <p:sp>
-        <p:nvSpPr>
-          <p:cNvPr id="17" name="Rechteck 16">
-            <a:extLst>
-              <a:ext uri="{FF2B5EF4-FFF2-40B4-BE49-F238E27FC236}">
-                <a16:creationId xmlns:a16="http://schemas.microsoft.com/office/drawing/2014/main" id="{72713D57-DB3B-4A34-983B-013E99C57FED}"/>
-              </a:ext>
-            </a:extLst>
-          </p:cNvPr>
-          <p:cNvSpPr/>
-          <p:nvPr/>
-        </p:nvSpPr>
-        <p:spPr>
-          <a:xfrm>
-            <a:off x="9657127" y="3838189"/>
-            <a:ext cx="2130804" cy="636988"/>
-          </a:xfrm>
-          <a:prstGeom prst="rect">
-            <a:avLst/>
-          </a:prstGeom>
-        </p:spPr>
-        <p:style>
-          <a:lnRef idx="2">
-            <a:schemeClr val="accent5">
-              <a:shade val="50000"/>
-            </a:schemeClr>
-          </a:lnRef>
-          <a:fillRef idx="1">
-            <a:schemeClr val="accent5"/>
-          </a:fillRef>
-          <a:effectRef idx="0">
-            <a:schemeClr val="accent5"/>
-          </a:effectRef>
-          <a:fontRef idx="minor">
-            <a:schemeClr val="lt1"/>
-          </a:fontRef>
-        </p:style>
-        <p:txBody>
-          <a:bodyPr rtlCol="0" anchor="ctr"/>
-          <a:lstStyle/>
-          <a:p>
-            <a:pPr algn="ctr"/>
-            <a:r>
-              <a:rPr lang="de-DE" dirty="0"/>
-              <a:t>Bibliothek 2</a:t>
-            </a:r>
-          </a:p>
-          <a:p>
-            <a:pPr algn="ctr"/>
-            <a:r>
-              <a:rPr lang="de-DE" dirty="0"/>
-              <a:t>(Version 1.1)</a:t>
-            </a:r>
-          </a:p>
-        </p:txBody>
-      </p:sp>
-      <p:sp>
-        <p:nvSpPr>
-          <p:cNvPr id="19" name="Rechteck 18">
-            <a:extLst>
-              <a:ext uri="{FF2B5EF4-FFF2-40B4-BE49-F238E27FC236}">
-                <a16:creationId xmlns:a16="http://schemas.microsoft.com/office/drawing/2014/main" id="{84E5329B-0C09-4DDB-A5BD-E105C7C556F7}"/>
-              </a:ext>
-            </a:extLst>
-          </p:cNvPr>
-          <p:cNvSpPr/>
-          <p:nvPr/>
-        </p:nvSpPr>
-        <p:spPr>
-          <a:xfrm>
-            <a:off x="7273255" y="3126612"/>
-            <a:ext cx="2130804" cy="636988"/>
-          </a:xfrm>
-          <a:prstGeom prst="rect">
-            <a:avLst/>
-          </a:prstGeom>
-        </p:spPr>
-        <p:style>
-          <a:lnRef idx="2">
-            <a:schemeClr val="accent6">
-              <a:shade val="50000"/>
-            </a:schemeClr>
-          </a:lnRef>
-          <a:fillRef idx="1">
-            <a:schemeClr val="accent6"/>
-          </a:fillRef>
-          <a:effectRef idx="0">
-            <a:schemeClr val="accent6"/>
-          </a:effectRef>
-          <a:fontRef idx="minor">
-            <a:schemeClr val="lt1"/>
-          </a:fontRef>
-        </p:style>
-        <p:txBody>
-          <a:bodyPr rtlCol="0" anchor="ctr"/>
-          <a:lstStyle/>
-          <a:p>
-            <a:pPr algn="ctr"/>
-            <a:r>
-              <a:rPr lang="de-DE" dirty="0"/>
-              <a:t>…</a:t>
-            </a:r>
-          </a:p>
-        </p:txBody>
-      </p:sp>
-      <p:sp>
-        <p:nvSpPr>
-          <p:cNvPr id="21" name="Rechteck 20">
-            <a:extLst>
-              <a:ext uri="{FF2B5EF4-FFF2-40B4-BE49-F238E27FC236}">
-                <a16:creationId xmlns:a16="http://schemas.microsoft.com/office/drawing/2014/main" id="{69853C23-D6E1-46F8-832D-ECEE9D0AA735}"/>
-              </a:ext>
-            </a:extLst>
-          </p:cNvPr>
-          <p:cNvSpPr/>
-          <p:nvPr/>
-        </p:nvSpPr>
-        <p:spPr>
-          <a:xfrm>
-            <a:off x="9657127" y="3126612"/>
-            <a:ext cx="2130804" cy="636988"/>
-          </a:xfrm>
-          <a:prstGeom prst="rect">
-            <a:avLst/>
-          </a:prstGeom>
-        </p:spPr>
-        <p:style>
-          <a:lnRef idx="2">
-            <a:schemeClr val="accent6">
-              <a:shade val="50000"/>
-            </a:schemeClr>
-          </a:lnRef>
-          <a:fillRef idx="1">
-            <a:schemeClr val="accent6"/>
-          </a:fillRef>
-          <a:effectRef idx="0">
-            <a:schemeClr val="accent6"/>
-          </a:effectRef>
-          <a:fontRef idx="minor">
-            <a:schemeClr val="lt1"/>
-          </a:fontRef>
-        </p:style>
-        <p:txBody>
-          <a:bodyPr rtlCol="0" anchor="ctr"/>
-          <a:lstStyle/>
-          <a:p>
-            <a:pPr algn="ctr"/>
-            <a:r>
-              <a:rPr lang="de-DE" dirty="0"/>
-              <a:t>…</a:t>
-            </a:r>
-          </a:p>
-        </p:txBody>
-      </p:sp>
-      <p:sp>
-        <p:nvSpPr>
-          <p:cNvPr id="22" name="Multiplikationszeichen 21">
-            <a:extLst>
-              <a:ext uri="{FF2B5EF4-FFF2-40B4-BE49-F238E27FC236}">
-                <a16:creationId xmlns:a16="http://schemas.microsoft.com/office/drawing/2014/main" id="{4967DB01-340A-421D-BCE9-CA11D52EE966}"/>
-              </a:ext>
-            </a:extLst>
-          </p:cNvPr>
-          <p:cNvSpPr/>
-          <p:nvPr/>
-        </p:nvSpPr>
-        <p:spPr>
-          <a:xfrm>
-            <a:off x="9246698" y="3878183"/>
-            <a:ext cx="629174" cy="628086"/>
-          </a:xfrm>
-          <a:prstGeom prst="mathMultiply">
-            <a:avLst/>
-          </a:prstGeom>
-          <a:solidFill>
-            <a:srgbClr val="FF0000"/>
-          </a:solidFill>
-          <a:ln>
-            <a:solidFill>
-              <a:srgbClr val="C00000"/>
-            </a:solidFill>
-          </a:ln>
-        </p:spPr>
-        <p:style>
-          <a:lnRef idx="2">
-            <a:schemeClr val="accent1">
-              <a:shade val="50000"/>
-            </a:schemeClr>
-          </a:lnRef>
-          <a:fillRef idx="1">
-            <a:schemeClr val="accent1"/>
-          </a:fillRef>
-          <a:effectRef idx="0">
-            <a:schemeClr val="accent1"/>
-          </a:effectRef>
-          <a:fontRef idx="minor">
-            <a:schemeClr val="lt1"/>
-          </a:fontRef>
-        </p:style>
-        <p:txBody>
-          <a:bodyPr rtlCol="0" anchor="ctr"/>
-          <a:lstStyle/>
-          <a:p>
-            <a:pPr algn="ctr"/>
-            <a:endParaRPr lang="de-DE"/>
-          </a:p>
-        </p:txBody>
-      </p:sp>
-      <p:sp>
-        <p:nvSpPr>
-          <p:cNvPr id="5" name="Rechteck 4">
-            <a:extLst>
-              <a:ext uri="{FF2B5EF4-FFF2-40B4-BE49-F238E27FC236}">
-                <a16:creationId xmlns:a16="http://schemas.microsoft.com/office/drawing/2014/main" id="{8E3FD48B-7CD1-4286-BF59-7E8D331CBE62}"/>
-              </a:ext>
-            </a:extLst>
-          </p:cNvPr>
-          <p:cNvSpPr/>
-          <p:nvPr/>
-        </p:nvSpPr>
-        <p:spPr>
-          <a:xfrm>
-            <a:off x="6972651" y="2239861"/>
-            <a:ext cx="5040384" cy="4009937"/>
-          </a:xfrm>
-          <a:prstGeom prst="rect">
-            <a:avLst/>
-          </a:prstGeom>
-          <a:noFill/>
-          <a:ln>
-            <a:prstDash val="dash"/>
-          </a:ln>
-        </p:spPr>
-        <p:style>
-          <a:lnRef idx="2">
-            <a:schemeClr val="accent1">
-              <a:shade val="50000"/>
-            </a:schemeClr>
-          </a:lnRef>
-          <a:fillRef idx="1">
-            <a:schemeClr val="accent1"/>
-          </a:fillRef>
-          <a:effectRef idx="0">
-            <a:schemeClr val="accent1"/>
-          </a:effectRef>
-          <a:fontRef idx="minor">
-            <a:schemeClr val="lt1"/>
-          </a:fontRef>
-        </p:style>
-        <p:txBody>
-          <a:bodyPr rtlCol="0" anchor="ctr"/>
-          <a:lstStyle/>
-          <a:p>
-            <a:pPr algn="ctr"/>
-            <a:endParaRPr lang="de-DE"/>
-          </a:p>
-        </p:txBody>
-      </p:sp>
-      <p:sp>
-        <p:nvSpPr>
-          <p:cNvPr id="6" name="Textfeld 5">
-            <a:extLst>
-              <a:ext uri="{FF2B5EF4-FFF2-40B4-BE49-F238E27FC236}">
-                <a16:creationId xmlns:a16="http://schemas.microsoft.com/office/drawing/2014/main" id="{02A2EBC0-839A-4C9C-B427-4EADA101AD2A}"/>
-              </a:ext>
-            </a:extLst>
-          </p:cNvPr>
-          <p:cNvSpPr txBox="1"/>
-          <p:nvPr/>
-        </p:nvSpPr>
-        <p:spPr>
-          <a:xfrm>
-            <a:off x="6972652" y="2239861"/>
-            <a:ext cx="5040384" cy="369332"/>
-          </a:xfrm>
-          <a:prstGeom prst="rect">
-            <a:avLst/>
-          </a:prstGeom>
-          <a:noFill/>
-        </p:spPr>
-        <p:txBody>
-          <a:bodyPr wrap="square" rtlCol="0">
-            <a:spAutoFit/>
-          </a:bodyPr>
-          <a:lstStyle/>
-          <a:p>
-            <a:pPr algn="ctr"/>
-            <a:r>
-              <a:rPr lang="de-DE" dirty="0"/>
-              <a:t>Laufzeitumgebung</a:t>
-            </a:r>
-          </a:p>
-        </p:txBody>
-      </p:sp>
     </p:spTree>
-    <p:extLst>
-      <p:ext uri="{BB962C8B-B14F-4D97-AF65-F5344CB8AC3E}">
-        <p14:creationId xmlns:p14="http://schemas.microsoft.com/office/powerpoint/2010/main" val="1020059501"/>
-      </p:ext>
-    </p:extLst>
   </p:cSld>
   <p:clrMapOvr>
     <a:masterClrMapping/>
@@ -5466,54 +4974,136 @@
       </p:grpSpPr>
       <p:sp>
         <p:nvSpPr>
-          <p:cNvPr id="12" name="Rechteck 11">
-            <a:extLst>
-              <a:ext uri="{FF2B5EF4-FFF2-40B4-BE49-F238E27FC236}">
-                <a16:creationId xmlns:a16="http://schemas.microsoft.com/office/drawing/2014/main" id="{B3D246EA-9900-4058-A411-CDE87F445599}"/>
-              </a:ext>
-            </a:extLst>
-          </p:cNvPr>
-          <p:cNvSpPr/>
-          <p:nvPr/>
-        </p:nvSpPr>
-        <p:spPr>
-          <a:xfrm>
-            <a:off x="7127845" y="5483151"/>
-            <a:ext cx="4778928" cy="949485"/>
-          </a:xfrm>
-          <a:prstGeom prst="rect">
-            <a:avLst/>
-          </a:prstGeom>
-        </p:spPr>
-        <p:style>
-          <a:lnRef idx="2">
-            <a:schemeClr val="dk1"/>
-          </a:lnRef>
-          <a:fillRef idx="1">
-            <a:schemeClr val="lt1"/>
-          </a:fillRef>
-          <a:effectRef idx="0">
-            <a:schemeClr val="dk1"/>
-          </a:effectRef>
-          <a:fontRef idx="minor">
-            <a:schemeClr val="dk1"/>
-          </a:fontRef>
-        </p:style>
-        <p:txBody>
-          <a:bodyPr rtlCol="0" anchor="ctr"/>
-          <a:lstStyle/>
-          <a:p>
-            <a:pPr algn="ctr"/>
+          <p:cNvPr id="2" name="Titel 1">
+            <a:extLst>
+              <a:ext uri="{FF2B5EF4-FFF2-40B4-BE49-F238E27FC236}">
+                <a16:creationId xmlns:a16="http://schemas.microsoft.com/office/drawing/2014/main" xmlns="" id="{A0ADA9B0-E8D8-4B84-A484-B259D65735BC}"/>
+              </a:ext>
+            </a:extLst>
+          </p:cNvPr>
+          <p:cNvSpPr>
+            <a:spLocks noGrp="1"/>
+          </p:cNvSpPr>
+          <p:nvPr>
+            <p:ph type="title"/>
+          </p:nvPr>
+        </p:nvSpPr>
+        <p:spPr/>
+        <p:txBody>
+          <a:bodyPr/>
+          <a:lstStyle/>
+          <a:p>
+            <a:r>
+              <a:rPr lang="de-DE" dirty="0"/>
+              <a:t>Wahl </a:t>
+            </a:r>
+            <a:r>
+              <a:rPr lang="de-DE" dirty="0" smtClean="0"/>
+              <a:t>der </a:t>
+            </a:r>
+            <a:r>
+              <a:rPr lang="de-DE" dirty="0"/>
+              <a:t>Richtigen IDE</a:t>
+            </a:r>
+          </a:p>
+        </p:txBody>
+      </p:sp>
+      <p:sp>
+        <p:nvSpPr>
+          <p:cNvPr id="3" name="Inhaltsplatzhalter 2">
+            <a:extLst>
+              <a:ext uri="{FF2B5EF4-FFF2-40B4-BE49-F238E27FC236}">
+                <a16:creationId xmlns:a16="http://schemas.microsoft.com/office/drawing/2014/main" xmlns="" id="{6F6A94DF-E1DF-4794-BF8A-5AF4CBEA739E}"/>
+              </a:ext>
+            </a:extLst>
+          </p:cNvPr>
+          <p:cNvSpPr>
+            <a:spLocks noGrp="1"/>
+          </p:cNvSpPr>
+          <p:nvPr>
+            <p:ph idx="1"/>
+          </p:nvPr>
+        </p:nvSpPr>
+        <p:spPr>
+          <a:xfrm>
+            <a:off x="581193" y="2340864"/>
+            <a:ext cx="4592973" cy="4076714"/>
+          </a:xfrm>
+        </p:spPr>
+        <p:txBody>
+          <a:bodyPr/>
+          <a:lstStyle/>
+          <a:p>
+            <a:r>
+              <a:rPr lang="de-DE" dirty="0"/>
+              <a:t>IDEs (Integrated Developer Environment) gibt es viele</a:t>
+            </a:r>
+          </a:p>
+          <a:p>
+            <a:pPr lvl="1"/>
+            <a:r>
+              <a:rPr lang="de-DE" dirty="0"/>
+              <a:t>Visual Studio Code</a:t>
+            </a:r>
+          </a:p>
+          <a:p>
+            <a:pPr lvl="1"/>
+            <a:r>
+              <a:rPr lang="de-DE" dirty="0" err="1"/>
+              <a:t>PyCharm</a:t>
+            </a:r>
             <a:endParaRPr lang="de-DE" dirty="0"/>
+          </a:p>
+          <a:p>
+            <a:pPr lvl="1"/>
+            <a:r>
+              <a:rPr lang="de-DE" dirty="0"/>
+              <a:t>Spyder</a:t>
+            </a:r>
+          </a:p>
+          <a:p>
+            <a:pPr lvl="1"/>
+            <a:r>
+              <a:rPr lang="de-DE" dirty="0"/>
+              <a:t>(</a:t>
+            </a:r>
+            <a:r>
+              <a:rPr lang="de-DE" dirty="0" err="1"/>
+              <a:t>Jupyter</a:t>
+            </a:r>
+            <a:r>
+              <a:rPr lang="de-DE" dirty="0"/>
+              <a:t> Notebook)</a:t>
+            </a:r>
+          </a:p>
+          <a:p>
+            <a:r>
+              <a:rPr lang="de-DE" dirty="0"/>
+              <a:t>Ich nutze Notepad++</a:t>
+            </a:r>
+          </a:p>
+          <a:p>
+            <a:pPr lvl="1"/>
+            <a:r>
+              <a:rPr lang="de-DE" dirty="0"/>
+              <a:t>Zum Lernen gut</a:t>
+            </a:r>
+          </a:p>
+          <a:p>
+            <a:pPr lvl="1"/>
+            <a:r>
+              <a:rPr lang="de-DE" dirty="0"/>
+              <a:t>Für den produktiven Einsatz sollte eine richtige IDE zum Einsatz kommen</a:t>
+            </a:r>
           </a:p>
         </p:txBody>
       </p:sp>
       <p:pic>
         <p:nvPicPr>
-          <p:cNvPr id="2050" name="Picture 2" descr="Anaconda und Einrichtung der Python Umgebung - Fellow Consulting AG">
-            <a:extLst>
-              <a:ext uri="{FF2B5EF4-FFF2-40B4-BE49-F238E27FC236}">
-                <a16:creationId xmlns:a16="http://schemas.microsoft.com/office/drawing/2014/main" id="{442596D4-63B4-4B35-9F11-8D0B29DB7B6C}"/>
+          <p:cNvPr id="1026" name="Picture 2">
+            <a:extLst>
+              <a:ext uri="{FF2B5EF4-FFF2-40B4-BE49-F238E27FC236}">
+                <a16:creationId xmlns:a16="http://schemas.microsoft.com/office/drawing/2014/main" xmlns="" id="{3E7F8A02-3DC7-448E-BB60-B050D96AC383}"/>
               </a:ext>
             </a:extLst>
           </p:cNvPr>
@@ -5523,20 +5113,10 @@
           <p:nvPr/>
         </p:nvPicPr>
         <p:blipFill>
-          <a:blip r:embed="rId2">
-            <a:clrChange>
-              <a:clrFrom>
-                <a:srgbClr val="FFFFFF"/>
-              </a:clrFrom>
-              <a:clrTo>
-                <a:srgbClr val="FFFFFF">
-                  <a:alpha val="0"/>
-                </a:srgbClr>
-              </a:clrTo>
-            </a:clrChange>
+          <a:blip r:embed="rId2" cstate="print">
             <a:extLst>
               <a:ext uri="{28A0092B-C50C-407E-A947-70E740481C1C}">
-                <a14:useLocalDpi xmlns:a14="http://schemas.microsoft.com/office/drawing/2010/main" val="0"/>
+                <a14:useLocalDpi xmlns:a14="http://schemas.microsoft.com/office/drawing/2010/main" xmlns="" val="0"/>
               </a:ext>
             </a:extLst>
           </a:blip>
@@ -5547,16 +5127,31 @@
         </p:blipFill>
         <p:spPr bwMode="auto">
           <a:xfrm>
-            <a:off x="8623883" y="5525998"/>
-            <a:ext cx="1863884" cy="931942"/>
-          </a:xfrm>
-          <a:prstGeom prst="rect">
-            <a:avLst/>
+            <a:off x="6256432" y="735351"/>
+            <a:ext cx="4882387" cy="2851415"/>
+          </a:xfrm>
+          <a:prstGeom prst="round2DiagRect">
+            <a:avLst>
+              <a:gd name="adj1" fmla="val 16667"/>
+              <a:gd name="adj2" fmla="val 0"/>
+            </a:avLst>
           </a:prstGeom>
-          <a:noFill/>
+          <a:ln w="88900" cap="sq">
+            <a:solidFill>
+              <a:srgbClr val="FFFFFF"/>
+            </a:solidFill>
+            <a:miter lim="800000"/>
+          </a:ln>
+          <a:effectLst>
+            <a:outerShdw blurRad="254000" algn="tl" rotWithShape="0">
+              <a:srgbClr val="000000">
+                <a:alpha val="43000"/>
+              </a:srgbClr>
+            </a:outerShdw>
+          </a:effectLst>
           <a:extLst>
             <a:ext uri="{909E8E84-426E-40DD-AFC4-6F175D3DCCD1}">
-              <a14:hiddenFill xmlns:a14="http://schemas.microsoft.com/office/drawing/2010/main">
+              <a14:hiddenFill xmlns:a14="http://schemas.microsoft.com/office/drawing/2010/main" xmlns="">
                 <a:solidFill>
                   <a:srgbClr val="FFFFFF"/>
                 </a:solidFill>
@@ -5565,741 +5160,102 @@
           </a:extLst>
         </p:spPr>
       </p:pic>
-      <p:sp>
-        <p:nvSpPr>
-          <p:cNvPr id="2" name="Titel 1">
-            <a:extLst>
-              <a:ext uri="{FF2B5EF4-FFF2-40B4-BE49-F238E27FC236}">
-                <a16:creationId xmlns:a16="http://schemas.microsoft.com/office/drawing/2014/main" id="{7B6C21E8-B43A-4042-A79C-36E263E62674}"/>
-              </a:ext>
-            </a:extLst>
-          </p:cNvPr>
-          <p:cNvSpPr>
-            <a:spLocks noGrp="1"/>
-          </p:cNvSpPr>
-          <p:nvPr>
-            <p:ph type="title"/>
-          </p:nvPr>
-        </p:nvSpPr>
-        <p:spPr/>
-        <p:txBody>
-          <a:bodyPr/>
-          <a:lstStyle/>
-          <a:p>
-            <a:r>
-              <a:rPr lang="de-DE" dirty="0" err="1"/>
-              <a:t>Environements</a:t>
-            </a:r>
-            <a:r>
-              <a:rPr lang="de-DE" dirty="0"/>
-              <a:t> mit </a:t>
-            </a:r>
-            <a:r>
-              <a:rPr lang="de-DE" dirty="0" err="1"/>
-              <a:t>Anaconda</a:t>
-            </a:r>
-            <a:endParaRPr lang="de-DE" dirty="0"/>
-          </a:p>
-        </p:txBody>
-      </p:sp>
-      <p:sp>
-        <p:nvSpPr>
-          <p:cNvPr id="3" name="Inhaltsplatzhalter 2">
-            <a:extLst>
-              <a:ext uri="{FF2B5EF4-FFF2-40B4-BE49-F238E27FC236}">
-                <a16:creationId xmlns:a16="http://schemas.microsoft.com/office/drawing/2014/main" id="{78B4D1DE-55FA-4327-8091-8B42406E748C}"/>
-              </a:ext>
-            </a:extLst>
-          </p:cNvPr>
-          <p:cNvSpPr>
-            <a:spLocks noGrp="1"/>
-          </p:cNvSpPr>
-          <p:nvPr>
-            <p:ph idx="1"/>
-          </p:nvPr>
-        </p:nvSpPr>
-        <p:spPr>
-          <a:xfrm>
-            <a:off x="581193" y="2340864"/>
-            <a:ext cx="6138390" cy="3634486"/>
-          </a:xfrm>
-        </p:spPr>
-        <p:txBody>
-          <a:bodyPr/>
-          <a:lstStyle/>
-          <a:p>
-            <a:r>
-              <a:rPr lang="de-DE" dirty="0" err="1"/>
-              <a:t>Anaconda</a:t>
-            </a:r>
-            <a:r>
-              <a:rPr lang="de-DE" dirty="0"/>
-              <a:t> erlaubt es Environments zu trennen und mit verschiedenen Python-Versionen zu versehen</a:t>
-            </a:r>
-          </a:p>
-          <a:p>
-            <a:r>
-              <a:rPr lang="de-DE" dirty="0"/>
-              <a:t>Verwaltet Pakete und bringt ein eigenes Repository mit</a:t>
-            </a:r>
-          </a:p>
-          <a:p>
-            <a:r>
-              <a:rPr lang="de-DE" dirty="0"/>
-              <a:t>Es existiert eine Open Source Variante</a:t>
-            </a:r>
-          </a:p>
-          <a:p>
-            <a:r>
-              <a:rPr lang="de-DE" dirty="0"/>
-              <a:t>Auswahl der Python-Version ist flexibel, aber:</a:t>
-            </a:r>
-          </a:p>
-          <a:p>
-            <a:pPr lvl="1"/>
-            <a:r>
-              <a:rPr lang="de-DE" dirty="0"/>
-              <a:t>Prüft, ob ihr Bibliotheken anzieht, die nur mit einer bestimmten Version laufen</a:t>
-            </a:r>
-          </a:p>
-          <a:p>
-            <a:pPr lvl="1"/>
-            <a:r>
-              <a:rPr lang="de-DE" dirty="0"/>
-              <a:t>Nehmt nicht per se die neuste Version (derzeit 3.8). Nur die wenigsten Bibliotheken sind immer für die neuste Version kompiliert.</a:t>
-            </a:r>
-          </a:p>
-          <a:p>
-            <a:endParaRPr lang="de-DE" dirty="0"/>
-          </a:p>
-        </p:txBody>
-      </p:sp>
-      <p:sp>
-        <p:nvSpPr>
-          <p:cNvPr id="4" name="Datumsplatzhalter 3">
-            <a:extLst>
-              <a:ext uri="{FF2B5EF4-FFF2-40B4-BE49-F238E27FC236}">
-                <a16:creationId xmlns:a16="http://schemas.microsoft.com/office/drawing/2014/main" id="{99AE37B3-1141-4854-BD8E-BC96A04D1BF1}"/>
-              </a:ext>
-            </a:extLst>
-          </p:cNvPr>
-          <p:cNvSpPr>
-            <a:spLocks noGrp="1"/>
-          </p:cNvSpPr>
-          <p:nvPr>
-            <p:ph type="dt" sz="half" idx="10"/>
-          </p:nvPr>
-        </p:nvSpPr>
-        <p:spPr/>
-        <p:txBody>
-          <a:bodyPr/>
-          <a:lstStyle/>
-          <a:p>
-            <a:pPr rtl="0"/>
-            <a:fld id="{83627DD0-092D-4AD9-AAE0-0513E170352E}" type="datetime1">
-              <a:rPr lang="de-DE" smtClean="0"/>
-              <a:t>26.10.2020</a:t>
-            </a:fld>
-            <a:endParaRPr lang="en-US" dirty="0"/>
-          </a:p>
-        </p:txBody>
-      </p:sp>
-      <p:sp>
-        <p:nvSpPr>
-          <p:cNvPr id="9" name="Rechteck 8">
-            <a:extLst>
-              <a:ext uri="{FF2B5EF4-FFF2-40B4-BE49-F238E27FC236}">
-                <a16:creationId xmlns:a16="http://schemas.microsoft.com/office/drawing/2014/main" id="{97B42E60-03AB-4D7B-8425-9E675A72DD53}"/>
-              </a:ext>
-            </a:extLst>
-          </p:cNvPr>
-          <p:cNvSpPr/>
+      <p:pic>
+        <p:nvPicPr>
+          <p:cNvPr id="6" name="Grafik 5">
+            <a:extLst>
+              <a:ext uri="{FF2B5EF4-FFF2-40B4-BE49-F238E27FC236}">
+                <a16:creationId xmlns:a16="http://schemas.microsoft.com/office/drawing/2014/main" xmlns="" id="{A02D08AB-CCA4-458D-AB38-028F73E4D1CD}"/>
+              </a:ext>
+            </a:extLst>
+          </p:cNvPr>
+          <p:cNvPicPr>
+            <a:picLocks noChangeAspect="1"/>
+          </p:cNvPicPr>
           <p:nvPr/>
-        </p:nvSpPr>
-        <p:spPr>
-          <a:xfrm>
-            <a:off x="7273255" y="4491073"/>
-            <a:ext cx="2130804" cy="636988"/>
-          </a:xfrm>
-          <a:prstGeom prst="rect">
-            <a:avLst/>
+        </p:nvPicPr>
+        <p:blipFill>
+          <a:blip r:embed="rId3" cstate="print"/>
+          <a:stretch>
+            <a:fillRect/>
+          </a:stretch>
+        </p:blipFill>
+        <p:spPr>
+          <a:xfrm>
+            <a:off x="5201175" y="3878905"/>
+            <a:ext cx="4882387" cy="2764172"/>
+          </a:xfrm>
+          <a:prstGeom prst="round2DiagRect">
+            <a:avLst>
+              <a:gd name="adj1" fmla="val 16667"/>
+              <a:gd name="adj2" fmla="val 0"/>
+            </a:avLst>
           </a:prstGeom>
-        </p:spPr>
-        <p:style>
-          <a:lnRef idx="2">
-            <a:schemeClr val="accent1">
-              <a:shade val="50000"/>
-            </a:schemeClr>
-          </a:lnRef>
-          <a:fillRef idx="1">
-            <a:schemeClr val="accent1"/>
-          </a:fillRef>
-          <a:effectRef idx="0">
-            <a:schemeClr val="accent1"/>
-          </a:effectRef>
-          <a:fontRef idx="minor">
-            <a:schemeClr val="lt1"/>
-          </a:fontRef>
-        </p:style>
-        <p:txBody>
-          <a:bodyPr rtlCol="0" anchor="ctr"/>
-          <a:lstStyle/>
-          <a:p>
-            <a:pPr algn="ctr"/>
-            <a:r>
-              <a:rPr lang="de-DE" dirty="0"/>
-              <a:t>Python 2.7</a:t>
-            </a:r>
-          </a:p>
-        </p:txBody>
-      </p:sp>
-      <p:sp>
-        <p:nvSpPr>
-          <p:cNvPr id="11" name="Rechteck 10">
-            <a:extLst>
-              <a:ext uri="{FF2B5EF4-FFF2-40B4-BE49-F238E27FC236}">
-                <a16:creationId xmlns:a16="http://schemas.microsoft.com/office/drawing/2014/main" id="{5BAC378D-FED3-4060-B23A-4CF75A0FCEAB}"/>
-              </a:ext>
-            </a:extLst>
-          </p:cNvPr>
-          <p:cNvSpPr/>
+          <a:ln w="88900" cap="sq">
+            <a:solidFill>
+              <a:srgbClr val="FFFFFF"/>
+            </a:solidFill>
+            <a:miter lim="800000"/>
+          </a:ln>
+          <a:effectLst>
+            <a:outerShdw blurRad="254000" algn="tl" rotWithShape="0">
+              <a:srgbClr val="000000">
+                <a:alpha val="43000"/>
+              </a:srgbClr>
+            </a:outerShdw>
+          </a:effectLst>
+        </p:spPr>
+      </p:pic>
+      <p:pic>
+        <p:nvPicPr>
+          <p:cNvPr id="5" name="Grafik 4">
+            <a:extLst>
+              <a:ext uri="{FF2B5EF4-FFF2-40B4-BE49-F238E27FC236}">
+                <a16:creationId xmlns:a16="http://schemas.microsoft.com/office/drawing/2014/main" xmlns="" id="{96A99E0A-A013-4EB6-951C-B48F0B10F355}"/>
+              </a:ext>
+            </a:extLst>
+          </p:cNvPr>
+          <p:cNvPicPr>
+            <a:picLocks noChangeAspect="1"/>
+          </p:cNvPicPr>
           <p:nvPr/>
-        </p:nvSpPr>
-        <p:spPr>
-          <a:xfrm>
-            <a:off x="7273255" y="3724015"/>
-            <a:ext cx="2130804" cy="636988"/>
-          </a:xfrm>
-          <a:prstGeom prst="rect">
-            <a:avLst/>
+        </p:nvPicPr>
+        <p:blipFill>
+          <a:blip r:embed="rId4" cstate="print"/>
+          <a:stretch>
+            <a:fillRect/>
+          </a:stretch>
+        </p:blipFill>
+        <p:spPr>
+          <a:xfrm>
+            <a:off x="8625947" y="2431240"/>
+            <a:ext cx="3344520" cy="2583197"/>
+          </a:xfrm>
+          <a:prstGeom prst="round2DiagRect">
+            <a:avLst>
+              <a:gd name="adj1" fmla="val 16667"/>
+              <a:gd name="adj2" fmla="val 0"/>
+            </a:avLst>
           </a:prstGeom>
-        </p:spPr>
-        <p:style>
-          <a:lnRef idx="2">
-            <a:schemeClr val="accent3">
-              <a:shade val="50000"/>
-            </a:schemeClr>
-          </a:lnRef>
-          <a:fillRef idx="1">
-            <a:schemeClr val="accent3"/>
-          </a:fillRef>
-          <a:effectRef idx="0">
-            <a:schemeClr val="accent3"/>
-          </a:effectRef>
-          <a:fontRef idx="minor">
-            <a:schemeClr val="lt1"/>
-          </a:fontRef>
-        </p:style>
-        <p:txBody>
-          <a:bodyPr rtlCol="0" anchor="ctr"/>
-          <a:lstStyle/>
-          <a:p>
-            <a:pPr algn="ctr"/>
-            <a:r>
-              <a:rPr lang="de-DE" dirty="0"/>
-              <a:t>Bibliothek 1</a:t>
-            </a:r>
-          </a:p>
-          <a:p>
-            <a:pPr algn="ctr"/>
-            <a:r>
-              <a:rPr lang="de-DE" dirty="0"/>
-              <a:t>(Version 1.1)</a:t>
-            </a:r>
-          </a:p>
-        </p:txBody>
-      </p:sp>
-      <p:sp>
-        <p:nvSpPr>
-          <p:cNvPr id="13" name="Rechteck 12">
-            <a:extLst>
-              <a:ext uri="{FF2B5EF4-FFF2-40B4-BE49-F238E27FC236}">
-                <a16:creationId xmlns:a16="http://schemas.microsoft.com/office/drawing/2014/main" id="{7E4CA8F1-F2DF-48E6-A8A3-209050D82A98}"/>
-              </a:ext>
-            </a:extLst>
-          </p:cNvPr>
-          <p:cNvSpPr/>
-          <p:nvPr/>
-        </p:nvSpPr>
-        <p:spPr>
-          <a:xfrm>
-            <a:off x="9657127" y="3724015"/>
-            <a:ext cx="2130804" cy="636988"/>
-          </a:xfrm>
-          <a:prstGeom prst="rect">
-            <a:avLst/>
-          </a:prstGeom>
-        </p:spPr>
-        <p:style>
-          <a:lnRef idx="2">
-            <a:schemeClr val="accent3">
-              <a:shade val="50000"/>
-            </a:schemeClr>
-          </a:lnRef>
-          <a:fillRef idx="1">
-            <a:schemeClr val="accent3"/>
-          </a:fillRef>
-          <a:effectRef idx="0">
-            <a:schemeClr val="accent3"/>
-          </a:effectRef>
-          <a:fontRef idx="minor">
-            <a:schemeClr val="lt1"/>
-          </a:fontRef>
-        </p:style>
-        <p:txBody>
-          <a:bodyPr rtlCol="0" anchor="ctr"/>
-          <a:lstStyle/>
-          <a:p>
-            <a:pPr algn="ctr"/>
-            <a:r>
-              <a:rPr lang="de-DE" dirty="0"/>
-              <a:t>Bibliothek 1</a:t>
-            </a:r>
-          </a:p>
-          <a:p>
-            <a:pPr algn="ctr"/>
-            <a:r>
-              <a:rPr lang="de-DE" dirty="0"/>
-              <a:t>(Version 1.1)</a:t>
-            </a:r>
-          </a:p>
-        </p:txBody>
-      </p:sp>
-      <p:sp>
-        <p:nvSpPr>
-          <p:cNvPr id="15" name="Rechteck 14">
-            <a:extLst>
-              <a:ext uri="{FF2B5EF4-FFF2-40B4-BE49-F238E27FC236}">
-                <a16:creationId xmlns:a16="http://schemas.microsoft.com/office/drawing/2014/main" id="{BDF474BA-448D-4224-B219-02A454C78E1D}"/>
-              </a:ext>
-            </a:extLst>
-          </p:cNvPr>
-          <p:cNvSpPr/>
-          <p:nvPr/>
-        </p:nvSpPr>
-        <p:spPr>
-          <a:xfrm>
-            <a:off x="7273255" y="2992324"/>
-            <a:ext cx="2130804" cy="636988"/>
-          </a:xfrm>
-          <a:prstGeom prst="rect">
-            <a:avLst/>
-          </a:prstGeom>
-        </p:spPr>
-        <p:style>
-          <a:lnRef idx="2">
-            <a:schemeClr val="accent5">
-              <a:shade val="50000"/>
-            </a:schemeClr>
-          </a:lnRef>
-          <a:fillRef idx="1">
-            <a:schemeClr val="accent5"/>
-          </a:fillRef>
-          <a:effectRef idx="0">
-            <a:schemeClr val="accent5"/>
-          </a:effectRef>
-          <a:fontRef idx="minor">
-            <a:schemeClr val="lt1"/>
-          </a:fontRef>
-        </p:style>
-        <p:txBody>
-          <a:bodyPr rtlCol="0" anchor="ctr"/>
-          <a:lstStyle/>
-          <a:p>
-            <a:pPr algn="ctr"/>
-            <a:r>
-              <a:rPr lang="de-DE" dirty="0"/>
-              <a:t>Bibliothek 2</a:t>
-            </a:r>
-          </a:p>
-          <a:p>
-            <a:pPr algn="ctr"/>
-            <a:r>
-              <a:rPr lang="de-DE" dirty="0"/>
-              <a:t>(Version 0.7)</a:t>
-            </a:r>
-          </a:p>
-        </p:txBody>
-      </p:sp>
-      <p:sp>
-        <p:nvSpPr>
-          <p:cNvPr id="17" name="Rechteck 16">
-            <a:extLst>
-              <a:ext uri="{FF2B5EF4-FFF2-40B4-BE49-F238E27FC236}">
-                <a16:creationId xmlns:a16="http://schemas.microsoft.com/office/drawing/2014/main" id="{72713D57-DB3B-4A34-983B-013E99C57FED}"/>
-              </a:ext>
-            </a:extLst>
-          </p:cNvPr>
-          <p:cNvSpPr/>
-          <p:nvPr/>
-        </p:nvSpPr>
-        <p:spPr>
-          <a:xfrm>
-            <a:off x="9657127" y="2990900"/>
-            <a:ext cx="2130804" cy="636988"/>
-          </a:xfrm>
-          <a:prstGeom prst="rect">
-            <a:avLst/>
-          </a:prstGeom>
-        </p:spPr>
-        <p:style>
-          <a:lnRef idx="2">
-            <a:schemeClr val="accent5">
-              <a:shade val="50000"/>
-            </a:schemeClr>
-          </a:lnRef>
-          <a:fillRef idx="1">
-            <a:schemeClr val="accent5"/>
-          </a:fillRef>
-          <a:effectRef idx="0">
-            <a:schemeClr val="accent5"/>
-          </a:effectRef>
-          <a:fontRef idx="minor">
-            <a:schemeClr val="lt1"/>
-          </a:fontRef>
-        </p:style>
-        <p:txBody>
-          <a:bodyPr rtlCol="0" anchor="ctr"/>
-          <a:lstStyle/>
-          <a:p>
-            <a:pPr algn="ctr"/>
-            <a:r>
-              <a:rPr lang="de-DE" dirty="0"/>
-              <a:t>Bibliothek 2</a:t>
-            </a:r>
-          </a:p>
-          <a:p>
-            <a:pPr algn="ctr"/>
-            <a:r>
-              <a:rPr lang="de-DE" dirty="0"/>
-              <a:t>(Version 1.1)</a:t>
-            </a:r>
-          </a:p>
-        </p:txBody>
-      </p:sp>
-      <p:sp>
-        <p:nvSpPr>
-          <p:cNvPr id="19" name="Rechteck 18">
-            <a:extLst>
-              <a:ext uri="{FF2B5EF4-FFF2-40B4-BE49-F238E27FC236}">
-                <a16:creationId xmlns:a16="http://schemas.microsoft.com/office/drawing/2014/main" id="{84E5329B-0C09-4DDB-A5BD-E105C7C556F7}"/>
-              </a:ext>
-            </a:extLst>
-          </p:cNvPr>
-          <p:cNvSpPr/>
-          <p:nvPr/>
-        </p:nvSpPr>
-        <p:spPr>
-          <a:xfrm>
-            <a:off x="7273255" y="2279323"/>
-            <a:ext cx="2130804" cy="636988"/>
-          </a:xfrm>
-          <a:prstGeom prst="rect">
-            <a:avLst/>
-          </a:prstGeom>
-        </p:spPr>
-        <p:style>
-          <a:lnRef idx="2">
-            <a:schemeClr val="accent6">
-              <a:shade val="50000"/>
-            </a:schemeClr>
-          </a:lnRef>
-          <a:fillRef idx="1">
-            <a:schemeClr val="accent6"/>
-          </a:fillRef>
-          <a:effectRef idx="0">
-            <a:schemeClr val="accent6"/>
-          </a:effectRef>
-          <a:fontRef idx="minor">
-            <a:schemeClr val="lt1"/>
-          </a:fontRef>
-        </p:style>
-        <p:txBody>
-          <a:bodyPr rtlCol="0" anchor="ctr"/>
-          <a:lstStyle/>
-          <a:p>
-            <a:pPr algn="ctr"/>
-            <a:r>
-              <a:rPr lang="de-DE" dirty="0"/>
-              <a:t>…</a:t>
-            </a:r>
-          </a:p>
-        </p:txBody>
-      </p:sp>
-      <p:sp>
-        <p:nvSpPr>
-          <p:cNvPr id="21" name="Rechteck 20">
-            <a:extLst>
-              <a:ext uri="{FF2B5EF4-FFF2-40B4-BE49-F238E27FC236}">
-                <a16:creationId xmlns:a16="http://schemas.microsoft.com/office/drawing/2014/main" id="{69853C23-D6E1-46F8-832D-ECEE9D0AA735}"/>
-              </a:ext>
-            </a:extLst>
-          </p:cNvPr>
-          <p:cNvSpPr/>
-          <p:nvPr/>
-        </p:nvSpPr>
-        <p:spPr>
-          <a:xfrm>
-            <a:off x="9657127" y="2279323"/>
-            <a:ext cx="2130804" cy="636988"/>
-          </a:xfrm>
-          <a:prstGeom prst="rect">
-            <a:avLst/>
-          </a:prstGeom>
-        </p:spPr>
-        <p:style>
-          <a:lnRef idx="2">
-            <a:schemeClr val="accent6">
-              <a:shade val="50000"/>
-            </a:schemeClr>
-          </a:lnRef>
-          <a:fillRef idx="1">
-            <a:schemeClr val="accent6"/>
-          </a:fillRef>
-          <a:effectRef idx="0">
-            <a:schemeClr val="accent6"/>
-          </a:effectRef>
-          <a:fontRef idx="minor">
-            <a:schemeClr val="lt1"/>
-          </a:fontRef>
-        </p:style>
-        <p:txBody>
-          <a:bodyPr rtlCol="0" anchor="ctr"/>
-          <a:lstStyle/>
-          <a:p>
-            <a:pPr algn="ctr"/>
-            <a:r>
-              <a:rPr lang="de-DE" dirty="0"/>
-              <a:t>…</a:t>
-            </a:r>
-          </a:p>
-        </p:txBody>
-      </p:sp>
-      <p:sp>
-        <p:nvSpPr>
-          <p:cNvPr id="5" name="Rechteck 4">
-            <a:extLst>
-              <a:ext uri="{FF2B5EF4-FFF2-40B4-BE49-F238E27FC236}">
-                <a16:creationId xmlns:a16="http://schemas.microsoft.com/office/drawing/2014/main" id="{8E3FD48B-7CD1-4286-BF59-7E8D331CBE62}"/>
-              </a:ext>
-            </a:extLst>
-          </p:cNvPr>
-          <p:cNvSpPr/>
-          <p:nvPr/>
-        </p:nvSpPr>
-        <p:spPr>
-          <a:xfrm>
-            <a:off x="7127844" y="1392572"/>
-            <a:ext cx="2389468" cy="4009937"/>
-          </a:xfrm>
-          <a:prstGeom prst="rect">
-            <a:avLst/>
-          </a:prstGeom>
-          <a:noFill/>
-          <a:ln>
-            <a:prstDash val="dash"/>
+          <a:ln w="88900" cap="sq">
+            <a:solidFill>
+              <a:srgbClr val="FFFFFF"/>
+            </a:solidFill>
+            <a:miter lim="800000"/>
           </a:ln>
-        </p:spPr>
-        <p:style>
-          <a:lnRef idx="2">
-            <a:schemeClr val="accent1">
-              <a:shade val="50000"/>
-            </a:schemeClr>
-          </a:lnRef>
-          <a:fillRef idx="1">
-            <a:schemeClr val="accent1"/>
-          </a:fillRef>
-          <a:effectRef idx="0">
-            <a:schemeClr val="accent1"/>
-          </a:effectRef>
-          <a:fontRef idx="minor">
-            <a:schemeClr val="lt1"/>
-          </a:fontRef>
-        </p:style>
-        <p:txBody>
-          <a:bodyPr rtlCol="0" anchor="ctr"/>
-          <a:lstStyle/>
-          <a:p>
-            <a:pPr algn="ctr"/>
-            <a:endParaRPr lang="de-DE"/>
-          </a:p>
-        </p:txBody>
-      </p:sp>
-      <p:sp>
-        <p:nvSpPr>
-          <p:cNvPr id="6" name="Textfeld 5">
-            <a:extLst>
-              <a:ext uri="{FF2B5EF4-FFF2-40B4-BE49-F238E27FC236}">
-                <a16:creationId xmlns:a16="http://schemas.microsoft.com/office/drawing/2014/main" id="{02A2EBC0-839A-4C9C-B427-4EADA101AD2A}"/>
-              </a:ext>
-            </a:extLst>
-          </p:cNvPr>
-          <p:cNvSpPr txBox="1"/>
-          <p:nvPr/>
-        </p:nvSpPr>
-        <p:spPr>
-          <a:xfrm>
-            <a:off x="7148815" y="1392572"/>
-            <a:ext cx="2389468" cy="369332"/>
-          </a:xfrm>
-          <a:prstGeom prst="rect">
-            <a:avLst/>
-          </a:prstGeom>
-          <a:noFill/>
-        </p:spPr>
-        <p:txBody>
-          <a:bodyPr wrap="square" rtlCol="0">
-            <a:spAutoFit/>
-          </a:bodyPr>
-          <a:lstStyle/>
-          <a:p>
-            <a:pPr algn="ctr"/>
-            <a:r>
-              <a:rPr lang="de-DE" dirty="0"/>
-              <a:t>Laufzeitumgebung 1</a:t>
-            </a:r>
-          </a:p>
-        </p:txBody>
-      </p:sp>
-      <p:sp>
-        <p:nvSpPr>
-          <p:cNvPr id="7" name="Rechteck 6">
-            <a:extLst>
-              <a:ext uri="{FF2B5EF4-FFF2-40B4-BE49-F238E27FC236}">
-                <a16:creationId xmlns:a16="http://schemas.microsoft.com/office/drawing/2014/main" id="{0AAC792E-F355-4CEB-B1F5-5618580BCEF6}"/>
-              </a:ext>
-            </a:extLst>
-          </p:cNvPr>
-          <p:cNvSpPr/>
-          <p:nvPr/>
-        </p:nvSpPr>
-        <p:spPr>
-          <a:xfrm>
-            <a:off x="9662718" y="4491072"/>
-            <a:ext cx="2130804" cy="636988"/>
-          </a:xfrm>
-          <a:prstGeom prst="rect">
-            <a:avLst/>
-          </a:prstGeom>
-        </p:spPr>
-        <p:style>
-          <a:lnRef idx="2">
-            <a:schemeClr val="accent1">
-              <a:shade val="50000"/>
-            </a:schemeClr>
-          </a:lnRef>
-          <a:fillRef idx="1">
-            <a:schemeClr val="accent1"/>
-          </a:fillRef>
-          <a:effectRef idx="0">
-            <a:schemeClr val="accent1"/>
-          </a:effectRef>
-          <a:fontRef idx="minor">
-            <a:schemeClr val="lt1"/>
-          </a:fontRef>
-        </p:style>
-        <p:txBody>
-          <a:bodyPr rtlCol="0" anchor="ctr"/>
-          <a:lstStyle/>
-          <a:p>
-            <a:pPr algn="ctr"/>
-            <a:r>
-              <a:rPr lang="de-DE" dirty="0"/>
-              <a:t>Python 3.6</a:t>
-            </a:r>
-          </a:p>
-        </p:txBody>
-      </p:sp>
-      <p:sp>
-        <p:nvSpPr>
-          <p:cNvPr id="8" name="Rechteck 7">
-            <a:extLst>
-              <a:ext uri="{FF2B5EF4-FFF2-40B4-BE49-F238E27FC236}">
-                <a16:creationId xmlns:a16="http://schemas.microsoft.com/office/drawing/2014/main" id="{E33CD875-0266-4174-8CA0-4FE095FF94C6}"/>
-              </a:ext>
-            </a:extLst>
-          </p:cNvPr>
-          <p:cNvSpPr/>
-          <p:nvPr/>
-        </p:nvSpPr>
-        <p:spPr>
-          <a:xfrm>
-            <a:off x="9517312" y="1392571"/>
-            <a:ext cx="2410434" cy="4009937"/>
-          </a:xfrm>
-          <a:prstGeom prst="rect">
-            <a:avLst/>
-          </a:prstGeom>
-          <a:noFill/>
-          <a:ln>
-            <a:prstDash val="dash"/>
-          </a:ln>
-        </p:spPr>
-        <p:style>
-          <a:lnRef idx="2">
-            <a:schemeClr val="accent1">
-              <a:shade val="50000"/>
-            </a:schemeClr>
-          </a:lnRef>
-          <a:fillRef idx="1">
-            <a:schemeClr val="accent1"/>
-          </a:fillRef>
-          <a:effectRef idx="0">
-            <a:schemeClr val="accent1"/>
-          </a:effectRef>
-          <a:fontRef idx="minor">
-            <a:schemeClr val="lt1"/>
-          </a:fontRef>
-        </p:style>
-        <p:txBody>
-          <a:bodyPr rtlCol="0" anchor="ctr"/>
-          <a:lstStyle/>
-          <a:p>
-            <a:pPr algn="ctr"/>
-            <a:endParaRPr lang="de-DE"/>
-          </a:p>
-        </p:txBody>
-      </p:sp>
-      <p:sp>
-        <p:nvSpPr>
-          <p:cNvPr id="10" name="Textfeld 9">
-            <a:extLst>
-              <a:ext uri="{FF2B5EF4-FFF2-40B4-BE49-F238E27FC236}">
-                <a16:creationId xmlns:a16="http://schemas.microsoft.com/office/drawing/2014/main" id="{0D852B35-9A0F-4CA9-9C65-810B7B34C26F}"/>
-              </a:ext>
-            </a:extLst>
-          </p:cNvPr>
-          <p:cNvSpPr txBox="1"/>
-          <p:nvPr/>
-        </p:nvSpPr>
-        <p:spPr>
-          <a:xfrm>
-            <a:off x="9517309" y="1379673"/>
-            <a:ext cx="2410434" cy="369332"/>
-          </a:xfrm>
-          <a:prstGeom prst="rect">
-            <a:avLst/>
-          </a:prstGeom>
-          <a:noFill/>
-        </p:spPr>
-        <p:txBody>
-          <a:bodyPr wrap="square" rtlCol="0">
-            <a:spAutoFit/>
-          </a:bodyPr>
-          <a:lstStyle/>
-          <a:p>
-            <a:pPr algn="ctr"/>
-            <a:r>
-              <a:rPr lang="de-DE" dirty="0"/>
-              <a:t>Laufzeitumgebung 2</a:t>
-            </a:r>
-          </a:p>
-        </p:txBody>
-      </p:sp>
+          <a:effectLst>
+            <a:outerShdw blurRad="254000" algn="tl" rotWithShape="0">
+              <a:srgbClr val="000000">
+                <a:alpha val="43000"/>
+              </a:srgbClr>
+            </a:outerShdw>
+          </a:effectLst>
+        </p:spPr>
+      </p:pic>
     </p:spTree>
     <p:extLst>
       <p:ext uri="{BB962C8B-B14F-4D97-AF65-F5344CB8AC3E}">
-        <p14:creationId xmlns:p14="http://schemas.microsoft.com/office/powerpoint/2010/main" val="4123699968"/>
+        <p14:creationId xmlns:p14="http://schemas.microsoft.com/office/powerpoint/2010/main" xmlns="" val="3798023538"/>
       </p:ext>
     </p:extLst>
   </p:cSld>
@@ -6331,7 +5287,7 @@
           <p:cNvPr id="2" name="Titel 1">
             <a:extLst>
               <a:ext uri="{FF2B5EF4-FFF2-40B4-BE49-F238E27FC236}">
-                <a16:creationId xmlns:a16="http://schemas.microsoft.com/office/drawing/2014/main" id="{0BF4BE3F-DD1C-4F86-90CA-D1AFDB21DDC2}"/>
+                <a16:creationId xmlns:a16="http://schemas.microsoft.com/office/drawing/2014/main" xmlns="" id="{7B6C21E8-B43A-4042-A79C-36E263E62674}"/>
               </a:ext>
             </a:extLst>
           </p:cNvPr>
@@ -6349,7 +5305,74 @@
           <a:p>
             <a:r>
               <a:rPr lang="de-DE" dirty="0"/>
-              <a:t>Architektur unserer Anwendung</a:t>
+              <a:t>Mehrere Projekte in Python</a:t>
+            </a:r>
+          </a:p>
+        </p:txBody>
+      </p:sp>
+      <p:sp>
+        <p:nvSpPr>
+          <p:cNvPr id="3" name="Inhaltsplatzhalter 2">
+            <a:extLst>
+              <a:ext uri="{FF2B5EF4-FFF2-40B4-BE49-F238E27FC236}">
+                <a16:creationId xmlns:a16="http://schemas.microsoft.com/office/drawing/2014/main" xmlns="" id="{78B4D1DE-55FA-4327-8091-8B42406E748C}"/>
+              </a:ext>
+            </a:extLst>
+          </p:cNvPr>
+          <p:cNvSpPr>
+            <a:spLocks noGrp="1"/>
+          </p:cNvSpPr>
+          <p:nvPr>
+            <p:ph idx="1"/>
+          </p:nvPr>
+        </p:nvSpPr>
+        <p:spPr>
+          <a:xfrm>
+            <a:off x="581193" y="2340864"/>
+            <a:ext cx="6138390" cy="3634486"/>
+          </a:xfrm>
+        </p:spPr>
+        <p:txBody>
+          <a:bodyPr/>
+          <a:lstStyle/>
+          <a:p>
+            <a:r>
+              <a:rPr lang="de-DE" dirty="0"/>
+              <a:t>Python eignet sich hervorragend zur Anwendungsentwicklung</a:t>
+            </a:r>
+          </a:p>
+          <a:p>
+            <a:r>
+              <a:rPr lang="de-DE" dirty="0"/>
+              <a:t>Herausforderung: Management mehrerer Projekte auf Basis der selben Bibliotheken</a:t>
+            </a:r>
+          </a:p>
+          <a:p>
+            <a:pPr lvl="1"/>
+            <a:r>
+              <a:rPr lang="de-DE" dirty="0"/>
+              <a:t>Bibliothek: Eine in sich abgeschlossene Sammlung an bereits fertig entwickelten Funktionen</a:t>
+            </a:r>
+          </a:p>
+          <a:p>
+            <a:r>
+              <a:rPr lang="de-DE" dirty="0"/>
+              <a:t>Python bringt virtuelle Umgebungen (</a:t>
+            </a:r>
+            <a:r>
+              <a:rPr lang="de-DE" dirty="0" err="1"/>
+              <a:t>Environements</a:t>
+            </a:r>
+            <a:r>
+              <a:rPr lang="de-DE" dirty="0"/>
+              <a:t>) mit, um Bibliotheken oder Python Versionen zu trennen</a:t>
+            </a:r>
+          </a:p>
+          <a:p>
+            <a:pPr lvl="1"/>
+            <a:r>
+              <a:rPr lang="de-DE" dirty="0"/>
+              <a:t>Mehrere Python Versionen möglich, aber umständlich</a:t>
             </a:r>
           </a:p>
         </p:txBody>
@@ -6359,7 +5382,7 @@
           <p:cNvPr id="4" name="Datumsplatzhalter 3">
             <a:extLst>
               <a:ext uri="{FF2B5EF4-FFF2-40B4-BE49-F238E27FC236}">
-                <a16:creationId xmlns:a16="http://schemas.microsoft.com/office/drawing/2014/main" id="{D69FCEA2-7AA5-453B-A617-5C3F8E5E93E6}"/>
+                <a16:creationId xmlns:a16="http://schemas.microsoft.com/office/drawing/2014/main" xmlns="" id="{99AE37B3-1141-4854-BD8E-BC96A04D1BF1}"/>
               </a:ext>
             </a:extLst>
           </p:cNvPr>
@@ -6378,7 +5401,8 @@
             <a:pPr rtl="0"/>
             <a:fld id="{83627DD0-092D-4AD9-AAE0-0513E170352E}" type="datetime1">
               <a:rPr lang="de-DE" smtClean="0"/>
-              <a:t>26.10.2020</a:t>
+              <a:pPr rtl="0"/>
+              <a:t>29.10.2020</a:t>
             </a:fld>
             <a:endParaRPr lang="en-US" dirty="0"/>
           </a:p>
@@ -6386,10 +5410,10 @@
       </p:sp>
       <p:sp>
         <p:nvSpPr>
-          <p:cNvPr id="5" name="Rechteck 4">
-            <a:extLst>
-              <a:ext uri="{FF2B5EF4-FFF2-40B4-BE49-F238E27FC236}">
-                <a16:creationId xmlns:a16="http://schemas.microsoft.com/office/drawing/2014/main" id="{D9DF09B9-CE08-496B-84E1-3C542D0E075D}"/>
+          <p:cNvPr id="9" name="Rechteck 8">
+            <a:extLst>
+              <a:ext uri="{FF2B5EF4-FFF2-40B4-BE49-F238E27FC236}">
+                <a16:creationId xmlns:a16="http://schemas.microsoft.com/office/drawing/2014/main" xmlns="" id="{97B42E60-03AB-4D7B-8425-9E675A72DD53}"/>
               </a:ext>
             </a:extLst>
           </p:cNvPr>
@@ -6398,8 +5422,8 @@
         </p:nvSpPr>
         <p:spPr>
           <a:xfrm>
-            <a:off x="9756396" y="2399340"/>
-            <a:ext cx="1770077" cy="520118"/>
+            <a:off x="7273255" y="5338362"/>
+            <a:ext cx="4514676" cy="636988"/>
           </a:xfrm>
           <a:prstGeom prst="rect">
             <a:avLst/>
@@ -6427,22 +5451,18 @@
           <a:p>
             <a:pPr algn="ctr"/>
             <a:r>
-              <a:rPr lang="de-DE" dirty="0" err="1"/>
-              <a:t>Intent</a:t>
-            </a:r>
-            <a:r>
               <a:rPr lang="de-DE" dirty="0"/>
-              <a:t> Wetter</a:t>
-            </a:r>
-          </a:p>
-        </p:txBody>
-      </p:sp>
-      <p:sp>
-        <p:nvSpPr>
-          <p:cNvPr id="7" name="Rechteck 6">
-            <a:extLst>
-              <a:ext uri="{FF2B5EF4-FFF2-40B4-BE49-F238E27FC236}">
-                <a16:creationId xmlns:a16="http://schemas.microsoft.com/office/drawing/2014/main" id="{62235240-B391-43DE-9626-87E9515BB91D}"/>
+              <a:t>Python 3.6</a:t>
+            </a:r>
+          </a:p>
+        </p:txBody>
+      </p:sp>
+      <p:sp>
+        <p:nvSpPr>
+          <p:cNvPr id="11" name="Rechteck 10">
+            <a:extLst>
+              <a:ext uri="{FF2B5EF4-FFF2-40B4-BE49-F238E27FC236}">
+                <a16:creationId xmlns:a16="http://schemas.microsoft.com/office/drawing/2014/main" xmlns="" id="{5BAC378D-FED3-4060-B23A-4CF75A0FCEAB}"/>
               </a:ext>
             </a:extLst>
           </p:cNvPr>
@@ -6451,12 +5471,342 @@
         </p:nvSpPr>
         <p:spPr>
           <a:xfrm>
-            <a:off x="9756393" y="3013228"/>
-            <a:ext cx="1770077" cy="520118"/>
+            <a:off x="7273255" y="4571304"/>
+            <a:ext cx="2130804" cy="636988"/>
           </a:xfrm>
           <a:prstGeom prst="rect">
             <a:avLst/>
           </a:prstGeom>
+        </p:spPr>
+        <p:style>
+          <a:lnRef idx="2">
+            <a:schemeClr val="accent3">
+              <a:shade val="50000"/>
+            </a:schemeClr>
+          </a:lnRef>
+          <a:fillRef idx="1">
+            <a:schemeClr val="accent3"/>
+          </a:fillRef>
+          <a:effectRef idx="0">
+            <a:schemeClr val="accent3"/>
+          </a:effectRef>
+          <a:fontRef idx="minor">
+            <a:schemeClr val="lt1"/>
+          </a:fontRef>
+        </p:style>
+        <p:txBody>
+          <a:bodyPr rtlCol="0" anchor="ctr"/>
+          <a:lstStyle/>
+          <a:p>
+            <a:pPr algn="ctr"/>
+            <a:r>
+              <a:rPr lang="de-DE" dirty="0"/>
+              <a:t>Bibliothek 1</a:t>
+            </a:r>
+          </a:p>
+          <a:p>
+            <a:pPr algn="ctr"/>
+            <a:r>
+              <a:rPr lang="de-DE" dirty="0"/>
+              <a:t>(Version 1.1)</a:t>
+            </a:r>
+          </a:p>
+        </p:txBody>
+      </p:sp>
+      <p:sp>
+        <p:nvSpPr>
+          <p:cNvPr id="13" name="Rechteck 12">
+            <a:extLst>
+              <a:ext uri="{FF2B5EF4-FFF2-40B4-BE49-F238E27FC236}">
+                <a16:creationId xmlns:a16="http://schemas.microsoft.com/office/drawing/2014/main" xmlns="" id="{7E4CA8F1-F2DF-48E6-A8A3-209050D82A98}"/>
+              </a:ext>
+            </a:extLst>
+          </p:cNvPr>
+          <p:cNvSpPr/>
+          <p:nvPr/>
+        </p:nvSpPr>
+        <p:spPr>
+          <a:xfrm>
+            <a:off x="9657127" y="4571304"/>
+            <a:ext cx="2130804" cy="636988"/>
+          </a:xfrm>
+          <a:prstGeom prst="rect">
+            <a:avLst/>
+          </a:prstGeom>
+        </p:spPr>
+        <p:style>
+          <a:lnRef idx="2">
+            <a:schemeClr val="accent3">
+              <a:shade val="50000"/>
+            </a:schemeClr>
+          </a:lnRef>
+          <a:fillRef idx="1">
+            <a:schemeClr val="accent3"/>
+          </a:fillRef>
+          <a:effectRef idx="0">
+            <a:schemeClr val="accent3"/>
+          </a:effectRef>
+          <a:fontRef idx="minor">
+            <a:schemeClr val="lt1"/>
+          </a:fontRef>
+        </p:style>
+        <p:txBody>
+          <a:bodyPr rtlCol="0" anchor="ctr"/>
+          <a:lstStyle/>
+          <a:p>
+            <a:pPr algn="ctr"/>
+            <a:r>
+              <a:rPr lang="de-DE" dirty="0"/>
+              <a:t>Bibliothek 1</a:t>
+            </a:r>
+          </a:p>
+          <a:p>
+            <a:pPr algn="ctr"/>
+            <a:r>
+              <a:rPr lang="de-DE" dirty="0"/>
+              <a:t>(Version 1.1)</a:t>
+            </a:r>
+          </a:p>
+        </p:txBody>
+      </p:sp>
+      <p:sp>
+        <p:nvSpPr>
+          <p:cNvPr id="15" name="Rechteck 14">
+            <a:extLst>
+              <a:ext uri="{FF2B5EF4-FFF2-40B4-BE49-F238E27FC236}">
+                <a16:creationId xmlns:a16="http://schemas.microsoft.com/office/drawing/2014/main" xmlns="" id="{BDF474BA-448D-4224-B219-02A454C78E1D}"/>
+              </a:ext>
+            </a:extLst>
+          </p:cNvPr>
+          <p:cNvSpPr/>
+          <p:nvPr/>
+        </p:nvSpPr>
+        <p:spPr>
+          <a:xfrm>
+            <a:off x="7273255" y="3839613"/>
+            <a:ext cx="2130804" cy="636988"/>
+          </a:xfrm>
+          <a:prstGeom prst="rect">
+            <a:avLst/>
+          </a:prstGeom>
+        </p:spPr>
+        <p:style>
+          <a:lnRef idx="2">
+            <a:schemeClr val="accent5">
+              <a:shade val="50000"/>
+            </a:schemeClr>
+          </a:lnRef>
+          <a:fillRef idx="1">
+            <a:schemeClr val="accent5"/>
+          </a:fillRef>
+          <a:effectRef idx="0">
+            <a:schemeClr val="accent5"/>
+          </a:effectRef>
+          <a:fontRef idx="minor">
+            <a:schemeClr val="lt1"/>
+          </a:fontRef>
+        </p:style>
+        <p:txBody>
+          <a:bodyPr rtlCol="0" anchor="ctr"/>
+          <a:lstStyle/>
+          <a:p>
+            <a:pPr algn="ctr"/>
+            <a:r>
+              <a:rPr lang="de-DE" dirty="0"/>
+              <a:t>Bibliothek 2</a:t>
+            </a:r>
+          </a:p>
+          <a:p>
+            <a:pPr algn="ctr"/>
+            <a:r>
+              <a:rPr lang="de-DE" dirty="0"/>
+              <a:t>(Version 0.7)</a:t>
+            </a:r>
+          </a:p>
+        </p:txBody>
+      </p:sp>
+      <p:sp>
+        <p:nvSpPr>
+          <p:cNvPr id="17" name="Rechteck 16">
+            <a:extLst>
+              <a:ext uri="{FF2B5EF4-FFF2-40B4-BE49-F238E27FC236}">
+                <a16:creationId xmlns:a16="http://schemas.microsoft.com/office/drawing/2014/main" xmlns="" id="{72713D57-DB3B-4A34-983B-013E99C57FED}"/>
+              </a:ext>
+            </a:extLst>
+          </p:cNvPr>
+          <p:cNvSpPr/>
+          <p:nvPr/>
+        </p:nvSpPr>
+        <p:spPr>
+          <a:xfrm>
+            <a:off x="9657127" y="3838189"/>
+            <a:ext cx="2130804" cy="636988"/>
+          </a:xfrm>
+          <a:prstGeom prst="rect">
+            <a:avLst/>
+          </a:prstGeom>
+        </p:spPr>
+        <p:style>
+          <a:lnRef idx="2">
+            <a:schemeClr val="accent5">
+              <a:shade val="50000"/>
+            </a:schemeClr>
+          </a:lnRef>
+          <a:fillRef idx="1">
+            <a:schemeClr val="accent5"/>
+          </a:fillRef>
+          <a:effectRef idx="0">
+            <a:schemeClr val="accent5"/>
+          </a:effectRef>
+          <a:fontRef idx="minor">
+            <a:schemeClr val="lt1"/>
+          </a:fontRef>
+        </p:style>
+        <p:txBody>
+          <a:bodyPr rtlCol="0" anchor="ctr"/>
+          <a:lstStyle/>
+          <a:p>
+            <a:pPr algn="ctr"/>
+            <a:r>
+              <a:rPr lang="de-DE" dirty="0"/>
+              <a:t>Bibliothek 2</a:t>
+            </a:r>
+          </a:p>
+          <a:p>
+            <a:pPr algn="ctr"/>
+            <a:r>
+              <a:rPr lang="de-DE" dirty="0"/>
+              <a:t>(Version 1.1)</a:t>
+            </a:r>
+          </a:p>
+        </p:txBody>
+      </p:sp>
+      <p:sp>
+        <p:nvSpPr>
+          <p:cNvPr id="19" name="Rechteck 18">
+            <a:extLst>
+              <a:ext uri="{FF2B5EF4-FFF2-40B4-BE49-F238E27FC236}">
+                <a16:creationId xmlns:a16="http://schemas.microsoft.com/office/drawing/2014/main" xmlns="" id="{84E5329B-0C09-4DDB-A5BD-E105C7C556F7}"/>
+              </a:ext>
+            </a:extLst>
+          </p:cNvPr>
+          <p:cNvSpPr/>
+          <p:nvPr/>
+        </p:nvSpPr>
+        <p:spPr>
+          <a:xfrm>
+            <a:off x="7273255" y="3126612"/>
+            <a:ext cx="2130804" cy="636988"/>
+          </a:xfrm>
+          <a:prstGeom prst="rect">
+            <a:avLst/>
+          </a:prstGeom>
+        </p:spPr>
+        <p:style>
+          <a:lnRef idx="2">
+            <a:schemeClr val="accent6">
+              <a:shade val="50000"/>
+            </a:schemeClr>
+          </a:lnRef>
+          <a:fillRef idx="1">
+            <a:schemeClr val="accent6"/>
+          </a:fillRef>
+          <a:effectRef idx="0">
+            <a:schemeClr val="accent6"/>
+          </a:effectRef>
+          <a:fontRef idx="minor">
+            <a:schemeClr val="lt1"/>
+          </a:fontRef>
+        </p:style>
+        <p:txBody>
+          <a:bodyPr rtlCol="0" anchor="ctr"/>
+          <a:lstStyle/>
+          <a:p>
+            <a:pPr algn="ctr"/>
+            <a:r>
+              <a:rPr lang="de-DE" dirty="0"/>
+              <a:t>…</a:t>
+            </a:r>
+          </a:p>
+        </p:txBody>
+      </p:sp>
+      <p:sp>
+        <p:nvSpPr>
+          <p:cNvPr id="21" name="Rechteck 20">
+            <a:extLst>
+              <a:ext uri="{FF2B5EF4-FFF2-40B4-BE49-F238E27FC236}">
+                <a16:creationId xmlns:a16="http://schemas.microsoft.com/office/drawing/2014/main" xmlns="" id="{69853C23-D6E1-46F8-832D-ECEE9D0AA735}"/>
+              </a:ext>
+            </a:extLst>
+          </p:cNvPr>
+          <p:cNvSpPr/>
+          <p:nvPr/>
+        </p:nvSpPr>
+        <p:spPr>
+          <a:xfrm>
+            <a:off x="9657127" y="3126612"/>
+            <a:ext cx="2130804" cy="636988"/>
+          </a:xfrm>
+          <a:prstGeom prst="rect">
+            <a:avLst/>
+          </a:prstGeom>
+        </p:spPr>
+        <p:style>
+          <a:lnRef idx="2">
+            <a:schemeClr val="accent6">
+              <a:shade val="50000"/>
+            </a:schemeClr>
+          </a:lnRef>
+          <a:fillRef idx="1">
+            <a:schemeClr val="accent6"/>
+          </a:fillRef>
+          <a:effectRef idx="0">
+            <a:schemeClr val="accent6"/>
+          </a:effectRef>
+          <a:fontRef idx="minor">
+            <a:schemeClr val="lt1"/>
+          </a:fontRef>
+        </p:style>
+        <p:txBody>
+          <a:bodyPr rtlCol="0" anchor="ctr"/>
+          <a:lstStyle/>
+          <a:p>
+            <a:pPr algn="ctr"/>
+            <a:r>
+              <a:rPr lang="de-DE" dirty="0"/>
+              <a:t>…</a:t>
+            </a:r>
+          </a:p>
+        </p:txBody>
+      </p:sp>
+      <p:sp>
+        <p:nvSpPr>
+          <p:cNvPr id="22" name="Multiplikationszeichen 21">
+            <a:extLst>
+              <a:ext uri="{FF2B5EF4-FFF2-40B4-BE49-F238E27FC236}">
+                <a16:creationId xmlns:a16="http://schemas.microsoft.com/office/drawing/2014/main" xmlns="" id="{4967DB01-340A-421D-BCE9-CA11D52EE966}"/>
+              </a:ext>
+            </a:extLst>
+          </p:cNvPr>
+          <p:cNvSpPr/>
+          <p:nvPr/>
+        </p:nvSpPr>
+        <p:spPr>
+          <a:xfrm>
+            <a:off x="9246698" y="3878183"/>
+            <a:ext cx="629174" cy="628086"/>
+          </a:xfrm>
+          <a:prstGeom prst="mathMultiply">
+            <a:avLst/>
+          </a:prstGeom>
+          <a:solidFill>
+            <a:srgbClr val="FF0000"/>
+          </a:solidFill>
+          <a:ln>
+            <a:solidFill>
+              <a:srgbClr val="C00000"/>
+            </a:solidFill>
+          </a:ln>
         </p:spPr>
         <p:style>
           <a:lnRef idx="2">
@@ -6479,23 +5829,16 @@
           <a:lstStyle/>
           <a:p>
             <a:pPr algn="ctr"/>
-            <a:r>
-              <a:rPr lang="de-DE" dirty="0" err="1"/>
-              <a:t>Intent</a:t>
-            </a:r>
-            <a:r>
-              <a:rPr lang="de-DE" dirty="0"/>
-              <a:t> Musik</a:t>
-            </a:r>
-          </a:p>
-        </p:txBody>
-      </p:sp>
-      <p:sp>
-        <p:nvSpPr>
-          <p:cNvPr id="9" name="Rechteck 8">
-            <a:extLst>
-              <a:ext uri="{FF2B5EF4-FFF2-40B4-BE49-F238E27FC236}">
-                <a16:creationId xmlns:a16="http://schemas.microsoft.com/office/drawing/2014/main" id="{AC536E3A-B4C1-46A1-B9BC-BE37B21CFA92}"/>
+            <a:endParaRPr lang="de-DE"/>
+          </a:p>
+        </p:txBody>
+      </p:sp>
+      <p:sp>
+        <p:nvSpPr>
+          <p:cNvPr id="5" name="Rechteck 4">
+            <a:extLst>
+              <a:ext uri="{FF2B5EF4-FFF2-40B4-BE49-F238E27FC236}">
+                <a16:creationId xmlns:a16="http://schemas.microsoft.com/office/drawing/2014/main" xmlns="" id="{8E3FD48B-7CD1-4286-BF59-7E8D331CBE62}"/>
               </a:ext>
             </a:extLst>
           </p:cNvPr>
@@ -6504,12 +5847,16 @@
         </p:nvSpPr>
         <p:spPr>
           <a:xfrm>
-            <a:off x="9756393" y="3626694"/>
-            <a:ext cx="1770077" cy="520118"/>
+            <a:off x="6972651" y="2239861"/>
+            <a:ext cx="5040384" cy="4009937"/>
           </a:xfrm>
           <a:prstGeom prst="rect">
             <a:avLst/>
           </a:prstGeom>
+          <a:noFill/>
+          <a:ln>
+            <a:prstDash val="dash"/>
+          </a:ln>
         </p:spPr>
         <p:style>
           <a:lnRef idx="2">
@@ -6532,1154 +5879,16 @@
           <a:lstStyle/>
           <a:p>
             <a:pPr algn="ctr"/>
-            <a:r>
-              <a:rPr lang="de-DE" dirty="0" err="1"/>
-              <a:t>Intent</a:t>
-            </a:r>
-            <a:r>
-              <a:rPr lang="de-DE" dirty="0"/>
-              <a:t> Wikipedia</a:t>
-            </a:r>
-          </a:p>
-        </p:txBody>
-      </p:sp>
-      <p:sp>
-        <p:nvSpPr>
-          <p:cNvPr id="11" name="Rechteck 10">
-            <a:extLst>
-              <a:ext uri="{FF2B5EF4-FFF2-40B4-BE49-F238E27FC236}">
-                <a16:creationId xmlns:a16="http://schemas.microsoft.com/office/drawing/2014/main" id="{DED4E9F9-A49E-42C0-BFFE-4BFED4760424}"/>
-              </a:ext>
-            </a:extLst>
-          </p:cNvPr>
-          <p:cNvSpPr/>
-          <p:nvPr/>
-        </p:nvSpPr>
-        <p:spPr>
-          <a:xfrm>
-            <a:off x="9756392" y="4240160"/>
-            <a:ext cx="1770077" cy="520118"/>
-          </a:xfrm>
-          <a:prstGeom prst="rect">
-            <a:avLst/>
-          </a:prstGeom>
-        </p:spPr>
-        <p:style>
-          <a:lnRef idx="2">
-            <a:schemeClr val="accent1">
-              <a:shade val="50000"/>
-            </a:schemeClr>
-          </a:lnRef>
-          <a:fillRef idx="1">
-            <a:schemeClr val="accent1"/>
-          </a:fillRef>
-          <a:effectRef idx="0">
-            <a:schemeClr val="accent1"/>
-          </a:effectRef>
-          <a:fontRef idx="minor">
-            <a:schemeClr val="lt1"/>
-          </a:fontRef>
-        </p:style>
-        <p:txBody>
-          <a:bodyPr rtlCol="0" anchor="ctr"/>
-          <a:lstStyle/>
-          <a:p>
-            <a:pPr algn="ctr"/>
-            <a:r>
-              <a:rPr lang="de-DE" dirty="0" err="1"/>
-              <a:t>Intent</a:t>
-            </a:r>
-            <a:r>
-              <a:rPr lang="de-DE" dirty="0"/>
-              <a:t> Tiergeräusche</a:t>
-            </a:r>
-          </a:p>
-        </p:txBody>
-      </p:sp>
-      <p:sp>
-        <p:nvSpPr>
-          <p:cNvPr id="13" name="Rechteck 12">
-            <a:extLst>
-              <a:ext uri="{FF2B5EF4-FFF2-40B4-BE49-F238E27FC236}">
-                <a16:creationId xmlns:a16="http://schemas.microsoft.com/office/drawing/2014/main" id="{4625B885-F9FE-4410-8E18-828318CE2AFF}"/>
-              </a:ext>
-            </a:extLst>
-          </p:cNvPr>
-          <p:cNvSpPr/>
-          <p:nvPr/>
-        </p:nvSpPr>
-        <p:spPr>
-          <a:xfrm>
-            <a:off x="9756391" y="5467092"/>
-            <a:ext cx="1770077" cy="519274"/>
-          </a:xfrm>
-          <a:prstGeom prst="rect">
-            <a:avLst/>
-          </a:prstGeom>
-        </p:spPr>
-        <p:style>
-          <a:lnRef idx="2">
-            <a:schemeClr val="accent1">
-              <a:shade val="50000"/>
-            </a:schemeClr>
-          </a:lnRef>
-          <a:fillRef idx="1">
-            <a:schemeClr val="accent1"/>
-          </a:fillRef>
-          <a:effectRef idx="0">
-            <a:schemeClr val="accent1"/>
-          </a:effectRef>
-          <a:fontRef idx="minor">
-            <a:schemeClr val="lt1"/>
-          </a:fontRef>
-        </p:style>
-        <p:txBody>
-          <a:bodyPr rtlCol="0" anchor="ctr"/>
-          <a:lstStyle/>
-          <a:p>
-            <a:pPr algn="ctr"/>
-            <a:r>
-              <a:rPr lang="de-DE" dirty="0"/>
-              <a:t>…</a:t>
-            </a:r>
-          </a:p>
-        </p:txBody>
-      </p:sp>
-      <p:sp>
-        <p:nvSpPr>
-          <p:cNvPr id="15" name="Rechteck 14">
-            <a:extLst>
-              <a:ext uri="{FF2B5EF4-FFF2-40B4-BE49-F238E27FC236}">
-                <a16:creationId xmlns:a16="http://schemas.microsoft.com/office/drawing/2014/main" id="{78A5796E-AC12-47F9-94E8-A2646D68493A}"/>
-              </a:ext>
-            </a:extLst>
-          </p:cNvPr>
-          <p:cNvSpPr/>
-          <p:nvPr/>
-        </p:nvSpPr>
-        <p:spPr>
-          <a:xfrm>
-            <a:off x="3263318" y="3171127"/>
-            <a:ext cx="4999838" cy="3246452"/>
-          </a:xfrm>
-          <a:prstGeom prst="rect">
-            <a:avLst/>
-          </a:prstGeom>
-        </p:spPr>
-        <p:style>
-          <a:lnRef idx="2">
-            <a:schemeClr val="accent1">
-              <a:shade val="50000"/>
-            </a:schemeClr>
-          </a:lnRef>
-          <a:fillRef idx="1">
-            <a:schemeClr val="accent1"/>
-          </a:fillRef>
-          <a:effectRef idx="0">
-            <a:schemeClr val="accent1"/>
-          </a:effectRef>
-          <a:fontRef idx="minor">
-            <a:schemeClr val="lt1"/>
-          </a:fontRef>
-        </p:style>
-        <p:txBody>
-          <a:bodyPr rtlCol="0" anchor="t"/>
-          <a:lstStyle/>
-          <a:p>
-            <a:pPr algn="ctr"/>
-            <a:r>
-              <a:rPr lang="de-DE" dirty="0"/>
-              <a:t>Sprach-Assistent</a:t>
-            </a:r>
-          </a:p>
-        </p:txBody>
-      </p:sp>
-      <p:sp>
-        <p:nvSpPr>
-          <p:cNvPr id="17" name="Rechteck 16">
-            <a:extLst>
-              <a:ext uri="{FF2B5EF4-FFF2-40B4-BE49-F238E27FC236}">
-                <a16:creationId xmlns:a16="http://schemas.microsoft.com/office/drawing/2014/main" id="{5A765D63-D50D-448B-9F1F-72A1F1359710}"/>
-              </a:ext>
-            </a:extLst>
-          </p:cNvPr>
-          <p:cNvSpPr/>
-          <p:nvPr/>
-        </p:nvSpPr>
-        <p:spPr>
-          <a:xfrm>
-            <a:off x="4472726" y="3680670"/>
-            <a:ext cx="1770077" cy="337657"/>
-          </a:xfrm>
-          <a:prstGeom prst="rect">
-            <a:avLst/>
-          </a:prstGeom>
-        </p:spPr>
-        <p:style>
-          <a:lnRef idx="2">
-            <a:schemeClr val="accent3">
-              <a:shade val="50000"/>
-            </a:schemeClr>
-          </a:lnRef>
-          <a:fillRef idx="1">
-            <a:schemeClr val="accent3"/>
-          </a:fillRef>
-          <a:effectRef idx="0">
-            <a:schemeClr val="accent3"/>
-          </a:effectRef>
-          <a:fontRef idx="minor">
-            <a:schemeClr val="lt1"/>
-          </a:fontRef>
-        </p:style>
-        <p:txBody>
-          <a:bodyPr rtlCol="0" anchor="ctr"/>
-          <a:lstStyle/>
-          <a:p>
-            <a:pPr algn="ctr"/>
-            <a:r>
-              <a:rPr lang="de-DE" dirty="0"/>
-              <a:t>Speech-2-Text</a:t>
-            </a:r>
-          </a:p>
-        </p:txBody>
-      </p:sp>
-      <p:sp>
-        <p:nvSpPr>
-          <p:cNvPr id="19" name="Rechteck 18">
-            <a:extLst>
-              <a:ext uri="{FF2B5EF4-FFF2-40B4-BE49-F238E27FC236}">
-                <a16:creationId xmlns:a16="http://schemas.microsoft.com/office/drawing/2014/main" id="{0729890F-F4C0-412F-A90D-79801EF5D8D5}"/>
-              </a:ext>
-            </a:extLst>
-          </p:cNvPr>
-          <p:cNvSpPr/>
-          <p:nvPr/>
-        </p:nvSpPr>
-        <p:spPr>
-          <a:xfrm>
-            <a:off x="4472726" y="4136305"/>
-            <a:ext cx="1770077" cy="337657"/>
-          </a:xfrm>
-          <a:prstGeom prst="rect">
-            <a:avLst/>
-          </a:prstGeom>
-        </p:spPr>
-        <p:style>
-          <a:lnRef idx="2">
-            <a:schemeClr val="accent3">
-              <a:shade val="50000"/>
-            </a:schemeClr>
-          </a:lnRef>
-          <a:fillRef idx="1">
-            <a:schemeClr val="accent3"/>
-          </a:fillRef>
-          <a:effectRef idx="0">
-            <a:schemeClr val="accent3"/>
-          </a:effectRef>
-          <a:fontRef idx="minor">
-            <a:schemeClr val="lt1"/>
-          </a:fontRef>
-        </p:style>
-        <p:txBody>
-          <a:bodyPr rtlCol="0" anchor="ctr"/>
-          <a:lstStyle/>
-          <a:p>
-            <a:pPr algn="ctr"/>
-            <a:r>
-              <a:rPr lang="de-DE" dirty="0"/>
-              <a:t>Text-2-Speech</a:t>
-            </a:r>
-          </a:p>
-        </p:txBody>
-      </p:sp>
-      <p:sp>
-        <p:nvSpPr>
-          <p:cNvPr id="21" name="Rechteck 20">
-            <a:extLst>
-              <a:ext uri="{FF2B5EF4-FFF2-40B4-BE49-F238E27FC236}">
-                <a16:creationId xmlns:a16="http://schemas.microsoft.com/office/drawing/2014/main" id="{D0FAC125-ADA9-4FB7-9BA6-3FF020799CB5}"/>
-              </a:ext>
-            </a:extLst>
-          </p:cNvPr>
-          <p:cNvSpPr/>
-          <p:nvPr/>
-        </p:nvSpPr>
-        <p:spPr>
-          <a:xfrm>
-            <a:off x="4472726" y="4591525"/>
-            <a:ext cx="1770077" cy="337657"/>
-          </a:xfrm>
-          <a:prstGeom prst="rect">
-            <a:avLst/>
-          </a:prstGeom>
-        </p:spPr>
-        <p:style>
-          <a:lnRef idx="2">
-            <a:schemeClr val="accent3">
-              <a:shade val="50000"/>
-            </a:schemeClr>
-          </a:lnRef>
-          <a:fillRef idx="1">
-            <a:schemeClr val="accent3"/>
-          </a:fillRef>
-          <a:effectRef idx="0">
-            <a:schemeClr val="accent3"/>
-          </a:effectRef>
-          <a:fontRef idx="minor">
-            <a:schemeClr val="lt1"/>
-          </a:fontRef>
-        </p:style>
-        <p:txBody>
-          <a:bodyPr rtlCol="0" anchor="ctr"/>
-          <a:lstStyle/>
-          <a:p>
-            <a:pPr algn="ctr"/>
-            <a:r>
-              <a:rPr lang="de-DE" dirty="0"/>
-              <a:t>Wake Words</a:t>
-            </a:r>
-          </a:p>
-        </p:txBody>
-      </p:sp>
-      <p:sp>
-        <p:nvSpPr>
-          <p:cNvPr id="23" name="Rechteck 22">
-            <a:extLst>
-              <a:ext uri="{FF2B5EF4-FFF2-40B4-BE49-F238E27FC236}">
-                <a16:creationId xmlns:a16="http://schemas.microsoft.com/office/drawing/2014/main" id="{7B31D499-C0F9-4FB8-AA92-4D9AC28BEF9A}"/>
-              </a:ext>
-            </a:extLst>
-          </p:cNvPr>
-          <p:cNvSpPr/>
-          <p:nvPr/>
-        </p:nvSpPr>
-        <p:spPr>
-          <a:xfrm>
-            <a:off x="4472725" y="5046745"/>
-            <a:ext cx="1770077" cy="337657"/>
-          </a:xfrm>
-          <a:prstGeom prst="rect">
-            <a:avLst/>
-          </a:prstGeom>
-        </p:spPr>
-        <p:style>
-          <a:lnRef idx="2">
-            <a:schemeClr val="accent3">
-              <a:shade val="50000"/>
-            </a:schemeClr>
-          </a:lnRef>
-          <a:fillRef idx="1">
-            <a:schemeClr val="accent3"/>
-          </a:fillRef>
-          <a:effectRef idx="0">
-            <a:schemeClr val="accent3"/>
-          </a:effectRef>
-          <a:fontRef idx="minor">
-            <a:schemeClr val="lt1"/>
-          </a:fontRef>
-        </p:style>
-        <p:txBody>
-          <a:bodyPr rtlCol="0" anchor="ctr"/>
-          <a:lstStyle/>
-          <a:p>
-            <a:pPr algn="ctr"/>
-            <a:r>
-              <a:rPr lang="de-DE" dirty="0"/>
-              <a:t>Dialog-Engine</a:t>
-            </a:r>
-          </a:p>
-        </p:txBody>
-      </p:sp>
-      <p:sp>
-        <p:nvSpPr>
-          <p:cNvPr id="25" name="Rechteck 24">
-            <a:extLst>
-              <a:ext uri="{FF2B5EF4-FFF2-40B4-BE49-F238E27FC236}">
-                <a16:creationId xmlns:a16="http://schemas.microsoft.com/office/drawing/2014/main" id="{15161E28-3E86-40F9-B084-08180F56366E}"/>
-              </a:ext>
-            </a:extLst>
-          </p:cNvPr>
-          <p:cNvSpPr/>
-          <p:nvPr/>
-        </p:nvSpPr>
-        <p:spPr>
-          <a:xfrm>
-            <a:off x="4472724" y="5497506"/>
-            <a:ext cx="1770077" cy="792877"/>
-          </a:xfrm>
-          <a:prstGeom prst="rect">
-            <a:avLst/>
-          </a:prstGeom>
-        </p:spPr>
-        <p:style>
-          <a:lnRef idx="2">
-            <a:schemeClr val="accent3">
-              <a:shade val="50000"/>
-            </a:schemeClr>
-          </a:lnRef>
-          <a:fillRef idx="1">
-            <a:schemeClr val="accent3"/>
-          </a:fillRef>
-          <a:effectRef idx="0">
-            <a:schemeClr val="accent3"/>
-          </a:effectRef>
-          <a:fontRef idx="minor">
-            <a:schemeClr val="lt1"/>
-          </a:fontRef>
-        </p:style>
-        <p:txBody>
-          <a:bodyPr rtlCol="0" anchor="ctr"/>
-          <a:lstStyle/>
-          <a:p>
-            <a:pPr algn="ctr"/>
-            <a:r>
-              <a:rPr lang="de-DE" dirty="0"/>
-              <a:t>User Management</a:t>
-            </a:r>
-          </a:p>
-        </p:txBody>
-      </p:sp>
-      <p:sp>
-        <p:nvSpPr>
-          <p:cNvPr id="27" name="Rechteck 26">
-            <a:extLst>
-              <a:ext uri="{FF2B5EF4-FFF2-40B4-BE49-F238E27FC236}">
-                <a16:creationId xmlns:a16="http://schemas.microsoft.com/office/drawing/2014/main" id="{56ED5084-0F98-41EC-85BA-20C7E873E00B}"/>
-              </a:ext>
-            </a:extLst>
-          </p:cNvPr>
-          <p:cNvSpPr/>
-          <p:nvPr/>
-        </p:nvSpPr>
-        <p:spPr>
-          <a:xfrm>
-            <a:off x="6337876" y="3680670"/>
-            <a:ext cx="1770077" cy="793292"/>
-          </a:xfrm>
-          <a:prstGeom prst="rect">
-            <a:avLst/>
-          </a:prstGeom>
-        </p:spPr>
-        <p:style>
-          <a:lnRef idx="2">
-            <a:schemeClr val="accent3">
-              <a:shade val="50000"/>
-            </a:schemeClr>
-          </a:lnRef>
-          <a:fillRef idx="1">
-            <a:schemeClr val="accent3"/>
-          </a:fillRef>
-          <a:effectRef idx="0">
-            <a:schemeClr val="accent3"/>
-          </a:effectRef>
-          <a:fontRef idx="minor">
-            <a:schemeClr val="lt1"/>
-          </a:fontRef>
-        </p:style>
-        <p:txBody>
-          <a:bodyPr rtlCol="0" anchor="ctr"/>
-          <a:lstStyle/>
-          <a:p>
-            <a:pPr algn="ctr"/>
-            <a:r>
-              <a:rPr lang="de-DE" dirty="0" err="1"/>
-              <a:t>Configuration</a:t>
-            </a:r>
-            <a:br>
-              <a:rPr lang="de-DE" dirty="0"/>
-            </a:br>
-            <a:r>
-              <a:rPr lang="de-DE" dirty="0"/>
-              <a:t>Management</a:t>
-            </a:r>
-          </a:p>
-        </p:txBody>
-      </p:sp>
-      <p:sp>
-        <p:nvSpPr>
-          <p:cNvPr id="29" name="Rechteck 28">
-            <a:extLst>
-              <a:ext uri="{FF2B5EF4-FFF2-40B4-BE49-F238E27FC236}">
-                <a16:creationId xmlns:a16="http://schemas.microsoft.com/office/drawing/2014/main" id="{C48810CF-5B73-4943-B91C-FEDF1BF311D2}"/>
-              </a:ext>
-            </a:extLst>
-          </p:cNvPr>
-          <p:cNvSpPr/>
-          <p:nvPr/>
-        </p:nvSpPr>
-        <p:spPr>
-          <a:xfrm>
-            <a:off x="9756392" y="1785874"/>
-            <a:ext cx="1770077" cy="520118"/>
-          </a:xfrm>
-          <a:prstGeom prst="rect">
-            <a:avLst/>
-          </a:prstGeom>
-        </p:spPr>
-        <p:style>
-          <a:lnRef idx="2">
-            <a:schemeClr val="accent1">
-              <a:shade val="50000"/>
-            </a:schemeClr>
-          </a:lnRef>
-          <a:fillRef idx="1">
-            <a:schemeClr val="accent1"/>
-          </a:fillRef>
-          <a:effectRef idx="0">
-            <a:schemeClr val="accent1"/>
-          </a:effectRef>
-          <a:fontRef idx="minor">
-            <a:schemeClr val="lt1"/>
-          </a:fontRef>
-        </p:style>
-        <p:txBody>
-          <a:bodyPr rtlCol="0" anchor="ctr"/>
-          <a:lstStyle/>
-          <a:p>
-            <a:pPr algn="ctr"/>
-            <a:r>
-              <a:rPr lang="de-DE" dirty="0" err="1"/>
-              <a:t>Intent</a:t>
-            </a:r>
-            <a:r>
-              <a:rPr lang="de-DE" dirty="0"/>
-              <a:t> Kalender</a:t>
-            </a:r>
-          </a:p>
-        </p:txBody>
-      </p:sp>
-      <p:sp>
-        <p:nvSpPr>
-          <p:cNvPr id="31" name="Rechteck 30">
-            <a:extLst>
-              <a:ext uri="{FF2B5EF4-FFF2-40B4-BE49-F238E27FC236}">
-                <a16:creationId xmlns:a16="http://schemas.microsoft.com/office/drawing/2014/main" id="{D9B7CDB9-B935-4D6B-9DB7-9DDC2B4C47BD}"/>
-              </a:ext>
-            </a:extLst>
-          </p:cNvPr>
-          <p:cNvSpPr/>
-          <p:nvPr/>
-        </p:nvSpPr>
-        <p:spPr>
-          <a:xfrm>
-            <a:off x="6339272" y="4591525"/>
-            <a:ext cx="1770077" cy="792877"/>
-          </a:xfrm>
-          <a:prstGeom prst="rect">
-            <a:avLst/>
-          </a:prstGeom>
-        </p:spPr>
-        <p:style>
-          <a:lnRef idx="2">
-            <a:schemeClr val="accent3">
-              <a:shade val="50000"/>
-            </a:schemeClr>
-          </a:lnRef>
-          <a:fillRef idx="1">
-            <a:schemeClr val="accent3"/>
-          </a:fillRef>
-          <a:effectRef idx="0">
-            <a:schemeClr val="accent3"/>
-          </a:effectRef>
-          <a:fontRef idx="minor">
-            <a:schemeClr val="lt1"/>
-          </a:fontRef>
-        </p:style>
-        <p:txBody>
-          <a:bodyPr rtlCol="0" anchor="ctr"/>
-          <a:lstStyle/>
-          <a:p>
-            <a:pPr algn="ctr"/>
-            <a:r>
-              <a:rPr lang="de-DE" dirty="0"/>
-              <a:t>Speaker </a:t>
-            </a:r>
-            <a:r>
-              <a:rPr lang="de-DE" dirty="0" err="1"/>
-              <a:t>Identification</a:t>
-            </a:r>
-            <a:endParaRPr lang="de-DE" dirty="0"/>
-          </a:p>
-        </p:txBody>
-      </p:sp>
-      <p:sp>
-        <p:nvSpPr>
-          <p:cNvPr id="33" name="Rechteck 32">
-            <a:extLst>
-              <a:ext uri="{FF2B5EF4-FFF2-40B4-BE49-F238E27FC236}">
-                <a16:creationId xmlns:a16="http://schemas.microsoft.com/office/drawing/2014/main" id="{1C820B5C-313D-4788-BC7F-1CB19BFA4437}"/>
-              </a:ext>
-            </a:extLst>
-          </p:cNvPr>
-          <p:cNvSpPr/>
-          <p:nvPr/>
-        </p:nvSpPr>
-        <p:spPr>
-          <a:xfrm>
-            <a:off x="9756390" y="4853204"/>
-            <a:ext cx="1770077" cy="520118"/>
-          </a:xfrm>
-          <a:prstGeom prst="rect">
-            <a:avLst/>
-          </a:prstGeom>
-        </p:spPr>
-        <p:style>
-          <a:lnRef idx="2">
-            <a:schemeClr val="accent1">
-              <a:shade val="50000"/>
-            </a:schemeClr>
-          </a:lnRef>
-          <a:fillRef idx="1">
-            <a:schemeClr val="accent1"/>
-          </a:fillRef>
-          <a:effectRef idx="0">
-            <a:schemeClr val="accent1"/>
-          </a:effectRef>
-          <a:fontRef idx="minor">
-            <a:schemeClr val="lt1"/>
-          </a:fontRef>
-        </p:style>
-        <p:txBody>
-          <a:bodyPr rtlCol="0" anchor="ctr"/>
-          <a:lstStyle/>
-          <a:p>
-            <a:pPr algn="ctr"/>
-            <a:r>
-              <a:rPr lang="de-DE" dirty="0" err="1"/>
-              <a:t>Intent</a:t>
-            </a:r>
-            <a:br>
-              <a:rPr lang="de-DE" dirty="0"/>
-            </a:br>
-            <a:r>
-              <a:rPr lang="de-DE" dirty="0"/>
-              <a:t>Smalltalk</a:t>
-            </a:r>
-          </a:p>
-        </p:txBody>
-      </p:sp>
-      <p:sp>
-        <p:nvSpPr>
-          <p:cNvPr id="35" name="Rechteck 34">
-            <a:extLst>
-              <a:ext uri="{FF2B5EF4-FFF2-40B4-BE49-F238E27FC236}">
-                <a16:creationId xmlns:a16="http://schemas.microsoft.com/office/drawing/2014/main" id="{EC4E45D3-3BFF-4310-BDA9-2C6BCC21C944}"/>
-              </a:ext>
-            </a:extLst>
-          </p:cNvPr>
-          <p:cNvSpPr/>
-          <p:nvPr/>
-        </p:nvSpPr>
-        <p:spPr>
-          <a:xfrm>
-            <a:off x="6354656" y="5504552"/>
-            <a:ext cx="1770077" cy="792877"/>
-          </a:xfrm>
-          <a:prstGeom prst="rect">
-            <a:avLst/>
-          </a:prstGeom>
-        </p:spPr>
-        <p:style>
-          <a:lnRef idx="2">
-            <a:schemeClr val="accent3">
-              <a:shade val="50000"/>
-            </a:schemeClr>
-          </a:lnRef>
-          <a:fillRef idx="1">
-            <a:schemeClr val="accent3"/>
-          </a:fillRef>
-          <a:effectRef idx="0">
-            <a:schemeClr val="accent3"/>
-          </a:effectRef>
-          <a:fontRef idx="minor">
-            <a:schemeClr val="lt1"/>
-          </a:fontRef>
-        </p:style>
-        <p:txBody>
-          <a:bodyPr rtlCol="0" anchor="ctr"/>
-          <a:lstStyle/>
-          <a:p>
-            <a:pPr algn="ctr"/>
-            <a:r>
-              <a:rPr lang="de-DE" dirty="0" err="1"/>
-              <a:t>Intent</a:t>
-            </a:r>
-            <a:r>
-              <a:rPr lang="de-DE" dirty="0"/>
-              <a:t> Processing</a:t>
-            </a:r>
-          </a:p>
-        </p:txBody>
-      </p:sp>
-      <p:cxnSp>
-        <p:nvCxnSpPr>
-          <p:cNvPr id="37" name="Gerader Verbinder 36">
-            <a:extLst>
-              <a:ext uri="{FF2B5EF4-FFF2-40B4-BE49-F238E27FC236}">
-                <a16:creationId xmlns:a16="http://schemas.microsoft.com/office/drawing/2014/main" id="{96F7A753-FF41-489C-99D7-1348CDC14BD8}"/>
-              </a:ext>
-            </a:extLst>
-          </p:cNvPr>
-          <p:cNvCxnSpPr>
-            <a:stCxn id="35" idx="3"/>
-            <a:endCxn id="29" idx="1"/>
-          </p:cNvCxnSpPr>
-          <p:nvPr/>
-        </p:nvCxnSpPr>
-        <p:spPr>
-          <a:xfrm flipV="1">
-            <a:off x="8124733" y="2045933"/>
-            <a:ext cx="1631659" cy="3855058"/>
-          </a:xfrm>
-          <a:prstGeom prst="line">
-            <a:avLst/>
-          </a:prstGeom>
-        </p:spPr>
-        <p:style>
-          <a:lnRef idx="3">
-            <a:schemeClr val="accent5"/>
-          </a:lnRef>
-          <a:fillRef idx="0">
-            <a:schemeClr val="accent5"/>
-          </a:fillRef>
-          <a:effectRef idx="2">
-            <a:schemeClr val="accent5"/>
-          </a:effectRef>
-          <a:fontRef idx="minor">
-            <a:schemeClr val="tx1"/>
-          </a:fontRef>
-        </p:style>
-      </p:cxnSp>
-      <p:cxnSp>
-        <p:nvCxnSpPr>
-          <p:cNvPr id="38" name="Gerader Verbinder 37">
-            <a:extLst>
-              <a:ext uri="{FF2B5EF4-FFF2-40B4-BE49-F238E27FC236}">
-                <a16:creationId xmlns:a16="http://schemas.microsoft.com/office/drawing/2014/main" id="{85E1205A-F9D4-4B91-B0E2-EEB00652A17C}"/>
-              </a:ext>
-            </a:extLst>
-          </p:cNvPr>
-          <p:cNvCxnSpPr>
-            <a:cxnSpLocks/>
-            <a:stCxn id="35" idx="3"/>
-            <a:endCxn id="5" idx="1"/>
-          </p:cNvCxnSpPr>
-          <p:nvPr/>
-        </p:nvCxnSpPr>
-        <p:spPr>
-          <a:xfrm flipV="1">
-            <a:off x="8124733" y="2659399"/>
-            <a:ext cx="1631663" cy="3241592"/>
-          </a:xfrm>
-          <a:prstGeom prst="line">
-            <a:avLst/>
-          </a:prstGeom>
-        </p:spPr>
-        <p:style>
-          <a:lnRef idx="3">
-            <a:schemeClr val="accent5"/>
-          </a:lnRef>
-          <a:fillRef idx="0">
-            <a:schemeClr val="accent5"/>
-          </a:fillRef>
-          <a:effectRef idx="2">
-            <a:schemeClr val="accent5"/>
-          </a:effectRef>
-          <a:fontRef idx="minor">
-            <a:schemeClr val="tx1"/>
-          </a:fontRef>
-        </p:style>
-      </p:cxnSp>
-      <p:cxnSp>
-        <p:nvCxnSpPr>
-          <p:cNvPr id="41" name="Gerader Verbinder 40">
-            <a:extLst>
-              <a:ext uri="{FF2B5EF4-FFF2-40B4-BE49-F238E27FC236}">
-                <a16:creationId xmlns:a16="http://schemas.microsoft.com/office/drawing/2014/main" id="{F224AE57-3E3E-4D7A-867B-35B010954FB6}"/>
-              </a:ext>
-            </a:extLst>
-          </p:cNvPr>
-          <p:cNvCxnSpPr>
-            <a:cxnSpLocks/>
-            <a:stCxn id="35" idx="3"/>
-            <a:endCxn id="7" idx="1"/>
-          </p:cNvCxnSpPr>
-          <p:nvPr/>
-        </p:nvCxnSpPr>
-        <p:spPr>
-          <a:xfrm flipV="1">
-            <a:off x="8124733" y="3273287"/>
-            <a:ext cx="1631660" cy="2627704"/>
-          </a:xfrm>
-          <a:prstGeom prst="line">
-            <a:avLst/>
-          </a:prstGeom>
-        </p:spPr>
-        <p:style>
-          <a:lnRef idx="3">
-            <a:schemeClr val="accent5"/>
-          </a:lnRef>
-          <a:fillRef idx="0">
-            <a:schemeClr val="accent5"/>
-          </a:fillRef>
-          <a:effectRef idx="2">
-            <a:schemeClr val="accent5"/>
-          </a:effectRef>
-          <a:fontRef idx="minor">
-            <a:schemeClr val="tx1"/>
-          </a:fontRef>
-        </p:style>
-      </p:cxnSp>
-      <p:cxnSp>
-        <p:nvCxnSpPr>
-          <p:cNvPr id="44" name="Gerader Verbinder 43">
-            <a:extLst>
-              <a:ext uri="{FF2B5EF4-FFF2-40B4-BE49-F238E27FC236}">
-                <a16:creationId xmlns:a16="http://schemas.microsoft.com/office/drawing/2014/main" id="{F66C0B25-8F45-4DE7-9697-BAC3E525C4A2}"/>
-              </a:ext>
-            </a:extLst>
-          </p:cNvPr>
-          <p:cNvCxnSpPr>
-            <a:cxnSpLocks/>
-            <a:stCxn id="35" idx="3"/>
-            <a:endCxn id="9" idx="1"/>
-          </p:cNvCxnSpPr>
-          <p:nvPr/>
-        </p:nvCxnSpPr>
-        <p:spPr>
-          <a:xfrm flipV="1">
-            <a:off x="8124733" y="3886753"/>
-            <a:ext cx="1631660" cy="2014238"/>
-          </a:xfrm>
-          <a:prstGeom prst="line">
-            <a:avLst/>
-          </a:prstGeom>
-        </p:spPr>
-        <p:style>
-          <a:lnRef idx="3">
-            <a:schemeClr val="accent5"/>
-          </a:lnRef>
-          <a:fillRef idx="0">
-            <a:schemeClr val="accent5"/>
-          </a:fillRef>
-          <a:effectRef idx="2">
-            <a:schemeClr val="accent5"/>
-          </a:effectRef>
-          <a:fontRef idx="minor">
-            <a:schemeClr val="tx1"/>
-          </a:fontRef>
-        </p:style>
-      </p:cxnSp>
-      <p:cxnSp>
-        <p:nvCxnSpPr>
-          <p:cNvPr id="47" name="Gerader Verbinder 46">
-            <a:extLst>
-              <a:ext uri="{FF2B5EF4-FFF2-40B4-BE49-F238E27FC236}">
-                <a16:creationId xmlns:a16="http://schemas.microsoft.com/office/drawing/2014/main" id="{C65CC0D0-CB01-4DC1-BEF8-2ABD3052C16F}"/>
-              </a:ext>
-            </a:extLst>
-          </p:cNvPr>
-          <p:cNvCxnSpPr>
-            <a:cxnSpLocks/>
-            <a:stCxn id="35" idx="3"/>
-            <a:endCxn id="11" idx="1"/>
-          </p:cNvCxnSpPr>
-          <p:nvPr/>
-        </p:nvCxnSpPr>
-        <p:spPr>
-          <a:xfrm flipV="1">
-            <a:off x="8124733" y="4500219"/>
-            <a:ext cx="1631659" cy="1400772"/>
-          </a:xfrm>
-          <a:prstGeom prst="line">
-            <a:avLst/>
-          </a:prstGeom>
-        </p:spPr>
-        <p:style>
-          <a:lnRef idx="3">
-            <a:schemeClr val="accent5"/>
-          </a:lnRef>
-          <a:fillRef idx="0">
-            <a:schemeClr val="accent5"/>
-          </a:fillRef>
-          <a:effectRef idx="2">
-            <a:schemeClr val="accent5"/>
-          </a:effectRef>
-          <a:fontRef idx="minor">
-            <a:schemeClr val="tx1"/>
-          </a:fontRef>
-        </p:style>
-      </p:cxnSp>
-      <p:cxnSp>
-        <p:nvCxnSpPr>
-          <p:cNvPr id="50" name="Gerader Verbinder 49">
-            <a:extLst>
-              <a:ext uri="{FF2B5EF4-FFF2-40B4-BE49-F238E27FC236}">
-                <a16:creationId xmlns:a16="http://schemas.microsoft.com/office/drawing/2014/main" id="{9387A510-D1B2-4E75-8480-3395F0EF5A65}"/>
-              </a:ext>
-            </a:extLst>
-          </p:cNvPr>
-          <p:cNvCxnSpPr>
-            <a:cxnSpLocks/>
-            <a:stCxn id="35" idx="3"/>
-            <a:endCxn id="33" idx="1"/>
-          </p:cNvCxnSpPr>
-          <p:nvPr/>
-        </p:nvCxnSpPr>
-        <p:spPr>
-          <a:xfrm flipV="1">
-            <a:off x="8124733" y="5113263"/>
-            <a:ext cx="1631657" cy="787728"/>
-          </a:xfrm>
-          <a:prstGeom prst="line">
-            <a:avLst/>
-          </a:prstGeom>
-        </p:spPr>
-        <p:style>
-          <a:lnRef idx="3">
-            <a:schemeClr val="accent5"/>
-          </a:lnRef>
-          <a:fillRef idx="0">
-            <a:schemeClr val="accent5"/>
-          </a:fillRef>
-          <a:effectRef idx="2">
-            <a:schemeClr val="accent5"/>
-          </a:effectRef>
-          <a:fontRef idx="minor">
-            <a:schemeClr val="tx1"/>
-          </a:fontRef>
-        </p:style>
-      </p:cxnSp>
-      <p:cxnSp>
-        <p:nvCxnSpPr>
-          <p:cNvPr id="53" name="Gerader Verbinder 52">
-            <a:extLst>
-              <a:ext uri="{FF2B5EF4-FFF2-40B4-BE49-F238E27FC236}">
-                <a16:creationId xmlns:a16="http://schemas.microsoft.com/office/drawing/2014/main" id="{9AECE8A0-FADB-4F78-A50C-618016F207AB}"/>
-              </a:ext>
-            </a:extLst>
-          </p:cNvPr>
-          <p:cNvCxnSpPr>
-            <a:cxnSpLocks/>
-            <a:stCxn id="35" idx="3"/>
-            <a:endCxn id="13" idx="1"/>
-          </p:cNvCxnSpPr>
-          <p:nvPr/>
-        </p:nvCxnSpPr>
-        <p:spPr>
-          <a:xfrm flipV="1">
-            <a:off x="8124733" y="5726729"/>
-            <a:ext cx="1631658" cy="174262"/>
-          </a:xfrm>
-          <a:prstGeom prst="line">
-            <a:avLst/>
-          </a:prstGeom>
-          <a:ln/>
-        </p:spPr>
-        <p:style>
-          <a:lnRef idx="3">
-            <a:schemeClr val="accent5"/>
-          </a:lnRef>
-          <a:fillRef idx="0">
-            <a:schemeClr val="accent5"/>
-          </a:fillRef>
-          <a:effectRef idx="2">
-            <a:schemeClr val="accent5"/>
-          </a:effectRef>
-          <a:fontRef idx="minor">
-            <a:schemeClr val="tx1"/>
-          </a:fontRef>
-        </p:style>
-      </p:cxnSp>
-      <p:sp>
-        <p:nvSpPr>
-          <p:cNvPr id="57" name="Rechteck 56">
-            <a:extLst>
-              <a:ext uri="{FF2B5EF4-FFF2-40B4-BE49-F238E27FC236}">
-                <a16:creationId xmlns:a16="http://schemas.microsoft.com/office/drawing/2014/main" id="{1E3C4C50-14F4-4151-A545-2D2EC95B50D2}"/>
-              </a:ext>
-            </a:extLst>
-          </p:cNvPr>
-          <p:cNvSpPr/>
-          <p:nvPr/>
-        </p:nvSpPr>
-        <p:spPr>
-          <a:xfrm rot="16200000">
-            <a:off x="3317725" y="5231852"/>
-            <a:ext cx="1345277" cy="771784"/>
-          </a:xfrm>
-          <a:prstGeom prst="rect">
-            <a:avLst/>
-          </a:prstGeom>
-        </p:spPr>
-        <p:style>
-          <a:lnRef idx="2">
-            <a:schemeClr val="accent5">
-              <a:shade val="50000"/>
-            </a:schemeClr>
-          </a:lnRef>
-          <a:fillRef idx="1">
-            <a:schemeClr val="accent5"/>
-          </a:fillRef>
-          <a:effectRef idx="0">
-            <a:schemeClr val="accent5"/>
-          </a:effectRef>
-          <a:fontRef idx="minor">
-            <a:schemeClr val="lt1"/>
-          </a:fontRef>
-        </p:style>
-        <p:txBody>
-          <a:bodyPr rtlCol="0" anchor="ctr"/>
-          <a:lstStyle/>
-          <a:p>
-            <a:pPr algn="ctr"/>
-            <a:r>
-              <a:rPr lang="de-DE" dirty="0"/>
-              <a:t>Audio-eingabe</a:t>
-            </a:r>
-          </a:p>
-        </p:txBody>
-      </p:sp>
-      <p:sp>
-        <p:nvSpPr>
-          <p:cNvPr id="59" name="Rechteck 58">
-            <a:extLst>
-              <a:ext uri="{FF2B5EF4-FFF2-40B4-BE49-F238E27FC236}">
-                <a16:creationId xmlns:a16="http://schemas.microsoft.com/office/drawing/2014/main" id="{BC33A8A1-EFD9-45C5-BB9E-F4231804E984}"/>
-              </a:ext>
-            </a:extLst>
-          </p:cNvPr>
-          <p:cNvSpPr/>
-          <p:nvPr/>
-        </p:nvSpPr>
-        <p:spPr>
-          <a:xfrm rot="16200000">
-            <a:off x="3399251" y="3880219"/>
-            <a:ext cx="1182228" cy="771787"/>
-          </a:xfrm>
-          <a:prstGeom prst="rect">
-            <a:avLst/>
-          </a:prstGeom>
-        </p:spPr>
-        <p:style>
-          <a:lnRef idx="2">
-            <a:schemeClr val="accent6">
-              <a:shade val="50000"/>
-            </a:schemeClr>
-          </a:lnRef>
-          <a:fillRef idx="1">
-            <a:schemeClr val="accent6"/>
-          </a:fillRef>
-          <a:effectRef idx="0">
-            <a:schemeClr val="accent6"/>
-          </a:effectRef>
-          <a:fontRef idx="minor">
-            <a:schemeClr val="lt1"/>
-          </a:fontRef>
-        </p:style>
-        <p:txBody>
-          <a:bodyPr rtlCol="0" anchor="ctr"/>
-          <a:lstStyle/>
-          <a:p>
-            <a:pPr algn="ctr"/>
-            <a:r>
-              <a:rPr lang="de-DE" dirty="0"/>
-              <a:t>Audio-ausgabe</a:t>
-            </a:r>
-          </a:p>
-        </p:txBody>
-      </p:sp>
-      <p:pic>
-        <p:nvPicPr>
-          <p:cNvPr id="62" name="Grafik 61">
-            <a:extLst>
-              <a:ext uri="{FF2B5EF4-FFF2-40B4-BE49-F238E27FC236}">
-                <a16:creationId xmlns:a16="http://schemas.microsoft.com/office/drawing/2014/main" id="{B384DBF0-0427-45C6-9F50-3C296E53F970}"/>
-              </a:ext>
-            </a:extLst>
-          </p:cNvPr>
-          <p:cNvPicPr>
-            <a:picLocks noChangeAspect="1"/>
-          </p:cNvPicPr>
-          <p:nvPr/>
-        </p:nvPicPr>
-        <p:blipFill>
-          <a:blip r:embed="rId2">
-            <a:extLst>
-              <a:ext uri="{28A0092B-C50C-407E-A947-70E740481C1C}">
-                <a14:useLocalDpi xmlns:a14="http://schemas.microsoft.com/office/drawing/2010/main" val="0"/>
-              </a:ext>
-            </a:extLst>
-          </a:blip>
-          <a:stretch>
-            <a:fillRect/>
-          </a:stretch>
-        </p:blipFill>
-        <p:spPr>
-          <a:xfrm>
-            <a:off x="372366" y="2950484"/>
-            <a:ext cx="2250597" cy="2250597"/>
-          </a:xfrm>
-          <a:prstGeom prst="rect">
-            <a:avLst/>
-          </a:prstGeom>
-        </p:spPr>
-      </p:pic>
-      <p:sp>
-        <p:nvSpPr>
-          <p:cNvPr id="63" name="Flussdiagramm: Magnetplattenspeicher 62">
-            <a:extLst>
-              <a:ext uri="{FF2B5EF4-FFF2-40B4-BE49-F238E27FC236}">
-                <a16:creationId xmlns:a16="http://schemas.microsoft.com/office/drawing/2014/main" id="{BBF63040-2F21-4DE0-8ABA-23FBF6250F4A}"/>
-              </a:ext>
-            </a:extLst>
-          </p:cNvPr>
-          <p:cNvSpPr/>
-          <p:nvPr/>
-        </p:nvSpPr>
-        <p:spPr>
-          <a:xfrm>
-            <a:off x="378198" y="5652665"/>
-            <a:ext cx="1709962" cy="667401"/>
-          </a:xfrm>
-          <a:prstGeom prst="flowChartMagneticDisk">
-            <a:avLst/>
-          </a:prstGeom>
-        </p:spPr>
-        <p:style>
-          <a:lnRef idx="2">
-            <a:schemeClr val="accent1">
-              <a:shade val="50000"/>
-            </a:schemeClr>
-          </a:lnRef>
-          <a:fillRef idx="1">
-            <a:schemeClr val="accent1"/>
-          </a:fillRef>
-          <a:effectRef idx="0">
-            <a:schemeClr val="accent1"/>
-          </a:effectRef>
-          <a:fontRef idx="minor">
-            <a:schemeClr val="lt1"/>
-          </a:fontRef>
-        </p:style>
-        <p:txBody>
-          <a:bodyPr rtlCol="0" anchor="ctr"/>
-          <a:lstStyle/>
-          <a:p>
-            <a:pPr algn="ctr"/>
-            <a:r>
-              <a:rPr lang="de-DE" dirty="0"/>
-              <a:t>User DB</a:t>
-            </a:r>
-          </a:p>
-        </p:txBody>
-      </p:sp>
-      <p:sp>
-        <p:nvSpPr>
-          <p:cNvPr id="68" name="Textfeld 67">
-            <a:extLst>
-              <a:ext uri="{FF2B5EF4-FFF2-40B4-BE49-F238E27FC236}">
-                <a16:creationId xmlns:a16="http://schemas.microsoft.com/office/drawing/2014/main" id="{6A7F3DBA-1D9A-4A0B-B09B-47479C8F9B1C}"/>
+            <a:endParaRPr lang="de-DE"/>
+          </a:p>
+        </p:txBody>
+      </p:sp>
+      <p:sp>
+        <p:nvSpPr>
+          <p:cNvPr id="6" name="Textfeld 5">
+            <a:extLst>
+              <a:ext uri="{FF2B5EF4-FFF2-40B4-BE49-F238E27FC236}">
+                <a16:creationId xmlns:a16="http://schemas.microsoft.com/office/drawing/2014/main" xmlns="" id="{02A2EBC0-839A-4C9C-B427-4EADA101AD2A}"/>
               </a:ext>
             </a:extLst>
           </p:cNvPr>
@@ -7688,8 +5897,8 @@
         </p:nvSpPr>
         <p:spPr>
           <a:xfrm>
-            <a:off x="581192" y="2045933"/>
-            <a:ext cx="7681964" cy="923330"/>
+            <a:off x="6972652" y="2239861"/>
+            <a:ext cx="5040384" cy="369332"/>
           </a:xfrm>
           <a:prstGeom prst="rect">
             <a:avLst/>
@@ -7702,71 +5911,18 @@
           </a:bodyPr>
           <a:lstStyle/>
           <a:p>
+            <a:pPr algn="ctr"/>
             <a:r>
               <a:rPr lang="de-DE" dirty="0"/>
-              <a:t>Die Hauptanwendung ist starr und beinhaltet die Grundliegende Logik. Die </a:t>
-            </a:r>
-            <a:r>
-              <a:rPr lang="de-DE" dirty="0" err="1"/>
-              <a:t>Intents</a:t>
-            </a:r>
-            <a:r>
-              <a:rPr lang="de-DE" dirty="0"/>
-              <a:t> rechts führen die gewünschten Aktionen des Benutzers aus und sind erweiterbar. </a:t>
-            </a:r>
-          </a:p>
-        </p:txBody>
-      </p:sp>
-      <p:cxnSp>
-        <p:nvCxnSpPr>
-          <p:cNvPr id="76" name="Verbinder: gewinkelt 75">
-            <a:extLst>
-              <a:ext uri="{FF2B5EF4-FFF2-40B4-BE49-F238E27FC236}">
-                <a16:creationId xmlns:a16="http://schemas.microsoft.com/office/drawing/2014/main" id="{A390816B-7CD0-4F86-A78F-2E6A8688074D}"/>
-              </a:ext>
-            </a:extLst>
-          </p:cNvPr>
-          <p:cNvCxnSpPr>
-            <a:cxnSpLocks/>
-            <a:stCxn id="63" idx="3"/>
-            <a:endCxn id="25" idx="2"/>
-          </p:cNvCxnSpPr>
-          <p:nvPr/>
-        </p:nvCxnSpPr>
-        <p:spPr>
-          <a:xfrm rot="5400000" flipH="1" flipV="1">
-            <a:off x="3280629" y="4242933"/>
-            <a:ext cx="29683" cy="4124584"/>
-          </a:xfrm>
-          <a:prstGeom prst="bentConnector3">
-            <a:avLst>
-              <a:gd name="adj1" fmla="val -770138"/>
-            </a:avLst>
-          </a:prstGeom>
-          <a:ln>
-            <a:headEnd type="triangle"/>
-            <a:tailEnd type="triangle"/>
-          </a:ln>
-        </p:spPr>
-        <p:style>
-          <a:lnRef idx="1">
-            <a:schemeClr val="accent1"/>
-          </a:lnRef>
-          <a:fillRef idx="0">
-            <a:schemeClr val="accent1"/>
-          </a:fillRef>
-          <a:effectRef idx="0">
-            <a:schemeClr val="accent1"/>
-          </a:effectRef>
-          <a:fontRef idx="minor">
-            <a:schemeClr val="tx1"/>
-          </a:fontRef>
-        </p:style>
-      </p:cxnSp>
+              <a:t>Laufzeitumgebung</a:t>
+            </a:r>
+          </a:p>
+        </p:txBody>
+      </p:sp>
     </p:spTree>
     <p:extLst>
       <p:ext uri="{BB962C8B-B14F-4D97-AF65-F5344CB8AC3E}">
-        <p14:creationId xmlns:p14="http://schemas.microsoft.com/office/powerpoint/2010/main" val="3504251259"/>
+        <p14:creationId xmlns:p14="http://schemas.microsoft.com/office/powerpoint/2010/main" xmlns="" val="1020059501"/>
       </p:ext>
     </p:extLst>
   </p:cSld>
@@ -7795,188 +5951,841 @@
       </p:grpSpPr>
       <p:sp>
         <p:nvSpPr>
-          <p:cNvPr id="2" name="Titel 1">
-            <a:extLst>
-              <a:ext uri="{FF2B5EF4-FFF2-40B4-BE49-F238E27FC236}">
-                <a16:creationId xmlns:a16="http://schemas.microsoft.com/office/drawing/2014/main" id="{7F3AA3FC-6410-4DEE-8534-C54FDF281476}"/>
-              </a:ext>
-            </a:extLst>
-          </p:cNvPr>
-          <p:cNvSpPr>
-            <a:spLocks noGrp="1"/>
-          </p:cNvSpPr>
-          <p:nvPr>
-            <p:ph type="title"/>
-          </p:nvPr>
-        </p:nvSpPr>
-        <p:spPr/>
-        <p:txBody>
-          <a:bodyPr/>
-          <a:lstStyle/>
-          <a:p>
-            <a:r>
-              <a:rPr lang="de-DE" dirty="0"/>
-              <a:t>Kommentare und Clean Code</a:t>
-            </a:r>
-          </a:p>
-        </p:txBody>
-      </p:sp>
-      <p:sp>
-        <p:nvSpPr>
-          <p:cNvPr id="3" name="Inhaltsplatzhalter 2">
-            <a:extLst>
-              <a:ext uri="{FF2B5EF4-FFF2-40B4-BE49-F238E27FC236}">
-                <a16:creationId xmlns:a16="http://schemas.microsoft.com/office/drawing/2014/main" id="{B1B4DD82-F574-4658-9F28-A7E2030FE7F8}"/>
-              </a:ext>
-            </a:extLst>
-          </p:cNvPr>
-          <p:cNvSpPr>
-            <a:spLocks noGrp="1"/>
-          </p:cNvSpPr>
-          <p:nvPr>
-            <p:ph idx="1"/>
-          </p:nvPr>
-        </p:nvSpPr>
-        <p:spPr>
-          <a:xfrm>
-            <a:off x="581193" y="2340864"/>
-            <a:ext cx="5609882" cy="4083050"/>
-          </a:xfrm>
-        </p:spPr>
-        <p:txBody>
-          <a:bodyPr>
-            <a:normAutofit/>
-          </a:bodyPr>
-          <a:lstStyle/>
-          <a:p>
-            <a:r>
-              <a:rPr lang="de-DE" dirty="0"/>
-              <a:t>Coding in Englisch, Kommentare ausnahmsweise auf Deutsch</a:t>
-            </a:r>
-          </a:p>
-          <a:p>
-            <a:r>
-              <a:rPr lang="de-DE" dirty="0"/>
-              <a:t>Denkt dran, dass ihr euren Code irgendwann mal mit anderen</a:t>
-            </a:r>
-            <a:br>
-              <a:rPr lang="de-DE" dirty="0"/>
-            </a:br>
-            <a:r>
-              <a:rPr lang="de-DE" dirty="0"/>
-              <a:t>Menschen teilen könntet/müsst</a:t>
-            </a:r>
-          </a:p>
-          <a:p>
-            <a:r>
-              <a:rPr lang="de-DE" dirty="0"/>
-              <a:t>Python forciert eine saubere Formatierung</a:t>
-            </a:r>
-          </a:p>
-          <a:p>
-            <a:pPr lvl="1"/>
-            <a:r>
-              <a:rPr lang="de-DE" dirty="0"/>
-              <a:t>Tabs oder Spaces? PEP (Python Enhancement </a:t>
-            </a:r>
-            <a:r>
-              <a:rPr lang="de-DE" dirty="0" err="1"/>
-              <a:t>Proposal</a:t>
-            </a:r>
-            <a:r>
-              <a:rPr lang="de-DE" dirty="0"/>
-              <a:t>) 8 sagt Spaces</a:t>
-            </a:r>
-            <a:br>
-              <a:rPr lang="de-DE" dirty="0"/>
-            </a:br>
-            <a:r>
-              <a:rPr lang="de-DE" dirty="0">
-                <a:hlinkClick r:id="rId2"/>
-              </a:rPr>
-              <a:t>https://www.python.org/dev/peps/pep-0008/#tabs-or-spaces</a:t>
-            </a:r>
+          <p:cNvPr id="12" name="Rechteck 11">
+            <a:extLst>
+              <a:ext uri="{FF2B5EF4-FFF2-40B4-BE49-F238E27FC236}">
+                <a16:creationId xmlns:a16="http://schemas.microsoft.com/office/drawing/2014/main" xmlns="" id="{B3D246EA-9900-4058-A411-CDE87F445599}"/>
+              </a:ext>
+            </a:extLst>
+          </p:cNvPr>
+          <p:cNvSpPr/>
+          <p:nvPr/>
+        </p:nvSpPr>
+        <p:spPr>
+          <a:xfrm>
+            <a:off x="7127845" y="5483151"/>
+            <a:ext cx="4778928" cy="949485"/>
+          </a:xfrm>
+          <a:prstGeom prst="rect">
+            <a:avLst/>
+          </a:prstGeom>
+        </p:spPr>
+        <p:style>
+          <a:lnRef idx="2">
+            <a:schemeClr val="dk1"/>
+          </a:lnRef>
+          <a:fillRef idx="1">
+            <a:schemeClr val="lt1"/>
+          </a:fillRef>
+          <a:effectRef idx="0">
+            <a:schemeClr val="dk1"/>
+          </a:effectRef>
+          <a:fontRef idx="minor">
+            <a:schemeClr val="dk1"/>
+          </a:fontRef>
+        </p:style>
+        <p:txBody>
+          <a:bodyPr rtlCol="0" anchor="ctr"/>
+          <a:lstStyle/>
+          <a:p>
+            <a:pPr algn="ctr"/>
             <a:endParaRPr lang="de-DE" dirty="0"/>
-          </a:p>
-          <a:p>
-            <a:pPr lvl="1"/>
-            <a:r>
-              <a:rPr lang="de-DE" dirty="0"/>
-              <a:t>Ich verwende aus Gewohnheit Tabs, fühlt euch frei das anders zu handhaben</a:t>
-            </a:r>
-          </a:p>
-          <a:p>
-            <a:r>
-              <a:rPr lang="de-DE" dirty="0"/>
-              <a:t>Mehr Kommentare sind mehr wert, als weniger Kommentare</a:t>
-            </a:r>
-          </a:p>
-        </p:txBody>
-      </p:sp>
-      <p:sp>
-        <p:nvSpPr>
-          <p:cNvPr id="4" name="Datumsplatzhalter 3">
-            <a:extLst>
-              <a:ext uri="{FF2B5EF4-FFF2-40B4-BE49-F238E27FC236}">
-                <a16:creationId xmlns:a16="http://schemas.microsoft.com/office/drawing/2014/main" id="{BB3217BD-C233-406A-9BF9-5C031D57F7A4}"/>
-              </a:ext>
-            </a:extLst>
-          </p:cNvPr>
-          <p:cNvSpPr>
-            <a:spLocks noGrp="1"/>
-          </p:cNvSpPr>
-          <p:nvPr>
-            <p:ph type="dt" sz="half" idx="10"/>
-          </p:nvPr>
-        </p:nvSpPr>
-        <p:spPr/>
-        <p:txBody>
-          <a:bodyPr/>
-          <a:lstStyle/>
-          <a:p>
-            <a:pPr rtl="0"/>
-            <a:fld id="{83627DD0-092D-4AD9-AAE0-0513E170352E}" type="datetime1">
-              <a:rPr lang="de-DE" smtClean="0"/>
-              <a:t>26.10.2020</a:t>
-            </a:fld>
-            <a:endParaRPr lang="en-US" dirty="0"/>
           </a:p>
         </p:txBody>
       </p:sp>
       <p:pic>
         <p:nvPicPr>
-          <p:cNvPr id="5" name="Grafik 4">
-            <a:extLst>
-              <a:ext uri="{FF2B5EF4-FFF2-40B4-BE49-F238E27FC236}">
-                <a16:creationId xmlns:a16="http://schemas.microsoft.com/office/drawing/2014/main" id="{BE597814-D204-476E-8F39-BD1DE08EB300}"/>
+          <p:cNvPr id="2050" name="Picture 2" descr="Anaconda und Einrichtung der Python Umgebung - Fellow Consulting AG">
+            <a:extLst>
+              <a:ext uri="{FF2B5EF4-FFF2-40B4-BE49-F238E27FC236}">
+                <a16:creationId xmlns:a16="http://schemas.microsoft.com/office/drawing/2014/main" xmlns="" id="{442596D4-63B4-4B35-9F11-8D0B29DB7B6C}"/>
               </a:ext>
             </a:extLst>
           </p:cNvPr>
           <p:cNvPicPr>
-            <a:picLocks noChangeAspect="1"/>
+            <a:picLocks noChangeAspect="1" noChangeArrowheads="1"/>
           </p:cNvPicPr>
           <p:nvPr/>
         </p:nvPicPr>
         <p:blipFill>
-          <a:blip r:embed="rId3"/>
+          <a:blip r:embed="rId2" cstate="print">
+            <a:clrChange>
+              <a:clrFrom>
+                <a:srgbClr val="FFFFFF"/>
+              </a:clrFrom>
+              <a:clrTo>
+                <a:srgbClr val="FFFFFF">
+                  <a:alpha val="0"/>
+                </a:srgbClr>
+              </a:clrTo>
+            </a:clrChange>
+            <a:extLst>
+              <a:ext uri="{28A0092B-C50C-407E-A947-70E740481C1C}">
+                <a14:useLocalDpi xmlns:a14="http://schemas.microsoft.com/office/drawing/2010/main" xmlns="" val="0"/>
+              </a:ext>
+            </a:extLst>
+          </a:blip>
+          <a:srcRect/>
           <a:stretch>
             <a:fillRect/>
           </a:stretch>
         </p:blipFill>
-        <p:spPr>
-          <a:xfrm>
-            <a:off x="6135277" y="2492892"/>
-            <a:ext cx="6056723" cy="3662952"/>
+        <p:spPr bwMode="auto">
+          <a:xfrm>
+            <a:off x="8623883" y="5525998"/>
+            <a:ext cx="1863884" cy="931942"/>
           </a:xfrm>
           <a:prstGeom prst="rect">
             <a:avLst/>
           </a:prstGeom>
+          <a:noFill/>
+          <a:extLst>
+            <a:ext uri="{909E8E84-426E-40DD-AFC4-6F175D3DCCD1}">
+              <a14:hiddenFill xmlns:a14="http://schemas.microsoft.com/office/drawing/2010/main" xmlns="">
+                <a:solidFill>
+                  <a:srgbClr val="FFFFFF"/>
+                </a:solidFill>
+              </a14:hiddenFill>
+            </a:ext>
+          </a:extLst>
         </p:spPr>
       </p:pic>
+      <p:sp>
+        <p:nvSpPr>
+          <p:cNvPr id="2" name="Titel 1">
+            <a:extLst>
+              <a:ext uri="{FF2B5EF4-FFF2-40B4-BE49-F238E27FC236}">
+                <a16:creationId xmlns:a16="http://schemas.microsoft.com/office/drawing/2014/main" xmlns="" id="{7B6C21E8-B43A-4042-A79C-36E263E62674}"/>
+              </a:ext>
+            </a:extLst>
+          </p:cNvPr>
+          <p:cNvSpPr>
+            <a:spLocks noGrp="1"/>
+          </p:cNvSpPr>
+          <p:nvPr>
+            <p:ph type="title"/>
+          </p:nvPr>
+        </p:nvSpPr>
+        <p:spPr/>
+        <p:txBody>
+          <a:bodyPr/>
+          <a:lstStyle/>
+          <a:p>
+            <a:r>
+              <a:rPr lang="de-DE" dirty="0" err="1"/>
+              <a:t>Environements</a:t>
+            </a:r>
+            <a:r>
+              <a:rPr lang="de-DE" dirty="0"/>
+              <a:t> mit </a:t>
+            </a:r>
+            <a:r>
+              <a:rPr lang="de-DE" dirty="0" err="1"/>
+              <a:t>Anaconda</a:t>
+            </a:r>
+            <a:endParaRPr lang="de-DE" dirty="0"/>
+          </a:p>
+        </p:txBody>
+      </p:sp>
+      <p:sp>
+        <p:nvSpPr>
+          <p:cNvPr id="3" name="Inhaltsplatzhalter 2">
+            <a:extLst>
+              <a:ext uri="{FF2B5EF4-FFF2-40B4-BE49-F238E27FC236}">
+                <a16:creationId xmlns:a16="http://schemas.microsoft.com/office/drawing/2014/main" xmlns="" id="{78B4D1DE-55FA-4327-8091-8B42406E748C}"/>
+              </a:ext>
+            </a:extLst>
+          </p:cNvPr>
+          <p:cNvSpPr>
+            <a:spLocks noGrp="1"/>
+          </p:cNvSpPr>
+          <p:nvPr>
+            <p:ph idx="1"/>
+          </p:nvPr>
+        </p:nvSpPr>
+        <p:spPr>
+          <a:xfrm>
+            <a:off x="581193" y="2340864"/>
+            <a:ext cx="6138390" cy="3634486"/>
+          </a:xfrm>
+        </p:spPr>
+        <p:txBody>
+          <a:bodyPr/>
+          <a:lstStyle/>
+          <a:p>
+            <a:r>
+              <a:rPr lang="de-DE" dirty="0" err="1"/>
+              <a:t>Anaconda</a:t>
+            </a:r>
+            <a:r>
+              <a:rPr lang="de-DE" dirty="0"/>
+              <a:t> erlaubt es Environments zu trennen und mit verschiedenen Python-Versionen zu versehen</a:t>
+            </a:r>
+          </a:p>
+          <a:p>
+            <a:r>
+              <a:rPr lang="de-DE" dirty="0"/>
+              <a:t>Verwaltet Pakete und bringt ein eigenes Repository mit</a:t>
+            </a:r>
+          </a:p>
+          <a:p>
+            <a:r>
+              <a:rPr lang="de-DE" dirty="0"/>
+              <a:t>Es existiert eine Open Source Variante</a:t>
+            </a:r>
+          </a:p>
+          <a:p>
+            <a:r>
+              <a:rPr lang="de-DE" dirty="0"/>
+              <a:t>Auswahl der Python-Version ist flexibel, aber:</a:t>
+            </a:r>
+          </a:p>
+          <a:p>
+            <a:pPr lvl="1"/>
+            <a:r>
+              <a:rPr lang="de-DE" dirty="0"/>
+              <a:t>Prüft, ob ihr Bibliotheken anzieht, die nur mit einer bestimmten Version laufen</a:t>
+            </a:r>
+          </a:p>
+          <a:p>
+            <a:pPr lvl="1"/>
+            <a:r>
+              <a:rPr lang="de-DE" dirty="0"/>
+              <a:t>Nehmt nicht per se die neuste Version (derzeit 3.8). Nur die wenigsten Bibliotheken sind immer für die neuste Version kompiliert.</a:t>
+            </a:r>
+          </a:p>
+          <a:p>
+            <a:endParaRPr lang="de-DE" dirty="0"/>
+          </a:p>
+        </p:txBody>
+      </p:sp>
+      <p:sp>
+        <p:nvSpPr>
+          <p:cNvPr id="4" name="Datumsplatzhalter 3">
+            <a:extLst>
+              <a:ext uri="{FF2B5EF4-FFF2-40B4-BE49-F238E27FC236}">
+                <a16:creationId xmlns:a16="http://schemas.microsoft.com/office/drawing/2014/main" xmlns="" id="{99AE37B3-1141-4854-BD8E-BC96A04D1BF1}"/>
+              </a:ext>
+            </a:extLst>
+          </p:cNvPr>
+          <p:cNvSpPr>
+            <a:spLocks noGrp="1"/>
+          </p:cNvSpPr>
+          <p:nvPr>
+            <p:ph type="dt" sz="half" idx="10"/>
+          </p:nvPr>
+        </p:nvSpPr>
+        <p:spPr/>
+        <p:txBody>
+          <a:bodyPr/>
+          <a:lstStyle/>
+          <a:p>
+            <a:pPr rtl="0"/>
+            <a:fld id="{83627DD0-092D-4AD9-AAE0-0513E170352E}" type="datetime1">
+              <a:rPr lang="de-DE" smtClean="0"/>
+              <a:pPr rtl="0"/>
+              <a:t>29.10.2020</a:t>
+            </a:fld>
+            <a:endParaRPr lang="en-US" dirty="0"/>
+          </a:p>
+        </p:txBody>
+      </p:sp>
+      <p:sp>
+        <p:nvSpPr>
+          <p:cNvPr id="9" name="Rechteck 8">
+            <a:extLst>
+              <a:ext uri="{FF2B5EF4-FFF2-40B4-BE49-F238E27FC236}">
+                <a16:creationId xmlns:a16="http://schemas.microsoft.com/office/drawing/2014/main" xmlns="" id="{97B42E60-03AB-4D7B-8425-9E675A72DD53}"/>
+              </a:ext>
+            </a:extLst>
+          </p:cNvPr>
+          <p:cNvSpPr/>
+          <p:nvPr/>
+        </p:nvSpPr>
+        <p:spPr>
+          <a:xfrm>
+            <a:off x="7273255" y="4491073"/>
+            <a:ext cx="2130804" cy="636988"/>
+          </a:xfrm>
+          <a:prstGeom prst="rect">
+            <a:avLst/>
+          </a:prstGeom>
+        </p:spPr>
+        <p:style>
+          <a:lnRef idx="2">
+            <a:schemeClr val="accent1">
+              <a:shade val="50000"/>
+            </a:schemeClr>
+          </a:lnRef>
+          <a:fillRef idx="1">
+            <a:schemeClr val="accent1"/>
+          </a:fillRef>
+          <a:effectRef idx="0">
+            <a:schemeClr val="accent1"/>
+          </a:effectRef>
+          <a:fontRef idx="minor">
+            <a:schemeClr val="lt1"/>
+          </a:fontRef>
+        </p:style>
+        <p:txBody>
+          <a:bodyPr rtlCol="0" anchor="ctr"/>
+          <a:lstStyle/>
+          <a:p>
+            <a:pPr algn="ctr"/>
+            <a:r>
+              <a:rPr lang="de-DE" dirty="0"/>
+              <a:t>Python 2.7</a:t>
+            </a:r>
+          </a:p>
+        </p:txBody>
+      </p:sp>
+      <p:sp>
+        <p:nvSpPr>
+          <p:cNvPr id="11" name="Rechteck 10">
+            <a:extLst>
+              <a:ext uri="{FF2B5EF4-FFF2-40B4-BE49-F238E27FC236}">
+                <a16:creationId xmlns:a16="http://schemas.microsoft.com/office/drawing/2014/main" xmlns="" id="{5BAC378D-FED3-4060-B23A-4CF75A0FCEAB}"/>
+              </a:ext>
+            </a:extLst>
+          </p:cNvPr>
+          <p:cNvSpPr/>
+          <p:nvPr/>
+        </p:nvSpPr>
+        <p:spPr>
+          <a:xfrm>
+            <a:off x="7273255" y="3724015"/>
+            <a:ext cx="2130804" cy="636988"/>
+          </a:xfrm>
+          <a:prstGeom prst="rect">
+            <a:avLst/>
+          </a:prstGeom>
+        </p:spPr>
+        <p:style>
+          <a:lnRef idx="2">
+            <a:schemeClr val="accent3">
+              <a:shade val="50000"/>
+            </a:schemeClr>
+          </a:lnRef>
+          <a:fillRef idx="1">
+            <a:schemeClr val="accent3"/>
+          </a:fillRef>
+          <a:effectRef idx="0">
+            <a:schemeClr val="accent3"/>
+          </a:effectRef>
+          <a:fontRef idx="minor">
+            <a:schemeClr val="lt1"/>
+          </a:fontRef>
+        </p:style>
+        <p:txBody>
+          <a:bodyPr rtlCol="0" anchor="ctr"/>
+          <a:lstStyle/>
+          <a:p>
+            <a:pPr algn="ctr"/>
+            <a:r>
+              <a:rPr lang="de-DE" dirty="0"/>
+              <a:t>Bibliothek 1</a:t>
+            </a:r>
+          </a:p>
+          <a:p>
+            <a:pPr algn="ctr"/>
+            <a:r>
+              <a:rPr lang="de-DE" dirty="0"/>
+              <a:t>(Version 1.1)</a:t>
+            </a:r>
+          </a:p>
+        </p:txBody>
+      </p:sp>
+      <p:sp>
+        <p:nvSpPr>
+          <p:cNvPr id="13" name="Rechteck 12">
+            <a:extLst>
+              <a:ext uri="{FF2B5EF4-FFF2-40B4-BE49-F238E27FC236}">
+                <a16:creationId xmlns:a16="http://schemas.microsoft.com/office/drawing/2014/main" xmlns="" id="{7E4CA8F1-F2DF-48E6-A8A3-209050D82A98}"/>
+              </a:ext>
+            </a:extLst>
+          </p:cNvPr>
+          <p:cNvSpPr/>
+          <p:nvPr/>
+        </p:nvSpPr>
+        <p:spPr>
+          <a:xfrm>
+            <a:off x="9657127" y="3724015"/>
+            <a:ext cx="2130804" cy="636988"/>
+          </a:xfrm>
+          <a:prstGeom prst="rect">
+            <a:avLst/>
+          </a:prstGeom>
+        </p:spPr>
+        <p:style>
+          <a:lnRef idx="2">
+            <a:schemeClr val="accent3">
+              <a:shade val="50000"/>
+            </a:schemeClr>
+          </a:lnRef>
+          <a:fillRef idx="1">
+            <a:schemeClr val="accent3"/>
+          </a:fillRef>
+          <a:effectRef idx="0">
+            <a:schemeClr val="accent3"/>
+          </a:effectRef>
+          <a:fontRef idx="minor">
+            <a:schemeClr val="lt1"/>
+          </a:fontRef>
+        </p:style>
+        <p:txBody>
+          <a:bodyPr rtlCol="0" anchor="ctr"/>
+          <a:lstStyle/>
+          <a:p>
+            <a:pPr algn="ctr"/>
+            <a:r>
+              <a:rPr lang="de-DE" dirty="0"/>
+              <a:t>Bibliothek 1</a:t>
+            </a:r>
+          </a:p>
+          <a:p>
+            <a:pPr algn="ctr"/>
+            <a:r>
+              <a:rPr lang="de-DE" dirty="0"/>
+              <a:t>(Version 1.1)</a:t>
+            </a:r>
+          </a:p>
+        </p:txBody>
+      </p:sp>
+      <p:sp>
+        <p:nvSpPr>
+          <p:cNvPr id="15" name="Rechteck 14">
+            <a:extLst>
+              <a:ext uri="{FF2B5EF4-FFF2-40B4-BE49-F238E27FC236}">
+                <a16:creationId xmlns:a16="http://schemas.microsoft.com/office/drawing/2014/main" xmlns="" id="{BDF474BA-448D-4224-B219-02A454C78E1D}"/>
+              </a:ext>
+            </a:extLst>
+          </p:cNvPr>
+          <p:cNvSpPr/>
+          <p:nvPr/>
+        </p:nvSpPr>
+        <p:spPr>
+          <a:xfrm>
+            <a:off x="7273255" y="2992324"/>
+            <a:ext cx="2130804" cy="636988"/>
+          </a:xfrm>
+          <a:prstGeom prst="rect">
+            <a:avLst/>
+          </a:prstGeom>
+        </p:spPr>
+        <p:style>
+          <a:lnRef idx="2">
+            <a:schemeClr val="accent5">
+              <a:shade val="50000"/>
+            </a:schemeClr>
+          </a:lnRef>
+          <a:fillRef idx="1">
+            <a:schemeClr val="accent5"/>
+          </a:fillRef>
+          <a:effectRef idx="0">
+            <a:schemeClr val="accent5"/>
+          </a:effectRef>
+          <a:fontRef idx="minor">
+            <a:schemeClr val="lt1"/>
+          </a:fontRef>
+        </p:style>
+        <p:txBody>
+          <a:bodyPr rtlCol="0" anchor="ctr"/>
+          <a:lstStyle/>
+          <a:p>
+            <a:pPr algn="ctr"/>
+            <a:r>
+              <a:rPr lang="de-DE" dirty="0"/>
+              <a:t>Bibliothek 2</a:t>
+            </a:r>
+          </a:p>
+          <a:p>
+            <a:pPr algn="ctr"/>
+            <a:r>
+              <a:rPr lang="de-DE" dirty="0"/>
+              <a:t>(Version 0.7)</a:t>
+            </a:r>
+          </a:p>
+        </p:txBody>
+      </p:sp>
+      <p:sp>
+        <p:nvSpPr>
+          <p:cNvPr id="17" name="Rechteck 16">
+            <a:extLst>
+              <a:ext uri="{FF2B5EF4-FFF2-40B4-BE49-F238E27FC236}">
+                <a16:creationId xmlns:a16="http://schemas.microsoft.com/office/drawing/2014/main" xmlns="" id="{72713D57-DB3B-4A34-983B-013E99C57FED}"/>
+              </a:ext>
+            </a:extLst>
+          </p:cNvPr>
+          <p:cNvSpPr/>
+          <p:nvPr/>
+        </p:nvSpPr>
+        <p:spPr>
+          <a:xfrm>
+            <a:off x="9657127" y="2990900"/>
+            <a:ext cx="2130804" cy="636988"/>
+          </a:xfrm>
+          <a:prstGeom prst="rect">
+            <a:avLst/>
+          </a:prstGeom>
+        </p:spPr>
+        <p:style>
+          <a:lnRef idx="2">
+            <a:schemeClr val="accent5">
+              <a:shade val="50000"/>
+            </a:schemeClr>
+          </a:lnRef>
+          <a:fillRef idx="1">
+            <a:schemeClr val="accent5"/>
+          </a:fillRef>
+          <a:effectRef idx="0">
+            <a:schemeClr val="accent5"/>
+          </a:effectRef>
+          <a:fontRef idx="minor">
+            <a:schemeClr val="lt1"/>
+          </a:fontRef>
+        </p:style>
+        <p:txBody>
+          <a:bodyPr rtlCol="0" anchor="ctr"/>
+          <a:lstStyle/>
+          <a:p>
+            <a:pPr algn="ctr"/>
+            <a:r>
+              <a:rPr lang="de-DE" dirty="0"/>
+              <a:t>Bibliothek 2</a:t>
+            </a:r>
+          </a:p>
+          <a:p>
+            <a:pPr algn="ctr"/>
+            <a:r>
+              <a:rPr lang="de-DE" dirty="0"/>
+              <a:t>(Version 1.1)</a:t>
+            </a:r>
+          </a:p>
+        </p:txBody>
+      </p:sp>
+      <p:sp>
+        <p:nvSpPr>
+          <p:cNvPr id="19" name="Rechteck 18">
+            <a:extLst>
+              <a:ext uri="{FF2B5EF4-FFF2-40B4-BE49-F238E27FC236}">
+                <a16:creationId xmlns:a16="http://schemas.microsoft.com/office/drawing/2014/main" xmlns="" id="{84E5329B-0C09-4DDB-A5BD-E105C7C556F7}"/>
+              </a:ext>
+            </a:extLst>
+          </p:cNvPr>
+          <p:cNvSpPr/>
+          <p:nvPr/>
+        </p:nvSpPr>
+        <p:spPr>
+          <a:xfrm>
+            <a:off x="7273255" y="2279323"/>
+            <a:ext cx="2130804" cy="636988"/>
+          </a:xfrm>
+          <a:prstGeom prst="rect">
+            <a:avLst/>
+          </a:prstGeom>
+        </p:spPr>
+        <p:style>
+          <a:lnRef idx="2">
+            <a:schemeClr val="accent6">
+              <a:shade val="50000"/>
+            </a:schemeClr>
+          </a:lnRef>
+          <a:fillRef idx="1">
+            <a:schemeClr val="accent6"/>
+          </a:fillRef>
+          <a:effectRef idx="0">
+            <a:schemeClr val="accent6"/>
+          </a:effectRef>
+          <a:fontRef idx="minor">
+            <a:schemeClr val="lt1"/>
+          </a:fontRef>
+        </p:style>
+        <p:txBody>
+          <a:bodyPr rtlCol="0" anchor="ctr"/>
+          <a:lstStyle/>
+          <a:p>
+            <a:pPr algn="ctr"/>
+            <a:r>
+              <a:rPr lang="de-DE" dirty="0"/>
+              <a:t>…</a:t>
+            </a:r>
+          </a:p>
+        </p:txBody>
+      </p:sp>
+      <p:sp>
+        <p:nvSpPr>
+          <p:cNvPr id="21" name="Rechteck 20">
+            <a:extLst>
+              <a:ext uri="{FF2B5EF4-FFF2-40B4-BE49-F238E27FC236}">
+                <a16:creationId xmlns:a16="http://schemas.microsoft.com/office/drawing/2014/main" xmlns="" id="{69853C23-D6E1-46F8-832D-ECEE9D0AA735}"/>
+              </a:ext>
+            </a:extLst>
+          </p:cNvPr>
+          <p:cNvSpPr/>
+          <p:nvPr/>
+        </p:nvSpPr>
+        <p:spPr>
+          <a:xfrm>
+            <a:off x="9657127" y="2279323"/>
+            <a:ext cx="2130804" cy="636988"/>
+          </a:xfrm>
+          <a:prstGeom prst="rect">
+            <a:avLst/>
+          </a:prstGeom>
+        </p:spPr>
+        <p:style>
+          <a:lnRef idx="2">
+            <a:schemeClr val="accent6">
+              <a:shade val="50000"/>
+            </a:schemeClr>
+          </a:lnRef>
+          <a:fillRef idx="1">
+            <a:schemeClr val="accent6"/>
+          </a:fillRef>
+          <a:effectRef idx="0">
+            <a:schemeClr val="accent6"/>
+          </a:effectRef>
+          <a:fontRef idx="minor">
+            <a:schemeClr val="lt1"/>
+          </a:fontRef>
+        </p:style>
+        <p:txBody>
+          <a:bodyPr rtlCol="0" anchor="ctr"/>
+          <a:lstStyle/>
+          <a:p>
+            <a:pPr algn="ctr"/>
+            <a:r>
+              <a:rPr lang="de-DE" dirty="0"/>
+              <a:t>…</a:t>
+            </a:r>
+          </a:p>
+        </p:txBody>
+      </p:sp>
+      <p:sp>
+        <p:nvSpPr>
+          <p:cNvPr id="5" name="Rechteck 4">
+            <a:extLst>
+              <a:ext uri="{FF2B5EF4-FFF2-40B4-BE49-F238E27FC236}">
+                <a16:creationId xmlns:a16="http://schemas.microsoft.com/office/drawing/2014/main" xmlns="" id="{8E3FD48B-7CD1-4286-BF59-7E8D331CBE62}"/>
+              </a:ext>
+            </a:extLst>
+          </p:cNvPr>
+          <p:cNvSpPr/>
+          <p:nvPr/>
+        </p:nvSpPr>
+        <p:spPr>
+          <a:xfrm>
+            <a:off x="7127844" y="1392572"/>
+            <a:ext cx="2389468" cy="4009937"/>
+          </a:xfrm>
+          <a:prstGeom prst="rect">
+            <a:avLst/>
+          </a:prstGeom>
+          <a:noFill/>
+          <a:ln>
+            <a:prstDash val="dash"/>
+          </a:ln>
+        </p:spPr>
+        <p:style>
+          <a:lnRef idx="2">
+            <a:schemeClr val="accent1">
+              <a:shade val="50000"/>
+            </a:schemeClr>
+          </a:lnRef>
+          <a:fillRef idx="1">
+            <a:schemeClr val="accent1"/>
+          </a:fillRef>
+          <a:effectRef idx="0">
+            <a:schemeClr val="accent1"/>
+          </a:effectRef>
+          <a:fontRef idx="minor">
+            <a:schemeClr val="lt1"/>
+          </a:fontRef>
+        </p:style>
+        <p:txBody>
+          <a:bodyPr rtlCol="0" anchor="ctr"/>
+          <a:lstStyle/>
+          <a:p>
+            <a:pPr algn="ctr"/>
+            <a:endParaRPr lang="de-DE"/>
+          </a:p>
+        </p:txBody>
+      </p:sp>
+      <p:sp>
+        <p:nvSpPr>
+          <p:cNvPr id="6" name="Textfeld 5">
+            <a:extLst>
+              <a:ext uri="{FF2B5EF4-FFF2-40B4-BE49-F238E27FC236}">
+                <a16:creationId xmlns:a16="http://schemas.microsoft.com/office/drawing/2014/main" xmlns="" id="{02A2EBC0-839A-4C9C-B427-4EADA101AD2A}"/>
+              </a:ext>
+            </a:extLst>
+          </p:cNvPr>
+          <p:cNvSpPr txBox="1"/>
+          <p:nvPr/>
+        </p:nvSpPr>
+        <p:spPr>
+          <a:xfrm>
+            <a:off x="7148815" y="1392572"/>
+            <a:ext cx="2389468" cy="369332"/>
+          </a:xfrm>
+          <a:prstGeom prst="rect">
+            <a:avLst/>
+          </a:prstGeom>
+          <a:noFill/>
+        </p:spPr>
+        <p:txBody>
+          <a:bodyPr wrap="square" rtlCol="0">
+            <a:spAutoFit/>
+          </a:bodyPr>
+          <a:lstStyle/>
+          <a:p>
+            <a:pPr algn="ctr"/>
+            <a:r>
+              <a:rPr lang="de-DE" dirty="0"/>
+              <a:t>Laufzeitumgebung 1</a:t>
+            </a:r>
+          </a:p>
+        </p:txBody>
+      </p:sp>
+      <p:sp>
+        <p:nvSpPr>
+          <p:cNvPr id="7" name="Rechteck 6">
+            <a:extLst>
+              <a:ext uri="{FF2B5EF4-FFF2-40B4-BE49-F238E27FC236}">
+                <a16:creationId xmlns:a16="http://schemas.microsoft.com/office/drawing/2014/main" xmlns="" id="{0AAC792E-F355-4CEB-B1F5-5618580BCEF6}"/>
+              </a:ext>
+            </a:extLst>
+          </p:cNvPr>
+          <p:cNvSpPr/>
+          <p:nvPr/>
+        </p:nvSpPr>
+        <p:spPr>
+          <a:xfrm>
+            <a:off x="9662718" y="4491072"/>
+            <a:ext cx="2130804" cy="636988"/>
+          </a:xfrm>
+          <a:prstGeom prst="rect">
+            <a:avLst/>
+          </a:prstGeom>
+        </p:spPr>
+        <p:style>
+          <a:lnRef idx="2">
+            <a:schemeClr val="accent1">
+              <a:shade val="50000"/>
+            </a:schemeClr>
+          </a:lnRef>
+          <a:fillRef idx="1">
+            <a:schemeClr val="accent1"/>
+          </a:fillRef>
+          <a:effectRef idx="0">
+            <a:schemeClr val="accent1"/>
+          </a:effectRef>
+          <a:fontRef idx="minor">
+            <a:schemeClr val="lt1"/>
+          </a:fontRef>
+        </p:style>
+        <p:txBody>
+          <a:bodyPr rtlCol="0" anchor="ctr"/>
+          <a:lstStyle/>
+          <a:p>
+            <a:pPr algn="ctr"/>
+            <a:r>
+              <a:rPr lang="de-DE" dirty="0"/>
+              <a:t>Python 3.6</a:t>
+            </a:r>
+          </a:p>
+        </p:txBody>
+      </p:sp>
+      <p:sp>
+        <p:nvSpPr>
+          <p:cNvPr id="8" name="Rechteck 7">
+            <a:extLst>
+              <a:ext uri="{FF2B5EF4-FFF2-40B4-BE49-F238E27FC236}">
+                <a16:creationId xmlns:a16="http://schemas.microsoft.com/office/drawing/2014/main" xmlns="" id="{E33CD875-0266-4174-8CA0-4FE095FF94C6}"/>
+              </a:ext>
+            </a:extLst>
+          </p:cNvPr>
+          <p:cNvSpPr/>
+          <p:nvPr/>
+        </p:nvSpPr>
+        <p:spPr>
+          <a:xfrm>
+            <a:off x="9517312" y="1392571"/>
+            <a:ext cx="2410434" cy="4009937"/>
+          </a:xfrm>
+          <a:prstGeom prst="rect">
+            <a:avLst/>
+          </a:prstGeom>
+          <a:noFill/>
+          <a:ln>
+            <a:prstDash val="dash"/>
+          </a:ln>
+        </p:spPr>
+        <p:style>
+          <a:lnRef idx="2">
+            <a:schemeClr val="accent1">
+              <a:shade val="50000"/>
+            </a:schemeClr>
+          </a:lnRef>
+          <a:fillRef idx="1">
+            <a:schemeClr val="accent1"/>
+          </a:fillRef>
+          <a:effectRef idx="0">
+            <a:schemeClr val="accent1"/>
+          </a:effectRef>
+          <a:fontRef idx="minor">
+            <a:schemeClr val="lt1"/>
+          </a:fontRef>
+        </p:style>
+        <p:txBody>
+          <a:bodyPr rtlCol="0" anchor="ctr"/>
+          <a:lstStyle/>
+          <a:p>
+            <a:pPr algn="ctr"/>
+            <a:endParaRPr lang="de-DE"/>
+          </a:p>
+        </p:txBody>
+      </p:sp>
+      <p:sp>
+        <p:nvSpPr>
+          <p:cNvPr id="10" name="Textfeld 9">
+            <a:extLst>
+              <a:ext uri="{FF2B5EF4-FFF2-40B4-BE49-F238E27FC236}">
+                <a16:creationId xmlns:a16="http://schemas.microsoft.com/office/drawing/2014/main" xmlns="" id="{0D852B35-9A0F-4CA9-9C65-810B7B34C26F}"/>
+              </a:ext>
+            </a:extLst>
+          </p:cNvPr>
+          <p:cNvSpPr txBox="1"/>
+          <p:nvPr/>
+        </p:nvSpPr>
+        <p:spPr>
+          <a:xfrm>
+            <a:off x="9517309" y="1379673"/>
+            <a:ext cx="2410434" cy="369332"/>
+          </a:xfrm>
+          <a:prstGeom prst="rect">
+            <a:avLst/>
+          </a:prstGeom>
+          <a:noFill/>
+        </p:spPr>
+        <p:txBody>
+          <a:bodyPr wrap="square" rtlCol="0">
+            <a:spAutoFit/>
+          </a:bodyPr>
+          <a:lstStyle/>
+          <a:p>
+            <a:pPr algn="ctr"/>
+            <a:r>
+              <a:rPr lang="de-DE" dirty="0"/>
+              <a:t>Laufzeitumgebung 2</a:t>
+            </a:r>
+          </a:p>
+        </p:txBody>
+      </p:sp>
     </p:spTree>
     <p:extLst>
       <p:ext uri="{BB962C8B-B14F-4D97-AF65-F5344CB8AC3E}">
-        <p14:creationId xmlns:p14="http://schemas.microsoft.com/office/powerpoint/2010/main" val="612475951"/>
+        <p14:creationId xmlns:p14="http://schemas.microsoft.com/office/powerpoint/2010/main" xmlns="" val="4123699968"/>
       </p:ext>
     </p:extLst>
   </p:cSld>
@@ -8008,7 +6817,7 @@
           <p:cNvPr id="2" name="Titel 1">
             <a:extLst>
               <a:ext uri="{FF2B5EF4-FFF2-40B4-BE49-F238E27FC236}">
-                <a16:creationId xmlns:a16="http://schemas.microsoft.com/office/drawing/2014/main" id="{A0ADA9B0-E8D8-4B84-A484-B259D65735BC}"/>
+                <a16:creationId xmlns:a16="http://schemas.microsoft.com/office/drawing/2014/main" xmlns="" id="{7F3AA3FC-6410-4DEE-8534-C54FDF281476}"/>
               </a:ext>
             </a:extLst>
           </p:cNvPr>
@@ -8026,7 +6835,7 @@
           <a:p>
             <a:r>
               <a:rPr lang="de-DE" dirty="0"/>
-              <a:t>Wahl der Richtigen IDE</a:t>
+              <a:t>Kommentare und Clean Code</a:t>
             </a:r>
           </a:p>
         </p:txBody>
@@ -8036,7 +6845,7 @@
           <p:cNvPr id="3" name="Inhaltsplatzhalter 2">
             <a:extLst>
               <a:ext uri="{FF2B5EF4-FFF2-40B4-BE49-F238E27FC236}">
-                <a16:creationId xmlns:a16="http://schemas.microsoft.com/office/drawing/2014/main" id="{6F6A94DF-E1DF-4794-BF8A-5AF4CBEA739E}"/>
+                <a16:creationId xmlns:a16="http://schemas.microsoft.com/office/drawing/2014/main" xmlns="" id="{B1B4DD82-F574-4658-9F28-A7E2030FE7F8}"/>
               </a:ext>
             </a:extLst>
           </p:cNvPr>
@@ -8050,145 +6859,116 @@
         <p:spPr>
           <a:xfrm>
             <a:off x="581193" y="2340864"/>
-            <a:ext cx="4393479" cy="4076714"/>
-          </a:xfrm>
-        </p:spPr>
+            <a:ext cx="5609882" cy="4083050"/>
+          </a:xfrm>
+        </p:spPr>
+        <p:txBody>
+          <a:bodyPr>
+            <a:normAutofit/>
+          </a:bodyPr>
+          <a:lstStyle/>
+          <a:p>
+            <a:r>
+              <a:rPr lang="de-DE" dirty="0"/>
+              <a:t>Coding in Englisch, Kommentare ausnahmsweise auf Deutsch</a:t>
+            </a:r>
+          </a:p>
+          <a:p>
+            <a:r>
+              <a:rPr lang="de-DE" dirty="0"/>
+              <a:t>Denkt dran, dass ihr euren Code irgendwann mal mit anderen</a:t>
+            </a:r>
+            <a:br>
+              <a:rPr lang="de-DE" dirty="0"/>
+            </a:br>
+            <a:r>
+              <a:rPr lang="de-DE" dirty="0"/>
+              <a:t>Menschen teilen könntet/müsst</a:t>
+            </a:r>
+          </a:p>
+          <a:p>
+            <a:r>
+              <a:rPr lang="de-DE" dirty="0"/>
+              <a:t>Python forciert eine saubere Formatierung</a:t>
+            </a:r>
+          </a:p>
+          <a:p>
+            <a:pPr lvl="1"/>
+            <a:r>
+              <a:rPr lang="de-DE" dirty="0"/>
+              <a:t>Tabs oder Spaces? PEP (Python Enhancement </a:t>
+            </a:r>
+            <a:r>
+              <a:rPr lang="de-DE" dirty="0" err="1"/>
+              <a:t>Proposal</a:t>
+            </a:r>
+            <a:r>
+              <a:rPr lang="de-DE" dirty="0"/>
+              <a:t>) 8 sagt Spaces</a:t>
+            </a:r>
+            <a:br>
+              <a:rPr lang="de-DE" dirty="0"/>
+            </a:br>
+            <a:r>
+              <a:rPr lang="de-DE" dirty="0">
+                <a:hlinkClick r:id="rId2"/>
+              </a:rPr>
+              <a:t>https://www.python.org/dev/peps/pep-0008/#tabs-or-spaces</a:t>
+            </a:r>
+            <a:endParaRPr lang="de-DE" dirty="0"/>
+          </a:p>
+          <a:p>
+            <a:pPr lvl="1"/>
+            <a:r>
+              <a:rPr lang="de-DE" dirty="0"/>
+              <a:t>Ich verwende aus Gewohnheit Tabs, fühlt euch frei das anders zu handhaben</a:t>
+            </a:r>
+          </a:p>
+          <a:p>
+            <a:r>
+              <a:rPr lang="de-DE" dirty="0"/>
+              <a:t>Mehr Kommentare sind mehr wert, als weniger Kommentare</a:t>
+            </a:r>
+          </a:p>
+        </p:txBody>
+      </p:sp>
+      <p:sp>
+        <p:nvSpPr>
+          <p:cNvPr id="4" name="Datumsplatzhalter 3">
+            <a:extLst>
+              <a:ext uri="{FF2B5EF4-FFF2-40B4-BE49-F238E27FC236}">
+                <a16:creationId xmlns:a16="http://schemas.microsoft.com/office/drawing/2014/main" xmlns="" id="{BB3217BD-C233-406A-9BF9-5C031D57F7A4}"/>
+              </a:ext>
+            </a:extLst>
+          </p:cNvPr>
+          <p:cNvSpPr>
+            <a:spLocks noGrp="1"/>
+          </p:cNvSpPr>
+          <p:nvPr>
+            <p:ph type="dt" sz="half" idx="10"/>
+          </p:nvPr>
+        </p:nvSpPr>
+        <p:spPr/>
         <p:txBody>
           <a:bodyPr/>
           <a:lstStyle/>
           <a:p>
-            <a:r>
-              <a:rPr lang="de-DE" dirty="0"/>
-              <a:t>IDEs (Integrated Developer Environment) gibt es viele</a:t>
-            </a:r>
-          </a:p>
-          <a:p>
-            <a:pPr lvl="1"/>
-            <a:r>
-              <a:rPr lang="de-DE" dirty="0"/>
-              <a:t>Visual Studio Code</a:t>
-            </a:r>
-          </a:p>
-          <a:p>
-            <a:pPr lvl="1"/>
-            <a:r>
-              <a:rPr lang="de-DE" dirty="0" err="1"/>
-              <a:t>PyCharm</a:t>
-            </a:r>
-            <a:endParaRPr lang="de-DE" dirty="0"/>
-          </a:p>
-          <a:p>
-            <a:pPr lvl="1"/>
-            <a:r>
-              <a:rPr lang="de-DE" dirty="0"/>
-              <a:t>Spyder</a:t>
-            </a:r>
-          </a:p>
-          <a:p>
-            <a:pPr lvl="1"/>
-            <a:r>
-              <a:rPr lang="de-DE" dirty="0"/>
-              <a:t>(</a:t>
-            </a:r>
-            <a:r>
-              <a:rPr lang="de-DE" dirty="0" err="1"/>
-              <a:t>Jupyter</a:t>
-            </a:r>
-            <a:r>
-              <a:rPr lang="de-DE" dirty="0"/>
-              <a:t> Notebook)</a:t>
-            </a:r>
-          </a:p>
-          <a:p>
-            <a:r>
-              <a:rPr lang="de-DE" dirty="0"/>
-              <a:t>Ich nutze Notepad++</a:t>
-            </a:r>
-          </a:p>
-          <a:p>
-            <a:pPr lvl="1"/>
-            <a:r>
-              <a:rPr lang="de-DE" dirty="0"/>
-              <a:t>Zum Lernen gut</a:t>
-            </a:r>
-          </a:p>
-          <a:p>
-            <a:pPr lvl="1"/>
-            <a:r>
-              <a:rPr lang="de-DE" dirty="0"/>
-              <a:t>Für den produktiven Einsatz sollte eine richtige IDE zum Einsatz kommen</a:t>
-            </a:r>
+            <a:pPr rtl="0"/>
+            <a:fld id="{83627DD0-092D-4AD9-AAE0-0513E170352E}" type="datetime1">
+              <a:rPr lang="de-DE" smtClean="0"/>
+              <a:pPr rtl="0"/>
+              <a:t>29.10.2020</a:t>
+            </a:fld>
+            <a:endParaRPr lang="en-US" dirty="0"/>
           </a:p>
         </p:txBody>
       </p:sp>
       <p:pic>
         <p:nvPicPr>
-          <p:cNvPr id="1026" name="Picture 2">
-            <a:extLst>
-              <a:ext uri="{FF2B5EF4-FFF2-40B4-BE49-F238E27FC236}">
-                <a16:creationId xmlns:a16="http://schemas.microsoft.com/office/drawing/2014/main" id="{3E7F8A02-3DC7-448E-BB60-B050D96AC383}"/>
-              </a:ext>
-            </a:extLst>
-          </p:cNvPr>
-          <p:cNvPicPr>
-            <a:picLocks noChangeAspect="1" noChangeArrowheads="1"/>
-          </p:cNvPicPr>
-          <p:nvPr/>
-        </p:nvPicPr>
-        <p:blipFill>
-          <a:blip r:embed="rId2">
-            <a:extLst>
-              <a:ext uri="{28A0092B-C50C-407E-A947-70E740481C1C}">
-                <a14:useLocalDpi xmlns:a14="http://schemas.microsoft.com/office/drawing/2010/main" val="0"/>
-              </a:ext>
-            </a:extLst>
-          </a:blip>
-          <a:srcRect/>
-          <a:stretch>
-            <a:fillRect/>
-          </a:stretch>
-        </p:blipFill>
-        <p:spPr bwMode="auto">
-          <a:xfrm>
-            <a:off x="6256432" y="735351"/>
-            <a:ext cx="4882387" cy="2851415"/>
-          </a:xfrm>
-          <a:prstGeom prst="round2DiagRect">
-            <a:avLst>
-              <a:gd name="adj1" fmla="val 16667"/>
-              <a:gd name="adj2" fmla="val 0"/>
-            </a:avLst>
-          </a:prstGeom>
-          <a:ln w="88900" cap="sq">
-            <a:solidFill>
-              <a:srgbClr val="FFFFFF"/>
-            </a:solidFill>
-            <a:miter lim="800000"/>
-          </a:ln>
-          <a:effectLst>
-            <a:outerShdw blurRad="254000" algn="tl" rotWithShape="0">
-              <a:srgbClr val="000000">
-                <a:alpha val="43000"/>
-              </a:srgbClr>
-            </a:outerShdw>
-          </a:effectLst>
-          <a:extLst>
-            <a:ext uri="{909E8E84-426E-40DD-AFC4-6F175D3DCCD1}">
-              <a14:hiddenFill xmlns:a14="http://schemas.microsoft.com/office/drawing/2010/main">
-                <a:solidFill>
-                  <a:srgbClr val="FFFFFF"/>
-                </a:solidFill>
-              </a14:hiddenFill>
-            </a:ext>
-          </a:extLst>
-        </p:spPr>
-      </p:pic>
-      <p:pic>
-        <p:nvPicPr>
-          <p:cNvPr id="6" name="Grafik 5">
-            <a:extLst>
-              <a:ext uri="{FF2B5EF4-FFF2-40B4-BE49-F238E27FC236}">
-                <a16:creationId xmlns:a16="http://schemas.microsoft.com/office/drawing/2014/main" id="{A02D08AB-CCA4-458D-AB38-028F73E4D1CD}"/>
+          <p:cNvPr id="5" name="Grafik 4">
+            <a:extLst>
+              <a:ext uri="{FF2B5EF4-FFF2-40B4-BE49-F238E27FC236}">
+                <a16:creationId xmlns:a16="http://schemas.microsoft.com/office/drawing/2014/main" xmlns="" id="{BE597814-D204-476E-8F39-BD1DE08EB300}"/>
               </a:ext>
             </a:extLst>
           </p:cNvPr>
@@ -8198,43 +6978,1329 @@
           <p:nvPr/>
         </p:nvPicPr>
         <p:blipFill>
-          <a:blip r:embed="rId3"/>
+          <a:blip r:embed="rId3" cstate="print"/>
           <a:stretch>
             <a:fillRect/>
           </a:stretch>
         </p:blipFill>
         <p:spPr>
           <a:xfrm>
-            <a:off x="5201175" y="3878905"/>
-            <a:ext cx="4882387" cy="2764172"/>
-          </a:xfrm>
-          <a:prstGeom prst="round2DiagRect">
-            <a:avLst>
-              <a:gd name="adj1" fmla="val 16667"/>
-              <a:gd name="adj2" fmla="val 0"/>
-            </a:avLst>
+            <a:off x="6135277" y="2492892"/>
+            <a:ext cx="6056723" cy="3662952"/>
+          </a:xfrm>
+          <a:prstGeom prst="rect">
+            <a:avLst/>
           </a:prstGeom>
-          <a:ln w="88900" cap="sq">
-            <a:solidFill>
-              <a:srgbClr val="FFFFFF"/>
-            </a:solidFill>
-            <a:miter lim="800000"/>
-          </a:ln>
-          <a:effectLst>
-            <a:outerShdw blurRad="254000" algn="tl" rotWithShape="0">
-              <a:srgbClr val="000000">
-                <a:alpha val="43000"/>
-              </a:srgbClr>
-            </a:outerShdw>
-          </a:effectLst>
         </p:spPr>
       </p:pic>
+    </p:spTree>
+    <p:extLst>
+      <p:ext uri="{BB962C8B-B14F-4D97-AF65-F5344CB8AC3E}">
+        <p14:creationId xmlns:p14="http://schemas.microsoft.com/office/powerpoint/2010/main" xmlns="" val="612475951"/>
+      </p:ext>
+    </p:extLst>
+  </p:cSld>
+  <p:clrMapOvr>
+    <a:masterClrMapping/>
+  </p:clrMapOvr>
+</p:sld>
+</file>
+
+<file path=ppt/slides/slide7.xml><?xml version="1.0" encoding="utf-8"?>
+<p:sld xmlns:a="http://schemas.openxmlformats.org/drawingml/2006/main" xmlns:r="http://schemas.openxmlformats.org/officeDocument/2006/relationships" xmlns:p="http://schemas.openxmlformats.org/presentationml/2006/main">
+  <p:cSld>
+    <p:spTree>
+      <p:nvGrpSpPr>
+        <p:cNvPr id="1" name=""/>
+        <p:cNvGrpSpPr/>
+        <p:nvPr/>
+      </p:nvGrpSpPr>
+      <p:grpSpPr>
+        <a:xfrm>
+          <a:off x="0" y="0"/>
+          <a:ext cx="0" cy="0"/>
+          <a:chOff x="0" y="0"/>
+          <a:chExt cx="0" cy="0"/>
+        </a:xfrm>
+      </p:grpSpPr>
+      <p:sp>
+        <p:nvSpPr>
+          <p:cNvPr id="2" name="Titel 1">
+            <a:extLst>
+              <a:ext uri="{FF2B5EF4-FFF2-40B4-BE49-F238E27FC236}">
+                <a16:creationId xmlns:a16="http://schemas.microsoft.com/office/drawing/2014/main" xmlns="" id="{0BF4BE3F-DD1C-4F86-90CA-D1AFDB21DDC2}"/>
+              </a:ext>
+            </a:extLst>
+          </p:cNvPr>
+          <p:cNvSpPr>
+            <a:spLocks noGrp="1"/>
+          </p:cNvSpPr>
+          <p:nvPr>
+            <p:ph type="title"/>
+          </p:nvPr>
+        </p:nvSpPr>
+        <p:spPr/>
+        <p:txBody>
+          <a:bodyPr/>
+          <a:lstStyle/>
+          <a:p>
+            <a:r>
+              <a:rPr lang="de-DE" dirty="0"/>
+              <a:t>Architektur unserer Anwendung</a:t>
+            </a:r>
+          </a:p>
+        </p:txBody>
+      </p:sp>
+      <p:sp>
+        <p:nvSpPr>
+          <p:cNvPr id="4" name="Datumsplatzhalter 3">
+            <a:extLst>
+              <a:ext uri="{FF2B5EF4-FFF2-40B4-BE49-F238E27FC236}">
+                <a16:creationId xmlns:a16="http://schemas.microsoft.com/office/drawing/2014/main" xmlns="" id="{D69FCEA2-7AA5-453B-A617-5C3F8E5E93E6}"/>
+              </a:ext>
+            </a:extLst>
+          </p:cNvPr>
+          <p:cNvSpPr>
+            <a:spLocks noGrp="1"/>
+          </p:cNvSpPr>
+          <p:nvPr>
+            <p:ph type="dt" sz="half" idx="10"/>
+          </p:nvPr>
+        </p:nvSpPr>
+        <p:spPr/>
+        <p:txBody>
+          <a:bodyPr/>
+          <a:lstStyle/>
+          <a:p>
+            <a:pPr rtl="0"/>
+            <a:fld id="{83627DD0-092D-4AD9-AAE0-0513E170352E}" type="datetime1">
+              <a:rPr lang="de-DE" smtClean="0"/>
+              <a:pPr rtl="0"/>
+              <a:t>29.10.2020</a:t>
+            </a:fld>
+            <a:endParaRPr lang="en-US" dirty="0"/>
+          </a:p>
+        </p:txBody>
+      </p:sp>
+      <p:sp>
+        <p:nvSpPr>
+          <p:cNvPr id="5" name="Rechteck 4">
+            <a:extLst>
+              <a:ext uri="{FF2B5EF4-FFF2-40B4-BE49-F238E27FC236}">
+                <a16:creationId xmlns:a16="http://schemas.microsoft.com/office/drawing/2014/main" xmlns="" id="{D9DF09B9-CE08-496B-84E1-3C542D0E075D}"/>
+              </a:ext>
+            </a:extLst>
+          </p:cNvPr>
+          <p:cNvSpPr/>
+          <p:nvPr/>
+        </p:nvSpPr>
+        <p:spPr>
+          <a:xfrm>
+            <a:off x="9756396" y="2399340"/>
+            <a:ext cx="1770077" cy="520118"/>
+          </a:xfrm>
+          <a:prstGeom prst="rect">
+            <a:avLst/>
+          </a:prstGeom>
+        </p:spPr>
+        <p:style>
+          <a:lnRef idx="2">
+            <a:schemeClr val="accent1">
+              <a:shade val="50000"/>
+            </a:schemeClr>
+          </a:lnRef>
+          <a:fillRef idx="1">
+            <a:schemeClr val="accent1"/>
+          </a:fillRef>
+          <a:effectRef idx="0">
+            <a:schemeClr val="accent1"/>
+          </a:effectRef>
+          <a:fontRef idx="minor">
+            <a:schemeClr val="lt1"/>
+          </a:fontRef>
+        </p:style>
+        <p:txBody>
+          <a:bodyPr rtlCol="0" anchor="ctr"/>
+          <a:lstStyle/>
+          <a:p>
+            <a:pPr algn="ctr"/>
+            <a:r>
+              <a:rPr lang="de-DE" dirty="0" err="1"/>
+              <a:t>Intent</a:t>
+            </a:r>
+            <a:r>
+              <a:rPr lang="de-DE" dirty="0"/>
+              <a:t> Wetter</a:t>
+            </a:r>
+          </a:p>
+        </p:txBody>
+      </p:sp>
+      <p:sp>
+        <p:nvSpPr>
+          <p:cNvPr id="7" name="Rechteck 6">
+            <a:extLst>
+              <a:ext uri="{FF2B5EF4-FFF2-40B4-BE49-F238E27FC236}">
+                <a16:creationId xmlns:a16="http://schemas.microsoft.com/office/drawing/2014/main" xmlns="" id="{62235240-B391-43DE-9626-87E9515BB91D}"/>
+              </a:ext>
+            </a:extLst>
+          </p:cNvPr>
+          <p:cNvSpPr/>
+          <p:nvPr/>
+        </p:nvSpPr>
+        <p:spPr>
+          <a:xfrm>
+            <a:off x="9756393" y="3013228"/>
+            <a:ext cx="1770077" cy="520118"/>
+          </a:xfrm>
+          <a:prstGeom prst="rect">
+            <a:avLst/>
+          </a:prstGeom>
+        </p:spPr>
+        <p:style>
+          <a:lnRef idx="2">
+            <a:schemeClr val="accent1">
+              <a:shade val="50000"/>
+            </a:schemeClr>
+          </a:lnRef>
+          <a:fillRef idx="1">
+            <a:schemeClr val="accent1"/>
+          </a:fillRef>
+          <a:effectRef idx="0">
+            <a:schemeClr val="accent1"/>
+          </a:effectRef>
+          <a:fontRef idx="minor">
+            <a:schemeClr val="lt1"/>
+          </a:fontRef>
+        </p:style>
+        <p:txBody>
+          <a:bodyPr rtlCol="0" anchor="ctr"/>
+          <a:lstStyle/>
+          <a:p>
+            <a:pPr algn="ctr"/>
+            <a:r>
+              <a:rPr lang="de-DE" dirty="0" err="1"/>
+              <a:t>Intent</a:t>
+            </a:r>
+            <a:r>
+              <a:rPr lang="de-DE" dirty="0"/>
+              <a:t> Musik</a:t>
+            </a:r>
+          </a:p>
+        </p:txBody>
+      </p:sp>
+      <p:sp>
+        <p:nvSpPr>
+          <p:cNvPr id="9" name="Rechteck 8">
+            <a:extLst>
+              <a:ext uri="{FF2B5EF4-FFF2-40B4-BE49-F238E27FC236}">
+                <a16:creationId xmlns:a16="http://schemas.microsoft.com/office/drawing/2014/main" xmlns="" id="{AC536E3A-B4C1-46A1-B9BC-BE37B21CFA92}"/>
+              </a:ext>
+            </a:extLst>
+          </p:cNvPr>
+          <p:cNvSpPr/>
+          <p:nvPr/>
+        </p:nvSpPr>
+        <p:spPr>
+          <a:xfrm>
+            <a:off x="9756393" y="3626694"/>
+            <a:ext cx="1770077" cy="520118"/>
+          </a:xfrm>
+          <a:prstGeom prst="rect">
+            <a:avLst/>
+          </a:prstGeom>
+        </p:spPr>
+        <p:style>
+          <a:lnRef idx="2">
+            <a:schemeClr val="accent1">
+              <a:shade val="50000"/>
+            </a:schemeClr>
+          </a:lnRef>
+          <a:fillRef idx="1">
+            <a:schemeClr val="accent1"/>
+          </a:fillRef>
+          <a:effectRef idx="0">
+            <a:schemeClr val="accent1"/>
+          </a:effectRef>
+          <a:fontRef idx="minor">
+            <a:schemeClr val="lt1"/>
+          </a:fontRef>
+        </p:style>
+        <p:txBody>
+          <a:bodyPr rtlCol="0" anchor="ctr"/>
+          <a:lstStyle/>
+          <a:p>
+            <a:pPr algn="ctr"/>
+            <a:r>
+              <a:rPr lang="de-DE" dirty="0" err="1"/>
+              <a:t>Intent</a:t>
+            </a:r>
+            <a:r>
+              <a:rPr lang="de-DE" dirty="0"/>
+              <a:t> Wikipedia</a:t>
+            </a:r>
+          </a:p>
+        </p:txBody>
+      </p:sp>
+      <p:sp>
+        <p:nvSpPr>
+          <p:cNvPr id="11" name="Rechteck 10">
+            <a:extLst>
+              <a:ext uri="{FF2B5EF4-FFF2-40B4-BE49-F238E27FC236}">
+                <a16:creationId xmlns:a16="http://schemas.microsoft.com/office/drawing/2014/main" xmlns="" id="{DED4E9F9-A49E-42C0-BFFE-4BFED4760424}"/>
+              </a:ext>
+            </a:extLst>
+          </p:cNvPr>
+          <p:cNvSpPr/>
+          <p:nvPr/>
+        </p:nvSpPr>
+        <p:spPr>
+          <a:xfrm>
+            <a:off x="9756392" y="4240160"/>
+            <a:ext cx="1770077" cy="520118"/>
+          </a:xfrm>
+          <a:prstGeom prst="rect">
+            <a:avLst/>
+          </a:prstGeom>
+        </p:spPr>
+        <p:style>
+          <a:lnRef idx="2">
+            <a:schemeClr val="accent1">
+              <a:shade val="50000"/>
+            </a:schemeClr>
+          </a:lnRef>
+          <a:fillRef idx="1">
+            <a:schemeClr val="accent1"/>
+          </a:fillRef>
+          <a:effectRef idx="0">
+            <a:schemeClr val="accent1"/>
+          </a:effectRef>
+          <a:fontRef idx="minor">
+            <a:schemeClr val="lt1"/>
+          </a:fontRef>
+        </p:style>
+        <p:txBody>
+          <a:bodyPr rtlCol="0" anchor="ctr"/>
+          <a:lstStyle/>
+          <a:p>
+            <a:pPr algn="ctr"/>
+            <a:r>
+              <a:rPr lang="de-DE" dirty="0" err="1"/>
+              <a:t>Intent</a:t>
+            </a:r>
+            <a:r>
+              <a:rPr lang="de-DE" dirty="0"/>
+              <a:t> Tiergeräusche</a:t>
+            </a:r>
+          </a:p>
+        </p:txBody>
+      </p:sp>
+      <p:sp>
+        <p:nvSpPr>
+          <p:cNvPr id="13" name="Rechteck 12">
+            <a:extLst>
+              <a:ext uri="{FF2B5EF4-FFF2-40B4-BE49-F238E27FC236}">
+                <a16:creationId xmlns:a16="http://schemas.microsoft.com/office/drawing/2014/main" xmlns="" id="{4625B885-F9FE-4410-8E18-828318CE2AFF}"/>
+              </a:ext>
+            </a:extLst>
+          </p:cNvPr>
+          <p:cNvSpPr/>
+          <p:nvPr/>
+        </p:nvSpPr>
+        <p:spPr>
+          <a:xfrm>
+            <a:off x="9756391" y="5467092"/>
+            <a:ext cx="1770077" cy="519274"/>
+          </a:xfrm>
+          <a:prstGeom prst="rect">
+            <a:avLst/>
+          </a:prstGeom>
+        </p:spPr>
+        <p:style>
+          <a:lnRef idx="2">
+            <a:schemeClr val="accent1">
+              <a:shade val="50000"/>
+            </a:schemeClr>
+          </a:lnRef>
+          <a:fillRef idx="1">
+            <a:schemeClr val="accent1"/>
+          </a:fillRef>
+          <a:effectRef idx="0">
+            <a:schemeClr val="accent1"/>
+          </a:effectRef>
+          <a:fontRef idx="minor">
+            <a:schemeClr val="lt1"/>
+          </a:fontRef>
+        </p:style>
+        <p:txBody>
+          <a:bodyPr rtlCol="0" anchor="ctr"/>
+          <a:lstStyle/>
+          <a:p>
+            <a:pPr algn="ctr"/>
+            <a:r>
+              <a:rPr lang="de-DE" dirty="0"/>
+              <a:t>…</a:t>
+            </a:r>
+          </a:p>
+        </p:txBody>
+      </p:sp>
+      <p:sp>
+        <p:nvSpPr>
+          <p:cNvPr id="15" name="Rechteck 14">
+            <a:extLst>
+              <a:ext uri="{FF2B5EF4-FFF2-40B4-BE49-F238E27FC236}">
+                <a16:creationId xmlns:a16="http://schemas.microsoft.com/office/drawing/2014/main" xmlns="" id="{78A5796E-AC12-47F9-94E8-A2646D68493A}"/>
+              </a:ext>
+            </a:extLst>
+          </p:cNvPr>
+          <p:cNvSpPr/>
+          <p:nvPr/>
+        </p:nvSpPr>
+        <p:spPr>
+          <a:xfrm>
+            <a:off x="3263318" y="3171127"/>
+            <a:ext cx="4999838" cy="3246452"/>
+          </a:xfrm>
+          <a:prstGeom prst="rect">
+            <a:avLst/>
+          </a:prstGeom>
+        </p:spPr>
+        <p:style>
+          <a:lnRef idx="2">
+            <a:schemeClr val="accent1">
+              <a:shade val="50000"/>
+            </a:schemeClr>
+          </a:lnRef>
+          <a:fillRef idx="1">
+            <a:schemeClr val="accent1"/>
+          </a:fillRef>
+          <a:effectRef idx="0">
+            <a:schemeClr val="accent1"/>
+          </a:effectRef>
+          <a:fontRef idx="minor">
+            <a:schemeClr val="lt1"/>
+          </a:fontRef>
+        </p:style>
+        <p:txBody>
+          <a:bodyPr rtlCol="0" anchor="t"/>
+          <a:lstStyle/>
+          <a:p>
+            <a:pPr algn="ctr"/>
+            <a:r>
+              <a:rPr lang="de-DE" dirty="0"/>
+              <a:t>Sprach-Assistent</a:t>
+            </a:r>
+          </a:p>
+        </p:txBody>
+      </p:sp>
+      <p:sp>
+        <p:nvSpPr>
+          <p:cNvPr id="17" name="Rechteck 16">
+            <a:extLst>
+              <a:ext uri="{FF2B5EF4-FFF2-40B4-BE49-F238E27FC236}">
+                <a16:creationId xmlns:a16="http://schemas.microsoft.com/office/drawing/2014/main" xmlns="" id="{5A765D63-D50D-448B-9F1F-72A1F1359710}"/>
+              </a:ext>
+            </a:extLst>
+          </p:cNvPr>
+          <p:cNvSpPr/>
+          <p:nvPr/>
+        </p:nvSpPr>
+        <p:spPr>
+          <a:xfrm>
+            <a:off x="4472726" y="3680670"/>
+            <a:ext cx="1770077" cy="337657"/>
+          </a:xfrm>
+          <a:prstGeom prst="rect">
+            <a:avLst/>
+          </a:prstGeom>
+        </p:spPr>
+        <p:style>
+          <a:lnRef idx="2">
+            <a:schemeClr val="accent3">
+              <a:shade val="50000"/>
+            </a:schemeClr>
+          </a:lnRef>
+          <a:fillRef idx="1">
+            <a:schemeClr val="accent3"/>
+          </a:fillRef>
+          <a:effectRef idx="0">
+            <a:schemeClr val="accent3"/>
+          </a:effectRef>
+          <a:fontRef idx="minor">
+            <a:schemeClr val="lt1"/>
+          </a:fontRef>
+        </p:style>
+        <p:txBody>
+          <a:bodyPr rtlCol="0" anchor="ctr"/>
+          <a:lstStyle/>
+          <a:p>
+            <a:pPr algn="ctr"/>
+            <a:r>
+              <a:rPr lang="de-DE" dirty="0"/>
+              <a:t>Speech-2-Text</a:t>
+            </a:r>
+          </a:p>
+        </p:txBody>
+      </p:sp>
+      <p:sp>
+        <p:nvSpPr>
+          <p:cNvPr id="19" name="Rechteck 18">
+            <a:extLst>
+              <a:ext uri="{FF2B5EF4-FFF2-40B4-BE49-F238E27FC236}">
+                <a16:creationId xmlns:a16="http://schemas.microsoft.com/office/drawing/2014/main" xmlns="" id="{0729890F-F4C0-412F-A90D-79801EF5D8D5}"/>
+              </a:ext>
+            </a:extLst>
+          </p:cNvPr>
+          <p:cNvSpPr/>
+          <p:nvPr/>
+        </p:nvSpPr>
+        <p:spPr>
+          <a:xfrm>
+            <a:off x="4472726" y="4136305"/>
+            <a:ext cx="1770077" cy="337657"/>
+          </a:xfrm>
+          <a:prstGeom prst="rect">
+            <a:avLst/>
+          </a:prstGeom>
+        </p:spPr>
+        <p:style>
+          <a:lnRef idx="2">
+            <a:schemeClr val="accent3">
+              <a:shade val="50000"/>
+            </a:schemeClr>
+          </a:lnRef>
+          <a:fillRef idx="1">
+            <a:schemeClr val="accent3"/>
+          </a:fillRef>
+          <a:effectRef idx="0">
+            <a:schemeClr val="accent3"/>
+          </a:effectRef>
+          <a:fontRef idx="minor">
+            <a:schemeClr val="lt1"/>
+          </a:fontRef>
+        </p:style>
+        <p:txBody>
+          <a:bodyPr rtlCol="0" anchor="ctr"/>
+          <a:lstStyle/>
+          <a:p>
+            <a:pPr algn="ctr"/>
+            <a:r>
+              <a:rPr lang="de-DE" dirty="0"/>
+              <a:t>Text-2-Speech</a:t>
+            </a:r>
+          </a:p>
+        </p:txBody>
+      </p:sp>
+      <p:sp>
+        <p:nvSpPr>
+          <p:cNvPr id="21" name="Rechteck 20">
+            <a:extLst>
+              <a:ext uri="{FF2B5EF4-FFF2-40B4-BE49-F238E27FC236}">
+                <a16:creationId xmlns:a16="http://schemas.microsoft.com/office/drawing/2014/main" xmlns="" id="{D0FAC125-ADA9-4FB7-9BA6-3FF020799CB5}"/>
+              </a:ext>
+            </a:extLst>
+          </p:cNvPr>
+          <p:cNvSpPr/>
+          <p:nvPr/>
+        </p:nvSpPr>
+        <p:spPr>
+          <a:xfrm>
+            <a:off x="4472726" y="4591525"/>
+            <a:ext cx="1770077" cy="337657"/>
+          </a:xfrm>
+          <a:prstGeom prst="rect">
+            <a:avLst/>
+          </a:prstGeom>
+        </p:spPr>
+        <p:style>
+          <a:lnRef idx="2">
+            <a:schemeClr val="accent3">
+              <a:shade val="50000"/>
+            </a:schemeClr>
+          </a:lnRef>
+          <a:fillRef idx="1">
+            <a:schemeClr val="accent3"/>
+          </a:fillRef>
+          <a:effectRef idx="0">
+            <a:schemeClr val="accent3"/>
+          </a:effectRef>
+          <a:fontRef idx="minor">
+            <a:schemeClr val="lt1"/>
+          </a:fontRef>
+        </p:style>
+        <p:txBody>
+          <a:bodyPr rtlCol="0" anchor="ctr"/>
+          <a:lstStyle/>
+          <a:p>
+            <a:pPr algn="ctr"/>
+            <a:r>
+              <a:rPr lang="de-DE" dirty="0"/>
+              <a:t>Wake Words</a:t>
+            </a:r>
+          </a:p>
+        </p:txBody>
+      </p:sp>
+      <p:sp>
+        <p:nvSpPr>
+          <p:cNvPr id="23" name="Rechteck 22">
+            <a:extLst>
+              <a:ext uri="{FF2B5EF4-FFF2-40B4-BE49-F238E27FC236}">
+                <a16:creationId xmlns:a16="http://schemas.microsoft.com/office/drawing/2014/main" xmlns="" id="{7B31D499-C0F9-4FB8-AA92-4D9AC28BEF9A}"/>
+              </a:ext>
+            </a:extLst>
+          </p:cNvPr>
+          <p:cNvSpPr/>
+          <p:nvPr/>
+        </p:nvSpPr>
+        <p:spPr>
+          <a:xfrm>
+            <a:off x="4472725" y="5046745"/>
+            <a:ext cx="1770077" cy="337657"/>
+          </a:xfrm>
+          <a:prstGeom prst="rect">
+            <a:avLst/>
+          </a:prstGeom>
+        </p:spPr>
+        <p:style>
+          <a:lnRef idx="2">
+            <a:schemeClr val="accent3">
+              <a:shade val="50000"/>
+            </a:schemeClr>
+          </a:lnRef>
+          <a:fillRef idx="1">
+            <a:schemeClr val="accent3"/>
+          </a:fillRef>
+          <a:effectRef idx="0">
+            <a:schemeClr val="accent3"/>
+          </a:effectRef>
+          <a:fontRef idx="minor">
+            <a:schemeClr val="lt1"/>
+          </a:fontRef>
+        </p:style>
+        <p:txBody>
+          <a:bodyPr rtlCol="0" anchor="ctr"/>
+          <a:lstStyle/>
+          <a:p>
+            <a:pPr algn="ctr"/>
+            <a:r>
+              <a:rPr lang="de-DE" dirty="0"/>
+              <a:t>Dialog-Engine</a:t>
+            </a:r>
+          </a:p>
+        </p:txBody>
+      </p:sp>
+      <p:sp>
+        <p:nvSpPr>
+          <p:cNvPr id="25" name="Rechteck 24">
+            <a:extLst>
+              <a:ext uri="{FF2B5EF4-FFF2-40B4-BE49-F238E27FC236}">
+                <a16:creationId xmlns:a16="http://schemas.microsoft.com/office/drawing/2014/main" xmlns="" id="{15161E28-3E86-40F9-B084-08180F56366E}"/>
+              </a:ext>
+            </a:extLst>
+          </p:cNvPr>
+          <p:cNvSpPr/>
+          <p:nvPr/>
+        </p:nvSpPr>
+        <p:spPr>
+          <a:xfrm>
+            <a:off x="4472724" y="5497506"/>
+            <a:ext cx="1770077" cy="792877"/>
+          </a:xfrm>
+          <a:prstGeom prst="rect">
+            <a:avLst/>
+          </a:prstGeom>
+        </p:spPr>
+        <p:style>
+          <a:lnRef idx="2">
+            <a:schemeClr val="accent3">
+              <a:shade val="50000"/>
+            </a:schemeClr>
+          </a:lnRef>
+          <a:fillRef idx="1">
+            <a:schemeClr val="accent3"/>
+          </a:fillRef>
+          <a:effectRef idx="0">
+            <a:schemeClr val="accent3"/>
+          </a:effectRef>
+          <a:fontRef idx="minor">
+            <a:schemeClr val="lt1"/>
+          </a:fontRef>
+        </p:style>
+        <p:txBody>
+          <a:bodyPr rtlCol="0" anchor="ctr"/>
+          <a:lstStyle/>
+          <a:p>
+            <a:pPr algn="ctr"/>
+            <a:r>
+              <a:rPr lang="de-DE" dirty="0"/>
+              <a:t>User Management</a:t>
+            </a:r>
+          </a:p>
+        </p:txBody>
+      </p:sp>
+      <p:sp>
+        <p:nvSpPr>
+          <p:cNvPr id="27" name="Rechteck 26">
+            <a:extLst>
+              <a:ext uri="{FF2B5EF4-FFF2-40B4-BE49-F238E27FC236}">
+                <a16:creationId xmlns:a16="http://schemas.microsoft.com/office/drawing/2014/main" xmlns="" id="{56ED5084-0F98-41EC-85BA-20C7E873E00B}"/>
+              </a:ext>
+            </a:extLst>
+          </p:cNvPr>
+          <p:cNvSpPr/>
+          <p:nvPr/>
+        </p:nvSpPr>
+        <p:spPr>
+          <a:xfrm>
+            <a:off x="6337876" y="3680670"/>
+            <a:ext cx="1770077" cy="793292"/>
+          </a:xfrm>
+          <a:prstGeom prst="rect">
+            <a:avLst/>
+          </a:prstGeom>
+        </p:spPr>
+        <p:style>
+          <a:lnRef idx="2">
+            <a:schemeClr val="accent3">
+              <a:shade val="50000"/>
+            </a:schemeClr>
+          </a:lnRef>
+          <a:fillRef idx="1">
+            <a:schemeClr val="accent3"/>
+          </a:fillRef>
+          <a:effectRef idx="0">
+            <a:schemeClr val="accent3"/>
+          </a:effectRef>
+          <a:fontRef idx="minor">
+            <a:schemeClr val="lt1"/>
+          </a:fontRef>
+        </p:style>
+        <p:txBody>
+          <a:bodyPr rtlCol="0" anchor="ctr"/>
+          <a:lstStyle/>
+          <a:p>
+            <a:pPr algn="ctr"/>
+            <a:r>
+              <a:rPr lang="de-DE" dirty="0" err="1"/>
+              <a:t>Configuration</a:t>
+            </a:r>
+            <a:r>
+              <a:rPr lang="de-DE" dirty="0"/>
+              <a:t/>
+            </a:r>
+            <a:br>
+              <a:rPr lang="de-DE" dirty="0"/>
+            </a:br>
+            <a:r>
+              <a:rPr lang="de-DE" dirty="0"/>
+              <a:t>Management</a:t>
+            </a:r>
+          </a:p>
+        </p:txBody>
+      </p:sp>
+      <p:sp>
+        <p:nvSpPr>
+          <p:cNvPr id="29" name="Rechteck 28">
+            <a:extLst>
+              <a:ext uri="{FF2B5EF4-FFF2-40B4-BE49-F238E27FC236}">
+                <a16:creationId xmlns:a16="http://schemas.microsoft.com/office/drawing/2014/main" xmlns="" id="{C48810CF-5B73-4943-B91C-FEDF1BF311D2}"/>
+              </a:ext>
+            </a:extLst>
+          </p:cNvPr>
+          <p:cNvSpPr/>
+          <p:nvPr/>
+        </p:nvSpPr>
+        <p:spPr>
+          <a:xfrm>
+            <a:off x="9756392" y="1785874"/>
+            <a:ext cx="1770077" cy="520118"/>
+          </a:xfrm>
+          <a:prstGeom prst="rect">
+            <a:avLst/>
+          </a:prstGeom>
+        </p:spPr>
+        <p:style>
+          <a:lnRef idx="2">
+            <a:schemeClr val="accent1">
+              <a:shade val="50000"/>
+            </a:schemeClr>
+          </a:lnRef>
+          <a:fillRef idx="1">
+            <a:schemeClr val="accent1"/>
+          </a:fillRef>
+          <a:effectRef idx="0">
+            <a:schemeClr val="accent1"/>
+          </a:effectRef>
+          <a:fontRef idx="minor">
+            <a:schemeClr val="lt1"/>
+          </a:fontRef>
+        </p:style>
+        <p:txBody>
+          <a:bodyPr rtlCol="0" anchor="ctr"/>
+          <a:lstStyle/>
+          <a:p>
+            <a:pPr algn="ctr"/>
+            <a:r>
+              <a:rPr lang="de-DE" dirty="0" err="1"/>
+              <a:t>Intent</a:t>
+            </a:r>
+            <a:r>
+              <a:rPr lang="de-DE" dirty="0"/>
+              <a:t> Kalender</a:t>
+            </a:r>
+          </a:p>
+        </p:txBody>
+      </p:sp>
+      <p:sp>
+        <p:nvSpPr>
+          <p:cNvPr id="31" name="Rechteck 30">
+            <a:extLst>
+              <a:ext uri="{FF2B5EF4-FFF2-40B4-BE49-F238E27FC236}">
+                <a16:creationId xmlns:a16="http://schemas.microsoft.com/office/drawing/2014/main" xmlns="" id="{D9B7CDB9-B935-4D6B-9DB7-9DDC2B4C47BD}"/>
+              </a:ext>
+            </a:extLst>
+          </p:cNvPr>
+          <p:cNvSpPr/>
+          <p:nvPr/>
+        </p:nvSpPr>
+        <p:spPr>
+          <a:xfrm>
+            <a:off x="6339272" y="4591525"/>
+            <a:ext cx="1770077" cy="792877"/>
+          </a:xfrm>
+          <a:prstGeom prst="rect">
+            <a:avLst/>
+          </a:prstGeom>
+        </p:spPr>
+        <p:style>
+          <a:lnRef idx="2">
+            <a:schemeClr val="accent3">
+              <a:shade val="50000"/>
+            </a:schemeClr>
+          </a:lnRef>
+          <a:fillRef idx="1">
+            <a:schemeClr val="accent3"/>
+          </a:fillRef>
+          <a:effectRef idx="0">
+            <a:schemeClr val="accent3"/>
+          </a:effectRef>
+          <a:fontRef idx="minor">
+            <a:schemeClr val="lt1"/>
+          </a:fontRef>
+        </p:style>
+        <p:txBody>
+          <a:bodyPr rtlCol="0" anchor="ctr"/>
+          <a:lstStyle/>
+          <a:p>
+            <a:pPr algn="ctr"/>
+            <a:r>
+              <a:rPr lang="de-DE" dirty="0"/>
+              <a:t>Speaker </a:t>
+            </a:r>
+            <a:r>
+              <a:rPr lang="de-DE" dirty="0" err="1"/>
+              <a:t>Identification</a:t>
+            </a:r>
+            <a:endParaRPr lang="de-DE" dirty="0"/>
+          </a:p>
+        </p:txBody>
+      </p:sp>
+      <p:sp>
+        <p:nvSpPr>
+          <p:cNvPr id="33" name="Rechteck 32">
+            <a:extLst>
+              <a:ext uri="{FF2B5EF4-FFF2-40B4-BE49-F238E27FC236}">
+                <a16:creationId xmlns:a16="http://schemas.microsoft.com/office/drawing/2014/main" xmlns="" id="{1C820B5C-313D-4788-BC7F-1CB19BFA4437}"/>
+              </a:ext>
+            </a:extLst>
+          </p:cNvPr>
+          <p:cNvSpPr/>
+          <p:nvPr/>
+        </p:nvSpPr>
+        <p:spPr>
+          <a:xfrm>
+            <a:off x="9756390" y="4853204"/>
+            <a:ext cx="1770077" cy="520118"/>
+          </a:xfrm>
+          <a:prstGeom prst="rect">
+            <a:avLst/>
+          </a:prstGeom>
+        </p:spPr>
+        <p:style>
+          <a:lnRef idx="2">
+            <a:schemeClr val="accent1">
+              <a:shade val="50000"/>
+            </a:schemeClr>
+          </a:lnRef>
+          <a:fillRef idx="1">
+            <a:schemeClr val="accent1"/>
+          </a:fillRef>
+          <a:effectRef idx="0">
+            <a:schemeClr val="accent1"/>
+          </a:effectRef>
+          <a:fontRef idx="minor">
+            <a:schemeClr val="lt1"/>
+          </a:fontRef>
+        </p:style>
+        <p:txBody>
+          <a:bodyPr rtlCol="0" anchor="ctr"/>
+          <a:lstStyle/>
+          <a:p>
+            <a:pPr algn="ctr"/>
+            <a:r>
+              <a:rPr lang="de-DE" dirty="0" err="1"/>
+              <a:t>Intent</a:t>
+            </a:r>
+            <a:r>
+              <a:rPr lang="de-DE" dirty="0"/>
+              <a:t/>
+            </a:r>
+            <a:br>
+              <a:rPr lang="de-DE" dirty="0"/>
+            </a:br>
+            <a:r>
+              <a:rPr lang="de-DE" dirty="0"/>
+              <a:t>Smalltalk</a:t>
+            </a:r>
+          </a:p>
+        </p:txBody>
+      </p:sp>
+      <p:sp>
+        <p:nvSpPr>
+          <p:cNvPr id="35" name="Rechteck 34">
+            <a:extLst>
+              <a:ext uri="{FF2B5EF4-FFF2-40B4-BE49-F238E27FC236}">
+                <a16:creationId xmlns:a16="http://schemas.microsoft.com/office/drawing/2014/main" xmlns="" id="{EC4E45D3-3BFF-4310-BDA9-2C6BCC21C944}"/>
+              </a:ext>
+            </a:extLst>
+          </p:cNvPr>
+          <p:cNvSpPr/>
+          <p:nvPr/>
+        </p:nvSpPr>
+        <p:spPr>
+          <a:xfrm>
+            <a:off x="6354656" y="5504552"/>
+            <a:ext cx="1770077" cy="792877"/>
+          </a:xfrm>
+          <a:prstGeom prst="rect">
+            <a:avLst/>
+          </a:prstGeom>
+        </p:spPr>
+        <p:style>
+          <a:lnRef idx="2">
+            <a:schemeClr val="accent3">
+              <a:shade val="50000"/>
+            </a:schemeClr>
+          </a:lnRef>
+          <a:fillRef idx="1">
+            <a:schemeClr val="accent3"/>
+          </a:fillRef>
+          <a:effectRef idx="0">
+            <a:schemeClr val="accent3"/>
+          </a:effectRef>
+          <a:fontRef idx="minor">
+            <a:schemeClr val="lt1"/>
+          </a:fontRef>
+        </p:style>
+        <p:txBody>
+          <a:bodyPr rtlCol="0" anchor="ctr"/>
+          <a:lstStyle/>
+          <a:p>
+            <a:pPr algn="ctr"/>
+            <a:r>
+              <a:rPr lang="de-DE" dirty="0" err="1"/>
+              <a:t>Intent</a:t>
+            </a:r>
+            <a:r>
+              <a:rPr lang="de-DE" dirty="0"/>
+              <a:t> Processing</a:t>
+            </a:r>
+          </a:p>
+        </p:txBody>
+      </p:sp>
+      <p:cxnSp>
+        <p:nvCxnSpPr>
+          <p:cNvPr id="37" name="Gerader Verbinder 36">
+            <a:extLst>
+              <a:ext uri="{FF2B5EF4-FFF2-40B4-BE49-F238E27FC236}">
+                <a16:creationId xmlns:a16="http://schemas.microsoft.com/office/drawing/2014/main" xmlns="" id="{96F7A753-FF41-489C-99D7-1348CDC14BD8}"/>
+              </a:ext>
+            </a:extLst>
+          </p:cNvPr>
+          <p:cNvCxnSpPr>
+            <a:stCxn id="35" idx="3"/>
+            <a:endCxn id="29" idx="1"/>
+          </p:cNvCxnSpPr>
+          <p:nvPr/>
+        </p:nvCxnSpPr>
+        <p:spPr>
+          <a:xfrm flipV="1">
+            <a:off x="8124733" y="2045933"/>
+            <a:ext cx="1631659" cy="3855058"/>
+          </a:xfrm>
+          <a:prstGeom prst="line">
+            <a:avLst/>
+          </a:prstGeom>
+        </p:spPr>
+        <p:style>
+          <a:lnRef idx="3">
+            <a:schemeClr val="accent5"/>
+          </a:lnRef>
+          <a:fillRef idx="0">
+            <a:schemeClr val="accent5"/>
+          </a:fillRef>
+          <a:effectRef idx="2">
+            <a:schemeClr val="accent5"/>
+          </a:effectRef>
+          <a:fontRef idx="minor">
+            <a:schemeClr val="tx1"/>
+          </a:fontRef>
+        </p:style>
+      </p:cxnSp>
+      <p:cxnSp>
+        <p:nvCxnSpPr>
+          <p:cNvPr id="38" name="Gerader Verbinder 37">
+            <a:extLst>
+              <a:ext uri="{FF2B5EF4-FFF2-40B4-BE49-F238E27FC236}">
+                <a16:creationId xmlns:a16="http://schemas.microsoft.com/office/drawing/2014/main" xmlns="" id="{85E1205A-F9D4-4B91-B0E2-EEB00652A17C}"/>
+              </a:ext>
+            </a:extLst>
+          </p:cNvPr>
+          <p:cNvCxnSpPr>
+            <a:cxnSpLocks/>
+            <a:stCxn id="35" idx="3"/>
+            <a:endCxn id="5" idx="1"/>
+          </p:cNvCxnSpPr>
+          <p:nvPr/>
+        </p:nvCxnSpPr>
+        <p:spPr>
+          <a:xfrm flipV="1">
+            <a:off x="8124733" y="2659399"/>
+            <a:ext cx="1631663" cy="3241592"/>
+          </a:xfrm>
+          <a:prstGeom prst="line">
+            <a:avLst/>
+          </a:prstGeom>
+        </p:spPr>
+        <p:style>
+          <a:lnRef idx="3">
+            <a:schemeClr val="accent5"/>
+          </a:lnRef>
+          <a:fillRef idx="0">
+            <a:schemeClr val="accent5"/>
+          </a:fillRef>
+          <a:effectRef idx="2">
+            <a:schemeClr val="accent5"/>
+          </a:effectRef>
+          <a:fontRef idx="minor">
+            <a:schemeClr val="tx1"/>
+          </a:fontRef>
+        </p:style>
+      </p:cxnSp>
+      <p:cxnSp>
+        <p:nvCxnSpPr>
+          <p:cNvPr id="41" name="Gerader Verbinder 40">
+            <a:extLst>
+              <a:ext uri="{FF2B5EF4-FFF2-40B4-BE49-F238E27FC236}">
+                <a16:creationId xmlns:a16="http://schemas.microsoft.com/office/drawing/2014/main" xmlns="" id="{F224AE57-3E3E-4D7A-867B-35B010954FB6}"/>
+              </a:ext>
+            </a:extLst>
+          </p:cNvPr>
+          <p:cNvCxnSpPr>
+            <a:cxnSpLocks/>
+            <a:stCxn id="35" idx="3"/>
+            <a:endCxn id="7" idx="1"/>
+          </p:cNvCxnSpPr>
+          <p:nvPr/>
+        </p:nvCxnSpPr>
+        <p:spPr>
+          <a:xfrm flipV="1">
+            <a:off x="8124733" y="3273287"/>
+            <a:ext cx="1631660" cy="2627704"/>
+          </a:xfrm>
+          <a:prstGeom prst="line">
+            <a:avLst/>
+          </a:prstGeom>
+        </p:spPr>
+        <p:style>
+          <a:lnRef idx="3">
+            <a:schemeClr val="accent5"/>
+          </a:lnRef>
+          <a:fillRef idx="0">
+            <a:schemeClr val="accent5"/>
+          </a:fillRef>
+          <a:effectRef idx="2">
+            <a:schemeClr val="accent5"/>
+          </a:effectRef>
+          <a:fontRef idx="minor">
+            <a:schemeClr val="tx1"/>
+          </a:fontRef>
+        </p:style>
+      </p:cxnSp>
+      <p:cxnSp>
+        <p:nvCxnSpPr>
+          <p:cNvPr id="44" name="Gerader Verbinder 43">
+            <a:extLst>
+              <a:ext uri="{FF2B5EF4-FFF2-40B4-BE49-F238E27FC236}">
+                <a16:creationId xmlns:a16="http://schemas.microsoft.com/office/drawing/2014/main" xmlns="" id="{F66C0B25-8F45-4DE7-9697-BAC3E525C4A2}"/>
+              </a:ext>
+            </a:extLst>
+          </p:cNvPr>
+          <p:cNvCxnSpPr>
+            <a:cxnSpLocks/>
+            <a:stCxn id="35" idx="3"/>
+            <a:endCxn id="9" idx="1"/>
+          </p:cNvCxnSpPr>
+          <p:nvPr/>
+        </p:nvCxnSpPr>
+        <p:spPr>
+          <a:xfrm flipV="1">
+            <a:off x="8124733" y="3886753"/>
+            <a:ext cx="1631660" cy="2014238"/>
+          </a:xfrm>
+          <a:prstGeom prst="line">
+            <a:avLst/>
+          </a:prstGeom>
+        </p:spPr>
+        <p:style>
+          <a:lnRef idx="3">
+            <a:schemeClr val="accent5"/>
+          </a:lnRef>
+          <a:fillRef idx="0">
+            <a:schemeClr val="accent5"/>
+          </a:fillRef>
+          <a:effectRef idx="2">
+            <a:schemeClr val="accent5"/>
+          </a:effectRef>
+          <a:fontRef idx="minor">
+            <a:schemeClr val="tx1"/>
+          </a:fontRef>
+        </p:style>
+      </p:cxnSp>
+      <p:cxnSp>
+        <p:nvCxnSpPr>
+          <p:cNvPr id="47" name="Gerader Verbinder 46">
+            <a:extLst>
+              <a:ext uri="{FF2B5EF4-FFF2-40B4-BE49-F238E27FC236}">
+                <a16:creationId xmlns:a16="http://schemas.microsoft.com/office/drawing/2014/main" xmlns="" id="{C65CC0D0-CB01-4DC1-BEF8-2ABD3052C16F}"/>
+              </a:ext>
+            </a:extLst>
+          </p:cNvPr>
+          <p:cNvCxnSpPr>
+            <a:cxnSpLocks/>
+            <a:stCxn id="35" idx="3"/>
+            <a:endCxn id="11" idx="1"/>
+          </p:cNvCxnSpPr>
+          <p:nvPr/>
+        </p:nvCxnSpPr>
+        <p:spPr>
+          <a:xfrm flipV="1">
+            <a:off x="8124733" y="4500219"/>
+            <a:ext cx="1631659" cy="1400772"/>
+          </a:xfrm>
+          <a:prstGeom prst="line">
+            <a:avLst/>
+          </a:prstGeom>
+        </p:spPr>
+        <p:style>
+          <a:lnRef idx="3">
+            <a:schemeClr val="accent5"/>
+          </a:lnRef>
+          <a:fillRef idx="0">
+            <a:schemeClr val="accent5"/>
+          </a:fillRef>
+          <a:effectRef idx="2">
+            <a:schemeClr val="accent5"/>
+          </a:effectRef>
+          <a:fontRef idx="minor">
+            <a:schemeClr val="tx1"/>
+          </a:fontRef>
+        </p:style>
+      </p:cxnSp>
+      <p:cxnSp>
+        <p:nvCxnSpPr>
+          <p:cNvPr id="50" name="Gerader Verbinder 49">
+            <a:extLst>
+              <a:ext uri="{FF2B5EF4-FFF2-40B4-BE49-F238E27FC236}">
+                <a16:creationId xmlns:a16="http://schemas.microsoft.com/office/drawing/2014/main" xmlns="" id="{9387A510-D1B2-4E75-8480-3395F0EF5A65}"/>
+              </a:ext>
+            </a:extLst>
+          </p:cNvPr>
+          <p:cNvCxnSpPr>
+            <a:cxnSpLocks/>
+            <a:stCxn id="35" idx="3"/>
+            <a:endCxn id="33" idx="1"/>
+          </p:cNvCxnSpPr>
+          <p:nvPr/>
+        </p:nvCxnSpPr>
+        <p:spPr>
+          <a:xfrm flipV="1">
+            <a:off x="8124733" y="5113263"/>
+            <a:ext cx="1631657" cy="787728"/>
+          </a:xfrm>
+          <a:prstGeom prst="line">
+            <a:avLst/>
+          </a:prstGeom>
+        </p:spPr>
+        <p:style>
+          <a:lnRef idx="3">
+            <a:schemeClr val="accent5"/>
+          </a:lnRef>
+          <a:fillRef idx="0">
+            <a:schemeClr val="accent5"/>
+          </a:fillRef>
+          <a:effectRef idx="2">
+            <a:schemeClr val="accent5"/>
+          </a:effectRef>
+          <a:fontRef idx="minor">
+            <a:schemeClr val="tx1"/>
+          </a:fontRef>
+        </p:style>
+      </p:cxnSp>
+      <p:cxnSp>
+        <p:nvCxnSpPr>
+          <p:cNvPr id="53" name="Gerader Verbinder 52">
+            <a:extLst>
+              <a:ext uri="{FF2B5EF4-FFF2-40B4-BE49-F238E27FC236}">
+                <a16:creationId xmlns:a16="http://schemas.microsoft.com/office/drawing/2014/main" xmlns="" id="{9AECE8A0-FADB-4F78-A50C-618016F207AB}"/>
+              </a:ext>
+            </a:extLst>
+          </p:cNvPr>
+          <p:cNvCxnSpPr>
+            <a:cxnSpLocks/>
+            <a:stCxn id="35" idx="3"/>
+            <a:endCxn id="13" idx="1"/>
+          </p:cNvCxnSpPr>
+          <p:nvPr/>
+        </p:nvCxnSpPr>
+        <p:spPr>
+          <a:xfrm flipV="1">
+            <a:off x="8124733" y="5726729"/>
+            <a:ext cx="1631658" cy="174262"/>
+          </a:xfrm>
+          <a:prstGeom prst="line">
+            <a:avLst/>
+          </a:prstGeom>
+          <a:ln/>
+        </p:spPr>
+        <p:style>
+          <a:lnRef idx="3">
+            <a:schemeClr val="accent5"/>
+          </a:lnRef>
+          <a:fillRef idx="0">
+            <a:schemeClr val="accent5"/>
+          </a:fillRef>
+          <a:effectRef idx="2">
+            <a:schemeClr val="accent5"/>
+          </a:effectRef>
+          <a:fontRef idx="minor">
+            <a:schemeClr val="tx1"/>
+          </a:fontRef>
+        </p:style>
+      </p:cxnSp>
+      <p:sp>
+        <p:nvSpPr>
+          <p:cNvPr id="57" name="Rechteck 56">
+            <a:extLst>
+              <a:ext uri="{FF2B5EF4-FFF2-40B4-BE49-F238E27FC236}">
+                <a16:creationId xmlns:a16="http://schemas.microsoft.com/office/drawing/2014/main" xmlns="" id="{1E3C4C50-14F4-4151-A545-2D2EC95B50D2}"/>
+              </a:ext>
+            </a:extLst>
+          </p:cNvPr>
+          <p:cNvSpPr/>
+          <p:nvPr/>
+        </p:nvSpPr>
+        <p:spPr>
+          <a:xfrm rot="16200000">
+            <a:off x="3317725" y="5231852"/>
+            <a:ext cx="1345277" cy="771784"/>
+          </a:xfrm>
+          <a:prstGeom prst="rect">
+            <a:avLst/>
+          </a:prstGeom>
+        </p:spPr>
+        <p:style>
+          <a:lnRef idx="2">
+            <a:schemeClr val="accent5">
+              <a:shade val="50000"/>
+            </a:schemeClr>
+          </a:lnRef>
+          <a:fillRef idx="1">
+            <a:schemeClr val="accent5"/>
+          </a:fillRef>
+          <a:effectRef idx="0">
+            <a:schemeClr val="accent5"/>
+          </a:effectRef>
+          <a:fontRef idx="minor">
+            <a:schemeClr val="lt1"/>
+          </a:fontRef>
+        </p:style>
+        <p:txBody>
+          <a:bodyPr rtlCol="0" anchor="ctr"/>
+          <a:lstStyle/>
+          <a:p>
+            <a:pPr algn="ctr"/>
+            <a:r>
+              <a:rPr lang="de-DE" dirty="0"/>
+              <a:t>Audio-eingabe</a:t>
+            </a:r>
+          </a:p>
+        </p:txBody>
+      </p:sp>
+      <p:sp>
+        <p:nvSpPr>
+          <p:cNvPr id="59" name="Rechteck 58">
+            <a:extLst>
+              <a:ext uri="{FF2B5EF4-FFF2-40B4-BE49-F238E27FC236}">
+                <a16:creationId xmlns:a16="http://schemas.microsoft.com/office/drawing/2014/main" xmlns="" id="{BC33A8A1-EFD9-45C5-BB9E-F4231804E984}"/>
+              </a:ext>
+            </a:extLst>
+          </p:cNvPr>
+          <p:cNvSpPr/>
+          <p:nvPr/>
+        </p:nvSpPr>
+        <p:spPr>
+          <a:xfrm rot="16200000">
+            <a:off x="3399251" y="3880219"/>
+            <a:ext cx="1182228" cy="771787"/>
+          </a:xfrm>
+          <a:prstGeom prst="rect">
+            <a:avLst/>
+          </a:prstGeom>
+        </p:spPr>
+        <p:style>
+          <a:lnRef idx="2">
+            <a:schemeClr val="accent6">
+              <a:shade val="50000"/>
+            </a:schemeClr>
+          </a:lnRef>
+          <a:fillRef idx="1">
+            <a:schemeClr val="accent6"/>
+          </a:fillRef>
+          <a:effectRef idx="0">
+            <a:schemeClr val="accent6"/>
+          </a:effectRef>
+          <a:fontRef idx="minor">
+            <a:schemeClr val="lt1"/>
+          </a:fontRef>
+        </p:style>
+        <p:txBody>
+          <a:bodyPr rtlCol="0" anchor="ctr"/>
+          <a:lstStyle/>
+          <a:p>
+            <a:pPr algn="ctr"/>
+            <a:r>
+              <a:rPr lang="de-DE" dirty="0"/>
+              <a:t>Audio-ausgabe</a:t>
+            </a:r>
+          </a:p>
+        </p:txBody>
+      </p:sp>
       <p:pic>
         <p:nvPicPr>
-          <p:cNvPr id="5" name="Grafik 4">
-            <a:extLst>
-              <a:ext uri="{FF2B5EF4-FFF2-40B4-BE49-F238E27FC236}">
-                <a16:creationId xmlns:a16="http://schemas.microsoft.com/office/drawing/2014/main" id="{96A99E0A-A013-4EB6-951C-B48F0B10F355}"/>
+          <p:cNvPr id="62" name="Grafik 61">
+            <a:extLst>
+              <a:ext uri="{FF2B5EF4-FFF2-40B4-BE49-F238E27FC236}">
+                <a16:creationId xmlns:a16="http://schemas.microsoft.com/office/drawing/2014/main" xmlns="" id="{B384DBF0-0427-45C6-9F50-3C296E53F970}"/>
               </a:ext>
             </a:extLst>
           </p:cNvPr>
@@ -8244,41 +8310,169 @@
           <p:nvPr/>
         </p:nvPicPr>
         <p:blipFill>
-          <a:blip r:embed="rId4"/>
+          <a:blip r:embed="rId2" cstate="print">
+            <a:extLst>
+              <a:ext uri="{28A0092B-C50C-407E-A947-70E740481C1C}">
+                <a14:useLocalDpi xmlns:a14="http://schemas.microsoft.com/office/drawing/2010/main" xmlns="" val="0"/>
+              </a:ext>
+            </a:extLst>
+          </a:blip>
           <a:stretch>
             <a:fillRect/>
           </a:stretch>
         </p:blipFill>
         <p:spPr>
           <a:xfrm>
-            <a:off x="8625947" y="2431240"/>
-            <a:ext cx="3344520" cy="2583197"/>
-          </a:xfrm>
-          <a:prstGeom prst="round2DiagRect">
+            <a:off x="372366" y="2950484"/>
+            <a:ext cx="2250597" cy="2250597"/>
+          </a:xfrm>
+          <a:prstGeom prst="rect">
+            <a:avLst/>
+          </a:prstGeom>
+        </p:spPr>
+      </p:pic>
+      <p:sp>
+        <p:nvSpPr>
+          <p:cNvPr id="63" name="Flussdiagramm: Magnetplattenspeicher 62">
+            <a:extLst>
+              <a:ext uri="{FF2B5EF4-FFF2-40B4-BE49-F238E27FC236}">
+                <a16:creationId xmlns:a16="http://schemas.microsoft.com/office/drawing/2014/main" xmlns="" id="{BBF63040-2F21-4DE0-8ABA-23FBF6250F4A}"/>
+              </a:ext>
+            </a:extLst>
+          </p:cNvPr>
+          <p:cNvSpPr/>
+          <p:nvPr/>
+        </p:nvSpPr>
+        <p:spPr>
+          <a:xfrm>
+            <a:off x="378198" y="5652665"/>
+            <a:ext cx="1709962" cy="667401"/>
+          </a:xfrm>
+          <a:prstGeom prst="flowChartMagneticDisk">
+            <a:avLst/>
+          </a:prstGeom>
+        </p:spPr>
+        <p:style>
+          <a:lnRef idx="2">
+            <a:schemeClr val="accent1">
+              <a:shade val="50000"/>
+            </a:schemeClr>
+          </a:lnRef>
+          <a:fillRef idx="1">
+            <a:schemeClr val="accent1"/>
+          </a:fillRef>
+          <a:effectRef idx="0">
+            <a:schemeClr val="accent1"/>
+          </a:effectRef>
+          <a:fontRef idx="minor">
+            <a:schemeClr val="lt1"/>
+          </a:fontRef>
+        </p:style>
+        <p:txBody>
+          <a:bodyPr rtlCol="0" anchor="ctr"/>
+          <a:lstStyle/>
+          <a:p>
+            <a:pPr algn="ctr"/>
+            <a:r>
+              <a:rPr lang="de-DE" dirty="0"/>
+              <a:t>User DB</a:t>
+            </a:r>
+          </a:p>
+        </p:txBody>
+      </p:sp>
+      <p:sp>
+        <p:nvSpPr>
+          <p:cNvPr id="68" name="Textfeld 67">
+            <a:extLst>
+              <a:ext uri="{FF2B5EF4-FFF2-40B4-BE49-F238E27FC236}">
+                <a16:creationId xmlns:a16="http://schemas.microsoft.com/office/drawing/2014/main" xmlns="" id="{6A7F3DBA-1D9A-4A0B-B09B-47479C8F9B1C}"/>
+              </a:ext>
+            </a:extLst>
+          </p:cNvPr>
+          <p:cNvSpPr txBox="1"/>
+          <p:nvPr/>
+        </p:nvSpPr>
+        <p:spPr>
+          <a:xfrm>
+            <a:off x="581192" y="2045933"/>
+            <a:ext cx="7681964" cy="923330"/>
+          </a:xfrm>
+          <a:prstGeom prst="rect">
+            <a:avLst/>
+          </a:prstGeom>
+          <a:noFill/>
+        </p:spPr>
+        <p:txBody>
+          <a:bodyPr wrap="square" rtlCol="0">
+            <a:spAutoFit/>
+          </a:bodyPr>
+          <a:lstStyle/>
+          <a:p>
+            <a:r>
+              <a:rPr lang="de-DE" dirty="0"/>
+              <a:t>Die Hauptanwendung ist starr und beinhaltet die Grundliegende Logik. Die </a:t>
+            </a:r>
+            <a:r>
+              <a:rPr lang="de-DE" dirty="0" err="1"/>
+              <a:t>Intents</a:t>
+            </a:r>
+            <a:r>
+              <a:rPr lang="de-DE" dirty="0"/>
+              <a:t> rechts führen die gewünschten Aktionen des Benutzers aus und sind erweiterbar. </a:t>
+            </a:r>
+          </a:p>
+        </p:txBody>
+      </p:sp>
+      <p:cxnSp>
+        <p:nvCxnSpPr>
+          <p:cNvPr id="76" name="Verbinder: gewinkelt 75">
+            <a:extLst>
+              <a:ext uri="{FF2B5EF4-FFF2-40B4-BE49-F238E27FC236}">
+                <a16:creationId xmlns:a16="http://schemas.microsoft.com/office/drawing/2014/main" xmlns="" id="{A390816B-7CD0-4F86-A78F-2E6A8688074D}"/>
+              </a:ext>
+            </a:extLst>
+          </p:cNvPr>
+          <p:cNvCxnSpPr>
+            <a:cxnSpLocks/>
+            <a:stCxn id="63" idx="3"/>
+            <a:endCxn id="25" idx="2"/>
+          </p:cNvCxnSpPr>
+          <p:nvPr/>
+        </p:nvCxnSpPr>
+        <p:spPr>
+          <a:xfrm rot="5400000" flipH="1" flipV="1">
+            <a:off x="3280629" y="4242933"/>
+            <a:ext cx="29683" cy="4124584"/>
+          </a:xfrm>
+          <a:prstGeom prst="bentConnector3">
             <a:avLst>
-              <a:gd name="adj1" fmla="val 16667"/>
-              <a:gd name="adj2" fmla="val 0"/>
+              <a:gd name="adj1" fmla="val -770138"/>
             </a:avLst>
           </a:prstGeom>
-          <a:ln w="88900" cap="sq">
-            <a:solidFill>
-              <a:srgbClr val="FFFFFF"/>
-            </a:solidFill>
-            <a:miter lim="800000"/>
+          <a:ln>
+            <a:headEnd type="triangle"/>
+            <a:tailEnd type="triangle"/>
           </a:ln>
-          <a:effectLst>
-            <a:outerShdw blurRad="254000" algn="tl" rotWithShape="0">
-              <a:srgbClr val="000000">
-                <a:alpha val="43000"/>
-              </a:srgbClr>
-            </a:outerShdw>
-          </a:effectLst>
-        </p:spPr>
-      </p:pic>
+        </p:spPr>
+        <p:style>
+          <a:lnRef idx="1">
+            <a:schemeClr val="accent1"/>
+          </a:lnRef>
+          <a:fillRef idx="0">
+            <a:schemeClr val="accent1"/>
+          </a:fillRef>
+          <a:effectRef idx="0">
+            <a:schemeClr val="accent1"/>
+          </a:effectRef>
+          <a:fontRef idx="minor">
+            <a:schemeClr val="tx1"/>
+          </a:fontRef>
+        </p:style>
+      </p:cxnSp>
     </p:spTree>
     <p:extLst>
       <p:ext uri="{BB962C8B-B14F-4D97-AF65-F5344CB8AC3E}">
-        <p14:creationId xmlns:p14="http://schemas.microsoft.com/office/powerpoint/2010/main" val="3798023538"/>
+        <p14:creationId xmlns:p14="http://schemas.microsoft.com/office/powerpoint/2010/main" xmlns="" val="3504251259"/>
       </p:ext>
     </p:extLst>
   </p:cSld>
@@ -8331,7 +8525,7 @@
     </a:clrScheme>
     <a:fontScheme name="Dividend">
       <a:majorFont>
-        <a:latin typeface="Franklin Gothic Demi" panose="020B0502020104020203"/>
+        <a:latin typeface="Franklin Gothic Demi"/>
         <a:ea typeface=""/>
         <a:cs typeface=""/>
         <a:font script="Grek" typeface="Corbel"/>
@@ -8368,7 +8562,7 @@
         <a:font script="Geor" typeface="Sylfaen"/>
       </a:majorFont>
       <a:minorFont>
-        <a:latin typeface="Franklin Gothic Book" panose="020B0502020104020203"/>
+        <a:latin typeface="Franklin Gothic Book"/>
         <a:ea typeface=""/>
         <a:cs typeface=""/>
         <a:font script="Grek" typeface="Corbel"/>
@@ -8551,7 +8745,7 @@
   <a:extraClrSchemeLst/>
   <a:extLst>
     <a:ext uri="{05A4C25C-085E-4340-85A3-A5531E510DB2}">
-      <thm15:themeFamily xmlns:thm15="http://schemas.microsoft.com/office/thememl/2012/main" name="Office_41798788_TF33552983" id="{576DBA50-8B91-4A4D-83D9-7E9D2BF5E738}" vid="{40B35DA9-BDA0-45AF-A640-2DB6EA94DA72}"/>
+      <thm15:themeFamily xmlns:thm15="http://schemas.microsoft.com/office/thememl/2012/main" xmlns="" name="Office_41798788_TF33552983" id="{576DBA50-8B91-4A4D-83D9-7E9D2BF5E738}" vid="{40B35DA9-BDA0-45AF-A640-2DB6EA94DA72}"/>
     </a:ext>
   </a:extLst>
 </a:theme>
@@ -8600,7 +8794,7 @@
     </a:clrScheme>
     <a:fontScheme name="Office">
       <a:majorFont>
-        <a:latin typeface="Calibri Light" panose="020F0302020204030204"/>
+        <a:latin typeface="Calibri Light"/>
         <a:ea typeface=""/>
         <a:cs typeface=""/>
         <a:font script="Jpan" typeface="游ゴシック Light"/>
@@ -8635,7 +8829,7 @@
         <a:font script="Geor" typeface="Sylfaen"/>
       </a:majorFont>
       <a:minorFont>
-        <a:latin typeface="Calibri" panose="020F0502020204030204"/>
+        <a:latin typeface="Calibri"/>
         <a:ea typeface=""/>
         <a:cs typeface=""/>
         <a:font script="Jpan" typeface="游ゴシック"/>
@@ -8812,7 +9006,7 @@
   <a:extraClrSchemeLst/>
   <a:extLst>
     <a:ext uri="{05A4C25C-085E-4340-85A3-A5531E510DB2}">
-      <thm15:themeFamily xmlns:thm15="http://schemas.microsoft.com/office/thememl/2012/main" name="Office Theme" id="{62F939B6-93AF-4DB8-9C6B-D6C7DFDC589F}" vid="{4A3C46E8-61CC-4603-A589-7422A47A8E4A}"/>
+      <thm15:themeFamily xmlns:thm15="http://schemas.microsoft.com/office/thememl/2012/main" xmlns="" name="Office Theme" id="{62F939B6-93AF-4DB8-9C6B-D6C7DFDC589F}" vid="{4A3C46E8-61CC-4603-A589-7422A47A8E4A}"/>
     </a:ext>
   </a:extLst>
 </a:theme>
@@ -8861,7 +9055,7 @@
     </a:clrScheme>
     <a:fontScheme name="Office">
       <a:majorFont>
-        <a:latin typeface="Calibri Light" panose="020F0302020204030204"/>
+        <a:latin typeface="Calibri Light"/>
         <a:ea typeface=""/>
         <a:cs typeface=""/>
         <a:font script="Jpan" typeface="游ゴシック Light"/>
@@ -8896,7 +9090,7 @@
         <a:font script="Geor" typeface="Sylfaen"/>
       </a:majorFont>
       <a:minorFont>
-        <a:latin typeface="Calibri" panose="020F0502020204030204"/>
+        <a:latin typeface="Calibri"/>
         <a:ea typeface=""/>
         <a:cs typeface=""/>
         <a:font script="Jpan" typeface="游ゴシック"/>
@@ -9073,7 +9267,7 @@
   <a:extraClrSchemeLst/>
   <a:extLst>
     <a:ext uri="{05A4C25C-085E-4340-85A3-A5531E510DB2}">
-      <thm15:themeFamily xmlns:thm15="http://schemas.microsoft.com/office/thememl/2012/main" name="Office Theme" id="{62F939B6-93AF-4DB8-9C6B-D6C7DFDC589F}" vid="{4A3C46E8-61CC-4603-A589-7422A47A8E4A}"/>
+      <thm15:themeFamily xmlns:thm15="http://schemas.microsoft.com/office/thememl/2012/main" xmlns="" name="Office Theme" id="{62F939B6-93AF-4DB8-9C6B-D6C7DFDC589F}" vid="{4A3C46E8-61CC-4603-A589-7422A47A8E4A}"/>
     </a:ext>
   </a:extLst>
 </a:theme>

--- a/slides/00_b_DevEnv.pptx
+++ b/slides/00_b_DevEnv.pptx
@@ -118,10 +118,21 @@
   </p:defaultTextStyle>
   <p:extLst>
     <p:ext uri="{EFAFB233-063F-42B5-8137-9DF3F51BA10A}">
-      <p15:sldGuideLst xmlns:p15="http://schemas.microsoft.com/office/powerpoint/2012/main" xmlns=""/>
+      <p15:sldGuideLst xmlns:p15="http://schemas.microsoft.com/office/powerpoint/2012/main">
+        <p15:guide id="1" orient="horz" pos="2160">
+          <p15:clr>
+            <a:srgbClr val="A4A3A4"/>
+          </p15:clr>
+        </p15:guide>
+        <p15:guide id="2" pos="3840">
+          <p15:clr>
+            <a:srgbClr val="A4A3A4"/>
+          </p15:clr>
+        </p15:guide>
+      </p15:sldGuideLst>
     </p:ext>
     <p:ext uri="{2D200454-40CA-4A62-9FC3-DE9A4176ACB9}">
-      <p15:notesGuideLst xmlns:p15="http://schemas.microsoft.com/office/powerpoint/2012/main" xmlns=""/>
+      <p15:notesGuideLst xmlns:p15="http://schemas.microsoft.com/office/powerpoint/2012/main"/>
     </p:ext>
   </p:extLst>
 </p:presentation>
@@ -212,7 +223,7 @@
             <a:fld id="{764ED9EE-8F2A-4E06-87A2-36C0DD0993FD}" type="datetime1">
               <a:rPr lang="de-DE" smtClean="0"/>
               <a:pPr rtl="0"/>
-              <a:t>29.10.2020</a:t>
+              <a:t>24.11.2020</a:t>
             </a:fld>
             <a:endParaRPr lang="en-US" dirty="0"/>
           </a:p>
@@ -290,7 +301,7 @@
     </p:spTree>
     <p:extLst>
       <p:ext uri="{BB962C8B-B14F-4D97-AF65-F5344CB8AC3E}">
-        <p14:creationId xmlns:p14="http://schemas.microsoft.com/office/powerpoint/2010/main" xmlns="" val="882484457"/>
+        <p14:creationId xmlns:p14="http://schemas.microsoft.com/office/powerpoint/2010/main" val="882484457"/>
       </p:ext>
     </p:extLst>
   </p:cSld>
@@ -384,7 +395,7 @@
             <a:fld id="{A5A5ADE8-1FB8-43FD-A675-2B613EE00B6F}" type="datetime1">
               <a:rPr lang="de-DE" smtClean="0"/>
               <a:pPr rtl="0"/>
-              <a:t>29.10.2020</a:t>
+              <a:t>24.11.2020</a:t>
             </a:fld>
             <a:endParaRPr lang="en-US"/>
           </a:p>
@@ -557,7 +568,7 @@
     </p:spTree>
     <p:extLst>
       <p:ext uri="{BB962C8B-B14F-4D97-AF65-F5344CB8AC3E}">
-        <p14:creationId xmlns:p14="http://schemas.microsoft.com/office/powerpoint/2010/main" xmlns="" val="3571455252"/>
+        <p14:creationId xmlns:p14="http://schemas.microsoft.com/office/powerpoint/2010/main" val="3571455252"/>
       </p:ext>
     </p:extLst>
   </p:cSld>
@@ -880,7 +891,7 @@
           <p:cNvPr id="8" name="Datumsplatzhalter 7">
             <a:extLst>
               <a:ext uri="{FF2B5EF4-FFF2-40B4-BE49-F238E27FC236}">
-                <a16:creationId xmlns:a16="http://schemas.microsoft.com/office/drawing/2014/main" xmlns="" id="{7FA0ACE7-29A8-47D3-A7D9-257B711D8023}"/>
+                <a16:creationId xmlns:a16="http://schemas.microsoft.com/office/drawing/2014/main" id="{7FA0ACE7-29A8-47D3-A7D9-257B711D8023}"/>
               </a:ext>
             </a:extLst>
           </p:cNvPr>
@@ -900,7 +911,7 @@
             <a:fld id="{81E9C95E-BEF0-4D2E-9127-B9099B238D2A}" type="datetime1">
               <a:rPr lang="de-DE" smtClean="0"/>
               <a:pPr rtl="0"/>
-              <a:t>29.10.2020</a:t>
+              <a:t>24.11.2020</a:t>
             </a:fld>
             <a:endParaRPr lang="en-US" dirty="0"/>
           </a:p>
@@ -911,7 +922,7 @@
           <p:cNvPr id="9" name="Fußzeilenplatzhalter 8">
             <a:extLst>
               <a:ext uri="{FF2B5EF4-FFF2-40B4-BE49-F238E27FC236}">
-                <a16:creationId xmlns:a16="http://schemas.microsoft.com/office/drawing/2014/main" xmlns="" id="{DEC604B9-52E9-4810-8359-47206518D038}"/>
+                <a16:creationId xmlns:a16="http://schemas.microsoft.com/office/drawing/2014/main" id="{DEC604B9-52E9-4810-8359-47206518D038}"/>
               </a:ext>
             </a:extLst>
           </p:cNvPr>
@@ -937,7 +948,7 @@
           <p:cNvPr id="10" name="Foliennummernplatzhalter 9">
             <a:extLst>
               <a:ext uri="{FF2B5EF4-FFF2-40B4-BE49-F238E27FC236}">
-                <a16:creationId xmlns:a16="http://schemas.microsoft.com/office/drawing/2014/main" xmlns="" id="{5898A89F-CA25-400F-B05A-AECBF2517E4F}"/>
+                <a16:creationId xmlns:a16="http://schemas.microsoft.com/office/drawing/2014/main" id="{5898A89F-CA25-400F-B05A-AECBF2517E4F}"/>
               </a:ext>
             </a:extLst>
           </p:cNvPr>
@@ -966,7 +977,7 @@
     </p:spTree>
     <p:extLst>
       <p:ext uri="{BB962C8B-B14F-4D97-AF65-F5344CB8AC3E}">
-        <p14:creationId xmlns:p14="http://schemas.microsoft.com/office/powerpoint/2010/main" xmlns="" val="490017585"/>
+        <p14:creationId xmlns:p14="http://schemas.microsoft.com/office/powerpoint/2010/main" val="490017585"/>
       </p:ext>
     </p:extLst>
   </p:cSld>
@@ -1109,7 +1120,7 @@
             <a:fld id="{FE771757-BB18-44C5-813E-435E78C98126}" type="datetime1">
               <a:rPr lang="de-DE" smtClean="0"/>
               <a:pPr rtl="0"/>
-              <a:t>29.10.2020</a:t>
+              <a:t>24.11.2020</a:t>
             </a:fld>
             <a:endParaRPr lang="en-US" dirty="0"/>
           </a:p>
@@ -1163,7 +1174,7 @@
     </p:spTree>
     <p:extLst>
       <p:ext uri="{BB962C8B-B14F-4D97-AF65-F5344CB8AC3E}">
-        <p14:creationId xmlns:p14="http://schemas.microsoft.com/office/powerpoint/2010/main" xmlns="" val="1283591147"/>
+        <p14:creationId xmlns:p14="http://schemas.microsoft.com/office/powerpoint/2010/main" val="1283591147"/>
       </p:ext>
     </p:extLst>
   </p:cSld>
@@ -1328,7 +1339,7 @@
           <p:cNvPr id="8" name="Rechteck 7">
             <a:extLst>
               <a:ext uri="{FF2B5EF4-FFF2-40B4-BE49-F238E27FC236}">
-                <a16:creationId xmlns:a16="http://schemas.microsoft.com/office/drawing/2014/main" xmlns="" id="{F6423B97-A5D4-47B9-8861-73B3707A04CF}"/>
+                <a16:creationId xmlns:a16="http://schemas.microsoft.com/office/drawing/2014/main" id="{F6423B97-A5D4-47B9-8861-73B3707A04CF}"/>
               </a:ext>
             </a:extLst>
           </p:cNvPr>
@@ -1371,7 +1382,7 @@
           <p:cNvPr id="9" name="Rechteck 8">
             <a:extLst>
               <a:ext uri="{FF2B5EF4-FFF2-40B4-BE49-F238E27FC236}">
-                <a16:creationId xmlns:a16="http://schemas.microsoft.com/office/drawing/2014/main" xmlns="" id="{1AEC0421-37B4-4481-A10D-69FDF5EC7909}"/>
+                <a16:creationId xmlns:a16="http://schemas.microsoft.com/office/drawing/2014/main" id="{1AEC0421-37B4-4481-A10D-69FDF5EC7909}"/>
               </a:ext>
             </a:extLst>
           </p:cNvPr>
@@ -1414,7 +1425,7 @@
           <p:cNvPr id="10" name="Rechteck 9">
             <a:extLst>
               <a:ext uri="{FF2B5EF4-FFF2-40B4-BE49-F238E27FC236}">
-                <a16:creationId xmlns:a16="http://schemas.microsoft.com/office/drawing/2014/main" xmlns="" id="{5F7265B5-9F97-4F1E-99E9-74F7B7E62337}"/>
+                <a16:creationId xmlns:a16="http://schemas.microsoft.com/office/drawing/2014/main" id="{5F7265B5-9F97-4F1E-99E9-74F7B7E62337}"/>
               </a:ext>
             </a:extLst>
           </p:cNvPr>
@@ -1457,7 +1468,7 @@
           <p:cNvPr id="11" name="Datumsplatzhalter 10">
             <a:extLst>
               <a:ext uri="{FF2B5EF4-FFF2-40B4-BE49-F238E27FC236}">
-                <a16:creationId xmlns:a16="http://schemas.microsoft.com/office/drawing/2014/main" xmlns="" id="{5C74A470-3BD3-4F33-80E5-67E6E87FCBE7}"/>
+                <a16:creationId xmlns:a16="http://schemas.microsoft.com/office/drawing/2014/main" id="{5C74A470-3BD3-4F33-80E5-67E6E87FCBE7}"/>
               </a:ext>
             </a:extLst>
           </p:cNvPr>
@@ -1477,7 +1488,7 @@
             <a:fld id="{B83FACD6-565C-4118-ACD0-32ACCA9AF940}" type="datetime1">
               <a:rPr lang="de-DE" smtClean="0"/>
               <a:pPr rtl="0"/>
-              <a:t>29.10.2020</a:t>
+              <a:t>24.11.2020</a:t>
             </a:fld>
             <a:endParaRPr lang="en-US" dirty="0"/>
           </a:p>
@@ -1488,7 +1499,7 @@
           <p:cNvPr id="12" name="Fußzeilenplatzhalter 11">
             <a:extLst>
               <a:ext uri="{FF2B5EF4-FFF2-40B4-BE49-F238E27FC236}">
-                <a16:creationId xmlns:a16="http://schemas.microsoft.com/office/drawing/2014/main" xmlns="" id="{9A3A30BA-DB50-4D7D-BCDE-17D20FB354DF}"/>
+                <a16:creationId xmlns:a16="http://schemas.microsoft.com/office/drawing/2014/main" id="{9A3A30BA-DB50-4D7D-BCDE-17D20FB354DF}"/>
               </a:ext>
             </a:extLst>
           </p:cNvPr>
@@ -1514,7 +1525,7 @@
           <p:cNvPr id="13" name="Foliennummernplatzhalter 12">
             <a:extLst>
               <a:ext uri="{FF2B5EF4-FFF2-40B4-BE49-F238E27FC236}">
-                <a16:creationId xmlns:a16="http://schemas.microsoft.com/office/drawing/2014/main" xmlns="" id="{76FF9E58-C0B2-436B-A21C-DB45A00D6515}"/>
+                <a16:creationId xmlns:a16="http://schemas.microsoft.com/office/drawing/2014/main" id="{76FF9E58-C0B2-436B-A21C-DB45A00D6515}"/>
               </a:ext>
             </a:extLst>
           </p:cNvPr>
@@ -1543,7 +1554,7 @@
     </p:spTree>
     <p:extLst>
       <p:ext uri="{BB962C8B-B14F-4D97-AF65-F5344CB8AC3E}">
-        <p14:creationId xmlns:p14="http://schemas.microsoft.com/office/powerpoint/2010/main" xmlns="" val="3388849626"/>
+        <p14:creationId xmlns:p14="http://schemas.microsoft.com/office/powerpoint/2010/main" val="3388849626"/>
       </p:ext>
     </p:extLst>
   </p:cSld>
@@ -1661,7 +1672,7 @@
           <p:cNvPr id="8" name="Datumsplatzhalter 7">
             <a:extLst>
               <a:ext uri="{FF2B5EF4-FFF2-40B4-BE49-F238E27FC236}">
-                <a16:creationId xmlns:a16="http://schemas.microsoft.com/office/drawing/2014/main" xmlns="" id="{770E6237-3456-439F-802D-3BA93FC7E3E5}"/>
+                <a16:creationId xmlns:a16="http://schemas.microsoft.com/office/drawing/2014/main" id="{770E6237-3456-439F-802D-3BA93FC7E3E5}"/>
               </a:ext>
             </a:extLst>
           </p:cNvPr>
@@ -1681,7 +1692,7 @@
             <a:fld id="{83627DD0-092D-4AD9-AAE0-0513E170352E}" type="datetime1">
               <a:rPr lang="de-DE" smtClean="0"/>
               <a:pPr rtl="0"/>
-              <a:t>29.10.2020</a:t>
+              <a:t>24.11.2020</a:t>
             </a:fld>
             <a:endParaRPr lang="en-US" dirty="0"/>
           </a:p>
@@ -1692,7 +1703,7 @@
           <p:cNvPr id="9" name="Fußzeilenplatzhalter 8">
             <a:extLst>
               <a:ext uri="{FF2B5EF4-FFF2-40B4-BE49-F238E27FC236}">
-                <a16:creationId xmlns:a16="http://schemas.microsoft.com/office/drawing/2014/main" xmlns="" id="{1356D3B5-6063-4A89-B88F-9D3043916FF8}"/>
+                <a16:creationId xmlns:a16="http://schemas.microsoft.com/office/drawing/2014/main" id="{1356D3B5-6063-4A89-B88F-9D3043916FF8}"/>
               </a:ext>
             </a:extLst>
           </p:cNvPr>
@@ -1718,7 +1729,7 @@
           <p:cNvPr id="10" name="Foliennummernplatzhalter 9">
             <a:extLst>
               <a:ext uri="{FF2B5EF4-FFF2-40B4-BE49-F238E27FC236}">
-                <a16:creationId xmlns:a16="http://schemas.microsoft.com/office/drawing/2014/main" xmlns="" id="{02B78BF7-69D3-4CE0-A631-50EFD41EEEB8}"/>
+                <a16:creationId xmlns:a16="http://schemas.microsoft.com/office/drawing/2014/main" id="{02B78BF7-69D3-4CE0-A631-50EFD41EEEB8}"/>
               </a:ext>
             </a:extLst>
           </p:cNvPr>
@@ -1747,7 +1758,7 @@
     </p:spTree>
     <p:extLst>
       <p:ext uri="{BB962C8B-B14F-4D97-AF65-F5344CB8AC3E}">
-        <p14:creationId xmlns:p14="http://schemas.microsoft.com/office/powerpoint/2010/main" xmlns="" val="852443411"/>
+        <p14:creationId xmlns:p14="http://schemas.microsoft.com/office/powerpoint/2010/main" val="852443411"/>
       </p:ext>
     </p:extLst>
   </p:cSld>
@@ -1979,7 +1990,7 @@
           <p:cNvPr id="7" name="Datumsplatzhalter 6">
             <a:extLst>
               <a:ext uri="{FF2B5EF4-FFF2-40B4-BE49-F238E27FC236}">
-                <a16:creationId xmlns:a16="http://schemas.microsoft.com/office/drawing/2014/main" xmlns="" id="{61582016-5696-4A93-887F-BBB3B9002FE5}"/>
+                <a16:creationId xmlns:a16="http://schemas.microsoft.com/office/drawing/2014/main" id="{61582016-5696-4A93-887F-BBB3B9002FE5}"/>
               </a:ext>
             </a:extLst>
           </p:cNvPr>
@@ -1999,7 +2010,7 @@
             <a:fld id="{F36CBEDB-B1DE-4F8C-AD4A-10AD3F77E1A9}" type="datetime1">
               <a:rPr lang="de-DE" smtClean="0"/>
               <a:pPr rtl="0"/>
-              <a:t>29.10.2020</a:t>
+              <a:t>24.11.2020</a:t>
             </a:fld>
             <a:endParaRPr lang="en-US" dirty="0"/>
           </a:p>
@@ -2010,7 +2021,7 @@
           <p:cNvPr id="9" name="Fußzeilenplatzhalter 8">
             <a:extLst>
               <a:ext uri="{FF2B5EF4-FFF2-40B4-BE49-F238E27FC236}">
-                <a16:creationId xmlns:a16="http://schemas.microsoft.com/office/drawing/2014/main" xmlns="" id="{857CFCD5-1192-4E18-8A8F-29E153B44DA4}"/>
+                <a16:creationId xmlns:a16="http://schemas.microsoft.com/office/drawing/2014/main" id="{857CFCD5-1192-4E18-8A8F-29E153B44DA4}"/>
               </a:ext>
             </a:extLst>
           </p:cNvPr>
@@ -2036,7 +2047,7 @@
           <p:cNvPr id="10" name="Foliennummernplatzhalter 9">
             <a:extLst>
               <a:ext uri="{FF2B5EF4-FFF2-40B4-BE49-F238E27FC236}">
-                <a16:creationId xmlns:a16="http://schemas.microsoft.com/office/drawing/2014/main" xmlns="" id="{E39A109E-5018-4794-92B3-FD5E5BCD95E8}"/>
+                <a16:creationId xmlns:a16="http://schemas.microsoft.com/office/drawing/2014/main" id="{E39A109E-5018-4794-92B3-FD5E5BCD95E8}"/>
               </a:ext>
             </a:extLst>
           </p:cNvPr>
@@ -2065,7 +2076,7 @@
     </p:spTree>
     <p:extLst>
       <p:ext uri="{BB962C8B-B14F-4D97-AF65-F5344CB8AC3E}">
-        <p14:creationId xmlns:p14="http://schemas.microsoft.com/office/powerpoint/2010/main" xmlns="" val="366680978"/>
+        <p14:creationId xmlns:p14="http://schemas.microsoft.com/office/powerpoint/2010/main" val="366680978"/>
       </p:ext>
     </p:extLst>
   </p:cSld>
@@ -2258,7 +2269,7 @@
             <a:fld id="{F95AE019-BB99-4C3A-AA2C-A36C39CE4DCB}" type="datetime1">
               <a:rPr lang="de-DE" smtClean="0"/>
               <a:pPr rtl="0"/>
-              <a:t>29.10.2020</a:t>
+              <a:t>24.11.2020</a:t>
             </a:fld>
             <a:endParaRPr lang="en-US" dirty="0"/>
           </a:p>
@@ -2312,7 +2323,7 @@
     </p:spTree>
     <p:extLst>
       <p:ext uri="{BB962C8B-B14F-4D97-AF65-F5344CB8AC3E}">
-        <p14:creationId xmlns:p14="http://schemas.microsoft.com/office/powerpoint/2010/main" xmlns="" val="2483323219"/>
+        <p14:creationId xmlns:p14="http://schemas.microsoft.com/office/powerpoint/2010/main" val="2483323219"/>
       </p:ext>
     </p:extLst>
   </p:cSld>
@@ -2686,7 +2697,7 @@
             <a:fld id="{117FAFC6-AD0C-4B5B-B8B0-E729C6D4C810}" type="datetime1">
               <a:rPr lang="de-DE" smtClean="0"/>
               <a:pPr rtl="0"/>
-              <a:t>29.10.2020</a:t>
+              <a:t>24.11.2020</a:t>
             </a:fld>
             <a:endParaRPr lang="en-US" dirty="0"/>
           </a:p>
@@ -2740,7 +2751,7 @@
     </p:spTree>
     <p:extLst>
       <p:ext uri="{BB962C8B-B14F-4D97-AF65-F5344CB8AC3E}">
-        <p14:creationId xmlns:p14="http://schemas.microsoft.com/office/powerpoint/2010/main" xmlns="" val="1748046589"/>
+        <p14:creationId xmlns:p14="http://schemas.microsoft.com/office/powerpoint/2010/main" val="1748046589"/>
       </p:ext>
     </p:extLst>
   </p:cSld>
@@ -2815,7 +2826,7 @@
             <a:fld id="{607DEF3C-A2B0-4F78-836D-1A1B1DEE5467}" type="datetime1">
               <a:rPr lang="de-DE" smtClean="0"/>
               <a:pPr rtl="0"/>
-              <a:t>29.10.2020</a:t>
+              <a:t>24.11.2020</a:t>
             </a:fld>
             <a:endParaRPr lang="en-US" dirty="0"/>
           </a:p>
@@ -2869,7 +2880,7 @@
     </p:spTree>
     <p:extLst>
       <p:ext uri="{BB962C8B-B14F-4D97-AF65-F5344CB8AC3E}">
-        <p14:creationId xmlns:p14="http://schemas.microsoft.com/office/powerpoint/2010/main" xmlns="" val="112936382"/>
+        <p14:creationId xmlns:p14="http://schemas.microsoft.com/office/powerpoint/2010/main" val="112936382"/>
       </p:ext>
     </p:extLst>
   </p:cSld>
@@ -2915,7 +2926,7 @@
             <a:fld id="{D971D44B-9C44-467E-B481-41466CDBD2A7}" type="datetime1">
               <a:rPr lang="de-DE" smtClean="0"/>
               <a:pPr rtl="0"/>
-              <a:t>29.10.2020</a:t>
+              <a:t>24.11.2020</a:t>
             </a:fld>
             <a:endParaRPr lang="en-US" dirty="0"/>
           </a:p>
@@ -2969,7 +2980,7 @@
     </p:spTree>
     <p:extLst>
       <p:ext uri="{BB962C8B-B14F-4D97-AF65-F5344CB8AC3E}">
-        <p14:creationId xmlns:p14="http://schemas.microsoft.com/office/powerpoint/2010/main" xmlns="" val="1129494974"/>
+        <p14:creationId xmlns:p14="http://schemas.microsoft.com/office/powerpoint/2010/main" val="1129494974"/>
       </p:ext>
     </p:extLst>
   </p:cSld>
@@ -3273,7 +3284,7 @@
           <p:cNvPr id="8" name="Datumsplatzhalter 7">
             <a:extLst>
               <a:ext uri="{FF2B5EF4-FFF2-40B4-BE49-F238E27FC236}">
-                <a16:creationId xmlns:a16="http://schemas.microsoft.com/office/drawing/2014/main" xmlns="" id="{0B919CC2-2A65-446F-B538-9E6249035445}"/>
+                <a16:creationId xmlns:a16="http://schemas.microsoft.com/office/drawing/2014/main" id="{0B919CC2-2A65-446F-B538-9E6249035445}"/>
               </a:ext>
             </a:extLst>
           </p:cNvPr>
@@ -3298,7 +3309,7 @@
             <a:fld id="{0354EEBD-0E7F-42E6-BE86-4864547D749E}" type="datetime1">
               <a:rPr lang="de-DE" smtClean="0"/>
               <a:pPr rtl="0"/>
-              <a:t>29.10.2020</a:t>
+              <a:t>24.11.2020</a:t>
             </a:fld>
             <a:endParaRPr lang="en-US" dirty="0"/>
           </a:p>
@@ -3309,7 +3320,7 @@
           <p:cNvPr id="10" name="Fußzeilenplatzhalter 9">
             <a:extLst>
               <a:ext uri="{FF2B5EF4-FFF2-40B4-BE49-F238E27FC236}">
-                <a16:creationId xmlns:a16="http://schemas.microsoft.com/office/drawing/2014/main" xmlns="" id="{B72412AE-119E-4982-8B24-63365EFCA796}"/>
+                <a16:creationId xmlns:a16="http://schemas.microsoft.com/office/drawing/2014/main" id="{B72412AE-119E-4982-8B24-63365EFCA796}"/>
               </a:ext>
             </a:extLst>
           </p:cNvPr>
@@ -3340,7 +3351,7 @@
           <p:cNvPr id="11" name="Foliennummernplatzhalter 10">
             <a:extLst>
               <a:ext uri="{FF2B5EF4-FFF2-40B4-BE49-F238E27FC236}">
-                <a16:creationId xmlns:a16="http://schemas.microsoft.com/office/drawing/2014/main" xmlns="" id="{7FC4BB19-6AD1-45CF-9F99-00B109890FAB}"/>
+                <a16:creationId xmlns:a16="http://schemas.microsoft.com/office/drawing/2014/main" id="{7FC4BB19-6AD1-45CF-9F99-00B109890FAB}"/>
               </a:ext>
             </a:extLst>
           </p:cNvPr>
@@ -3374,7 +3385,7 @@
     </p:spTree>
     <p:extLst>
       <p:ext uri="{BB962C8B-B14F-4D97-AF65-F5344CB8AC3E}">
-        <p14:creationId xmlns:p14="http://schemas.microsoft.com/office/powerpoint/2010/main" xmlns="" val="1261766693"/>
+        <p14:creationId xmlns:p14="http://schemas.microsoft.com/office/powerpoint/2010/main" val="1261766693"/>
       </p:ext>
     </p:extLst>
   </p:cSld>
@@ -3597,7 +3608,7 @@
             <a:fld id="{8C7274EF-79A2-4EAD-98EF-7E5BB5EA068D}" type="datetime1">
               <a:rPr lang="de-DE" smtClean="0"/>
               <a:pPr rtl="0"/>
-              <a:t>29.10.2020</a:t>
+              <a:t>24.11.2020</a:t>
             </a:fld>
             <a:endParaRPr lang="en-US" dirty="0"/>
           </a:p>
@@ -3651,7 +3662,7 @@
     </p:spTree>
     <p:extLst>
       <p:ext uri="{BB962C8B-B14F-4D97-AF65-F5344CB8AC3E}">
-        <p14:creationId xmlns:p14="http://schemas.microsoft.com/office/powerpoint/2010/main" xmlns="" val="3573289553"/>
+        <p14:creationId xmlns:p14="http://schemas.microsoft.com/office/powerpoint/2010/main" val="3573289553"/>
       </p:ext>
     </p:extLst>
   </p:cSld>
@@ -3817,7 +3828,7 @@
             <a:fld id="{EDD379EC-906B-4CE5-98C2-3A156331FD9E}" type="datetime1">
               <a:rPr lang="de-DE" smtClean="0"/>
               <a:pPr rtl="0"/>
-              <a:t>29.10.2020</a:t>
+              <a:t>24.11.2020</a:t>
             </a:fld>
             <a:endParaRPr lang="en-US" dirty="0"/>
           </a:p>
@@ -4020,7 +4031,7 @@
     </p:spTree>
     <p:extLst>
       <p:ext uri="{BB962C8B-B14F-4D97-AF65-F5344CB8AC3E}">
-        <p14:creationId xmlns:p14="http://schemas.microsoft.com/office/powerpoint/2010/main" xmlns="" val="3000897896"/>
+        <p14:creationId xmlns:p14="http://schemas.microsoft.com/office/powerpoint/2010/main" val="3000897896"/>
       </p:ext>
     </p:extLst>
   </p:cSld>
@@ -4465,10 +4476,10 @@
           <p:cNvPr id="18" name="Rechteck 17">
             <a:extLst>
               <a:ext uri="{FF2B5EF4-FFF2-40B4-BE49-F238E27FC236}">
-                <a16:creationId xmlns:a16="http://schemas.microsoft.com/office/drawing/2014/main" xmlns="" id="{D6D7A0BC-0046-4CAA-8E7F-DCAFE511EA0E}"/>
+                <a16:creationId xmlns:a16="http://schemas.microsoft.com/office/drawing/2014/main" id="{D6D7A0BC-0046-4CAA-8E7F-DCAFE511EA0E}"/>
               </a:ext>
               <a:ext uri="{C183D7F6-B498-43B3-948B-1728B52AA6E4}">
-                <adec:decorative xmlns:adec="http://schemas.microsoft.com/office/drawing/2017/decorative" xmlns="" val="1"/>
+                <adec:decorative xmlns:adec="http://schemas.microsoft.com/office/drawing/2017/decorative" val="1"/>
               </a:ext>
             </a:extLst>
           </p:cNvPr>
@@ -4478,7 +4489,7 @@
           <p:nvPr>
             <p:extLst>
               <p:ext uri="{386F3935-93C4-4BCD-93E2-E3B085C9AB24}">
-                <p16:designElem xmlns:p16="http://schemas.microsoft.com/office/powerpoint/2015/main" xmlns="" val="1"/>
+                <p16:designElem xmlns:p16="http://schemas.microsoft.com/office/powerpoint/2015/main" val="1"/>
               </p:ext>
             </p:extLst>
           </p:nvPr>
@@ -4525,7 +4536,7 @@
           <p:cNvPr id="2" name="Titel 1">
             <a:extLst>
               <a:ext uri="{FF2B5EF4-FFF2-40B4-BE49-F238E27FC236}">
-                <a16:creationId xmlns:a16="http://schemas.microsoft.com/office/drawing/2014/main" xmlns="" id="{1C21E816-31F5-48BB-BD02-D15F2F18B48A}"/>
+                <a16:creationId xmlns:a16="http://schemas.microsoft.com/office/drawing/2014/main" id="{1C21E816-31F5-48BB-BD02-D15F2F18B48A}"/>
               </a:ext>
             </a:extLst>
           </p:cNvPr>
@@ -4561,7 +4572,7 @@
           <p:cNvPr id="3" name="Untertitel 2">
             <a:extLst>
               <a:ext uri="{FF2B5EF4-FFF2-40B4-BE49-F238E27FC236}">
-                <a16:creationId xmlns:a16="http://schemas.microsoft.com/office/drawing/2014/main" xmlns="" id="{835D6E6B-3353-491C-A3C6-F278D6CED8B3}"/>
+                <a16:creationId xmlns:a16="http://schemas.microsoft.com/office/drawing/2014/main" id="{835D6E6B-3353-491C-A3C6-F278D6CED8B3}"/>
               </a:ext>
             </a:extLst>
           </p:cNvPr>
@@ -4604,10 +4615,10 @@
           <p:cNvPr id="20" name="Rechteck 19">
             <a:extLst>
               <a:ext uri="{FF2B5EF4-FFF2-40B4-BE49-F238E27FC236}">
-                <a16:creationId xmlns:a16="http://schemas.microsoft.com/office/drawing/2014/main" xmlns="" id="{E7C6334F-6411-41EC-AD7D-179EDD8B58CB}"/>
+                <a16:creationId xmlns:a16="http://schemas.microsoft.com/office/drawing/2014/main" id="{E7C6334F-6411-41EC-AD7D-179EDD8B58CB}"/>
               </a:ext>
               <a:ext uri="{C183D7F6-B498-43B3-948B-1728B52AA6E4}">
-                <adec:decorative xmlns:adec="http://schemas.microsoft.com/office/drawing/2017/decorative" xmlns="" val="1"/>
+                <adec:decorative xmlns:adec="http://schemas.microsoft.com/office/drawing/2017/decorative" val="1"/>
               </a:ext>
             </a:extLst>
           </p:cNvPr>
@@ -4617,7 +4628,7 @@
           <p:nvPr>
             <p:extLst>
               <p:ext uri="{386F3935-93C4-4BCD-93E2-E3B085C9AB24}">
-                <p16:designElem xmlns:p16="http://schemas.microsoft.com/office/powerpoint/2015/main" xmlns="" val="1"/>
+                <p16:designElem xmlns:p16="http://schemas.microsoft.com/office/powerpoint/2015/main" val="1"/>
               </p:ext>
             </p:extLst>
           </p:nvPr>
@@ -4658,10 +4669,10 @@
           <p:cNvPr id="22" name="Rechteck 21">
             <a:extLst>
               <a:ext uri="{FF2B5EF4-FFF2-40B4-BE49-F238E27FC236}">
-                <a16:creationId xmlns:a16="http://schemas.microsoft.com/office/drawing/2014/main" xmlns="" id="{E6B02CEE-3AF8-4349-9B3E-8970E6DF62B3}"/>
+                <a16:creationId xmlns:a16="http://schemas.microsoft.com/office/drawing/2014/main" id="{E6B02CEE-3AF8-4349-9B3E-8970E6DF62B3}"/>
               </a:ext>
               <a:ext uri="{C183D7F6-B498-43B3-948B-1728B52AA6E4}">
-                <adec:decorative xmlns:adec="http://schemas.microsoft.com/office/drawing/2017/decorative" xmlns="" val="1"/>
+                <adec:decorative xmlns:adec="http://schemas.microsoft.com/office/drawing/2017/decorative" val="1"/>
               </a:ext>
             </a:extLst>
           </p:cNvPr>
@@ -4671,7 +4682,7 @@
           <p:nvPr>
             <p:extLst>
               <p:ext uri="{386F3935-93C4-4BCD-93E2-E3B085C9AB24}">
-                <p16:designElem xmlns:p16="http://schemas.microsoft.com/office/powerpoint/2015/main" xmlns="" val="1"/>
+                <p16:designElem xmlns:p16="http://schemas.microsoft.com/office/powerpoint/2015/main" val="1"/>
               </p:ext>
             </p:extLst>
           </p:nvPr>
@@ -4712,10 +4723,10 @@
           <p:cNvPr id="24" name="Rechteck 23">
             <a:extLst>
               <a:ext uri="{FF2B5EF4-FFF2-40B4-BE49-F238E27FC236}">
-                <a16:creationId xmlns:a16="http://schemas.microsoft.com/office/drawing/2014/main" xmlns="" id="{AAA01CF0-3FB5-44EB-B7DE-F2E86374C2FB}"/>
+                <a16:creationId xmlns:a16="http://schemas.microsoft.com/office/drawing/2014/main" id="{AAA01CF0-3FB5-44EB-B7DE-F2E86374C2FB}"/>
               </a:ext>
               <a:ext uri="{C183D7F6-B498-43B3-948B-1728B52AA6E4}">
-                <adec:decorative xmlns:adec="http://schemas.microsoft.com/office/drawing/2017/decorative" xmlns="" val="1"/>
+                <adec:decorative xmlns:adec="http://schemas.microsoft.com/office/drawing/2017/decorative" val="1"/>
               </a:ext>
             </a:extLst>
           </p:cNvPr>
@@ -4725,7 +4736,7 @@
           <p:nvPr>
             <p:extLst>
               <p:ext uri="{386F3935-93C4-4BCD-93E2-E3B085C9AB24}">
-                <p16:designElem xmlns:p16="http://schemas.microsoft.com/office/powerpoint/2015/main" xmlns="" val="1"/>
+                <p16:designElem xmlns:p16="http://schemas.microsoft.com/office/powerpoint/2015/main" val="1"/>
               </p:ext>
             </p:extLst>
           </p:nvPr>
@@ -4766,7 +4777,7 @@
           <p:cNvPr id="6" name="Bild 5" descr="Nahaufnahme eines Logos&#10;&#10;Beschreibung wird automatisch generiert">
             <a:extLst>
               <a:ext uri="{FF2B5EF4-FFF2-40B4-BE49-F238E27FC236}">
-                <a16:creationId xmlns:a16="http://schemas.microsoft.com/office/drawing/2014/main" xmlns="" id="{F1A8C364-94D4-4630-BAD0-78722F347055}"/>
+                <a16:creationId xmlns:a16="http://schemas.microsoft.com/office/drawing/2014/main" id="{F1A8C364-94D4-4630-BAD0-78722F347055}"/>
               </a:ext>
             </a:extLst>
           </p:cNvPr>
@@ -4779,7 +4790,7 @@
           <a:blip r:embed="rId2" cstate="print">
             <a:extLst>
               <a:ext uri="{28A0092B-C50C-407E-A947-70E740481C1C}">
-                <a14:useLocalDpi xmlns:a14="http://schemas.microsoft.com/office/drawing/2010/main" xmlns="" val="0"/>
+                <a14:useLocalDpi xmlns:a14="http://schemas.microsoft.com/office/drawing/2010/main" val="0"/>
               </a:ext>
             </a:extLst>
           </a:blip>
@@ -4799,7 +4810,7 @@
     </p:spTree>
     <p:extLst>
       <p:ext uri="{BB962C8B-B14F-4D97-AF65-F5344CB8AC3E}">
-        <p14:creationId xmlns:p14="http://schemas.microsoft.com/office/powerpoint/2010/main" xmlns="" val="2475805559"/>
+        <p14:creationId xmlns:p14="http://schemas.microsoft.com/office/powerpoint/2010/main" val="2475805559"/>
       </p:ext>
     </p:extLst>
   </p:cSld>
@@ -4842,77 +4853,76 @@
           <a:lstStyle/>
           <a:p>
             <a:r>
-              <a:rPr lang="de-DE" dirty="0" smtClean="0"/>
+              <a:rPr lang="de-DE" dirty="0"/>
               <a:t>Was beinhaltet eine Entwicklungsumgebung</a:t>
             </a:r>
+          </a:p>
+        </p:txBody>
+      </p:sp>
+      <p:sp>
+        <p:nvSpPr>
+          <p:cNvPr id="3" name="Inhaltsplatzhalter 2"/>
+          <p:cNvSpPr>
+            <a:spLocks noGrp="1"/>
+          </p:cNvSpPr>
+          <p:nvPr>
+            <p:ph idx="1"/>
+          </p:nvPr>
+        </p:nvSpPr>
+        <p:spPr/>
+        <p:txBody>
+          <a:bodyPr/>
+          <a:lstStyle/>
+          <a:p>
+            <a:r>
+              <a:rPr lang="de-DE" dirty="0"/>
+              <a:t>IDE / Editor für die Arbeit mit Code</a:t>
+            </a:r>
+          </a:p>
+          <a:p>
+            <a:pPr lvl="1"/>
+            <a:r>
+              <a:rPr lang="de-DE" dirty="0"/>
+              <a:t>Eine IDE verfügt in der Regel weiterhin über </a:t>
+            </a:r>
+            <a:r>
+              <a:rPr lang="de-DE" dirty="0" err="1"/>
+              <a:t>Build</a:t>
+            </a:r>
+            <a:r>
+              <a:rPr lang="de-DE" dirty="0"/>
+              <a:t>-und Versionsverwaltungstools sowie eine fortgeschrittene Code-Analyse</a:t>
+            </a:r>
+          </a:p>
+          <a:p>
+            <a:pPr lvl="1"/>
+            <a:r>
+              <a:rPr lang="de-DE" dirty="0"/>
+              <a:t>Gute Editoren bieten mittlerweile wie IDEs Codevervollständigung und Syntax </a:t>
+            </a:r>
+            <a:r>
+              <a:rPr lang="de-DE" dirty="0" err="1"/>
+              <a:t>Highlighting</a:t>
+            </a:r>
             <a:endParaRPr lang="de-DE" dirty="0"/>
           </a:p>
-        </p:txBody>
-      </p:sp>
-      <p:sp>
-        <p:nvSpPr>
-          <p:cNvPr id="3" name="Inhaltsplatzhalter 2"/>
-          <p:cNvSpPr>
-            <a:spLocks noGrp="1"/>
-          </p:cNvSpPr>
-          <p:nvPr>
-            <p:ph idx="1"/>
-          </p:nvPr>
-        </p:nvSpPr>
-        <p:spPr/>
-        <p:txBody>
-          <a:bodyPr/>
-          <a:lstStyle/>
-          <a:p>
-            <a:r>
-              <a:rPr lang="de-DE" dirty="0" smtClean="0"/>
-              <a:t>IDE / Editor für die Arbeit mit Code</a:t>
+          <a:p>
+            <a:r>
+              <a:rPr lang="de-DE" dirty="0"/>
+              <a:t>Umgebungs- und Paket-Manager</a:t>
             </a:r>
           </a:p>
           <a:p>
             <a:pPr lvl="1"/>
             <a:r>
-              <a:rPr lang="de-DE" dirty="0" smtClean="0"/>
-              <a:t>Eine IDE verfügt in der Regel weiterhin über </a:t>
-            </a:r>
-            <a:r>
-              <a:rPr lang="de-DE" dirty="0" err="1" smtClean="0"/>
-              <a:t>Build</a:t>
-            </a:r>
-            <a:r>
-              <a:rPr lang="de-DE" dirty="0" smtClean="0"/>
-              <a:t>-und Versionsverwaltungstools sowie eine fortgeschrittene Code-Analyse</a:t>
+              <a:rPr lang="de-DE" dirty="0"/>
+              <a:t>Verwalten einzelner, abgeschotteter Umgebungen, um Interferenzen mit anderen Projekten zu vermeiden</a:t>
             </a:r>
           </a:p>
           <a:p>
             <a:pPr lvl="1"/>
             <a:r>
-              <a:rPr lang="de-DE" dirty="0" smtClean="0"/>
-              <a:t>Gute Editoren bieten mittlerweile wie IDEs Codevervollständigung und Syntax </a:t>
-            </a:r>
-            <a:r>
-              <a:rPr lang="de-DE" dirty="0" err="1" smtClean="0"/>
-              <a:t>Highlighting</a:t>
-            </a:r>
-            <a:endParaRPr lang="de-DE" dirty="0" smtClean="0"/>
-          </a:p>
-          <a:p>
-            <a:r>
-              <a:rPr lang="de-DE" dirty="0" smtClean="0"/>
-              <a:t>Umgebungs- und Paket-Manager</a:t>
-            </a:r>
-          </a:p>
-          <a:p>
-            <a:pPr lvl="1"/>
-            <a:r>
-              <a:rPr lang="de-DE" dirty="0" smtClean="0"/>
-              <a:t>Verwalten einzelner, abgeschotteter Umgebungen, um Interferenzen mit anderen Projekten zu vermeiden</a:t>
-            </a:r>
-          </a:p>
-          <a:p>
-            <a:pPr lvl="1"/>
-            <a:r>
-              <a:rPr lang="de-DE" dirty="0" smtClean="0"/>
+              <a:rPr lang="de-DE" dirty="0"/>
               <a:t>Installation von Paketen gemäß der geforderten Version</a:t>
             </a:r>
           </a:p>
@@ -4941,7 +4951,7 @@
             <a:fld id="{83627DD0-092D-4AD9-AAE0-0513E170352E}" type="datetime1">
               <a:rPr lang="de-DE" smtClean="0"/>
               <a:pPr rtl="0"/>
-              <a:t>29.10.2020</a:t>
+              <a:t>24.11.2020</a:t>
             </a:fld>
             <a:endParaRPr lang="en-US" dirty="0"/>
           </a:p>
@@ -4977,7 +4987,7 @@
           <p:cNvPr id="2" name="Titel 1">
             <a:extLst>
               <a:ext uri="{FF2B5EF4-FFF2-40B4-BE49-F238E27FC236}">
-                <a16:creationId xmlns:a16="http://schemas.microsoft.com/office/drawing/2014/main" xmlns="" id="{A0ADA9B0-E8D8-4B84-A484-B259D65735BC}"/>
+                <a16:creationId xmlns:a16="http://schemas.microsoft.com/office/drawing/2014/main" id="{A0ADA9B0-E8D8-4B84-A484-B259D65735BC}"/>
               </a:ext>
             </a:extLst>
           </p:cNvPr>
@@ -4995,15 +5005,7 @@
           <a:p>
             <a:r>
               <a:rPr lang="de-DE" dirty="0"/>
-              <a:t>Wahl </a:t>
-            </a:r>
-            <a:r>
-              <a:rPr lang="de-DE" dirty="0" smtClean="0"/>
-              <a:t>der </a:t>
-            </a:r>
-            <a:r>
-              <a:rPr lang="de-DE" dirty="0"/>
-              <a:t>Richtigen IDE</a:t>
+              <a:t>Wahl der Richtigen IDE</a:t>
             </a:r>
           </a:p>
         </p:txBody>
@@ -5013,7 +5015,7 @@
           <p:cNvPr id="3" name="Inhaltsplatzhalter 2">
             <a:extLst>
               <a:ext uri="{FF2B5EF4-FFF2-40B4-BE49-F238E27FC236}">
-                <a16:creationId xmlns:a16="http://schemas.microsoft.com/office/drawing/2014/main" xmlns="" id="{6F6A94DF-E1DF-4794-BF8A-5AF4CBEA739E}"/>
+                <a16:creationId xmlns:a16="http://schemas.microsoft.com/office/drawing/2014/main" id="{6F6A94DF-E1DF-4794-BF8A-5AF4CBEA739E}"/>
               </a:ext>
             </a:extLst>
           </p:cNvPr>
@@ -5103,7 +5105,7 @@
           <p:cNvPr id="1026" name="Picture 2">
             <a:extLst>
               <a:ext uri="{FF2B5EF4-FFF2-40B4-BE49-F238E27FC236}">
-                <a16:creationId xmlns:a16="http://schemas.microsoft.com/office/drawing/2014/main" xmlns="" id="{3E7F8A02-3DC7-448E-BB60-B050D96AC383}"/>
+                <a16:creationId xmlns:a16="http://schemas.microsoft.com/office/drawing/2014/main" id="{3E7F8A02-3DC7-448E-BB60-B050D96AC383}"/>
               </a:ext>
             </a:extLst>
           </p:cNvPr>
@@ -5116,7 +5118,7 @@
           <a:blip r:embed="rId2" cstate="print">
             <a:extLst>
               <a:ext uri="{28A0092B-C50C-407E-A947-70E740481C1C}">
-                <a14:useLocalDpi xmlns:a14="http://schemas.microsoft.com/office/drawing/2010/main" xmlns="" val="0"/>
+                <a14:useLocalDpi xmlns:a14="http://schemas.microsoft.com/office/drawing/2010/main" val="0"/>
               </a:ext>
             </a:extLst>
           </a:blip>
@@ -5151,7 +5153,7 @@
           </a:effectLst>
           <a:extLst>
             <a:ext uri="{909E8E84-426E-40DD-AFC4-6F175D3DCCD1}">
-              <a14:hiddenFill xmlns:a14="http://schemas.microsoft.com/office/drawing/2010/main" xmlns="">
+              <a14:hiddenFill xmlns:a14="http://schemas.microsoft.com/office/drawing/2010/main">
                 <a:solidFill>
                   <a:srgbClr val="FFFFFF"/>
                 </a:solidFill>
@@ -5165,7 +5167,7 @@
           <p:cNvPr id="6" name="Grafik 5">
             <a:extLst>
               <a:ext uri="{FF2B5EF4-FFF2-40B4-BE49-F238E27FC236}">
-                <a16:creationId xmlns:a16="http://schemas.microsoft.com/office/drawing/2014/main" xmlns="" id="{A02D08AB-CCA4-458D-AB38-028F73E4D1CD}"/>
+                <a16:creationId xmlns:a16="http://schemas.microsoft.com/office/drawing/2014/main" id="{A02D08AB-CCA4-458D-AB38-028F73E4D1CD}"/>
               </a:ext>
             </a:extLst>
           </p:cNvPr>
@@ -5211,7 +5213,7 @@
           <p:cNvPr id="5" name="Grafik 4">
             <a:extLst>
               <a:ext uri="{FF2B5EF4-FFF2-40B4-BE49-F238E27FC236}">
-                <a16:creationId xmlns:a16="http://schemas.microsoft.com/office/drawing/2014/main" xmlns="" id="{96A99E0A-A013-4EB6-951C-B48F0B10F355}"/>
+                <a16:creationId xmlns:a16="http://schemas.microsoft.com/office/drawing/2014/main" id="{96A99E0A-A013-4EB6-951C-B48F0B10F355}"/>
               </a:ext>
             </a:extLst>
           </p:cNvPr>
@@ -5255,7 +5257,7 @@
     </p:spTree>
     <p:extLst>
       <p:ext uri="{BB962C8B-B14F-4D97-AF65-F5344CB8AC3E}">
-        <p14:creationId xmlns:p14="http://schemas.microsoft.com/office/powerpoint/2010/main" xmlns="" val="3798023538"/>
+        <p14:creationId xmlns:p14="http://schemas.microsoft.com/office/powerpoint/2010/main" val="3798023538"/>
       </p:ext>
     </p:extLst>
   </p:cSld>
@@ -5287,7 +5289,7 @@
           <p:cNvPr id="2" name="Titel 1">
             <a:extLst>
               <a:ext uri="{FF2B5EF4-FFF2-40B4-BE49-F238E27FC236}">
-                <a16:creationId xmlns:a16="http://schemas.microsoft.com/office/drawing/2014/main" xmlns="" id="{7B6C21E8-B43A-4042-A79C-36E263E62674}"/>
+                <a16:creationId xmlns:a16="http://schemas.microsoft.com/office/drawing/2014/main" id="{7B6C21E8-B43A-4042-A79C-36E263E62674}"/>
               </a:ext>
             </a:extLst>
           </p:cNvPr>
@@ -5315,7 +5317,7 @@
           <p:cNvPr id="3" name="Inhaltsplatzhalter 2">
             <a:extLst>
               <a:ext uri="{FF2B5EF4-FFF2-40B4-BE49-F238E27FC236}">
-                <a16:creationId xmlns:a16="http://schemas.microsoft.com/office/drawing/2014/main" xmlns="" id="{78B4D1DE-55FA-4327-8091-8B42406E748C}"/>
+                <a16:creationId xmlns:a16="http://schemas.microsoft.com/office/drawing/2014/main" id="{78B4D1DE-55FA-4327-8091-8B42406E748C}"/>
               </a:ext>
             </a:extLst>
           </p:cNvPr>
@@ -5382,7 +5384,7 @@
           <p:cNvPr id="4" name="Datumsplatzhalter 3">
             <a:extLst>
               <a:ext uri="{FF2B5EF4-FFF2-40B4-BE49-F238E27FC236}">
-                <a16:creationId xmlns:a16="http://schemas.microsoft.com/office/drawing/2014/main" xmlns="" id="{99AE37B3-1141-4854-BD8E-BC96A04D1BF1}"/>
+                <a16:creationId xmlns:a16="http://schemas.microsoft.com/office/drawing/2014/main" id="{99AE37B3-1141-4854-BD8E-BC96A04D1BF1}"/>
               </a:ext>
             </a:extLst>
           </p:cNvPr>
@@ -5402,7 +5404,7 @@
             <a:fld id="{83627DD0-092D-4AD9-AAE0-0513E170352E}" type="datetime1">
               <a:rPr lang="de-DE" smtClean="0"/>
               <a:pPr rtl="0"/>
-              <a:t>29.10.2020</a:t>
+              <a:t>24.11.2020</a:t>
             </a:fld>
             <a:endParaRPr lang="en-US" dirty="0"/>
           </a:p>
@@ -5413,7 +5415,7 @@
           <p:cNvPr id="9" name="Rechteck 8">
             <a:extLst>
               <a:ext uri="{FF2B5EF4-FFF2-40B4-BE49-F238E27FC236}">
-                <a16:creationId xmlns:a16="http://schemas.microsoft.com/office/drawing/2014/main" xmlns="" id="{97B42E60-03AB-4D7B-8425-9E675A72DD53}"/>
+                <a16:creationId xmlns:a16="http://schemas.microsoft.com/office/drawing/2014/main" id="{97B42E60-03AB-4D7B-8425-9E675A72DD53}"/>
               </a:ext>
             </a:extLst>
           </p:cNvPr>
@@ -5451,9 +5453,10 @@
           <a:p>
             <a:pPr algn="ctr"/>
             <a:r>
-              <a:rPr lang="de-DE" dirty="0"/>
-              <a:t>Python 3.6</a:t>
-            </a:r>
+              <a:rPr lang="de-DE"/>
+              <a:t>Python 3.8</a:t>
+            </a:r>
+            <a:endParaRPr lang="de-DE" dirty="0"/>
           </a:p>
         </p:txBody>
       </p:sp>
@@ -5462,7 +5465,7 @@
           <p:cNvPr id="11" name="Rechteck 10">
             <a:extLst>
               <a:ext uri="{FF2B5EF4-FFF2-40B4-BE49-F238E27FC236}">
-                <a16:creationId xmlns:a16="http://schemas.microsoft.com/office/drawing/2014/main" xmlns="" id="{5BAC378D-FED3-4060-B23A-4CF75A0FCEAB}"/>
+                <a16:creationId xmlns:a16="http://schemas.microsoft.com/office/drawing/2014/main" id="{5BAC378D-FED3-4060-B23A-4CF75A0FCEAB}"/>
               </a:ext>
             </a:extLst>
           </p:cNvPr>
@@ -5518,7 +5521,7 @@
           <p:cNvPr id="13" name="Rechteck 12">
             <a:extLst>
               <a:ext uri="{FF2B5EF4-FFF2-40B4-BE49-F238E27FC236}">
-                <a16:creationId xmlns:a16="http://schemas.microsoft.com/office/drawing/2014/main" xmlns="" id="{7E4CA8F1-F2DF-48E6-A8A3-209050D82A98}"/>
+                <a16:creationId xmlns:a16="http://schemas.microsoft.com/office/drawing/2014/main" id="{7E4CA8F1-F2DF-48E6-A8A3-209050D82A98}"/>
               </a:ext>
             </a:extLst>
           </p:cNvPr>
@@ -5574,7 +5577,7 @@
           <p:cNvPr id="15" name="Rechteck 14">
             <a:extLst>
               <a:ext uri="{FF2B5EF4-FFF2-40B4-BE49-F238E27FC236}">
-                <a16:creationId xmlns:a16="http://schemas.microsoft.com/office/drawing/2014/main" xmlns="" id="{BDF474BA-448D-4224-B219-02A454C78E1D}"/>
+                <a16:creationId xmlns:a16="http://schemas.microsoft.com/office/drawing/2014/main" id="{BDF474BA-448D-4224-B219-02A454C78E1D}"/>
               </a:ext>
             </a:extLst>
           </p:cNvPr>
@@ -5630,7 +5633,7 @@
           <p:cNvPr id="17" name="Rechteck 16">
             <a:extLst>
               <a:ext uri="{FF2B5EF4-FFF2-40B4-BE49-F238E27FC236}">
-                <a16:creationId xmlns:a16="http://schemas.microsoft.com/office/drawing/2014/main" xmlns="" id="{72713D57-DB3B-4A34-983B-013E99C57FED}"/>
+                <a16:creationId xmlns:a16="http://schemas.microsoft.com/office/drawing/2014/main" id="{72713D57-DB3B-4A34-983B-013E99C57FED}"/>
               </a:ext>
             </a:extLst>
           </p:cNvPr>
@@ -5686,7 +5689,7 @@
           <p:cNvPr id="19" name="Rechteck 18">
             <a:extLst>
               <a:ext uri="{FF2B5EF4-FFF2-40B4-BE49-F238E27FC236}">
-                <a16:creationId xmlns:a16="http://schemas.microsoft.com/office/drawing/2014/main" xmlns="" id="{84E5329B-0C09-4DDB-A5BD-E105C7C556F7}"/>
+                <a16:creationId xmlns:a16="http://schemas.microsoft.com/office/drawing/2014/main" id="{84E5329B-0C09-4DDB-A5BD-E105C7C556F7}"/>
               </a:ext>
             </a:extLst>
           </p:cNvPr>
@@ -5735,7 +5738,7 @@
           <p:cNvPr id="21" name="Rechteck 20">
             <a:extLst>
               <a:ext uri="{FF2B5EF4-FFF2-40B4-BE49-F238E27FC236}">
-                <a16:creationId xmlns:a16="http://schemas.microsoft.com/office/drawing/2014/main" xmlns="" id="{69853C23-D6E1-46F8-832D-ECEE9D0AA735}"/>
+                <a16:creationId xmlns:a16="http://schemas.microsoft.com/office/drawing/2014/main" id="{69853C23-D6E1-46F8-832D-ECEE9D0AA735}"/>
               </a:ext>
             </a:extLst>
           </p:cNvPr>
@@ -5784,7 +5787,7 @@
           <p:cNvPr id="22" name="Multiplikationszeichen 21">
             <a:extLst>
               <a:ext uri="{FF2B5EF4-FFF2-40B4-BE49-F238E27FC236}">
-                <a16:creationId xmlns:a16="http://schemas.microsoft.com/office/drawing/2014/main" xmlns="" id="{4967DB01-340A-421D-BCE9-CA11D52EE966}"/>
+                <a16:creationId xmlns:a16="http://schemas.microsoft.com/office/drawing/2014/main" id="{4967DB01-340A-421D-BCE9-CA11D52EE966}"/>
               </a:ext>
             </a:extLst>
           </p:cNvPr>
@@ -5838,7 +5841,7 @@
           <p:cNvPr id="5" name="Rechteck 4">
             <a:extLst>
               <a:ext uri="{FF2B5EF4-FFF2-40B4-BE49-F238E27FC236}">
-                <a16:creationId xmlns:a16="http://schemas.microsoft.com/office/drawing/2014/main" xmlns="" id="{8E3FD48B-7CD1-4286-BF59-7E8D331CBE62}"/>
+                <a16:creationId xmlns:a16="http://schemas.microsoft.com/office/drawing/2014/main" id="{8E3FD48B-7CD1-4286-BF59-7E8D331CBE62}"/>
               </a:ext>
             </a:extLst>
           </p:cNvPr>
@@ -5888,7 +5891,7 @@
           <p:cNvPr id="6" name="Textfeld 5">
             <a:extLst>
               <a:ext uri="{FF2B5EF4-FFF2-40B4-BE49-F238E27FC236}">
-                <a16:creationId xmlns:a16="http://schemas.microsoft.com/office/drawing/2014/main" xmlns="" id="{02A2EBC0-839A-4C9C-B427-4EADA101AD2A}"/>
+                <a16:creationId xmlns:a16="http://schemas.microsoft.com/office/drawing/2014/main" id="{02A2EBC0-839A-4C9C-B427-4EADA101AD2A}"/>
               </a:ext>
             </a:extLst>
           </p:cNvPr>
@@ -5922,7 +5925,7 @@
     </p:spTree>
     <p:extLst>
       <p:ext uri="{BB962C8B-B14F-4D97-AF65-F5344CB8AC3E}">
-        <p14:creationId xmlns:p14="http://schemas.microsoft.com/office/powerpoint/2010/main" xmlns="" val="1020059501"/>
+        <p14:creationId xmlns:p14="http://schemas.microsoft.com/office/powerpoint/2010/main" val="1020059501"/>
       </p:ext>
     </p:extLst>
   </p:cSld>
@@ -5954,7 +5957,7 @@
           <p:cNvPr id="12" name="Rechteck 11">
             <a:extLst>
               <a:ext uri="{FF2B5EF4-FFF2-40B4-BE49-F238E27FC236}">
-                <a16:creationId xmlns:a16="http://schemas.microsoft.com/office/drawing/2014/main" xmlns="" id="{B3D246EA-9900-4058-A411-CDE87F445599}"/>
+                <a16:creationId xmlns:a16="http://schemas.microsoft.com/office/drawing/2014/main" id="{B3D246EA-9900-4058-A411-CDE87F445599}"/>
               </a:ext>
             </a:extLst>
           </p:cNvPr>
@@ -5998,7 +6001,7 @@
           <p:cNvPr id="2050" name="Picture 2" descr="Anaconda und Einrichtung der Python Umgebung - Fellow Consulting AG">
             <a:extLst>
               <a:ext uri="{FF2B5EF4-FFF2-40B4-BE49-F238E27FC236}">
-                <a16:creationId xmlns:a16="http://schemas.microsoft.com/office/drawing/2014/main" xmlns="" id="{442596D4-63B4-4B35-9F11-8D0B29DB7B6C}"/>
+                <a16:creationId xmlns:a16="http://schemas.microsoft.com/office/drawing/2014/main" id="{442596D4-63B4-4B35-9F11-8D0B29DB7B6C}"/>
               </a:ext>
             </a:extLst>
           </p:cNvPr>
@@ -6021,7 +6024,7 @@
             </a:clrChange>
             <a:extLst>
               <a:ext uri="{28A0092B-C50C-407E-A947-70E740481C1C}">
-                <a14:useLocalDpi xmlns:a14="http://schemas.microsoft.com/office/drawing/2010/main" xmlns="" val="0"/>
+                <a14:useLocalDpi xmlns:a14="http://schemas.microsoft.com/office/drawing/2010/main" val="0"/>
               </a:ext>
             </a:extLst>
           </a:blip>
@@ -6041,7 +6044,7 @@
           <a:noFill/>
           <a:extLst>
             <a:ext uri="{909E8E84-426E-40DD-AFC4-6F175D3DCCD1}">
-              <a14:hiddenFill xmlns:a14="http://schemas.microsoft.com/office/drawing/2010/main" xmlns="">
+              <a14:hiddenFill xmlns:a14="http://schemas.microsoft.com/office/drawing/2010/main">
                 <a:solidFill>
                   <a:srgbClr val="FFFFFF"/>
                 </a:solidFill>
@@ -6055,7 +6058,7 @@
           <p:cNvPr id="2" name="Titel 1">
             <a:extLst>
               <a:ext uri="{FF2B5EF4-FFF2-40B4-BE49-F238E27FC236}">
-                <a16:creationId xmlns:a16="http://schemas.microsoft.com/office/drawing/2014/main" xmlns="" id="{7B6C21E8-B43A-4042-A79C-36E263E62674}"/>
+                <a16:creationId xmlns:a16="http://schemas.microsoft.com/office/drawing/2014/main" id="{7B6C21E8-B43A-4042-A79C-36E263E62674}"/>
               </a:ext>
             </a:extLst>
           </p:cNvPr>
@@ -6092,7 +6095,7 @@
           <p:cNvPr id="3" name="Inhaltsplatzhalter 2">
             <a:extLst>
               <a:ext uri="{FF2B5EF4-FFF2-40B4-BE49-F238E27FC236}">
-                <a16:creationId xmlns:a16="http://schemas.microsoft.com/office/drawing/2014/main" xmlns="" id="{78B4D1DE-55FA-4327-8091-8B42406E748C}"/>
+                <a16:creationId xmlns:a16="http://schemas.microsoft.com/office/drawing/2014/main" id="{78B4D1DE-55FA-4327-8091-8B42406E748C}"/>
               </a:ext>
             </a:extLst>
           </p:cNvPr>
@@ -6164,7 +6167,7 @@
           <p:cNvPr id="4" name="Datumsplatzhalter 3">
             <a:extLst>
               <a:ext uri="{FF2B5EF4-FFF2-40B4-BE49-F238E27FC236}">
-                <a16:creationId xmlns:a16="http://schemas.microsoft.com/office/drawing/2014/main" xmlns="" id="{99AE37B3-1141-4854-BD8E-BC96A04D1BF1}"/>
+                <a16:creationId xmlns:a16="http://schemas.microsoft.com/office/drawing/2014/main" id="{99AE37B3-1141-4854-BD8E-BC96A04D1BF1}"/>
               </a:ext>
             </a:extLst>
           </p:cNvPr>
@@ -6184,7 +6187,7 @@
             <a:fld id="{83627DD0-092D-4AD9-AAE0-0513E170352E}" type="datetime1">
               <a:rPr lang="de-DE" smtClean="0"/>
               <a:pPr rtl="0"/>
-              <a:t>29.10.2020</a:t>
+              <a:t>24.11.2020</a:t>
             </a:fld>
             <a:endParaRPr lang="en-US" dirty="0"/>
           </a:p>
@@ -6195,7 +6198,7 @@
           <p:cNvPr id="9" name="Rechteck 8">
             <a:extLst>
               <a:ext uri="{FF2B5EF4-FFF2-40B4-BE49-F238E27FC236}">
-                <a16:creationId xmlns:a16="http://schemas.microsoft.com/office/drawing/2014/main" xmlns="" id="{97B42E60-03AB-4D7B-8425-9E675A72DD53}"/>
+                <a16:creationId xmlns:a16="http://schemas.microsoft.com/office/drawing/2014/main" id="{97B42E60-03AB-4D7B-8425-9E675A72DD53}"/>
               </a:ext>
             </a:extLst>
           </p:cNvPr>
@@ -6244,7 +6247,7 @@
           <p:cNvPr id="11" name="Rechteck 10">
             <a:extLst>
               <a:ext uri="{FF2B5EF4-FFF2-40B4-BE49-F238E27FC236}">
-                <a16:creationId xmlns:a16="http://schemas.microsoft.com/office/drawing/2014/main" xmlns="" id="{5BAC378D-FED3-4060-B23A-4CF75A0FCEAB}"/>
+                <a16:creationId xmlns:a16="http://schemas.microsoft.com/office/drawing/2014/main" id="{5BAC378D-FED3-4060-B23A-4CF75A0FCEAB}"/>
               </a:ext>
             </a:extLst>
           </p:cNvPr>
@@ -6300,7 +6303,7 @@
           <p:cNvPr id="13" name="Rechteck 12">
             <a:extLst>
               <a:ext uri="{FF2B5EF4-FFF2-40B4-BE49-F238E27FC236}">
-                <a16:creationId xmlns:a16="http://schemas.microsoft.com/office/drawing/2014/main" xmlns="" id="{7E4CA8F1-F2DF-48E6-A8A3-209050D82A98}"/>
+                <a16:creationId xmlns:a16="http://schemas.microsoft.com/office/drawing/2014/main" id="{7E4CA8F1-F2DF-48E6-A8A3-209050D82A98}"/>
               </a:ext>
             </a:extLst>
           </p:cNvPr>
@@ -6356,7 +6359,7 @@
           <p:cNvPr id="15" name="Rechteck 14">
             <a:extLst>
               <a:ext uri="{FF2B5EF4-FFF2-40B4-BE49-F238E27FC236}">
-                <a16:creationId xmlns:a16="http://schemas.microsoft.com/office/drawing/2014/main" xmlns="" id="{BDF474BA-448D-4224-B219-02A454C78E1D}"/>
+                <a16:creationId xmlns:a16="http://schemas.microsoft.com/office/drawing/2014/main" id="{BDF474BA-448D-4224-B219-02A454C78E1D}"/>
               </a:ext>
             </a:extLst>
           </p:cNvPr>
@@ -6412,7 +6415,7 @@
           <p:cNvPr id="17" name="Rechteck 16">
             <a:extLst>
               <a:ext uri="{FF2B5EF4-FFF2-40B4-BE49-F238E27FC236}">
-                <a16:creationId xmlns:a16="http://schemas.microsoft.com/office/drawing/2014/main" xmlns="" id="{72713D57-DB3B-4A34-983B-013E99C57FED}"/>
+                <a16:creationId xmlns:a16="http://schemas.microsoft.com/office/drawing/2014/main" id="{72713D57-DB3B-4A34-983B-013E99C57FED}"/>
               </a:ext>
             </a:extLst>
           </p:cNvPr>
@@ -6468,7 +6471,7 @@
           <p:cNvPr id="19" name="Rechteck 18">
             <a:extLst>
               <a:ext uri="{FF2B5EF4-FFF2-40B4-BE49-F238E27FC236}">
-                <a16:creationId xmlns:a16="http://schemas.microsoft.com/office/drawing/2014/main" xmlns="" id="{84E5329B-0C09-4DDB-A5BD-E105C7C556F7}"/>
+                <a16:creationId xmlns:a16="http://schemas.microsoft.com/office/drawing/2014/main" id="{84E5329B-0C09-4DDB-A5BD-E105C7C556F7}"/>
               </a:ext>
             </a:extLst>
           </p:cNvPr>
@@ -6517,7 +6520,7 @@
           <p:cNvPr id="21" name="Rechteck 20">
             <a:extLst>
               <a:ext uri="{FF2B5EF4-FFF2-40B4-BE49-F238E27FC236}">
-                <a16:creationId xmlns:a16="http://schemas.microsoft.com/office/drawing/2014/main" xmlns="" id="{69853C23-D6E1-46F8-832D-ECEE9D0AA735}"/>
+                <a16:creationId xmlns:a16="http://schemas.microsoft.com/office/drawing/2014/main" id="{69853C23-D6E1-46F8-832D-ECEE9D0AA735}"/>
               </a:ext>
             </a:extLst>
           </p:cNvPr>
@@ -6566,7 +6569,7 @@
           <p:cNvPr id="5" name="Rechteck 4">
             <a:extLst>
               <a:ext uri="{FF2B5EF4-FFF2-40B4-BE49-F238E27FC236}">
-                <a16:creationId xmlns:a16="http://schemas.microsoft.com/office/drawing/2014/main" xmlns="" id="{8E3FD48B-7CD1-4286-BF59-7E8D331CBE62}"/>
+                <a16:creationId xmlns:a16="http://schemas.microsoft.com/office/drawing/2014/main" id="{8E3FD48B-7CD1-4286-BF59-7E8D331CBE62}"/>
               </a:ext>
             </a:extLst>
           </p:cNvPr>
@@ -6616,7 +6619,7 @@
           <p:cNvPr id="6" name="Textfeld 5">
             <a:extLst>
               <a:ext uri="{FF2B5EF4-FFF2-40B4-BE49-F238E27FC236}">
-                <a16:creationId xmlns:a16="http://schemas.microsoft.com/office/drawing/2014/main" xmlns="" id="{02A2EBC0-839A-4C9C-B427-4EADA101AD2A}"/>
+                <a16:creationId xmlns:a16="http://schemas.microsoft.com/office/drawing/2014/main" id="{02A2EBC0-839A-4C9C-B427-4EADA101AD2A}"/>
               </a:ext>
             </a:extLst>
           </p:cNvPr>
@@ -6652,7 +6655,7 @@
           <p:cNvPr id="7" name="Rechteck 6">
             <a:extLst>
               <a:ext uri="{FF2B5EF4-FFF2-40B4-BE49-F238E27FC236}">
-                <a16:creationId xmlns:a16="http://schemas.microsoft.com/office/drawing/2014/main" xmlns="" id="{0AAC792E-F355-4CEB-B1F5-5618580BCEF6}"/>
+                <a16:creationId xmlns:a16="http://schemas.microsoft.com/office/drawing/2014/main" id="{0AAC792E-F355-4CEB-B1F5-5618580BCEF6}"/>
               </a:ext>
             </a:extLst>
           </p:cNvPr>
@@ -6691,7 +6694,7 @@
             <a:pPr algn="ctr"/>
             <a:r>
               <a:rPr lang="de-DE" dirty="0"/>
-              <a:t>Python 3.6</a:t>
+              <a:t>Python 3.8</a:t>
             </a:r>
           </a:p>
         </p:txBody>
@@ -6701,7 +6704,7 @@
           <p:cNvPr id="8" name="Rechteck 7">
             <a:extLst>
               <a:ext uri="{FF2B5EF4-FFF2-40B4-BE49-F238E27FC236}">
-                <a16:creationId xmlns:a16="http://schemas.microsoft.com/office/drawing/2014/main" xmlns="" id="{E33CD875-0266-4174-8CA0-4FE095FF94C6}"/>
+                <a16:creationId xmlns:a16="http://schemas.microsoft.com/office/drawing/2014/main" id="{E33CD875-0266-4174-8CA0-4FE095FF94C6}"/>
               </a:ext>
             </a:extLst>
           </p:cNvPr>
@@ -6751,7 +6754,7 @@
           <p:cNvPr id="10" name="Textfeld 9">
             <a:extLst>
               <a:ext uri="{FF2B5EF4-FFF2-40B4-BE49-F238E27FC236}">
-                <a16:creationId xmlns:a16="http://schemas.microsoft.com/office/drawing/2014/main" xmlns="" id="{0D852B35-9A0F-4CA9-9C65-810B7B34C26F}"/>
+                <a16:creationId xmlns:a16="http://schemas.microsoft.com/office/drawing/2014/main" id="{0D852B35-9A0F-4CA9-9C65-810B7B34C26F}"/>
               </a:ext>
             </a:extLst>
           </p:cNvPr>
@@ -6785,7 +6788,7 @@
     </p:spTree>
     <p:extLst>
       <p:ext uri="{BB962C8B-B14F-4D97-AF65-F5344CB8AC3E}">
-        <p14:creationId xmlns:p14="http://schemas.microsoft.com/office/powerpoint/2010/main" xmlns="" val="4123699968"/>
+        <p14:creationId xmlns:p14="http://schemas.microsoft.com/office/powerpoint/2010/main" val="4123699968"/>
       </p:ext>
     </p:extLst>
   </p:cSld>
@@ -6817,7 +6820,7 @@
           <p:cNvPr id="2" name="Titel 1">
             <a:extLst>
               <a:ext uri="{FF2B5EF4-FFF2-40B4-BE49-F238E27FC236}">
-                <a16:creationId xmlns:a16="http://schemas.microsoft.com/office/drawing/2014/main" xmlns="" id="{7F3AA3FC-6410-4DEE-8534-C54FDF281476}"/>
+                <a16:creationId xmlns:a16="http://schemas.microsoft.com/office/drawing/2014/main" id="{7F3AA3FC-6410-4DEE-8534-C54FDF281476}"/>
               </a:ext>
             </a:extLst>
           </p:cNvPr>
@@ -6845,7 +6848,7 @@
           <p:cNvPr id="3" name="Inhaltsplatzhalter 2">
             <a:extLst>
               <a:ext uri="{FF2B5EF4-FFF2-40B4-BE49-F238E27FC236}">
-                <a16:creationId xmlns:a16="http://schemas.microsoft.com/office/drawing/2014/main" xmlns="" id="{B1B4DD82-F574-4658-9F28-A7E2030FE7F8}"/>
+                <a16:creationId xmlns:a16="http://schemas.microsoft.com/office/drawing/2014/main" id="{B1B4DD82-F574-4658-9F28-A7E2030FE7F8}"/>
               </a:ext>
             </a:extLst>
           </p:cNvPr>
@@ -6937,7 +6940,7 @@
           <p:cNvPr id="4" name="Datumsplatzhalter 3">
             <a:extLst>
               <a:ext uri="{FF2B5EF4-FFF2-40B4-BE49-F238E27FC236}">
-                <a16:creationId xmlns:a16="http://schemas.microsoft.com/office/drawing/2014/main" xmlns="" id="{BB3217BD-C233-406A-9BF9-5C031D57F7A4}"/>
+                <a16:creationId xmlns:a16="http://schemas.microsoft.com/office/drawing/2014/main" id="{BB3217BD-C233-406A-9BF9-5C031D57F7A4}"/>
               </a:ext>
             </a:extLst>
           </p:cNvPr>
@@ -6957,7 +6960,7 @@
             <a:fld id="{83627DD0-092D-4AD9-AAE0-0513E170352E}" type="datetime1">
               <a:rPr lang="de-DE" smtClean="0"/>
               <a:pPr rtl="0"/>
-              <a:t>29.10.2020</a:t>
+              <a:t>24.11.2020</a:t>
             </a:fld>
             <a:endParaRPr lang="en-US" dirty="0"/>
           </a:p>
@@ -6968,7 +6971,7 @@
           <p:cNvPr id="5" name="Grafik 4">
             <a:extLst>
               <a:ext uri="{FF2B5EF4-FFF2-40B4-BE49-F238E27FC236}">
-                <a16:creationId xmlns:a16="http://schemas.microsoft.com/office/drawing/2014/main" xmlns="" id="{BE597814-D204-476E-8F39-BD1DE08EB300}"/>
+                <a16:creationId xmlns:a16="http://schemas.microsoft.com/office/drawing/2014/main" id="{BE597814-D204-476E-8F39-BD1DE08EB300}"/>
               </a:ext>
             </a:extLst>
           </p:cNvPr>
@@ -6996,7 +6999,7 @@
     </p:spTree>
     <p:extLst>
       <p:ext uri="{BB962C8B-B14F-4D97-AF65-F5344CB8AC3E}">
-        <p14:creationId xmlns:p14="http://schemas.microsoft.com/office/powerpoint/2010/main" xmlns="" val="612475951"/>
+        <p14:creationId xmlns:p14="http://schemas.microsoft.com/office/powerpoint/2010/main" val="612475951"/>
       </p:ext>
     </p:extLst>
   </p:cSld>
@@ -7028,7 +7031,7 @@
           <p:cNvPr id="2" name="Titel 1">
             <a:extLst>
               <a:ext uri="{FF2B5EF4-FFF2-40B4-BE49-F238E27FC236}">
-                <a16:creationId xmlns:a16="http://schemas.microsoft.com/office/drawing/2014/main" xmlns="" id="{0BF4BE3F-DD1C-4F86-90CA-D1AFDB21DDC2}"/>
+                <a16:creationId xmlns:a16="http://schemas.microsoft.com/office/drawing/2014/main" id="{0BF4BE3F-DD1C-4F86-90CA-D1AFDB21DDC2}"/>
               </a:ext>
             </a:extLst>
           </p:cNvPr>
@@ -7056,7 +7059,7 @@
           <p:cNvPr id="4" name="Datumsplatzhalter 3">
             <a:extLst>
               <a:ext uri="{FF2B5EF4-FFF2-40B4-BE49-F238E27FC236}">
-                <a16:creationId xmlns:a16="http://schemas.microsoft.com/office/drawing/2014/main" xmlns="" id="{D69FCEA2-7AA5-453B-A617-5C3F8E5E93E6}"/>
+                <a16:creationId xmlns:a16="http://schemas.microsoft.com/office/drawing/2014/main" id="{D69FCEA2-7AA5-453B-A617-5C3F8E5E93E6}"/>
               </a:ext>
             </a:extLst>
           </p:cNvPr>
@@ -7076,7 +7079,7 @@
             <a:fld id="{83627DD0-092D-4AD9-AAE0-0513E170352E}" type="datetime1">
               <a:rPr lang="de-DE" smtClean="0"/>
               <a:pPr rtl="0"/>
-              <a:t>29.10.2020</a:t>
+              <a:t>24.11.2020</a:t>
             </a:fld>
             <a:endParaRPr lang="en-US" dirty="0"/>
           </a:p>
@@ -7087,7 +7090,7 @@
           <p:cNvPr id="5" name="Rechteck 4">
             <a:extLst>
               <a:ext uri="{FF2B5EF4-FFF2-40B4-BE49-F238E27FC236}">
-                <a16:creationId xmlns:a16="http://schemas.microsoft.com/office/drawing/2014/main" xmlns="" id="{D9DF09B9-CE08-496B-84E1-3C542D0E075D}"/>
+                <a16:creationId xmlns:a16="http://schemas.microsoft.com/office/drawing/2014/main" id="{D9DF09B9-CE08-496B-84E1-3C542D0E075D}"/>
               </a:ext>
             </a:extLst>
           </p:cNvPr>
@@ -7140,7 +7143,7 @@
           <p:cNvPr id="7" name="Rechteck 6">
             <a:extLst>
               <a:ext uri="{FF2B5EF4-FFF2-40B4-BE49-F238E27FC236}">
-                <a16:creationId xmlns:a16="http://schemas.microsoft.com/office/drawing/2014/main" xmlns="" id="{62235240-B391-43DE-9626-87E9515BB91D}"/>
+                <a16:creationId xmlns:a16="http://schemas.microsoft.com/office/drawing/2014/main" id="{62235240-B391-43DE-9626-87E9515BB91D}"/>
               </a:ext>
             </a:extLst>
           </p:cNvPr>
@@ -7193,7 +7196,7 @@
           <p:cNvPr id="9" name="Rechteck 8">
             <a:extLst>
               <a:ext uri="{FF2B5EF4-FFF2-40B4-BE49-F238E27FC236}">
-                <a16:creationId xmlns:a16="http://schemas.microsoft.com/office/drawing/2014/main" xmlns="" id="{AC536E3A-B4C1-46A1-B9BC-BE37B21CFA92}"/>
+                <a16:creationId xmlns:a16="http://schemas.microsoft.com/office/drawing/2014/main" id="{AC536E3A-B4C1-46A1-B9BC-BE37B21CFA92}"/>
               </a:ext>
             </a:extLst>
           </p:cNvPr>
@@ -7246,7 +7249,7 @@
           <p:cNvPr id="11" name="Rechteck 10">
             <a:extLst>
               <a:ext uri="{FF2B5EF4-FFF2-40B4-BE49-F238E27FC236}">
-                <a16:creationId xmlns:a16="http://schemas.microsoft.com/office/drawing/2014/main" xmlns="" id="{DED4E9F9-A49E-42C0-BFFE-4BFED4760424}"/>
+                <a16:creationId xmlns:a16="http://schemas.microsoft.com/office/drawing/2014/main" id="{DED4E9F9-A49E-42C0-BFFE-4BFED4760424}"/>
               </a:ext>
             </a:extLst>
           </p:cNvPr>
@@ -7299,7 +7302,7 @@
           <p:cNvPr id="13" name="Rechteck 12">
             <a:extLst>
               <a:ext uri="{FF2B5EF4-FFF2-40B4-BE49-F238E27FC236}">
-                <a16:creationId xmlns:a16="http://schemas.microsoft.com/office/drawing/2014/main" xmlns="" id="{4625B885-F9FE-4410-8E18-828318CE2AFF}"/>
+                <a16:creationId xmlns:a16="http://schemas.microsoft.com/office/drawing/2014/main" id="{4625B885-F9FE-4410-8E18-828318CE2AFF}"/>
               </a:ext>
             </a:extLst>
           </p:cNvPr>
@@ -7348,7 +7351,7 @@
           <p:cNvPr id="15" name="Rechteck 14">
             <a:extLst>
               <a:ext uri="{FF2B5EF4-FFF2-40B4-BE49-F238E27FC236}">
-                <a16:creationId xmlns:a16="http://schemas.microsoft.com/office/drawing/2014/main" xmlns="" id="{78A5796E-AC12-47F9-94E8-A2646D68493A}"/>
+                <a16:creationId xmlns:a16="http://schemas.microsoft.com/office/drawing/2014/main" id="{78A5796E-AC12-47F9-94E8-A2646D68493A}"/>
               </a:ext>
             </a:extLst>
           </p:cNvPr>
@@ -7397,7 +7400,7 @@
           <p:cNvPr id="17" name="Rechteck 16">
             <a:extLst>
               <a:ext uri="{FF2B5EF4-FFF2-40B4-BE49-F238E27FC236}">
-                <a16:creationId xmlns:a16="http://schemas.microsoft.com/office/drawing/2014/main" xmlns="" id="{5A765D63-D50D-448B-9F1F-72A1F1359710}"/>
+                <a16:creationId xmlns:a16="http://schemas.microsoft.com/office/drawing/2014/main" id="{5A765D63-D50D-448B-9F1F-72A1F1359710}"/>
               </a:ext>
             </a:extLst>
           </p:cNvPr>
@@ -7446,7 +7449,7 @@
           <p:cNvPr id="19" name="Rechteck 18">
             <a:extLst>
               <a:ext uri="{FF2B5EF4-FFF2-40B4-BE49-F238E27FC236}">
-                <a16:creationId xmlns:a16="http://schemas.microsoft.com/office/drawing/2014/main" xmlns="" id="{0729890F-F4C0-412F-A90D-79801EF5D8D5}"/>
+                <a16:creationId xmlns:a16="http://schemas.microsoft.com/office/drawing/2014/main" id="{0729890F-F4C0-412F-A90D-79801EF5D8D5}"/>
               </a:ext>
             </a:extLst>
           </p:cNvPr>
@@ -7495,7 +7498,7 @@
           <p:cNvPr id="21" name="Rechteck 20">
             <a:extLst>
               <a:ext uri="{FF2B5EF4-FFF2-40B4-BE49-F238E27FC236}">
-                <a16:creationId xmlns:a16="http://schemas.microsoft.com/office/drawing/2014/main" xmlns="" id="{D0FAC125-ADA9-4FB7-9BA6-3FF020799CB5}"/>
+                <a16:creationId xmlns:a16="http://schemas.microsoft.com/office/drawing/2014/main" id="{D0FAC125-ADA9-4FB7-9BA6-3FF020799CB5}"/>
               </a:ext>
             </a:extLst>
           </p:cNvPr>
@@ -7544,7 +7547,7 @@
           <p:cNvPr id="23" name="Rechteck 22">
             <a:extLst>
               <a:ext uri="{FF2B5EF4-FFF2-40B4-BE49-F238E27FC236}">
-                <a16:creationId xmlns:a16="http://schemas.microsoft.com/office/drawing/2014/main" xmlns="" id="{7B31D499-C0F9-4FB8-AA92-4D9AC28BEF9A}"/>
+                <a16:creationId xmlns:a16="http://schemas.microsoft.com/office/drawing/2014/main" id="{7B31D499-C0F9-4FB8-AA92-4D9AC28BEF9A}"/>
               </a:ext>
             </a:extLst>
           </p:cNvPr>
@@ -7593,7 +7596,7 @@
           <p:cNvPr id="25" name="Rechteck 24">
             <a:extLst>
               <a:ext uri="{FF2B5EF4-FFF2-40B4-BE49-F238E27FC236}">
-                <a16:creationId xmlns:a16="http://schemas.microsoft.com/office/drawing/2014/main" xmlns="" id="{15161E28-3E86-40F9-B084-08180F56366E}"/>
+                <a16:creationId xmlns:a16="http://schemas.microsoft.com/office/drawing/2014/main" id="{15161E28-3E86-40F9-B084-08180F56366E}"/>
               </a:ext>
             </a:extLst>
           </p:cNvPr>
@@ -7642,7 +7645,7 @@
           <p:cNvPr id="27" name="Rechteck 26">
             <a:extLst>
               <a:ext uri="{FF2B5EF4-FFF2-40B4-BE49-F238E27FC236}">
-                <a16:creationId xmlns:a16="http://schemas.microsoft.com/office/drawing/2014/main" xmlns="" id="{56ED5084-0F98-41EC-85BA-20C7E873E00B}"/>
+                <a16:creationId xmlns:a16="http://schemas.microsoft.com/office/drawing/2014/main" id="{56ED5084-0F98-41EC-85BA-20C7E873E00B}"/>
               </a:ext>
             </a:extLst>
           </p:cNvPr>
@@ -7683,10 +7686,6 @@
               <a:rPr lang="de-DE" dirty="0" err="1"/>
               <a:t>Configuration</a:t>
             </a:r>
-            <a:r>
-              <a:rPr lang="de-DE" dirty="0"/>
-              <a:t/>
-            </a:r>
             <a:br>
               <a:rPr lang="de-DE" dirty="0"/>
             </a:br>
@@ -7702,7 +7701,7 @@
           <p:cNvPr id="29" name="Rechteck 28">
             <a:extLst>
               <a:ext uri="{FF2B5EF4-FFF2-40B4-BE49-F238E27FC236}">
-                <a16:creationId xmlns:a16="http://schemas.microsoft.com/office/drawing/2014/main" xmlns="" id="{C48810CF-5B73-4943-B91C-FEDF1BF311D2}"/>
+                <a16:creationId xmlns:a16="http://schemas.microsoft.com/office/drawing/2014/main" id="{C48810CF-5B73-4943-B91C-FEDF1BF311D2}"/>
               </a:ext>
             </a:extLst>
           </p:cNvPr>
@@ -7755,7 +7754,7 @@
           <p:cNvPr id="31" name="Rechteck 30">
             <a:extLst>
               <a:ext uri="{FF2B5EF4-FFF2-40B4-BE49-F238E27FC236}">
-                <a16:creationId xmlns:a16="http://schemas.microsoft.com/office/drawing/2014/main" xmlns="" id="{D9B7CDB9-B935-4D6B-9DB7-9DDC2B4C47BD}"/>
+                <a16:creationId xmlns:a16="http://schemas.microsoft.com/office/drawing/2014/main" id="{D9B7CDB9-B935-4D6B-9DB7-9DDC2B4C47BD}"/>
               </a:ext>
             </a:extLst>
           </p:cNvPr>
@@ -7809,7 +7808,7 @@
           <p:cNvPr id="33" name="Rechteck 32">
             <a:extLst>
               <a:ext uri="{FF2B5EF4-FFF2-40B4-BE49-F238E27FC236}">
-                <a16:creationId xmlns:a16="http://schemas.microsoft.com/office/drawing/2014/main" xmlns="" id="{1C820B5C-313D-4788-BC7F-1CB19BFA4437}"/>
+                <a16:creationId xmlns:a16="http://schemas.microsoft.com/office/drawing/2014/main" id="{1C820B5C-313D-4788-BC7F-1CB19BFA4437}"/>
               </a:ext>
             </a:extLst>
           </p:cNvPr>
@@ -7850,10 +7849,6 @@
               <a:rPr lang="de-DE" dirty="0" err="1"/>
               <a:t>Intent</a:t>
             </a:r>
-            <a:r>
-              <a:rPr lang="de-DE" dirty="0"/>
-              <a:t/>
-            </a:r>
             <a:br>
               <a:rPr lang="de-DE" dirty="0"/>
             </a:br>
@@ -7869,7 +7864,7 @@
           <p:cNvPr id="35" name="Rechteck 34">
             <a:extLst>
               <a:ext uri="{FF2B5EF4-FFF2-40B4-BE49-F238E27FC236}">
-                <a16:creationId xmlns:a16="http://schemas.microsoft.com/office/drawing/2014/main" xmlns="" id="{EC4E45D3-3BFF-4310-BDA9-2C6BCC21C944}"/>
+                <a16:creationId xmlns:a16="http://schemas.microsoft.com/office/drawing/2014/main" id="{EC4E45D3-3BFF-4310-BDA9-2C6BCC21C944}"/>
               </a:ext>
             </a:extLst>
           </p:cNvPr>
@@ -7922,7 +7917,7 @@
           <p:cNvPr id="37" name="Gerader Verbinder 36">
             <a:extLst>
               <a:ext uri="{FF2B5EF4-FFF2-40B4-BE49-F238E27FC236}">
-                <a16:creationId xmlns:a16="http://schemas.microsoft.com/office/drawing/2014/main" xmlns="" id="{96F7A753-FF41-489C-99D7-1348CDC14BD8}"/>
+                <a16:creationId xmlns:a16="http://schemas.microsoft.com/office/drawing/2014/main" id="{96F7A753-FF41-489C-99D7-1348CDC14BD8}"/>
               </a:ext>
             </a:extLst>
           </p:cNvPr>
@@ -7961,7 +7956,7 @@
           <p:cNvPr id="38" name="Gerader Verbinder 37">
             <a:extLst>
               <a:ext uri="{FF2B5EF4-FFF2-40B4-BE49-F238E27FC236}">
-                <a16:creationId xmlns:a16="http://schemas.microsoft.com/office/drawing/2014/main" xmlns="" id="{85E1205A-F9D4-4B91-B0E2-EEB00652A17C}"/>
+                <a16:creationId xmlns:a16="http://schemas.microsoft.com/office/drawing/2014/main" id="{85E1205A-F9D4-4B91-B0E2-EEB00652A17C}"/>
               </a:ext>
             </a:extLst>
           </p:cNvPr>
@@ -8001,7 +7996,7 @@
           <p:cNvPr id="41" name="Gerader Verbinder 40">
             <a:extLst>
               <a:ext uri="{FF2B5EF4-FFF2-40B4-BE49-F238E27FC236}">
-                <a16:creationId xmlns:a16="http://schemas.microsoft.com/office/drawing/2014/main" xmlns="" id="{F224AE57-3E3E-4D7A-867B-35B010954FB6}"/>
+                <a16:creationId xmlns:a16="http://schemas.microsoft.com/office/drawing/2014/main" id="{F224AE57-3E3E-4D7A-867B-35B010954FB6}"/>
               </a:ext>
             </a:extLst>
           </p:cNvPr>
@@ -8041,7 +8036,7 @@
           <p:cNvPr id="44" name="Gerader Verbinder 43">
             <a:extLst>
               <a:ext uri="{FF2B5EF4-FFF2-40B4-BE49-F238E27FC236}">
-                <a16:creationId xmlns:a16="http://schemas.microsoft.com/office/drawing/2014/main" xmlns="" id="{F66C0B25-8F45-4DE7-9697-BAC3E525C4A2}"/>
+                <a16:creationId xmlns:a16="http://schemas.microsoft.com/office/drawing/2014/main" id="{F66C0B25-8F45-4DE7-9697-BAC3E525C4A2}"/>
               </a:ext>
             </a:extLst>
           </p:cNvPr>
@@ -8081,7 +8076,7 @@
           <p:cNvPr id="47" name="Gerader Verbinder 46">
             <a:extLst>
               <a:ext uri="{FF2B5EF4-FFF2-40B4-BE49-F238E27FC236}">
-                <a16:creationId xmlns:a16="http://schemas.microsoft.com/office/drawing/2014/main" xmlns="" id="{C65CC0D0-CB01-4DC1-BEF8-2ABD3052C16F}"/>
+                <a16:creationId xmlns:a16="http://schemas.microsoft.com/office/drawing/2014/main" id="{C65CC0D0-CB01-4DC1-BEF8-2ABD3052C16F}"/>
               </a:ext>
             </a:extLst>
           </p:cNvPr>
@@ -8121,7 +8116,7 @@
           <p:cNvPr id="50" name="Gerader Verbinder 49">
             <a:extLst>
               <a:ext uri="{FF2B5EF4-FFF2-40B4-BE49-F238E27FC236}">
-                <a16:creationId xmlns:a16="http://schemas.microsoft.com/office/drawing/2014/main" xmlns="" id="{9387A510-D1B2-4E75-8480-3395F0EF5A65}"/>
+                <a16:creationId xmlns:a16="http://schemas.microsoft.com/office/drawing/2014/main" id="{9387A510-D1B2-4E75-8480-3395F0EF5A65}"/>
               </a:ext>
             </a:extLst>
           </p:cNvPr>
@@ -8161,7 +8156,7 @@
           <p:cNvPr id="53" name="Gerader Verbinder 52">
             <a:extLst>
               <a:ext uri="{FF2B5EF4-FFF2-40B4-BE49-F238E27FC236}">
-                <a16:creationId xmlns:a16="http://schemas.microsoft.com/office/drawing/2014/main" xmlns="" id="{9AECE8A0-FADB-4F78-A50C-618016F207AB}"/>
+                <a16:creationId xmlns:a16="http://schemas.microsoft.com/office/drawing/2014/main" id="{9AECE8A0-FADB-4F78-A50C-618016F207AB}"/>
               </a:ext>
             </a:extLst>
           </p:cNvPr>
@@ -8202,7 +8197,7 @@
           <p:cNvPr id="57" name="Rechteck 56">
             <a:extLst>
               <a:ext uri="{FF2B5EF4-FFF2-40B4-BE49-F238E27FC236}">
-                <a16:creationId xmlns:a16="http://schemas.microsoft.com/office/drawing/2014/main" xmlns="" id="{1E3C4C50-14F4-4151-A545-2D2EC95B50D2}"/>
+                <a16:creationId xmlns:a16="http://schemas.microsoft.com/office/drawing/2014/main" id="{1E3C4C50-14F4-4151-A545-2D2EC95B50D2}"/>
               </a:ext>
             </a:extLst>
           </p:cNvPr>
@@ -8251,7 +8246,7 @@
           <p:cNvPr id="59" name="Rechteck 58">
             <a:extLst>
               <a:ext uri="{FF2B5EF4-FFF2-40B4-BE49-F238E27FC236}">
-                <a16:creationId xmlns:a16="http://schemas.microsoft.com/office/drawing/2014/main" xmlns="" id="{BC33A8A1-EFD9-45C5-BB9E-F4231804E984}"/>
+                <a16:creationId xmlns:a16="http://schemas.microsoft.com/office/drawing/2014/main" id="{BC33A8A1-EFD9-45C5-BB9E-F4231804E984}"/>
               </a:ext>
             </a:extLst>
           </p:cNvPr>
@@ -8300,7 +8295,7 @@
           <p:cNvPr id="62" name="Grafik 61">
             <a:extLst>
               <a:ext uri="{FF2B5EF4-FFF2-40B4-BE49-F238E27FC236}">
-                <a16:creationId xmlns:a16="http://schemas.microsoft.com/office/drawing/2014/main" xmlns="" id="{B384DBF0-0427-45C6-9F50-3C296E53F970}"/>
+                <a16:creationId xmlns:a16="http://schemas.microsoft.com/office/drawing/2014/main" id="{B384DBF0-0427-45C6-9F50-3C296E53F970}"/>
               </a:ext>
             </a:extLst>
           </p:cNvPr>
@@ -8313,7 +8308,7 @@
           <a:blip r:embed="rId2" cstate="print">
             <a:extLst>
               <a:ext uri="{28A0092B-C50C-407E-A947-70E740481C1C}">
-                <a14:useLocalDpi xmlns:a14="http://schemas.microsoft.com/office/drawing/2010/main" xmlns="" val="0"/>
+                <a14:useLocalDpi xmlns:a14="http://schemas.microsoft.com/office/drawing/2010/main" val="0"/>
               </a:ext>
             </a:extLst>
           </a:blip>
@@ -8336,7 +8331,7 @@
           <p:cNvPr id="63" name="Flussdiagramm: Magnetplattenspeicher 62">
             <a:extLst>
               <a:ext uri="{FF2B5EF4-FFF2-40B4-BE49-F238E27FC236}">
-                <a16:creationId xmlns:a16="http://schemas.microsoft.com/office/drawing/2014/main" xmlns="" id="{BBF63040-2F21-4DE0-8ABA-23FBF6250F4A}"/>
+                <a16:creationId xmlns:a16="http://schemas.microsoft.com/office/drawing/2014/main" id="{BBF63040-2F21-4DE0-8ABA-23FBF6250F4A}"/>
               </a:ext>
             </a:extLst>
           </p:cNvPr>
@@ -8385,7 +8380,7 @@
           <p:cNvPr id="68" name="Textfeld 67">
             <a:extLst>
               <a:ext uri="{FF2B5EF4-FFF2-40B4-BE49-F238E27FC236}">
-                <a16:creationId xmlns:a16="http://schemas.microsoft.com/office/drawing/2014/main" xmlns="" id="{6A7F3DBA-1D9A-4A0B-B09B-47479C8F9B1C}"/>
+                <a16:creationId xmlns:a16="http://schemas.microsoft.com/office/drawing/2014/main" id="{6A7F3DBA-1D9A-4A0B-B09B-47479C8F9B1C}"/>
               </a:ext>
             </a:extLst>
           </p:cNvPr>
@@ -8428,7 +8423,7 @@
           <p:cNvPr id="76" name="Verbinder: gewinkelt 75">
             <a:extLst>
               <a:ext uri="{FF2B5EF4-FFF2-40B4-BE49-F238E27FC236}">
-                <a16:creationId xmlns:a16="http://schemas.microsoft.com/office/drawing/2014/main" xmlns="" id="{A390816B-7CD0-4F86-A78F-2E6A8688074D}"/>
+                <a16:creationId xmlns:a16="http://schemas.microsoft.com/office/drawing/2014/main" id="{A390816B-7CD0-4F86-A78F-2E6A8688074D}"/>
               </a:ext>
             </a:extLst>
           </p:cNvPr>
@@ -8472,7 +8467,7 @@
     </p:spTree>
     <p:extLst>
       <p:ext uri="{BB962C8B-B14F-4D97-AF65-F5344CB8AC3E}">
-        <p14:creationId xmlns:p14="http://schemas.microsoft.com/office/powerpoint/2010/main" xmlns="" val="3504251259"/>
+        <p14:creationId xmlns:p14="http://schemas.microsoft.com/office/powerpoint/2010/main" val="3504251259"/>
       </p:ext>
     </p:extLst>
   </p:cSld>
@@ -8745,7 +8740,7 @@
   <a:extraClrSchemeLst/>
   <a:extLst>
     <a:ext uri="{05A4C25C-085E-4340-85A3-A5531E510DB2}">
-      <thm15:themeFamily xmlns:thm15="http://schemas.microsoft.com/office/thememl/2012/main" xmlns="" name="Office_41798788_TF33552983" id="{576DBA50-8B91-4A4D-83D9-7E9D2BF5E738}" vid="{40B35DA9-BDA0-45AF-A640-2DB6EA94DA72}"/>
+      <thm15:themeFamily xmlns:thm15="http://schemas.microsoft.com/office/thememl/2012/main" name="Office_41798788_TF33552983" id="{576DBA50-8B91-4A4D-83D9-7E9D2BF5E738}" vid="{40B35DA9-BDA0-45AF-A640-2DB6EA94DA72}"/>
     </a:ext>
   </a:extLst>
 </a:theme>
@@ -9006,7 +9001,7 @@
   <a:extraClrSchemeLst/>
   <a:extLst>
     <a:ext uri="{05A4C25C-085E-4340-85A3-A5531E510DB2}">
-      <thm15:themeFamily xmlns:thm15="http://schemas.microsoft.com/office/thememl/2012/main" xmlns="" name="Office Theme" id="{62F939B6-93AF-4DB8-9C6B-D6C7DFDC589F}" vid="{4A3C46E8-61CC-4603-A589-7422A47A8E4A}"/>
+      <thm15:themeFamily xmlns:thm15="http://schemas.microsoft.com/office/thememl/2012/main" name="Office Theme" id="{62F939B6-93AF-4DB8-9C6B-D6C7DFDC589F}" vid="{4A3C46E8-61CC-4603-A589-7422A47A8E4A}"/>
     </a:ext>
   </a:extLst>
 </a:theme>
@@ -9267,7 +9262,7 @@
   <a:extraClrSchemeLst/>
   <a:extLst>
     <a:ext uri="{05A4C25C-085E-4340-85A3-A5531E510DB2}">
-      <thm15:themeFamily xmlns:thm15="http://schemas.microsoft.com/office/thememl/2012/main" xmlns="" name="Office Theme" id="{62F939B6-93AF-4DB8-9C6B-D6C7DFDC589F}" vid="{4A3C46E8-61CC-4603-A589-7422A47A8E4A}"/>
+      <thm15:themeFamily xmlns:thm15="http://schemas.microsoft.com/office/thememl/2012/main" name="Office Theme" id="{62F939B6-93AF-4DB8-9C6B-D6C7DFDC589F}" vid="{4A3C46E8-61CC-4603-A589-7422A47A8E4A}"/>
     </a:ext>
   </a:extLst>
 </a:theme>

--- a/slides/00_b_DevEnv.pptx
+++ b/slides/00_b_DevEnv.pptx
@@ -223,7 +223,7 @@
             <a:fld id="{764ED9EE-8F2A-4E06-87A2-36C0DD0993FD}" type="datetime1">
               <a:rPr lang="de-DE" smtClean="0"/>
               <a:pPr rtl="0"/>
-              <a:t>24.11.2020</a:t>
+              <a:t>26.12.2020</a:t>
             </a:fld>
             <a:endParaRPr lang="en-US" dirty="0"/>
           </a:p>
@@ -395,7 +395,7 @@
             <a:fld id="{A5A5ADE8-1FB8-43FD-A675-2B613EE00B6F}" type="datetime1">
               <a:rPr lang="de-DE" smtClean="0"/>
               <a:pPr rtl="0"/>
-              <a:t>24.11.2020</a:t>
+              <a:t>26.12.2020</a:t>
             </a:fld>
             <a:endParaRPr lang="en-US"/>
           </a:p>
@@ -911,7 +911,7 @@
             <a:fld id="{81E9C95E-BEF0-4D2E-9127-B9099B238D2A}" type="datetime1">
               <a:rPr lang="de-DE" smtClean="0"/>
               <a:pPr rtl="0"/>
-              <a:t>24.11.2020</a:t>
+              <a:t>26.12.2020</a:t>
             </a:fld>
             <a:endParaRPr lang="en-US" dirty="0"/>
           </a:p>
@@ -1120,7 +1120,7 @@
             <a:fld id="{FE771757-BB18-44C5-813E-435E78C98126}" type="datetime1">
               <a:rPr lang="de-DE" smtClean="0"/>
               <a:pPr rtl="0"/>
-              <a:t>24.11.2020</a:t>
+              <a:t>26.12.2020</a:t>
             </a:fld>
             <a:endParaRPr lang="en-US" dirty="0"/>
           </a:p>
@@ -1488,7 +1488,7 @@
             <a:fld id="{B83FACD6-565C-4118-ACD0-32ACCA9AF940}" type="datetime1">
               <a:rPr lang="de-DE" smtClean="0"/>
               <a:pPr rtl="0"/>
-              <a:t>24.11.2020</a:t>
+              <a:t>26.12.2020</a:t>
             </a:fld>
             <a:endParaRPr lang="en-US" dirty="0"/>
           </a:p>
@@ -1692,7 +1692,7 @@
             <a:fld id="{83627DD0-092D-4AD9-AAE0-0513E170352E}" type="datetime1">
               <a:rPr lang="de-DE" smtClean="0"/>
               <a:pPr rtl="0"/>
-              <a:t>24.11.2020</a:t>
+              <a:t>26.12.2020</a:t>
             </a:fld>
             <a:endParaRPr lang="en-US" dirty="0"/>
           </a:p>
@@ -2010,7 +2010,7 @@
             <a:fld id="{F36CBEDB-B1DE-4F8C-AD4A-10AD3F77E1A9}" type="datetime1">
               <a:rPr lang="de-DE" smtClean="0"/>
               <a:pPr rtl="0"/>
-              <a:t>24.11.2020</a:t>
+              <a:t>26.12.2020</a:t>
             </a:fld>
             <a:endParaRPr lang="en-US" dirty="0"/>
           </a:p>
@@ -2269,7 +2269,7 @@
             <a:fld id="{F95AE019-BB99-4C3A-AA2C-A36C39CE4DCB}" type="datetime1">
               <a:rPr lang="de-DE" smtClean="0"/>
               <a:pPr rtl="0"/>
-              <a:t>24.11.2020</a:t>
+              <a:t>26.12.2020</a:t>
             </a:fld>
             <a:endParaRPr lang="en-US" dirty="0"/>
           </a:p>
@@ -2697,7 +2697,7 @@
             <a:fld id="{117FAFC6-AD0C-4B5B-B8B0-E729C6D4C810}" type="datetime1">
               <a:rPr lang="de-DE" smtClean="0"/>
               <a:pPr rtl="0"/>
-              <a:t>24.11.2020</a:t>
+              <a:t>26.12.2020</a:t>
             </a:fld>
             <a:endParaRPr lang="en-US" dirty="0"/>
           </a:p>
@@ -2826,7 +2826,7 @@
             <a:fld id="{607DEF3C-A2B0-4F78-836D-1A1B1DEE5467}" type="datetime1">
               <a:rPr lang="de-DE" smtClean="0"/>
               <a:pPr rtl="0"/>
-              <a:t>24.11.2020</a:t>
+              <a:t>26.12.2020</a:t>
             </a:fld>
             <a:endParaRPr lang="en-US" dirty="0"/>
           </a:p>
@@ -2926,7 +2926,7 @@
             <a:fld id="{D971D44B-9C44-467E-B481-41466CDBD2A7}" type="datetime1">
               <a:rPr lang="de-DE" smtClean="0"/>
               <a:pPr rtl="0"/>
-              <a:t>24.11.2020</a:t>
+              <a:t>26.12.2020</a:t>
             </a:fld>
             <a:endParaRPr lang="en-US" dirty="0"/>
           </a:p>
@@ -3309,7 +3309,7 @@
             <a:fld id="{0354EEBD-0E7F-42E6-BE86-4864547D749E}" type="datetime1">
               <a:rPr lang="de-DE" smtClean="0"/>
               <a:pPr rtl="0"/>
-              <a:t>24.11.2020</a:t>
+              <a:t>26.12.2020</a:t>
             </a:fld>
             <a:endParaRPr lang="en-US" dirty="0"/>
           </a:p>
@@ -3608,7 +3608,7 @@
             <a:fld id="{8C7274EF-79A2-4EAD-98EF-7E5BB5EA068D}" type="datetime1">
               <a:rPr lang="de-DE" smtClean="0"/>
               <a:pPr rtl="0"/>
-              <a:t>24.11.2020</a:t>
+              <a:t>26.12.2020</a:t>
             </a:fld>
             <a:endParaRPr lang="en-US" dirty="0"/>
           </a:p>
@@ -3828,7 +3828,7 @@
             <a:fld id="{EDD379EC-906B-4CE5-98C2-3A156331FD9E}" type="datetime1">
               <a:rPr lang="de-DE" smtClean="0"/>
               <a:pPr rtl="0"/>
-              <a:t>24.11.2020</a:t>
+              <a:t>26.12.2020</a:t>
             </a:fld>
             <a:endParaRPr lang="en-US" dirty="0"/>
           </a:p>
@@ -4591,14 +4591,22 @@
         </p:spPr>
         <p:txBody>
           <a:bodyPr rtlCol="0">
-            <a:normAutofit fontScale="92500" lnSpcReduction="10000"/>
+            <a:normAutofit fontScale="92500"/>
           </a:bodyPr>
           <a:lstStyle/>
           <a:p>
             <a:pPr rtl="0"/>
             <a:r>
               <a:rPr lang="de" dirty="0"/>
-              <a:t>Jonas Freiknecht, 2020, v1.0</a:t>
+              <a:t>Jonas Freiknecht</a:t>
+            </a:r>
+            <a:r>
+              <a:rPr lang="de"/>
+              <a:t>, 2021, </a:t>
+            </a:r>
+            <a:r>
+              <a:rPr lang="de" dirty="0"/>
+              <a:t>v1.3</a:t>
             </a:r>
           </a:p>
           <a:p>
@@ -4854,7 +4862,7 @@
           <a:p>
             <a:r>
               <a:rPr lang="de-DE" dirty="0"/>
-              <a:t>Was beinhaltet eine Entwicklungsumgebung</a:t>
+              <a:t>Was beinhaltet eine Entwicklungsumgebung?</a:t>
             </a:r>
           </a:p>
         </p:txBody>
@@ -4924,6 +4932,13 @@
             <a:r>
               <a:rPr lang="de-DE" dirty="0"/>
               <a:t>Installation von Paketen gemäß der geforderten Version</a:t>
+            </a:r>
+          </a:p>
+          <a:p>
+            <a:pPr lvl="1"/>
+            <a:r>
+              <a:rPr lang="de-DE" dirty="0"/>
+              <a:t>Keine lange Internetsuche nach den richtigen Installationspaketen (Wheels)</a:t>
             </a:r>
           </a:p>
           <a:p>
@@ -4951,7 +4966,7 @@
             <a:fld id="{83627DD0-092D-4AD9-AAE0-0513E170352E}" type="datetime1">
               <a:rPr lang="de-DE" smtClean="0"/>
               <a:pPr rtl="0"/>
-              <a:t>24.11.2020</a:t>
+              <a:t>26.12.2020</a:t>
             </a:fld>
             <a:endParaRPr lang="en-US" dirty="0"/>
           </a:p>
@@ -5038,7 +5053,7 @@
           <a:p>
             <a:r>
               <a:rPr lang="de-DE" dirty="0"/>
-              <a:t>IDEs (Integrated Developer Environment) gibt es viele</a:t>
+              <a:t>IDEs (Integrated Development Environment) gibt es viele</a:t>
             </a:r>
           </a:p>
           <a:p>
@@ -5088,7 +5103,7 @@
             <a:pPr lvl="1"/>
             <a:r>
               <a:rPr lang="de-DE" dirty="0"/>
-              <a:t>Zum Lernen gut</a:t>
+              <a:t>Zum Lernen gut (zu viel automatisierte Hilfe ist ein Lernhindernis)</a:t>
             </a:r>
           </a:p>
           <a:p>
@@ -5307,7 +5322,15 @@
           <a:p>
             <a:r>
               <a:rPr lang="de-DE" dirty="0"/>
-              <a:t>Mehrere Projekte in Python</a:t>
+              <a:t>Verwaltung von </a:t>
+            </a:r>
+            <a:r>
+              <a:rPr lang="de-DE" dirty="0" err="1"/>
+              <a:t>Environements</a:t>
+            </a:r>
+            <a:r>
+              <a:rPr lang="de-DE" dirty="0"/>
+              <a:t> in Python</a:t>
             </a:r>
           </a:p>
         </p:txBody>
@@ -5374,7 +5397,17 @@
             <a:pPr lvl="1"/>
             <a:r>
               <a:rPr lang="de-DE" dirty="0"/>
-              <a:t>Mehrere Python Versionen möglich, aber umständlich</a:t>
+              <a:t>Mehrere Python Versionen möglich, aber umständlich (müssen alle manuell installiert werden </a:t>
+            </a:r>
+            <a:r>
+              <a:rPr lang="de-DE" dirty="0">
+                <a:sym typeface="Wingdings" panose="05000000000000000000" pitchFamily="2" charset="2"/>
+              </a:rPr>
+              <a:t> Wenn ihr nicht genau wisst, was ihr tut ändert ihr schnell die Umgebung eures gesamten Systems</a:t>
+            </a:r>
+            <a:r>
+              <a:rPr lang="de-DE" dirty="0"/>
+              <a:t>)</a:t>
             </a:r>
           </a:p>
         </p:txBody>
@@ -5404,7 +5437,7 @@
             <a:fld id="{83627DD0-092D-4AD9-AAE0-0513E170352E}" type="datetime1">
               <a:rPr lang="de-DE" smtClean="0"/>
               <a:pPr rtl="0"/>
-              <a:t>24.11.2020</a:t>
+              <a:t>26.12.2020</a:t>
             </a:fld>
             <a:endParaRPr lang="en-US" dirty="0"/>
           </a:p>
@@ -6154,7 +6187,17 @@
             <a:pPr lvl="1"/>
             <a:r>
               <a:rPr lang="de-DE" dirty="0"/>
-              <a:t>Nehmt nicht per se die neuste Version (derzeit 3.8). Nur die wenigsten Bibliotheken sind immer für die neuste Version kompiliert.</a:t>
+              <a:t>Nehmt nicht per se die neuste Version (derzeit 3.9) </a:t>
+            </a:r>
+            <a:r>
+              <a:rPr lang="de-DE" dirty="0">
+                <a:sym typeface="Wingdings" panose="05000000000000000000" pitchFamily="2" charset="2"/>
+              </a:rPr>
+              <a:t></a:t>
+            </a:r>
+            <a:r>
+              <a:rPr lang="de-DE" dirty="0"/>
+              <a:t> Nur die wenigsten Bibliotheken sind immer für die neuste Version kompiliert.</a:t>
             </a:r>
           </a:p>
           <a:p>
@@ -6187,7 +6230,7 @@
             <a:fld id="{83627DD0-092D-4AD9-AAE0-0513E170352E}" type="datetime1">
               <a:rPr lang="de-DE" smtClean="0"/>
               <a:pPr rtl="0"/>
-              <a:t>24.11.2020</a:t>
+              <a:t>26.12.2020</a:t>
             </a:fld>
             <a:endParaRPr lang="en-US" dirty="0"/>
           </a:p>
@@ -6785,6 +6828,79 @@
           </a:p>
         </p:txBody>
       </p:sp>
+      <p:pic>
+        <p:nvPicPr>
+          <p:cNvPr id="23" name="Grafik 22">
+            <a:extLst>
+              <a:ext uri="{FF2B5EF4-FFF2-40B4-BE49-F238E27FC236}">
+                <a16:creationId xmlns:a16="http://schemas.microsoft.com/office/drawing/2014/main" id="{4C095E10-88B8-422B-BDA0-3EC49E4F7921}"/>
+              </a:ext>
+            </a:extLst>
+          </p:cNvPr>
+          <p:cNvPicPr>
+            <a:picLocks noChangeAspect="1"/>
+          </p:cNvPicPr>
+          <p:nvPr/>
+        </p:nvPicPr>
+        <p:blipFill>
+          <a:blip r:embed="rId3"/>
+          <a:stretch>
+            <a:fillRect/>
+          </a:stretch>
+        </p:blipFill>
+        <p:spPr>
+          <a:xfrm>
+            <a:off x="926142" y="5631969"/>
+            <a:ext cx="5962650" cy="1047750"/>
+          </a:xfrm>
+          <a:prstGeom prst="rect">
+            <a:avLst/>
+          </a:prstGeom>
+        </p:spPr>
+      </p:pic>
+      <p:cxnSp>
+        <p:nvCxnSpPr>
+          <p:cNvPr id="25" name="Verbinder: gewinkelt 24">
+            <a:extLst>
+              <a:ext uri="{FF2B5EF4-FFF2-40B4-BE49-F238E27FC236}">
+                <a16:creationId xmlns:a16="http://schemas.microsoft.com/office/drawing/2014/main" id="{BB7299D5-A97E-48A1-950B-90482FB7E366}"/>
+              </a:ext>
+            </a:extLst>
+          </p:cNvPr>
+          <p:cNvCxnSpPr>
+            <a:cxnSpLocks/>
+          </p:cNvCxnSpPr>
+          <p:nvPr/>
+        </p:nvCxnSpPr>
+        <p:spPr>
+          <a:xfrm rot="16200000" flipH="1">
+            <a:off x="-1199920" y="4164006"/>
+            <a:ext cx="3496534" cy="487142"/>
+          </a:xfrm>
+          <a:prstGeom prst="bentConnector3">
+            <a:avLst>
+              <a:gd name="adj1" fmla="val 99904"/>
+            </a:avLst>
+          </a:prstGeom>
+          <a:ln>
+            <a:tailEnd type="triangle"/>
+          </a:ln>
+        </p:spPr>
+        <p:style>
+          <a:lnRef idx="1">
+            <a:schemeClr val="accent2"/>
+          </a:lnRef>
+          <a:fillRef idx="0">
+            <a:schemeClr val="accent2"/>
+          </a:fillRef>
+          <a:effectRef idx="0">
+            <a:schemeClr val="accent2"/>
+          </a:effectRef>
+          <a:fontRef idx="minor">
+            <a:schemeClr val="tx1"/>
+          </a:fontRef>
+        </p:style>
+      </p:cxnSp>
     </p:spTree>
     <p:extLst>
       <p:ext uri="{BB962C8B-B14F-4D97-AF65-F5344CB8AC3E}">
@@ -6879,14 +6995,7 @@
           <a:p>
             <a:r>
               <a:rPr lang="de-DE" dirty="0"/>
-              <a:t>Denkt dran, dass ihr euren Code irgendwann mal mit anderen</a:t>
-            </a:r>
-            <a:br>
-              <a:rPr lang="de-DE" dirty="0"/>
-            </a:br>
-            <a:r>
-              <a:rPr lang="de-DE" dirty="0"/>
-              <a:t>Menschen teilen könntet/müsst</a:t>
+              <a:t>Denkt dran, dass ihr euren Code irgendwann mal mit anderen Menschen teilen könntet/müsst</a:t>
             </a:r>
           </a:p>
           <a:p>
@@ -6960,7 +7069,7 @@
             <a:fld id="{83627DD0-092D-4AD9-AAE0-0513E170352E}" type="datetime1">
               <a:rPr lang="de-DE" smtClean="0"/>
               <a:pPr rtl="0"/>
-              <a:t>24.11.2020</a:t>
+              <a:t>26.12.2020</a:t>
             </a:fld>
             <a:endParaRPr lang="en-US" dirty="0"/>
           </a:p>
@@ -7079,7 +7188,7 @@
             <a:fld id="{83627DD0-092D-4AD9-AAE0-0513E170352E}" type="datetime1">
               <a:rPr lang="de-DE" smtClean="0"/>
               <a:pPr rtl="0"/>
-              <a:t>24.11.2020</a:t>
+              <a:t>26.12.2020</a:t>
             </a:fld>
             <a:endParaRPr lang="en-US" dirty="0"/>
           </a:p>
@@ -7744,7 +7853,7 @@
             </a:r>
             <a:r>
               <a:rPr lang="de-DE" dirty="0"/>
-              <a:t> Kalender</a:t>
+              <a:t> Erinnerung</a:t>
             </a:r>
           </a:p>
         </p:txBody>
@@ -7854,7 +7963,7 @@
             </a:br>
             <a:r>
               <a:rPr lang="de-DE" dirty="0"/>
-              <a:t>Smalltalk</a:t>
+              <a:t>Smart Home</a:t>
             </a:r>
           </a:p>
         </p:txBody>
@@ -8405,7 +8514,15 @@
           <a:p>
             <a:r>
               <a:rPr lang="de-DE" dirty="0"/>
-              <a:t>Die Hauptanwendung ist starr und beinhaltet die Grundliegende Logik. Die </a:t>
+              <a:t>Die Hauptanwendung ist starr und beinhaltet </a:t>
+            </a:r>
+            <a:r>
+              <a:rPr lang="de-DE"/>
+              <a:t>die grundliegende </a:t>
+            </a:r>
+            <a:r>
+              <a:rPr lang="de-DE" dirty="0"/>
+              <a:t>Logik. Die </a:t>
             </a:r>
             <a:r>
               <a:rPr lang="de-DE" dirty="0" err="1"/>
